--- a/finalVersion_presentation_team19.pptx
+++ b/finalVersion_presentation_team19.pptx
@@ -1,43 +1,43 @@
 
 <file path=ppt/presentation.xml><?xml version="1.0" encoding="utf-8"?>
-<p:presentation xmlns:a="http://schemas.openxmlformats.org/drawingml/2006/main" xmlns:r="http://schemas.openxmlformats.org/officeDocument/2006/relationships" xmlns:mc="http://schemas.openxmlformats.org/markup-compatibility/2006" xmlns:mv="urn:schemas-microsoft-com:mac:vml" xmlns:p="http://schemas.openxmlformats.org/presentationml/2006/main" xmlns:c="http://schemas.openxmlformats.org/drawingml/2006/chart" xmlns:dgm="http://schemas.openxmlformats.org/drawingml/2006/diagram" xmlns:o="urn:schemas-microsoft-com:office:office" xmlns:v="urn:schemas-microsoft-com:vml" xmlns:pvml="urn:schemas-microsoft-com:office:powerpoint" xmlns:com="http://schemas.openxmlformats.org/drawingml/2006/compatibility" xmlns:p14="http://schemas.microsoft.com/office/powerpoint/2010/main" xmlns:p15="http://schemas.microsoft.com/office/powerpoint/2012/main" xmlns:ahyp="http://schemas.microsoft.com/office/drawing/2018/hyperlinkcolor" autoCompressPictures="0" embedTrueTypeFonts="1" strictFirstAndLastChars="0" saveSubsetFonts="1">
+<p:presentation xmlns:a="http://schemas.openxmlformats.org/drawingml/2006/main" xmlns:r="http://schemas.openxmlformats.org/officeDocument/2006/relationships" xmlns:p="http://schemas.openxmlformats.org/presentationml/2006/main" strictFirstAndLastChars="0" embedTrueTypeFonts="1" saveSubsetFonts="1" autoCompressPictures="0">
   <p:sldMasterIdLst>
-    <p:sldMasterId id="2147483659" r:id="rId4"/>
+    <p:sldMasterId id="2147483659" r:id="rId1"/>
   </p:sldMasterIdLst>
   <p:notesMasterIdLst>
-    <p:notesMasterId r:id="rId5"/>
+    <p:notesMasterId r:id="rId18"/>
   </p:notesMasterIdLst>
   <p:sldIdLst>
-    <p:sldId id="256" r:id="rId6"/>
-    <p:sldId id="257" r:id="rId7"/>
-    <p:sldId id="258" r:id="rId8"/>
-    <p:sldId id="259" r:id="rId9"/>
-    <p:sldId id="260" r:id="rId10"/>
-    <p:sldId id="261" r:id="rId11"/>
-    <p:sldId id="262" r:id="rId12"/>
-    <p:sldId id="263" r:id="rId13"/>
-    <p:sldId id="264" r:id="rId14"/>
-    <p:sldId id="265" r:id="rId15"/>
-    <p:sldId id="266" r:id="rId16"/>
-    <p:sldId id="267" r:id="rId17"/>
-    <p:sldId id="268" r:id="rId18"/>
-    <p:sldId id="269" r:id="rId19"/>
-    <p:sldId id="270" r:id="rId20"/>
-    <p:sldId id="271" r:id="rId21"/>
+    <p:sldId id="256" r:id="rId2"/>
+    <p:sldId id="257" r:id="rId3"/>
+    <p:sldId id="258" r:id="rId4"/>
+    <p:sldId id="259" r:id="rId5"/>
+    <p:sldId id="260" r:id="rId6"/>
+    <p:sldId id="261" r:id="rId7"/>
+    <p:sldId id="262" r:id="rId8"/>
+    <p:sldId id="263" r:id="rId9"/>
+    <p:sldId id="264" r:id="rId10"/>
+    <p:sldId id="265" r:id="rId11"/>
+    <p:sldId id="266" r:id="rId12"/>
+    <p:sldId id="267" r:id="rId13"/>
+    <p:sldId id="268" r:id="rId14"/>
+    <p:sldId id="269" r:id="rId15"/>
+    <p:sldId id="270" r:id="rId16"/>
+    <p:sldId id="271" r:id="rId17"/>
   </p:sldIdLst>
-  <p:sldSz cy="5143500" cx="9144000"/>
+  <p:sldSz cx="9144000" cy="5143500" type="screen16x9"/>
   <p:notesSz cx="6858000" cy="9144000"/>
   <p:embeddedFontLst>
     <p:embeddedFont>
-      <p:font typeface="Roboto"/>
-      <p:regular r:id="rId22"/>
-      <p:bold r:id="rId23"/>
-      <p:italic r:id="rId24"/>
-      <p:boldItalic r:id="rId25"/>
+      <p:font typeface="Roboto" panose="020B0604020202020204" charset="0"/>
+      <p:regular r:id="rId19"/>
+      <p:bold r:id="rId20"/>
+      <p:italic r:id="rId21"/>
+      <p:boldItalic r:id="rId22"/>
     </p:embeddedFont>
   </p:embeddedFontLst>
   <p:defaultTextStyle>
-    <a:defPPr lvl="0" marR="0" rtl="0" algn="l">
+    <a:defPPr marR="0" lvl="0" algn="l" rtl="0">
       <a:lnSpc>
         <a:spcPct val="100000"/>
       </a:lnSpc>
@@ -48,7 +48,7 @@
         <a:spcPts val="0"/>
       </a:spcAft>
     </a:defPPr>
-    <a:lvl1pPr lvl="0" marR="0" rtl="0" algn="l">
+    <a:lvl1pPr marR="0" lvl="0" algn="l" rtl="0">
       <a:lnSpc>
         <a:spcPct val="100000"/>
       </a:lnSpc>
@@ -62,7 +62,7 @@
         <a:srgbClr val="000000"/>
       </a:buClr>
       <a:buFont typeface="Arial"/>
-      <a:defRPr b="0" i="0" sz="1400" u="none" cap="none" strike="noStrike">
+      <a:defRPr sz="1400" b="0" i="0" u="none" strike="noStrike" cap="none">
         <a:solidFill>
           <a:srgbClr val="000000"/>
         </a:solidFill>
@@ -72,7 +72,7 @@
         <a:sym typeface="Arial"/>
       </a:defRPr>
     </a:lvl1pPr>
-    <a:lvl2pPr lvl="1" marR="0" rtl="0" algn="l">
+    <a:lvl2pPr marR="0" lvl="1" algn="l" rtl="0">
       <a:lnSpc>
         <a:spcPct val="100000"/>
       </a:lnSpc>
@@ -86,7 +86,7 @@
         <a:srgbClr val="000000"/>
       </a:buClr>
       <a:buFont typeface="Arial"/>
-      <a:defRPr b="0" i="0" sz="1400" u="none" cap="none" strike="noStrike">
+      <a:defRPr sz="1400" b="0" i="0" u="none" strike="noStrike" cap="none">
         <a:solidFill>
           <a:srgbClr val="000000"/>
         </a:solidFill>
@@ -96,7 +96,7 @@
         <a:sym typeface="Arial"/>
       </a:defRPr>
     </a:lvl2pPr>
-    <a:lvl3pPr lvl="2" marR="0" rtl="0" algn="l">
+    <a:lvl3pPr marR="0" lvl="2" algn="l" rtl="0">
       <a:lnSpc>
         <a:spcPct val="100000"/>
       </a:lnSpc>
@@ -110,7 +110,7 @@
         <a:srgbClr val="000000"/>
       </a:buClr>
       <a:buFont typeface="Arial"/>
-      <a:defRPr b="0" i="0" sz="1400" u="none" cap="none" strike="noStrike">
+      <a:defRPr sz="1400" b="0" i="0" u="none" strike="noStrike" cap="none">
         <a:solidFill>
           <a:srgbClr val="000000"/>
         </a:solidFill>
@@ -120,7 +120,7 @@
         <a:sym typeface="Arial"/>
       </a:defRPr>
     </a:lvl3pPr>
-    <a:lvl4pPr lvl="3" marR="0" rtl="0" algn="l">
+    <a:lvl4pPr marR="0" lvl="3" algn="l" rtl="0">
       <a:lnSpc>
         <a:spcPct val="100000"/>
       </a:lnSpc>
@@ -134,7 +134,7 @@
         <a:srgbClr val="000000"/>
       </a:buClr>
       <a:buFont typeface="Arial"/>
-      <a:defRPr b="0" i="0" sz="1400" u="none" cap="none" strike="noStrike">
+      <a:defRPr sz="1400" b="0" i="0" u="none" strike="noStrike" cap="none">
         <a:solidFill>
           <a:srgbClr val="000000"/>
         </a:solidFill>
@@ -144,7 +144,7 @@
         <a:sym typeface="Arial"/>
       </a:defRPr>
     </a:lvl4pPr>
-    <a:lvl5pPr lvl="4" marR="0" rtl="0" algn="l">
+    <a:lvl5pPr marR="0" lvl="4" algn="l" rtl="0">
       <a:lnSpc>
         <a:spcPct val="100000"/>
       </a:lnSpc>
@@ -158,7 +158,7 @@
         <a:srgbClr val="000000"/>
       </a:buClr>
       <a:buFont typeface="Arial"/>
-      <a:defRPr b="0" i="0" sz="1400" u="none" cap="none" strike="noStrike">
+      <a:defRPr sz="1400" b="0" i="0" u="none" strike="noStrike" cap="none">
         <a:solidFill>
           <a:srgbClr val="000000"/>
         </a:solidFill>
@@ -168,7 +168,7 @@
         <a:sym typeface="Arial"/>
       </a:defRPr>
     </a:lvl5pPr>
-    <a:lvl6pPr lvl="5" marR="0" rtl="0" algn="l">
+    <a:lvl6pPr marR="0" lvl="5" algn="l" rtl="0">
       <a:lnSpc>
         <a:spcPct val="100000"/>
       </a:lnSpc>
@@ -182,7 +182,7 @@
         <a:srgbClr val="000000"/>
       </a:buClr>
       <a:buFont typeface="Arial"/>
-      <a:defRPr b="0" i="0" sz="1400" u="none" cap="none" strike="noStrike">
+      <a:defRPr sz="1400" b="0" i="0" u="none" strike="noStrike" cap="none">
         <a:solidFill>
           <a:srgbClr val="000000"/>
         </a:solidFill>
@@ -192,7 +192,7 @@
         <a:sym typeface="Arial"/>
       </a:defRPr>
     </a:lvl6pPr>
-    <a:lvl7pPr lvl="6" marR="0" rtl="0" algn="l">
+    <a:lvl7pPr marR="0" lvl="6" algn="l" rtl="0">
       <a:lnSpc>
         <a:spcPct val="100000"/>
       </a:lnSpc>
@@ -206,7 +206,7 @@
         <a:srgbClr val="000000"/>
       </a:buClr>
       <a:buFont typeface="Arial"/>
-      <a:defRPr b="0" i="0" sz="1400" u="none" cap="none" strike="noStrike">
+      <a:defRPr sz="1400" b="0" i="0" u="none" strike="noStrike" cap="none">
         <a:solidFill>
           <a:srgbClr val="000000"/>
         </a:solidFill>
@@ -216,7 +216,7 @@
         <a:sym typeface="Arial"/>
       </a:defRPr>
     </a:lvl7pPr>
-    <a:lvl8pPr lvl="7" marR="0" rtl="0" algn="l">
+    <a:lvl8pPr marR="0" lvl="7" algn="l" rtl="0">
       <a:lnSpc>
         <a:spcPct val="100000"/>
       </a:lnSpc>
@@ -230,7 +230,7 @@
         <a:srgbClr val="000000"/>
       </a:buClr>
       <a:buFont typeface="Arial"/>
-      <a:defRPr b="0" i="0" sz="1400" u="none" cap="none" strike="noStrike">
+      <a:defRPr sz="1400" b="0" i="0" u="none" strike="noStrike" cap="none">
         <a:solidFill>
           <a:srgbClr val="000000"/>
         </a:solidFill>
@@ -240,7 +240,7 @@
         <a:sym typeface="Arial"/>
       </a:defRPr>
     </a:lvl8pPr>
-    <a:lvl9pPr lvl="8" marR="0" rtl="0" algn="l">
+    <a:lvl9pPr marR="0" lvl="8" algn="l" rtl="0">
       <a:lnSpc>
         <a:spcPct val="100000"/>
       </a:lnSpc>
@@ -254,7 +254,7 @@
         <a:srgbClr val="000000"/>
       </a:buClr>
       <a:buFont typeface="Arial"/>
-      <a:defRPr b="0" i="0" sz="1400" u="none" cap="none" strike="noStrike">
+      <a:defRPr sz="1400" b="0" i="0" u="none" strike="noStrike" cap="none">
         <a:solidFill>
           <a:srgbClr val="000000"/>
         </a:solidFill>
@@ -267,7 +267,7 @@
   </p:defaultTextStyle>
   <p:extLst>
     <p:ext uri="{EFAFB233-063F-42B5-8137-9DF3F51BA10A}">
-      <p15:sldGuideLst>
+      <p15:sldGuideLst xmlns:p15="http://schemas.microsoft.com/office/powerpoint/2012/main">
         <p15:guide id="1" orient="horz" pos="1620">
           <p15:clr>
             <a:srgbClr val="A4A3A4"/>
@@ -285,11 +285,16 @@
 </file>
 
 <file path=ppt/notesMasters/notesMaster1.xml><?xml version="1.0" encoding="utf-8"?>
-<p:notesMaster xmlns:a="http://schemas.openxmlformats.org/drawingml/2006/main" xmlns:r="http://schemas.openxmlformats.org/officeDocument/2006/relationships" xmlns:mc="http://schemas.openxmlformats.org/markup-compatibility/2006" xmlns:mv="urn:schemas-microsoft-com:mac:vml" xmlns:p="http://schemas.openxmlformats.org/presentationml/2006/main" xmlns:c="http://schemas.openxmlformats.org/drawingml/2006/chart" xmlns:dgm="http://schemas.openxmlformats.org/drawingml/2006/diagram" xmlns:o="urn:schemas-microsoft-com:office:office" xmlns:v="urn:schemas-microsoft-com:vml" xmlns:pvml="urn:schemas-microsoft-com:office:powerpoint" xmlns:com="http://schemas.openxmlformats.org/drawingml/2006/compatibility" xmlns:p14="http://schemas.microsoft.com/office/powerpoint/2010/main" xmlns:p15="http://schemas.microsoft.com/office/powerpoint/2012/main" xmlns:ahyp="http://schemas.microsoft.com/office/drawing/2018/hyperlinkcolor">
+<p:notesMaster xmlns:a="http://schemas.openxmlformats.org/drawingml/2006/main" xmlns:r="http://schemas.openxmlformats.org/officeDocument/2006/relationships" xmlns:p="http://schemas.openxmlformats.org/presentationml/2006/main">
   <p:cSld>
+    <p:bg>
+      <p:bgRef idx="1001">
+        <a:schemeClr val="bg1"/>
+      </p:bgRef>
+    </p:bg>
     <p:spTree>
       <p:nvGrpSpPr>
-        <p:cNvPr id="2" name="Shape 2"/>
+        <p:cNvPr id="1" name="Shape 2"/>
         <p:cNvGrpSpPr/>
         <p:nvPr/>
       </p:nvGrpSpPr>
@@ -304,9 +309,11 @@
       <p:sp>
         <p:nvSpPr>
           <p:cNvPr id="3" name="Google Shape;3;n"/>
-          <p:cNvSpPr/>
+          <p:cNvSpPr>
+            <a:spLocks noGrp="1" noRot="1" noChangeAspect="1"/>
+          </p:cNvSpPr>
           <p:nvPr>
-            <p:ph idx="2" type="sldImg"/>
+            <p:ph type="sldImg" idx="2"/>
           </p:nvPr>
         </p:nvSpPr>
         <p:spPr>
@@ -315,9 +322,13 @@
             <a:ext cx="6096075" cy="3429000"/>
           </a:xfrm>
           <a:custGeom>
-            <a:rect b="b" l="l" r="r" t="t"/>
+            <a:avLst/>
+            <a:gdLst/>
+            <a:ahLst/>
+            <a:cxnLst/>
+            <a:rect l="l" t="t" r="r" b="b"/>
             <a:pathLst>
-              <a:path extrusionOk="0" h="120000" w="120000">
+              <a:path w="120000" h="120000" extrusionOk="0">
                 <a:moveTo>
                   <a:pt x="0" y="0"/>
                 </a:moveTo>
@@ -335,23 +346,25 @@
             </a:pathLst>
           </a:custGeom>
           <a:noFill/>
-          <a:ln cap="flat" cmpd="sng" w="9525">
+          <a:ln w="9525" cap="flat" cmpd="sng">
             <a:solidFill>
               <a:srgbClr val="000000"/>
             </a:solidFill>
             <a:prstDash val="solid"/>
             <a:round/>
-            <a:headEnd len="sm" w="sm" type="none"/>
-            <a:tailEnd len="sm" w="sm" type="none"/>
+            <a:headEnd type="none" w="sm" len="sm"/>
+            <a:tailEnd type="none" w="sm" len="sm"/>
           </a:ln>
         </p:spPr>
       </p:sp>
       <p:sp>
         <p:nvSpPr>
           <p:cNvPr id="4" name="Google Shape;4;n"/>
-          <p:cNvSpPr txBox="1"/>
+          <p:cNvSpPr txBox="1">
+            <a:spLocks noGrp="1"/>
+          </p:cNvSpPr>
           <p:nvPr>
-            <p:ph idx="1" type="body"/>
+            <p:ph type="body" idx="1"/>
           </p:nvPr>
         </p:nvSpPr>
         <p:spPr>
@@ -368,11 +381,11 @@
           </a:ln>
         </p:spPr>
         <p:txBody>
-          <a:bodyPr anchorCtr="0" anchor="t" bIns="91425" lIns="91425" spcFirstLastPara="1" rIns="91425" wrap="square" tIns="91425">
+          <a:bodyPr spcFirstLastPara="1" wrap="square" lIns="91425" tIns="91425" rIns="91425" bIns="91425" anchor="t" anchorCtr="0">
             <a:noAutofit/>
           </a:bodyPr>
           <a:lstStyle>
-            <a:lvl1pPr indent="-298450" lvl="0" marL="457200">
+            <a:lvl1pPr marL="457200" lvl="0" indent="-298450">
               <a:spcBef>
                 <a:spcPts val="0"/>
               </a:spcBef>
@@ -383,7 +396,7 @@
               <a:buChar char="●"/>
               <a:defRPr sz="1100"/>
             </a:lvl1pPr>
-            <a:lvl2pPr indent="-298450" lvl="1" marL="914400">
+            <a:lvl2pPr marL="914400" lvl="1" indent="-298450">
               <a:spcBef>
                 <a:spcPts val="0"/>
               </a:spcBef>
@@ -394,7 +407,7 @@
               <a:buChar char="○"/>
               <a:defRPr sz="1100"/>
             </a:lvl2pPr>
-            <a:lvl3pPr indent="-298450" lvl="2" marL="1371600">
+            <a:lvl3pPr marL="1371600" lvl="2" indent="-298450">
               <a:spcBef>
                 <a:spcPts val="0"/>
               </a:spcBef>
@@ -405,7 +418,7 @@
               <a:buChar char="■"/>
               <a:defRPr sz="1100"/>
             </a:lvl3pPr>
-            <a:lvl4pPr indent="-298450" lvl="3" marL="1828800">
+            <a:lvl4pPr marL="1828800" lvl="3" indent="-298450">
               <a:spcBef>
                 <a:spcPts val="0"/>
               </a:spcBef>
@@ -416,7 +429,7 @@
               <a:buChar char="●"/>
               <a:defRPr sz="1100"/>
             </a:lvl4pPr>
-            <a:lvl5pPr indent="-298450" lvl="4" marL="2286000">
+            <a:lvl5pPr marL="2286000" lvl="4" indent="-298450">
               <a:spcBef>
                 <a:spcPts val="0"/>
               </a:spcBef>
@@ -427,7 +440,7 @@
               <a:buChar char="○"/>
               <a:defRPr sz="1100"/>
             </a:lvl5pPr>
-            <a:lvl6pPr indent="-298450" lvl="5" marL="2743200">
+            <a:lvl6pPr marL="2743200" lvl="5" indent="-298450">
               <a:spcBef>
                 <a:spcPts val="0"/>
               </a:spcBef>
@@ -438,7 +451,7 @@
               <a:buChar char="■"/>
               <a:defRPr sz="1100"/>
             </a:lvl6pPr>
-            <a:lvl7pPr indent="-298450" lvl="6" marL="3200400">
+            <a:lvl7pPr marL="3200400" lvl="6" indent="-298450">
               <a:spcBef>
                 <a:spcPts val="0"/>
               </a:spcBef>
@@ -449,7 +462,7 @@
               <a:buChar char="●"/>
               <a:defRPr sz="1100"/>
             </a:lvl7pPr>
-            <a:lvl8pPr indent="-298450" lvl="7" marL="3657600">
+            <a:lvl8pPr marL="3657600" lvl="7" indent="-298450">
               <a:spcBef>
                 <a:spcPts val="0"/>
               </a:spcBef>
@@ -460,7 +473,7 @@
               <a:buChar char="○"/>
               <a:defRPr sz="1100"/>
             </a:lvl8pPr>
-            <a:lvl9pPr indent="-298450" lvl="8" marL="4114800">
+            <a:lvl9pPr marL="4114800" lvl="8" indent="-298450">
               <a:spcBef>
                 <a:spcPts val="0"/>
               </a:spcBef>
@@ -472,14 +485,16 @@
               <a:defRPr sz="1100"/>
             </a:lvl9pPr>
           </a:lstStyle>
-          <a:p/>
+          <a:p>
+            <a:endParaRPr/>
+          </a:p>
         </p:txBody>
       </p:sp>
     </p:spTree>
   </p:cSld>
-  <p:clrMap accent1="accent1" accent2="accent2" accent3="accent3" accent4="accent4" accent5="accent5" accent6="accent6" bg1="lt1" bg2="dk2" tx1="dk1" tx2="lt2" folHlink="folHlink" hlink="hlink"/>
+  <p:clrMap bg1="lt1" tx1="dk1" bg2="dk2" tx2="lt2" accent1="accent1" accent2="accent2" accent3="accent3" accent4="accent4" accent5="accent5" accent6="accent6" hlink="hlink" folHlink="folHlink"/>
   <p:notesStyle>
-    <a:defPPr lvl="0" marR="0" rtl="0" algn="l">
+    <a:defPPr marR="0" lvl="0" algn="l" rtl="0">
       <a:lnSpc>
         <a:spcPct val="100000"/>
       </a:lnSpc>
@@ -490,7 +505,7 @@
         <a:spcPts val="0"/>
       </a:spcAft>
     </a:defPPr>
-    <a:lvl1pPr lvl="0" marR="0" rtl="0" algn="l">
+    <a:lvl1pPr marR="0" lvl="0" algn="l" rtl="0">
       <a:lnSpc>
         <a:spcPct val="100000"/>
       </a:lnSpc>
@@ -504,7 +519,7 @@
         <a:srgbClr val="000000"/>
       </a:buClr>
       <a:buFont typeface="Arial"/>
-      <a:defRPr b="0" i="0" sz="1400" u="none" cap="none" strike="noStrike">
+      <a:defRPr sz="1400" b="0" i="0" u="none" strike="noStrike" cap="none">
         <a:solidFill>
           <a:srgbClr val="000000"/>
         </a:solidFill>
@@ -514,7 +529,7 @@
         <a:sym typeface="Arial"/>
       </a:defRPr>
     </a:lvl1pPr>
-    <a:lvl2pPr lvl="1" marR="0" rtl="0" algn="l">
+    <a:lvl2pPr marR="0" lvl="1" algn="l" rtl="0">
       <a:lnSpc>
         <a:spcPct val="100000"/>
       </a:lnSpc>
@@ -528,7 +543,7 @@
         <a:srgbClr val="000000"/>
       </a:buClr>
       <a:buFont typeface="Arial"/>
-      <a:defRPr b="0" i="0" sz="1400" u="none" cap="none" strike="noStrike">
+      <a:defRPr sz="1400" b="0" i="0" u="none" strike="noStrike" cap="none">
         <a:solidFill>
           <a:srgbClr val="000000"/>
         </a:solidFill>
@@ -538,7 +553,7 @@
         <a:sym typeface="Arial"/>
       </a:defRPr>
     </a:lvl2pPr>
-    <a:lvl3pPr lvl="2" marR="0" rtl="0" algn="l">
+    <a:lvl3pPr marR="0" lvl="2" algn="l" rtl="0">
       <a:lnSpc>
         <a:spcPct val="100000"/>
       </a:lnSpc>
@@ -552,7 +567,7 @@
         <a:srgbClr val="000000"/>
       </a:buClr>
       <a:buFont typeface="Arial"/>
-      <a:defRPr b="0" i="0" sz="1400" u="none" cap="none" strike="noStrike">
+      <a:defRPr sz="1400" b="0" i="0" u="none" strike="noStrike" cap="none">
         <a:solidFill>
           <a:srgbClr val="000000"/>
         </a:solidFill>
@@ -562,7 +577,7 @@
         <a:sym typeface="Arial"/>
       </a:defRPr>
     </a:lvl3pPr>
-    <a:lvl4pPr lvl="3" marR="0" rtl="0" algn="l">
+    <a:lvl4pPr marR="0" lvl="3" algn="l" rtl="0">
       <a:lnSpc>
         <a:spcPct val="100000"/>
       </a:lnSpc>
@@ -576,7 +591,7 @@
         <a:srgbClr val="000000"/>
       </a:buClr>
       <a:buFont typeface="Arial"/>
-      <a:defRPr b="0" i="0" sz="1400" u="none" cap="none" strike="noStrike">
+      <a:defRPr sz="1400" b="0" i="0" u="none" strike="noStrike" cap="none">
         <a:solidFill>
           <a:srgbClr val="000000"/>
         </a:solidFill>
@@ -586,7 +601,7 @@
         <a:sym typeface="Arial"/>
       </a:defRPr>
     </a:lvl4pPr>
-    <a:lvl5pPr lvl="4" marR="0" rtl="0" algn="l">
+    <a:lvl5pPr marR="0" lvl="4" algn="l" rtl="0">
       <a:lnSpc>
         <a:spcPct val="100000"/>
       </a:lnSpc>
@@ -600,7 +615,7 @@
         <a:srgbClr val="000000"/>
       </a:buClr>
       <a:buFont typeface="Arial"/>
-      <a:defRPr b="0" i="0" sz="1400" u="none" cap="none" strike="noStrike">
+      <a:defRPr sz="1400" b="0" i="0" u="none" strike="noStrike" cap="none">
         <a:solidFill>
           <a:srgbClr val="000000"/>
         </a:solidFill>
@@ -610,7 +625,7 @@
         <a:sym typeface="Arial"/>
       </a:defRPr>
     </a:lvl5pPr>
-    <a:lvl6pPr lvl="5" marR="0" rtl="0" algn="l">
+    <a:lvl6pPr marR="0" lvl="5" algn="l" rtl="0">
       <a:lnSpc>
         <a:spcPct val="100000"/>
       </a:lnSpc>
@@ -624,7 +639,7 @@
         <a:srgbClr val="000000"/>
       </a:buClr>
       <a:buFont typeface="Arial"/>
-      <a:defRPr b="0" i="0" sz="1400" u="none" cap="none" strike="noStrike">
+      <a:defRPr sz="1400" b="0" i="0" u="none" strike="noStrike" cap="none">
         <a:solidFill>
           <a:srgbClr val="000000"/>
         </a:solidFill>
@@ -634,7 +649,7 @@
         <a:sym typeface="Arial"/>
       </a:defRPr>
     </a:lvl6pPr>
-    <a:lvl7pPr lvl="6" marR="0" rtl="0" algn="l">
+    <a:lvl7pPr marR="0" lvl="6" algn="l" rtl="0">
       <a:lnSpc>
         <a:spcPct val="100000"/>
       </a:lnSpc>
@@ -648,7 +663,7 @@
         <a:srgbClr val="000000"/>
       </a:buClr>
       <a:buFont typeface="Arial"/>
-      <a:defRPr b="0" i="0" sz="1400" u="none" cap="none" strike="noStrike">
+      <a:defRPr sz="1400" b="0" i="0" u="none" strike="noStrike" cap="none">
         <a:solidFill>
           <a:srgbClr val="000000"/>
         </a:solidFill>
@@ -658,7 +673,7 @@
         <a:sym typeface="Arial"/>
       </a:defRPr>
     </a:lvl7pPr>
-    <a:lvl8pPr lvl="7" marR="0" rtl="0" algn="l">
+    <a:lvl8pPr marR="0" lvl="7" algn="l" rtl="0">
       <a:lnSpc>
         <a:spcPct val="100000"/>
       </a:lnSpc>
@@ -672,7 +687,7 @@
         <a:srgbClr val="000000"/>
       </a:buClr>
       <a:buFont typeface="Arial"/>
-      <a:defRPr b="0" i="0" sz="1400" u="none" cap="none" strike="noStrike">
+      <a:defRPr sz="1400" b="0" i="0" u="none" strike="noStrike" cap="none">
         <a:solidFill>
           <a:srgbClr val="000000"/>
         </a:solidFill>
@@ -682,7 +697,7 @@
         <a:sym typeface="Arial"/>
       </a:defRPr>
     </a:lvl8pPr>
-    <a:lvl9pPr lvl="8" marR="0" rtl="0" algn="l">
+    <a:lvl9pPr marR="0" lvl="8" algn="l" rtl="0">
       <a:lnSpc>
         <a:spcPct val="100000"/>
       </a:lnSpc>
@@ -696,7 +711,7 @@
         <a:srgbClr val="000000"/>
       </a:buClr>
       <a:buFont typeface="Arial"/>
-      <a:defRPr b="0" i="0" sz="1400" u="none" cap="none" strike="noStrike">
+      <a:defRPr sz="1400" b="0" i="0" u="none" strike="noStrike" cap="none">
         <a:solidFill>
           <a:srgbClr val="000000"/>
         </a:solidFill>
@@ -711,11 +726,11 @@
 </file>
 
 <file path=ppt/notesSlides/notesSlide1.xml><?xml version="1.0" encoding="utf-8"?>
-<p:notes xmlns:a="http://schemas.openxmlformats.org/drawingml/2006/main" xmlns:r="http://schemas.openxmlformats.org/officeDocument/2006/relationships" xmlns:mc="http://schemas.openxmlformats.org/markup-compatibility/2006" xmlns:mv="urn:schemas-microsoft-com:mac:vml" xmlns:p="http://schemas.openxmlformats.org/presentationml/2006/main" xmlns:c="http://schemas.openxmlformats.org/drawingml/2006/chart" xmlns:dgm="http://schemas.openxmlformats.org/drawingml/2006/diagram" xmlns:o="urn:schemas-microsoft-com:office:office" xmlns:v="urn:schemas-microsoft-com:vml" xmlns:pvml="urn:schemas-microsoft-com:office:powerpoint" xmlns:com="http://schemas.openxmlformats.org/drawingml/2006/compatibility" xmlns:p14="http://schemas.microsoft.com/office/powerpoint/2010/main" xmlns:p15="http://schemas.microsoft.com/office/powerpoint/2012/main" xmlns:ahyp="http://schemas.microsoft.com/office/drawing/2018/hyperlinkcolor" showMasterPhAnim="0" showMasterSp="0">
+<p:notes xmlns:a="http://schemas.openxmlformats.org/drawingml/2006/main" xmlns:r="http://schemas.openxmlformats.org/officeDocument/2006/relationships" xmlns:p="http://schemas.openxmlformats.org/presentationml/2006/main" showMasterSp="0" showMasterPhAnim="0">
   <p:cSld>
     <p:spTree>
       <p:nvGrpSpPr>
-        <p:cNvPr id="50" name="Shape 50"/>
+        <p:cNvPr id="1" name="Shape 50"/>
         <p:cNvGrpSpPr/>
         <p:nvPr/>
       </p:nvGrpSpPr>
@@ -730,9 +745,11 @@
       <p:sp>
         <p:nvSpPr>
           <p:cNvPr id="51" name="Google Shape;51;p:notes"/>
-          <p:cNvSpPr/>
+          <p:cNvSpPr>
+            <a:spLocks noGrp="1" noRot="1" noChangeAspect="1"/>
+          </p:cNvSpPr>
           <p:nvPr>
-            <p:ph idx="2" type="sldImg"/>
+            <p:ph type="sldImg" idx="2"/>
           </p:nvPr>
         </p:nvSpPr>
         <p:spPr>
@@ -741,9 +758,13 @@
             <a:ext cx="6096075" cy="3429000"/>
           </a:xfrm>
           <a:custGeom>
-            <a:rect b="b" l="l" r="r" t="t"/>
+            <a:avLst/>
+            <a:gdLst/>
+            <a:ahLst/>
+            <a:cxnLst/>
+            <a:rect l="l" t="t" r="r" b="b"/>
             <a:pathLst>
-              <a:path extrusionOk="0" h="120000" w="120000">
+              <a:path w="120000" h="120000" extrusionOk="0">
                 <a:moveTo>
                   <a:pt x="0" y="0"/>
                 </a:moveTo>
@@ -765,9 +786,11 @@
       <p:sp>
         <p:nvSpPr>
           <p:cNvPr id="52" name="Google Shape;52;p:notes"/>
-          <p:cNvSpPr txBox="1"/>
+          <p:cNvSpPr txBox="1">
+            <a:spLocks noGrp="1"/>
+          </p:cNvSpPr>
           <p:nvPr>
-            <p:ph idx="1" type="body"/>
+            <p:ph type="body" idx="1"/>
           </p:nvPr>
         </p:nvSpPr>
         <p:spPr>
@@ -780,12 +803,12 @@
           </a:prstGeom>
         </p:spPr>
         <p:txBody>
-          <a:bodyPr anchorCtr="0" anchor="t" bIns="91425" lIns="91425" spcFirstLastPara="1" rIns="91425" wrap="square" tIns="91425">
+          <a:bodyPr spcFirstLastPara="1" wrap="square" lIns="91425" tIns="91425" rIns="91425" bIns="91425" anchor="t" anchorCtr="0">
             <a:noAutofit/>
           </a:bodyPr>
           <a:lstStyle/>
           <a:p>
-            <a:pPr indent="0" lvl="0" marL="0" rtl="0" algn="l">
+            <a:pPr marL="0" lvl="0" indent="0" algn="l" rtl="0">
               <a:spcBef>
                 <a:spcPts val="0"/>
               </a:spcBef>
@@ -815,11 +838,11 @@
 </file>
 
 <file path=ppt/notesSlides/notesSlide10.xml><?xml version="1.0" encoding="utf-8"?>
-<p:notes xmlns:a="http://schemas.openxmlformats.org/drawingml/2006/main" xmlns:r="http://schemas.openxmlformats.org/officeDocument/2006/relationships" xmlns:mc="http://schemas.openxmlformats.org/markup-compatibility/2006" xmlns:mv="urn:schemas-microsoft-com:mac:vml" xmlns:p="http://schemas.openxmlformats.org/presentationml/2006/main" xmlns:c="http://schemas.openxmlformats.org/drawingml/2006/chart" xmlns:dgm="http://schemas.openxmlformats.org/drawingml/2006/diagram" xmlns:o="urn:schemas-microsoft-com:office:office" xmlns:v="urn:schemas-microsoft-com:vml" xmlns:pvml="urn:schemas-microsoft-com:office:powerpoint" xmlns:com="http://schemas.openxmlformats.org/drawingml/2006/compatibility" xmlns:p14="http://schemas.microsoft.com/office/powerpoint/2010/main" xmlns:p15="http://schemas.microsoft.com/office/powerpoint/2012/main" xmlns:ahyp="http://schemas.microsoft.com/office/drawing/2018/hyperlinkcolor" showMasterPhAnim="0" showMasterSp="0">
+<p:notes xmlns:a="http://schemas.openxmlformats.org/drawingml/2006/main" xmlns:r="http://schemas.openxmlformats.org/officeDocument/2006/relationships" xmlns:p="http://schemas.openxmlformats.org/presentationml/2006/main" showMasterSp="0" showMasterPhAnim="0">
   <p:cSld>
     <p:spTree>
       <p:nvGrpSpPr>
-        <p:cNvPr id="148" name="Shape 148"/>
+        <p:cNvPr id="1" name="Shape 148"/>
         <p:cNvGrpSpPr/>
         <p:nvPr/>
       </p:nvGrpSpPr>
@@ -834,9 +857,11 @@
       <p:sp>
         <p:nvSpPr>
           <p:cNvPr id="149" name="Google Shape;149;gdbb1e81ddc_1_36:notes"/>
-          <p:cNvSpPr/>
+          <p:cNvSpPr>
+            <a:spLocks noGrp="1" noRot="1" noChangeAspect="1"/>
+          </p:cNvSpPr>
           <p:nvPr>
-            <p:ph idx="2" type="sldImg"/>
+            <p:ph type="sldImg" idx="2"/>
           </p:nvPr>
         </p:nvSpPr>
         <p:spPr>
@@ -845,9 +870,13 @@
             <a:ext cx="6096000" cy="3429000"/>
           </a:xfrm>
           <a:custGeom>
-            <a:rect b="b" l="l" r="r" t="t"/>
+            <a:avLst/>
+            <a:gdLst/>
+            <a:ahLst/>
+            <a:cxnLst/>
+            <a:rect l="l" t="t" r="r" b="b"/>
             <a:pathLst>
-              <a:path extrusionOk="0" h="120000" w="120000">
+              <a:path w="120000" h="120000" extrusionOk="0">
                 <a:moveTo>
                   <a:pt x="0" y="0"/>
                 </a:moveTo>
@@ -869,9 +898,11 @@
       <p:sp>
         <p:nvSpPr>
           <p:cNvPr id="150" name="Google Shape;150;gdbb1e81ddc_1_36:notes"/>
-          <p:cNvSpPr txBox="1"/>
+          <p:cNvSpPr txBox="1">
+            <a:spLocks noGrp="1"/>
+          </p:cNvSpPr>
           <p:nvPr>
-            <p:ph idx="1" type="body"/>
+            <p:ph type="body" idx="1"/>
           </p:nvPr>
         </p:nvSpPr>
         <p:spPr>
@@ -884,43 +915,12 @@
           </a:prstGeom>
         </p:spPr>
         <p:txBody>
-          <a:bodyPr anchorCtr="0" anchor="t" bIns="91425" lIns="91425" spcFirstLastPara="1" rIns="91425" wrap="square" tIns="91425">
+          <a:bodyPr spcFirstLastPara="1" wrap="square" lIns="91425" tIns="91425" rIns="91425" bIns="91425" anchor="t" anchorCtr="0">
             <a:noAutofit/>
           </a:bodyPr>
           <a:lstStyle/>
           <a:p>
-            <a:pPr indent="-342900" lvl="0" marL="457200" rtl="0" algn="l">
-              <a:lnSpc>
-                <a:spcPct val="115000"/>
-              </a:lnSpc>
-              <a:spcBef>
-                <a:spcPts val="0"/>
-              </a:spcBef>
-              <a:spcAft>
-                <a:spcPts val="0"/>
-              </a:spcAft>
-              <a:buClr>
-                <a:srgbClr val="595959"/>
-              </a:buClr>
-              <a:buSzPts val="1800"/>
-              <a:buAutoNum type="arabicPeriod"/>
-            </a:pPr>
-            <a:r>
-              <a:rPr lang="en" sz="1800">
-                <a:solidFill>
-                  <a:srgbClr val="595959"/>
-                </a:solidFill>
-              </a:rPr>
-              <a:t>MICHAEL</a:t>
-            </a:r>
-            <a:endParaRPr>
-              <a:solidFill>
-                <a:schemeClr val="dk1"/>
-              </a:solidFill>
-            </a:endParaRPr>
-          </a:p>
-          <a:p>
-            <a:pPr indent="0" lvl="0" marL="0" rtl="0" algn="l">
+            <a:pPr marL="0" lvl="0" indent="0" algn="l" rtl="0">
               <a:spcBef>
                 <a:spcPts val="1200"/>
               </a:spcBef>
@@ -934,17 +934,14 @@
               <a:buFont typeface="Arial"/>
               <a:buNone/>
             </a:pPr>
-            <a:r>
-              <a:t/>
-            </a:r>
-            <a:endParaRPr sz="1800">
+            <a:endParaRPr sz="1800" dirty="0">
               <a:solidFill>
                 <a:schemeClr val="dk1"/>
               </a:solidFill>
             </a:endParaRPr>
           </a:p>
           <a:p>
-            <a:pPr indent="0" lvl="0" marL="0" rtl="0" algn="l">
+            <a:pPr marL="0" lvl="0" indent="0" algn="l" rtl="0">
               <a:spcBef>
                 <a:spcPts val="0"/>
               </a:spcBef>
@@ -959,7 +956,7 @@
               <a:buNone/>
             </a:pPr>
             <a:r>
-              <a:rPr lang="en" sz="1450">
+              <a:rPr lang="en" sz="1450" dirty="0">
                 <a:solidFill>
                   <a:srgbClr val="212121"/>
                 </a:solidFill>
@@ -969,7 +966,7 @@
               </a:rPr>
               <a:t>'BOTHSEX.SKILL_READ.GRAD23', 'BOTHSEX.SKILL_READ.LOWSEC',</a:t>
             </a:r>
-            <a:endParaRPr sz="1450">
+            <a:endParaRPr sz="1450" dirty="0">
               <a:solidFill>
                 <a:srgbClr val="212121"/>
               </a:solidFill>
@@ -979,7 +976,7 @@
             </a:endParaRPr>
           </a:p>
           <a:p>
-            <a:pPr indent="0" lvl="0" marL="0" rtl="0" algn="l">
+            <a:pPr marL="0" lvl="0" indent="0" algn="l" rtl="0">
               <a:spcBef>
                 <a:spcPts val="0"/>
               </a:spcBef>
@@ -994,7 +991,7 @@
               <a:buNone/>
             </a:pPr>
             <a:r>
-              <a:rPr lang="en" sz="1450">
+              <a:rPr lang="en" sz="1450" dirty="0">
                 <a:solidFill>
                   <a:srgbClr val="212121"/>
                 </a:solidFill>
@@ -1004,7 +1001,7 @@
               </a:rPr>
               <a:t>       'FEMALE.SKILL_MATH.GRAD23', 'FEMALE.SKILL_MATH.LOWSEC',</a:t>
             </a:r>
-            <a:endParaRPr sz="1450">
+            <a:endParaRPr sz="1450" dirty="0">
               <a:solidFill>
                 <a:srgbClr val="212121"/>
               </a:solidFill>
@@ -1014,7 +1011,7 @@
             </a:endParaRPr>
           </a:p>
           <a:p>
-            <a:pPr indent="0" lvl="0" marL="0" rtl="0" algn="l">
+            <a:pPr marL="0" lvl="0" indent="0" algn="l" rtl="0">
               <a:spcBef>
                 <a:spcPts val="0"/>
               </a:spcBef>
@@ -1029,7 +1026,7 @@
               <a:buNone/>
             </a:pPr>
             <a:r>
-              <a:rPr lang="en" sz="1450">
+              <a:rPr lang="en" sz="1450" dirty="0">
                 <a:solidFill>
                   <a:srgbClr val="212121"/>
                 </a:solidFill>
@@ -1039,7 +1036,7 @@
               </a:rPr>
               <a:t>       'MALE.SKILL_MATH.GRAD23', 'BOTHSEX.SKILL_MATH.PRIMAR',</a:t>
             </a:r>
-            <a:endParaRPr sz="1450">
+            <a:endParaRPr sz="1450" dirty="0">
               <a:solidFill>
                 <a:srgbClr val="212121"/>
               </a:solidFill>
@@ -1049,7 +1046,7 @@
             </a:endParaRPr>
           </a:p>
           <a:p>
-            <a:pPr indent="0" lvl="0" marL="0" rtl="0" algn="l">
+            <a:pPr marL="0" lvl="0" indent="0" algn="l" rtl="0">
               <a:spcBef>
                 <a:spcPts val="0"/>
               </a:spcBef>
@@ -1064,7 +1061,7 @@
               <a:buNone/>
             </a:pPr>
             <a:r>
-              <a:rPr lang="en" sz="1450">
+              <a:rPr lang="en" sz="1450" dirty="0">
                 <a:solidFill>
                   <a:srgbClr val="212121"/>
                 </a:solidFill>
@@ -1074,7 +1071,7 @@
               </a:rPr>
               <a:t>       'MALE.SKILL_READ.GRAD23', 'MALE.SKILL_MATH.LOWSEC',</a:t>
             </a:r>
-            <a:endParaRPr sz="1450">
+            <a:endParaRPr sz="1450" dirty="0">
               <a:solidFill>
                 <a:srgbClr val="212121"/>
               </a:solidFill>
@@ -1084,7 +1081,7 @@
             </a:endParaRPr>
           </a:p>
           <a:p>
-            <a:pPr indent="0" lvl="0" marL="0" rtl="0" algn="l">
+            <a:pPr marL="0" lvl="0" indent="0" algn="l" rtl="0">
               <a:spcBef>
                 <a:spcPts val="0"/>
               </a:spcBef>
@@ -1099,7 +1096,7 @@
               <a:buNone/>
             </a:pPr>
             <a:r>
-              <a:rPr lang="en" sz="1450">
+              <a:rPr lang="en" sz="1450" dirty="0">
                 <a:solidFill>
                   <a:srgbClr val="212121"/>
                 </a:solidFill>
@@ -1109,7 +1106,7 @@
               </a:rPr>
               <a:t>       'FEMALE.SKILL_READ.LOWSEC', 'BOTHSEX.SKILL_READ.PRIMAR',</a:t>
             </a:r>
-            <a:endParaRPr sz="1450">
+            <a:endParaRPr sz="1450" dirty="0">
               <a:solidFill>
                 <a:srgbClr val="212121"/>
               </a:solidFill>
@@ -1119,7 +1116,7 @@
             </a:endParaRPr>
           </a:p>
           <a:p>
-            <a:pPr indent="0" lvl="0" marL="0" rtl="0" algn="l">
+            <a:pPr marL="0" lvl="0" indent="0" algn="l" rtl="0">
               <a:spcBef>
                 <a:spcPts val="0"/>
               </a:spcBef>
@@ -1134,7 +1131,7 @@
               <a:buNone/>
             </a:pPr>
             <a:r>
-              <a:rPr lang="en" sz="1450">
+              <a:rPr lang="en" sz="1450" dirty="0">
                 <a:solidFill>
                   <a:srgbClr val="212121"/>
                 </a:solidFill>
@@ -1144,7 +1141,7 @@
               </a:rPr>
               <a:t>       'FEMALE.SKILL_READ.GRAD23', 'BOTHSEX.SKILL_MATH.LOWSEC',</a:t>
             </a:r>
-            <a:endParaRPr sz="1450">
+            <a:endParaRPr sz="1450" dirty="0">
               <a:solidFill>
                 <a:srgbClr val="212121"/>
               </a:solidFill>
@@ -1154,7 +1151,7 @@
             </a:endParaRPr>
           </a:p>
           <a:p>
-            <a:pPr indent="0" lvl="0" marL="0" rtl="0" algn="l">
+            <a:pPr marL="0" lvl="0" indent="0" algn="l" rtl="0">
               <a:spcBef>
                 <a:spcPts val="0"/>
               </a:spcBef>
@@ -1169,7 +1166,7 @@
               <a:buNone/>
             </a:pPr>
             <a:r>
-              <a:rPr lang="en" sz="1450">
+              <a:rPr lang="en" sz="1450" dirty="0">
                 <a:solidFill>
                   <a:srgbClr val="212121"/>
                 </a:solidFill>
@@ -1179,7 +1176,7 @@
               </a:rPr>
               <a:t>       'MALE.SKILL_READ.PRIMAR', 'FEMALE.SKILL_READ.PRIMAR',</a:t>
             </a:r>
-            <a:endParaRPr sz="1450">
+            <a:endParaRPr sz="1450" dirty="0">
               <a:solidFill>
                 <a:srgbClr val="212121"/>
               </a:solidFill>
@@ -1189,7 +1186,7 @@
             </a:endParaRPr>
           </a:p>
           <a:p>
-            <a:pPr indent="0" lvl="0" marL="0" rtl="0" algn="l">
+            <a:pPr marL="0" lvl="0" indent="0" algn="l" rtl="0">
               <a:spcBef>
                 <a:spcPts val="0"/>
               </a:spcBef>
@@ -1204,7 +1201,7 @@
               <a:buNone/>
             </a:pPr>
             <a:r>
-              <a:rPr lang="en" sz="1450">
+              <a:rPr lang="en" sz="1450" dirty="0">
                 <a:solidFill>
                   <a:srgbClr val="212121"/>
                 </a:solidFill>
@@ -1214,7 +1211,7 @@
               </a:rPr>
               <a:t>       'BOTHSEX.SKILL_MATH.GRAD23', 'MALE.SKILL_MATH.PRIMAR',</a:t>
             </a:r>
-            <a:endParaRPr sz="1450">
+            <a:endParaRPr sz="1450" dirty="0">
               <a:solidFill>
                 <a:srgbClr val="212121"/>
               </a:solidFill>
@@ -1224,7 +1221,7 @@
             </a:endParaRPr>
           </a:p>
           <a:p>
-            <a:pPr indent="0" lvl="0" marL="0" rtl="0" algn="l">
+            <a:pPr marL="0" lvl="0" indent="0" algn="l" rtl="0">
               <a:spcBef>
                 <a:spcPts val="0"/>
               </a:spcBef>
@@ -1239,7 +1236,7 @@
               <a:buNone/>
             </a:pPr>
             <a:r>
-              <a:rPr lang="en" sz="1450">
+              <a:rPr lang="en" sz="1450" dirty="0">
                 <a:solidFill>
                   <a:srgbClr val="212121"/>
                 </a:solidFill>
@@ -1249,7 +1246,7 @@
               </a:rPr>
               <a:t>       'MALE.SKILL_READ.LOWSEC', 'FEMALE.SKILL_MATH.PRIMAR'</a:t>
             </a:r>
-            <a:endParaRPr/>
+            <a:endParaRPr dirty="0"/>
           </a:p>
         </p:txBody>
       </p:sp>
@@ -1262,11 +1259,11 @@
 </file>
 
 <file path=ppt/notesSlides/notesSlide11.xml><?xml version="1.0" encoding="utf-8"?>
-<p:notes xmlns:a="http://schemas.openxmlformats.org/drawingml/2006/main" xmlns:r="http://schemas.openxmlformats.org/officeDocument/2006/relationships" xmlns:mc="http://schemas.openxmlformats.org/markup-compatibility/2006" xmlns:mv="urn:schemas-microsoft-com:mac:vml" xmlns:p="http://schemas.openxmlformats.org/presentationml/2006/main" xmlns:c="http://schemas.openxmlformats.org/drawingml/2006/chart" xmlns:dgm="http://schemas.openxmlformats.org/drawingml/2006/diagram" xmlns:o="urn:schemas-microsoft-com:office:office" xmlns:v="urn:schemas-microsoft-com:vml" xmlns:pvml="urn:schemas-microsoft-com:office:powerpoint" xmlns:com="http://schemas.openxmlformats.org/drawingml/2006/compatibility" xmlns:p14="http://schemas.microsoft.com/office/powerpoint/2010/main" xmlns:p15="http://schemas.microsoft.com/office/powerpoint/2012/main" xmlns:ahyp="http://schemas.microsoft.com/office/drawing/2018/hyperlinkcolor" showMasterPhAnim="0" showMasterSp="0">
+<p:notes xmlns:a="http://schemas.openxmlformats.org/drawingml/2006/main" xmlns:r="http://schemas.openxmlformats.org/officeDocument/2006/relationships" xmlns:p="http://schemas.openxmlformats.org/presentationml/2006/main" showMasterSp="0" showMasterPhAnim="0">
   <p:cSld>
     <p:spTree>
       <p:nvGrpSpPr>
-        <p:cNvPr id="154" name="Shape 154"/>
+        <p:cNvPr id="1" name="Shape 154"/>
         <p:cNvGrpSpPr/>
         <p:nvPr/>
       </p:nvGrpSpPr>
@@ -1281,9 +1278,11 @@
       <p:sp>
         <p:nvSpPr>
           <p:cNvPr id="155" name="Google Shape;155;gde9038f0ac_1_85:notes"/>
-          <p:cNvSpPr/>
+          <p:cNvSpPr>
+            <a:spLocks noGrp="1" noRot="1" noChangeAspect="1"/>
+          </p:cNvSpPr>
           <p:nvPr>
-            <p:ph idx="2" type="sldImg"/>
+            <p:ph type="sldImg" idx="2"/>
           </p:nvPr>
         </p:nvSpPr>
         <p:spPr>
@@ -1292,9 +1291,13 @@
             <a:ext cx="6096000" cy="3429000"/>
           </a:xfrm>
           <a:custGeom>
-            <a:rect b="b" l="l" r="r" t="t"/>
+            <a:avLst/>
+            <a:gdLst/>
+            <a:ahLst/>
+            <a:cxnLst/>
+            <a:rect l="l" t="t" r="r" b="b"/>
             <a:pathLst>
-              <a:path extrusionOk="0" h="120000" w="120000">
+              <a:path w="120000" h="120000" extrusionOk="0">
                 <a:moveTo>
                   <a:pt x="0" y="0"/>
                 </a:moveTo>
@@ -1316,9 +1319,11 @@
       <p:sp>
         <p:nvSpPr>
           <p:cNvPr id="156" name="Google Shape;156;gde9038f0ac_1_85:notes"/>
-          <p:cNvSpPr txBox="1"/>
+          <p:cNvSpPr txBox="1">
+            <a:spLocks noGrp="1"/>
+          </p:cNvSpPr>
           <p:nvPr>
-            <p:ph idx="1" type="body"/>
+            <p:ph type="body" idx="1"/>
           </p:nvPr>
         </p:nvSpPr>
         <p:spPr>
@@ -1331,12 +1336,12 @@
           </a:prstGeom>
         </p:spPr>
         <p:txBody>
-          <a:bodyPr anchorCtr="0" anchor="t" bIns="91425" lIns="91425" spcFirstLastPara="1" rIns="91425" wrap="square" tIns="91425">
+          <a:bodyPr spcFirstLastPara="1" wrap="square" lIns="91425" tIns="91425" rIns="91425" bIns="91425" anchor="t" anchorCtr="0">
             <a:noAutofit/>
           </a:bodyPr>
           <a:lstStyle/>
           <a:p>
-            <a:pPr indent="-342900" lvl="0" marL="457200" rtl="0" algn="l">
+            <a:pPr marL="457200" lvl="0" indent="-342900" algn="l" rtl="0">
               <a:lnSpc>
                 <a:spcPct val="115000"/>
               </a:lnSpc>
@@ -1353,29 +1358,29 @@
               <a:buAutoNum type="arabicPeriod"/>
             </a:pPr>
             <a:r>
-              <a:rPr lang="en" sz="1800">
+              <a:rPr lang="en" sz="1800" dirty="0" smtClean="0">
                 <a:solidFill>
                   <a:srgbClr val="595959"/>
                 </a:solidFill>
               </a:rPr>
-              <a:t>MICHAEL - </a:t>
+              <a:t>Considering </a:t>
             </a:r>
             <a:r>
-              <a:rPr lang="en" sz="1800">
+              <a:rPr lang="en" sz="1800" dirty="0">
                 <a:solidFill>
                   <a:srgbClr val="595959"/>
                 </a:solidFill>
               </a:rPr>
-              <a:t>Considering all combinations of sex, type of skill, education level, quantile, location results in 10,000+ features</a:t>
+              <a:t>all combinations of sex, type of skill, education level, quantile, location results in 10,000+ features</a:t>
             </a:r>
-            <a:endParaRPr sz="1800">
+            <a:endParaRPr sz="1800" dirty="0">
               <a:solidFill>
                 <a:srgbClr val="595959"/>
               </a:solidFill>
             </a:endParaRPr>
           </a:p>
           <a:p>
-            <a:pPr indent="-342900" lvl="0" marL="457200" rtl="0" algn="l">
+            <a:pPr marL="457200" lvl="0" indent="-342900" algn="l" rtl="0">
               <a:lnSpc>
                 <a:spcPct val="115000"/>
               </a:lnSpc>
@@ -1392,21 +1397,21 @@
               <a:buAutoNum type="arabicPeriod"/>
             </a:pPr>
             <a:r>
-              <a:rPr lang="en" sz="1800">
+              <a:rPr lang="en" sz="1800" dirty="0">
                 <a:solidFill>
                   <a:srgbClr val="595959"/>
                 </a:solidFill>
               </a:rPr>
               <a:t>We are considering the combinations of sex, type of skill, education level to simplify our analysis, resulting on 20 features</a:t>
             </a:r>
-            <a:endParaRPr sz="1800">
+            <a:endParaRPr sz="1800" dirty="0">
               <a:solidFill>
                 <a:srgbClr val="595959"/>
               </a:solidFill>
             </a:endParaRPr>
           </a:p>
           <a:p>
-            <a:pPr indent="-342900" lvl="0" marL="457200" rtl="0" algn="l">
+            <a:pPr marL="457200" lvl="0" indent="-342900" algn="l" rtl="0">
               <a:lnSpc>
                 <a:spcPct val="115000"/>
               </a:lnSpc>
@@ -1423,14 +1428,14 @@
               <a:buAutoNum type="arabicPeriod"/>
             </a:pPr>
             <a:r>
-              <a:rPr lang="en" sz="1800">
+              <a:rPr lang="en" sz="1800" dirty="0">
                 <a:solidFill>
                   <a:srgbClr val="595959"/>
                 </a:solidFill>
               </a:rPr>
               <a:t>Add stuff on time series analysis and time series cross validation and metrics and we will put in the results later</a:t>
             </a:r>
-            <a:endParaRPr/>
+            <a:endParaRPr dirty="0"/>
           </a:p>
         </p:txBody>
       </p:sp>
@@ -1443,11 +1448,11 @@
 </file>
 
 <file path=ppt/notesSlides/notesSlide12.xml><?xml version="1.0" encoding="utf-8"?>
-<p:notes xmlns:a="http://schemas.openxmlformats.org/drawingml/2006/main" xmlns:r="http://schemas.openxmlformats.org/officeDocument/2006/relationships" xmlns:mc="http://schemas.openxmlformats.org/markup-compatibility/2006" xmlns:mv="urn:schemas-microsoft-com:mac:vml" xmlns:p="http://schemas.openxmlformats.org/presentationml/2006/main" xmlns:c="http://schemas.openxmlformats.org/drawingml/2006/chart" xmlns:dgm="http://schemas.openxmlformats.org/drawingml/2006/diagram" xmlns:o="urn:schemas-microsoft-com:office:office" xmlns:v="urn:schemas-microsoft-com:vml" xmlns:pvml="urn:schemas-microsoft-com:office:powerpoint" xmlns:com="http://schemas.openxmlformats.org/drawingml/2006/compatibility" xmlns:p14="http://schemas.microsoft.com/office/powerpoint/2010/main" xmlns:p15="http://schemas.microsoft.com/office/powerpoint/2012/main" xmlns:ahyp="http://schemas.microsoft.com/office/drawing/2018/hyperlinkcolor" showMasterPhAnim="0" showMasterSp="0">
+<p:notes xmlns:a="http://schemas.openxmlformats.org/drawingml/2006/main" xmlns:r="http://schemas.openxmlformats.org/officeDocument/2006/relationships" xmlns:p="http://schemas.openxmlformats.org/presentationml/2006/main" showMasterSp="0" showMasterPhAnim="0">
   <p:cSld>
     <p:spTree>
       <p:nvGrpSpPr>
-        <p:cNvPr id="165" name="Shape 165"/>
+        <p:cNvPr id="1" name="Shape 165"/>
         <p:cNvGrpSpPr/>
         <p:nvPr/>
       </p:nvGrpSpPr>
@@ -1462,9 +1467,11 @@
       <p:sp>
         <p:nvSpPr>
           <p:cNvPr id="166" name="Google Shape;166;gdbb1e81ddc_1_27:notes"/>
-          <p:cNvSpPr/>
+          <p:cNvSpPr>
+            <a:spLocks noGrp="1" noRot="1" noChangeAspect="1"/>
+          </p:cNvSpPr>
           <p:nvPr>
-            <p:ph idx="2" type="sldImg"/>
+            <p:ph type="sldImg" idx="2"/>
           </p:nvPr>
         </p:nvSpPr>
         <p:spPr>
@@ -1473,9 +1480,13 @@
             <a:ext cx="6096000" cy="3429000"/>
           </a:xfrm>
           <a:custGeom>
-            <a:rect b="b" l="l" r="r" t="t"/>
+            <a:avLst/>
+            <a:gdLst/>
+            <a:ahLst/>
+            <a:cxnLst/>
+            <a:rect l="l" t="t" r="r" b="b"/>
             <a:pathLst>
-              <a:path extrusionOk="0" h="120000" w="120000">
+              <a:path w="120000" h="120000" extrusionOk="0">
                 <a:moveTo>
                   <a:pt x="0" y="0"/>
                 </a:moveTo>
@@ -1497,9 +1508,11 @@
       <p:sp>
         <p:nvSpPr>
           <p:cNvPr id="167" name="Google Shape;167;gdbb1e81ddc_1_27:notes"/>
-          <p:cNvSpPr txBox="1"/>
+          <p:cNvSpPr txBox="1">
+            <a:spLocks noGrp="1"/>
+          </p:cNvSpPr>
           <p:nvPr>
-            <p:ph idx="1" type="body"/>
+            <p:ph type="body" idx="1"/>
           </p:nvPr>
         </p:nvSpPr>
         <p:spPr>
@@ -1512,23 +1525,20 @@
           </a:prstGeom>
         </p:spPr>
         <p:txBody>
-          <a:bodyPr anchorCtr="0" anchor="t" bIns="91425" lIns="91425" spcFirstLastPara="1" rIns="91425" wrap="square" tIns="91425">
+          <a:bodyPr spcFirstLastPara="1" wrap="square" lIns="91425" tIns="91425" rIns="91425" bIns="91425" anchor="t" anchorCtr="0">
             <a:noAutofit/>
           </a:bodyPr>
           <a:lstStyle/>
           <a:p>
-            <a:pPr indent="0" lvl="0" marL="0" rtl="0" algn="l">
-              <a:spcBef>
-                <a:spcPts val="0"/>
-              </a:spcBef>
-              <a:spcAft>
-                <a:spcPts val="0"/>
-              </a:spcAft>
-              <a:buNone/>
-            </a:pPr>
-            <a:r>
-              <a:t/>
-            </a:r>
+            <a:pPr marL="0" lvl="0" indent="0" algn="l" rtl="0">
+              <a:spcBef>
+                <a:spcPts val="0"/>
+              </a:spcBef>
+              <a:spcAft>
+                <a:spcPts val="0"/>
+              </a:spcAft>
+              <a:buNone/>
+            </a:pPr>
             <a:endParaRPr/>
           </a:p>
         </p:txBody>
@@ -1542,11 +1552,11 @@
 </file>
 
 <file path=ppt/notesSlides/notesSlide13.xml><?xml version="1.0" encoding="utf-8"?>
-<p:notes xmlns:a="http://schemas.openxmlformats.org/drawingml/2006/main" xmlns:r="http://schemas.openxmlformats.org/officeDocument/2006/relationships" xmlns:mc="http://schemas.openxmlformats.org/markup-compatibility/2006" xmlns:mv="urn:schemas-microsoft-com:mac:vml" xmlns:p="http://schemas.openxmlformats.org/presentationml/2006/main" xmlns:c="http://schemas.openxmlformats.org/drawingml/2006/chart" xmlns:dgm="http://schemas.openxmlformats.org/drawingml/2006/diagram" xmlns:o="urn:schemas-microsoft-com:office:office" xmlns:v="urn:schemas-microsoft-com:vml" xmlns:pvml="urn:schemas-microsoft-com:office:powerpoint" xmlns:com="http://schemas.openxmlformats.org/drawingml/2006/compatibility" xmlns:p14="http://schemas.microsoft.com/office/powerpoint/2010/main" xmlns:p15="http://schemas.microsoft.com/office/powerpoint/2012/main" xmlns:ahyp="http://schemas.microsoft.com/office/drawing/2018/hyperlinkcolor" showMasterPhAnim="0" showMasterSp="0">
+<p:notes xmlns:a="http://schemas.openxmlformats.org/drawingml/2006/main" xmlns:r="http://schemas.openxmlformats.org/officeDocument/2006/relationships" xmlns:p="http://schemas.openxmlformats.org/presentationml/2006/main" showMasterSp="0" showMasterPhAnim="0">
   <p:cSld>
     <p:spTree>
       <p:nvGrpSpPr>
-        <p:cNvPr id="170" name="Shape 170"/>
+        <p:cNvPr id="1" name="Shape 170"/>
         <p:cNvGrpSpPr/>
         <p:nvPr/>
       </p:nvGrpSpPr>
@@ -1561,9 +1571,11 @@
       <p:sp>
         <p:nvSpPr>
           <p:cNvPr id="171" name="Google Shape;171;gb6b2c60216_0_10:notes"/>
-          <p:cNvSpPr/>
+          <p:cNvSpPr>
+            <a:spLocks noGrp="1" noRot="1" noChangeAspect="1"/>
+          </p:cNvSpPr>
           <p:nvPr>
-            <p:ph idx="2" type="sldImg"/>
+            <p:ph type="sldImg" idx="2"/>
           </p:nvPr>
         </p:nvSpPr>
         <p:spPr>
@@ -1572,9 +1584,13 @@
             <a:ext cx="6096000" cy="3429000"/>
           </a:xfrm>
           <a:custGeom>
-            <a:rect b="b" l="l" r="r" t="t"/>
+            <a:avLst/>
+            <a:gdLst/>
+            <a:ahLst/>
+            <a:cxnLst/>
+            <a:rect l="l" t="t" r="r" b="b"/>
             <a:pathLst>
-              <a:path extrusionOk="0" h="120000" w="120000">
+              <a:path w="120000" h="120000" extrusionOk="0">
                 <a:moveTo>
                   <a:pt x="0" y="0"/>
                 </a:moveTo>
@@ -1596,9 +1612,11 @@
       <p:sp>
         <p:nvSpPr>
           <p:cNvPr id="172" name="Google Shape;172;gb6b2c60216_0_10:notes"/>
-          <p:cNvSpPr txBox="1"/>
+          <p:cNvSpPr txBox="1">
+            <a:spLocks noGrp="1"/>
+          </p:cNvSpPr>
           <p:nvPr>
-            <p:ph idx="1" type="body"/>
+            <p:ph type="body" idx="1"/>
           </p:nvPr>
         </p:nvSpPr>
         <p:spPr>
@@ -1611,12 +1629,12 @@
           </a:prstGeom>
         </p:spPr>
         <p:txBody>
-          <a:bodyPr anchorCtr="0" anchor="t" bIns="91425" lIns="91425" spcFirstLastPara="1" rIns="91425" wrap="square" tIns="91425">
+          <a:bodyPr spcFirstLastPara="1" wrap="square" lIns="91425" tIns="91425" rIns="91425" bIns="91425" anchor="t" anchorCtr="0">
             <a:noAutofit/>
           </a:bodyPr>
           <a:lstStyle/>
           <a:p>
-            <a:pPr indent="-342900" lvl="0" marL="457200" rtl="0" algn="l">
+            <a:pPr marL="457200" lvl="0" indent="-342900" algn="l" rtl="0">
               <a:lnSpc>
                 <a:spcPct val="115000"/>
               </a:lnSpc>
@@ -1632,15 +1650,7 @@
               <a:buSzPts val="1800"/>
               <a:buAutoNum type="arabicPeriod"/>
             </a:pPr>
-            <a:r>
-              <a:rPr lang="en" sz="1800">
-                <a:solidFill>
-                  <a:srgbClr val="595959"/>
-                </a:solidFill>
-              </a:rPr>
-              <a:t>MICHAEL </a:t>
-            </a:r>
-            <a:endParaRPr/>
+            <a:endParaRPr dirty="0"/>
           </a:p>
         </p:txBody>
       </p:sp>
@@ -1653,11 +1663,11 @@
 </file>
 
 <file path=ppt/notesSlides/notesSlide14.xml><?xml version="1.0" encoding="utf-8"?>
-<p:notes xmlns:a="http://schemas.openxmlformats.org/drawingml/2006/main" xmlns:r="http://schemas.openxmlformats.org/officeDocument/2006/relationships" xmlns:mc="http://schemas.openxmlformats.org/markup-compatibility/2006" xmlns:mv="urn:schemas-microsoft-com:mac:vml" xmlns:p="http://schemas.openxmlformats.org/presentationml/2006/main" xmlns:c="http://schemas.openxmlformats.org/drawingml/2006/chart" xmlns:dgm="http://schemas.openxmlformats.org/drawingml/2006/diagram" xmlns:o="urn:schemas-microsoft-com:office:office" xmlns:v="urn:schemas-microsoft-com:vml" xmlns:pvml="urn:schemas-microsoft-com:office:powerpoint" xmlns:com="http://schemas.openxmlformats.org/drawingml/2006/compatibility" xmlns:p14="http://schemas.microsoft.com/office/powerpoint/2010/main" xmlns:p15="http://schemas.microsoft.com/office/powerpoint/2012/main" xmlns:ahyp="http://schemas.microsoft.com/office/drawing/2018/hyperlinkcolor" showMasterPhAnim="0" showMasterSp="0">
+<p:notes xmlns:a="http://schemas.openxmlformats.org/drawingml/2006/main" xmlns:r="http://schemas.openxmlformats.org/officeDocument/2006/relationships" xmlns:p="http://schemas.openxmlformats.org/presentationml/2006/main" showMasterSp="0" showMasterPhAnim="0">
   <p:cSld>
     <p:spTree>
       <p:nvGrpSpPr>
-        <p:cNvPr id="176" name="Shape 176"/>
+        <p:cNvPr id="1" name="Shape 176"/>
         <p:cNvGrpSpPr/>
         <p:nvPr/>
       </p:nvGrpSpPr>
@@ -1672,9 +1682,11 @@
       <p:sp>
         <p:nvSpPr>
           <p:cNvPr id="177" name="Google Shape;177;gdbb1e81ddc_1_21:notes"/>
-          <p:cNvSpPr/>
+          <p:cNvSpPr>
+            <a:spLocks noGrp="1" noRot="1" noChangeAspect="1"/>
+          </p:cNvSpPr>
           <p:nvPr>
-            <p:ph idx="2" type="sldImg"/>
+            <p:ph type="sldImg" idx="2"/>
           </p:nvPr>
         </p:nvSpPr>
         <p:spPr>
@@ -1683,9 +1695,13 @@
             <a:ext cx="6096000" cy="3429000"/>
           </a:xfrm>
           <a:custGeom>
-            <a:rect b="b" l="l" r="r" t="t"/>
+            <a:avLst/>
+            <a:gdLst/>
+            <a:ahLst/>
+            <a:cxnLst/>
+            <a:rect l="l" t="t" r="r" b="b"/>
             <a:pathLst>
-              <a:path extrusionOk="0" h="120000" w="120000">
+              <a:path w="120000" h="120000" extrusionOk="0">
                 <a:moveTo>
                   <a:pt x="0" y="0"/>
                 </a:moveTo>
@@ -1707,9 +1723,11 @@
       <p:sp>
         <p:nvSpPr>
           <p:cNvPr id="178" name="Google Shape;178;gdbb1e81ddc_1_21:notes"/>
-          <p:cNvSpPr txBox="1"/>
+          <p:cNvSpPr txBox="1">
+            <a:spLocks noGrp="1"/>
+          </p:cNvSpPr>
           <p:nvPr>
-            <p:ph idx="1" type="body"/>
+            <p:ph type="body" idx="1"/>
           </p:nvPr>
         </p:nvSpPr>
         <p:spPr>
@@ -1722,12 +1740,12 @@
           </a:prstGeom>
         </p:spPr>
         <p:txBody>
-          <a:bodyPr anchorCtr="0" anchor="t" bIns="91425" lIns="91425" spcFirstLastPara="1" rIns="91425" wrap="square" tIns="91425">
+          <a:bodyPr spcFirstLastPara="1" wrap="square" lIns="91425" tIns="91425" rIns="91425" bIns="91425" anchor="t" anchorCtr="0">
             <a:noAutofit/>
           </a:bodyPr>
           <a:lstStyle/>
           <a:p>
-            <a:pPr indent="-342900" lvl="0" marL="457200" rtl="0" algn="l">
+            <a:pPr marL="457200" lvl="0" indent="-342900" algn="l" rtl="0">
               <a:lnSpc>
                 <a:spcPct val="115000"/>
               </a:lnSpc>
@@ -1743,15 +1761,7 @@
               <a:buSzPts val="1800"/>
               <a:buAutoNum type="arabicPeriod"/>
             </a:pPr>
-            <a:r>
-              <a:rPr lang="en" sz="1800">
-                <a:solidFill>
-                  <a:srgbClr val="595959"/>
-                </a:solidFill>
-              </a:rPr>
-              <a:t>MICHAEL </a:t>
-            </a:r>
-            <a:endParaRPr/>
+            <a:endParaRPr dirty="0"/>
           </a:p>
         </p:txBody>
       </p:sp>
@@ -1764,11 +1774,11 @@
 </file>
 
 <file path=ppt/notesSlides/notesSlide15.xml><?xml version="1.0" encoding="utf-8"?>
-<p:notes xmlns:a="http://schemas.openxmlformats.org/drawingml/2006/main" xmlns:r="http://schemas.openxmlformats.org/officeDocument/2006/relationships" xmlns:mc="http://schemas.openxmlformats.org/markup-compatibility/2006" xmlns:mv="urn:schemas-microsoft-com:mac:vml" xmlns:p="http://schemas.openxmlformats.org/presentationml/2006/main" xmlns:c="http://schemas.openxmlformats.org/drawingml/2006/chart" xmlns:dgm="http://schemas.openxmlformats.org/drawingml/2006/diagram" xmlns:o="urn:schemas-microsoft-com:office:office" xmlns:v="urn:schemas-microsoft-com:vml" xmlns:pvml="urn:schemas-microsoft-com:office:powerpoint" xmlns:com="http://schemas.openxmlformats.org/drawingml/2006/compatibility" xmlns:p14="http://schemas.microsoft.com/office/powerpoint/2010/main" xmlns:p15="http://schemas.microsoft.com/office/powerpoint/2012/main" xmlns:ahyp="http://schemas.microsoft.com/office/drawing/2018/hyperlinkcolor" showMasterPhAnim="0" showMasterSp="0">
+<p:notes xmlns:a="http://schemas.openxmlformats.org/drawingml/2006/main" xmlns:r="http://schemas.openxmlformats.org/officeDocument/2006/relationships" xmlns:p="http://schemas.openxmlformats.org/presentationml/2006/main" showMasterSp="0" showMasterPhAnim="0">
   <p:cSld>
     <p:spTree>
       <p:nvGrpSpPr>
-        <p:cNvPr id="182" name="Shape 182"/>
+        <p:cNvPr id="1" name="Shape 182"/>
         <p:cNvGrpSpPr/>
         <p:nvPr/>
       </p:nvGrpSpPr>
@@ -1783,9 +1793,11 @@
       <p:sp>
         <p:nvSpPr>
           <p:cNvPr id="183" name="Google Shape;183;gdbb1e81ddc_1_5:notes"/>
-          <p:cNvSpPr/>
+          <p:cNvSpPr>
+            <a:spLocks noGrp="1" noRot="1" noChangeAspect="1"/>
+          </p:cNvSpPr>
           <p:nvPr>
-            <p:ph idx="2" type="sldImg"/>
+            <p:ph type="sldImg" idx="2"/>
           </p:nvPr>
         </p:nvSpPr>
         <p:spPr>
@@ -1794,9 +1806,13 @@
             <a:ext cx="6096000" cy="3429000"/>
           </a:xfrm>
           <a:custGeom>
-            <a:rect b="b" l="l" r="r" t="t"/>
+            <a:avLst/>
+            <a:gdLst/>
+            <a:ahLst/>
+            <a:cxnLst/>
+            <a:rect l="l" t="t" r="r" b="b"/>
             <a:pathLst>
-              <a:path extrusionOk="0" h="120000" w="120000">
+              <a:path w="120000" h="120000" extrusionOk="0">
                 <a:moveTo>
                   <a:pt x="0" y="0"/>
                 </a:moveTo>
@@ -1818,9 +1834,11 @@
       <p:sp>
         <p:nvSpPr>
           <p:cNvPr id="184" name="Google Shape;184;gdbb1e81ddc_1_5:notes"/>
-          <p:cNvSpPr txBox="1"/>
+          <p:cNvSpPr txBox="1">
+            <a:spLocks noGrp="1"/>
+          </p:cNvSpPr>
           <p:nvPr>
-            <p:ph idx="1" type="body"/>
+            <p:ph type="body" idx="1"/>
           </p:nvPr>
         </p:nvSpPr>
         <p:spPr>
@@ -1833,23 +1851,20 @@
           </a:prstGeom>
         </p:spPr>
         <p:txBody>
-          <a:bodyPr anchorCtr="0" anchor="t" bIns="91425" lIns="91425" spcFirstLastPara="1" rIns="91425" wrap="square" tIns="91425">
+          <a:bodyPr spcFirstLastPara="1" wrap="square" lIns="91425" tIns="91425" rIns="91425" bIns="91425" anchor="t" anchorCtr="0">
             <a:noAutofit/>
           </a:bodyPr>
           <a:lstStyle/>
           <a:p>
-            <a:pPr indent="0" lvl="0" marL="0" rtl="0" algn="l">
-              <a:spcBef>
-                <a:spcPts val="0"/>
-              </a:spcBef>
-              <a:spcAft>
-                <a:spcPts val="0"/>
-              </a:spcAft>
-              <a:buNone/>
-            </a:pPr>
-            <a:r>
-              <a:t/>
-            </a:r>
+            <a:pPr marL="0" lvl="0" indent="0" algn="l" rtl="0">
+              <a:spcBef>
+                <a:spcPts val="0"/>
+              </a:spcBef>
+              <a:spcAft>
+                <a:spcPts val="0"/>
+              </a:spcAft>
+              <a:buNone/>
+            </a:pPr>
             <a:endParaRPr/>
           </a:p>
         </p:txBody>
@@ -1863,11 +1878,11 @@
 </file>
 
 <file path=ppt/notesSlides/notesSlide16.xml><?xml version="1.0" encoding="utf-8"?>
-<p:notes xmlns:a="http://schemas.openxmlformats.org/drawingml/2006/main" xmlns:r="http://schemas.openxmlformats.org/officeDocument/2006/relationships" xmlns:mc="http://schemas.openxmlformats.org/markup-compatibility/2006" xmlns:mv="urn:schemas-microsoft-com:mac:vml" xmlns:p="http://schemas.openxmlformats.org/presentationml/2006/main" xmlns:c="http://schemas.openxmlformats.org/drawingml/2006/chart" xmlns:dgm="http://schemas.openxmlformats.org/drawingml/2006/diagram" xmlns:o="urn:schemas-microsoft-com:office:office" xmlns:v="urn:schemas-microsoft-com:vml" xmlns:pvml="urn:schemas-microsoft-com:office:powerpoint" xmlns:com="http://schemas.openxmlformats.org/drawingml/2006/compatibility" xmlns:p14="http://schemas.microsoft.com/office/powerpoint/2010/main" xmlns:p15="http://schemas.microsoft.com/office/powerpoint/2012/main" xmlns:ahyp="http://schemas.microsoft.com/office/drawing/2018/hyperlinkcolor" showMasterPhAnim="0" showMasterSp="0">
+<p:notes xmlns:a="http://schemas.openxmlformats.org/drawingml/2006/main" xmlns:r="http://schemas.openxmlformats.org/officeDocument/2006/relationships" xmlns:p="http://schemas.openxmlformats.org/presentationml/2006/main" showMasterSp="0" showMasterPhAnim="0">
   <p:cSld>
     <p:spTree>
       <p:nvGrpSpPr>
-        <p:cNvPr id="188" name="Shape 188"/>
+        <p:cNvPr id="1" name="Shape 188"/>
         <p:cNvGrpSpPr/>
         <p:nvPr/>
       </p:nvGrpSpPr>
@@ -1882,9 +1897,11 @@
       <p:sp>
         <p:nvSpPr>
           <p:cNvPr id="189" name="Google Shape;189;gde9038f0ac_1_194:notes"/>
-          <p:cNvSpPr/>
+          <p:cNvSpPr>
+            <a:spLocks noGrp="1" noRot="1" noChangeAspect="1"/>
+          </p:cNvSpPr>
           <p:nvPr>
-            <p:ph idx="2" type="sldImg"/>
+            <p:ph type="sldImg" idx="2"/>
           </p:nvPr>
         </p:nvSpPr>
         <p:spPr>
@@ -1893,9 +1910,13 @@
             <a:ext cx="6096000" cy="3429000"/>
           </a:xfrm>
           <a:custGeom>
-            <a:rect b="b" l="l" r="r" t="t"/>
+            <a:avLst/>
+            <a:gdLst/>
+            <a:ahLst/>
+            <a:cxnLst/>
+            <a:rect l="l" t="t" r="r" b="b"/>
             <a:pathLst>
-              <a:path extrusionOk="0" h="120000" w="120000">
+              <a:path w="120000" h="120000" extrusionOk="0">
                 <a:moveTo>
                   <a:pt x="0" y="0"/>
                 </a:moveTo>
@@ -1917,9 +1938,11 @@
       <p:sp>
         <p:nvSpPr>
           <p:cNvPr id="190" name="Google Shape;190;gde9038f0ac_1_194:notes"/>
-          <p:cNvSpPr txBox="1"/>
+          <p:cNvSpPr txBox="1">
+            <a:spLocks noGrp="1"/>
+          </p:cNvSpPr>
           <p:nvPr>
-            <p:ph idx="1" type="body"/>
+            <p:ph type="body" idx="1"/>
           </p:nvPr>
         </p:nvSpPr>
         <p:spPr>
@@ -1932,43 +1955,12 @@
           </a:prstGeom>
         </p:spPr>
         <p:txBody>
-          <a:bodyPr anchorCtr="0" anchor="t" bIns="91425" lIns="91425" spcFirstLastPara="1" rIns="91425" wrap="square" tIns="91425">
+          <a:bodyPr spcFirstLastPara="1" wrap="square" lIns="91425" tIns="91425" rIns="91425" bIns="91425" anchor="t" anchorCtr="0">
             <a:noAutofit/>
           </a:bodyPr>
           <a:lstStyle/>
           <a:p>
-            <a:pPr indent="-342900" lvl="0" marL="457200" rtl="0" algn="l">
-              <a:lnSpc>
-                <a:spcPct val="115000"/>
-              </a:lnSpc>
-              <a:spcBef>
-                <a:spcPts val="0"/>
-              </a:spcBef>
-              <a:spcAft>
-                <a:spcPts val="0"/>
-              </a:spcAft>
-              <a:buClr>
-                <a:srgbClr val="595959"/>
-              </a:buClr>
-              <a:buSzPts val="1800"/>
-              <a:buAutoNum type="arabicPeriod"/>
-            </a:pPr>
-            <a:r>
-              <a:rPr lang="en" sz="1800">
-                <a:solidFill>
-                  <a:srgbClr val="595959"/>
-                </a:solidFill>
-              </a:rPr>
-              <a:t>MICHAEL </a:t>
-            </a:r>
-            <a:endParaRPr>
-              <a:solidFill>
-                <a:schemeClr val="dk1"/>
-              </a:solidFill>
-            </a:endParaRPr>
-          </a:p>
-          <a:p>
-            <a:pPr indent="0" lvl="0" marL="0" rtl="0" algn="l">
+            <a:pPr marL="0" lvl="0" indent="0" algn="l" rtl="0">
               <a:spcBef>
                 <a:spcPts val="1200"/>
               </a:spcBef>
@@ -1977,10 +1969,7 @@
               </a:spcAft>
               <a:buNone/>
             </a:pPr>
-            <a:r>
-              <a:t/>
-            </a:r>
-            <a:endParaRPr/>
+            <a:endParaRPr dirty="0"/>
           </a:p>
         </p:txBody>
       </p:sp>
@@ -1993,11 +1982,11 @@
 </file>
 
 <file path=ppt/notesSlides/notesSlide2.xml><?xml version="1.0" encoding="utf-8"?>
-<p:notes xmlns:a="http://schemas.openxmlformats.org/drawingml/2006/main" xmlns:r="http://schemas.openxmlformats.org/officeDocument/2006/relationships" xmlns:mc="http://schemas.openxmlformats.org/markup-compatibility/2006" xmlns:mv="urn:schemas-microsoft-com:mac:vml" xmlns:p="http://schemas.openxmlformats.org/presentationml/2006/main" xmlns:c="http://schemas.openxmlformats.org/drawingml/2006/chart" xmlns:dgm="http://schemas.openxmlformats.org/drawingml/2006/diagram" xmlns:o="urn:schemas-microsoft-com:office:office" xmlns:v="urn:schemas-microsoft-com:vml" xmlns:pvml="urn:schemas-microsoft-com:office:powerpoint" xmlns:com="http://schemas.openxmlformats.org/drawingml/2006/compatibility" xmlns:p14="http://schemas.microsoft.com/office/powerpoint/2010/main" xmlns:p15="http://schemas.microsoft.com/office/powerpoint/2012/main" xmlns:ahyp="http://schemas.microsoft.com/office/drawing/2018/hyperlinkcolor" showMasterPhAnim="0" showMasterSp="0">
+<p:notes xmlns:a="http://schemas.openxmlformats.org/drawingml/2006/main" xmlns:r="http://schemas.openxmlformats.org/officeDocument/2006/relationships" xmlns:p="http://schemas.openxmlformats.org/presentationml/2006/main" showMasterSp="0" showMasterPhAnim="0">
   <p:cSld>
     <p:spTree>
       <p:nvGrpSpPr>
-        <p:cNvPr id="56" name="Shape 56"/>
+        <p:cNvPr id="1" name="Shape 56"/>
         <p:cNvGrpSpPr/>
         <p:nvPr/>
       </p:nvGrpSpPr>
@@ -2012,9 +2001,11 @@
       <p:sp>
         <p:nvSpPr>
           <p:cNvPr id="57" name="Google Shape;57;gde9038f0ac_0_0:notes"/>
-          <p:cNvSpPr/>
+          <p:cNvSpPr>
+            <a:spLocks noGrp="1" noRot="1" noChangeAspect="1"/>
+          </p:cNvSpPr>
           <p:nvPr>
-            <p:ph idx="2" type="sldImg"/>
+            <p:ph type="sldImg" idx="2"/>
           </p:nvPr>
         </p:nvSpPr>
         <p:spPr>
@@ -2023,9 +2014,13 @@
             <a:ext cx="6096000" cy="3429000"/>
           </a:xfrm>
           <a:custGeom>
-            <a:rect b="b" l="l" r="r" t="t"/>
+            <a:avLst/>
+            <a:gdLst/>
+            <a:ahLst/>
+            <a:cxnLst/>
+            <a:rect l="l" t="t" r="r" b="b"/>
             <a:pathLst>
-              <a:path extrusionOk="0" h="120000" w="120000">
+              <a:path w="120000" h="120000" extrusionOk="0">
                 <a:moveTo>
                   <a:pt x="0" y="0"/>
                 </a:moveTo>
@@ -2047,9 +2042,11 @@
       <p:sp>
         <p:nvSpPr>
           <p:cNvPr id="58" name="Google Shape;58;gde9038f0ac_0_0:notes"/>
-          <p:cNvSpPr txBox="1"/>
+          <p:cNvSpPr txBox="1">
+            <a:spLocks noGrp="1"/>
+          </p:cNvSpPr>
           <p:nvPr>
-            <p:ph idx="1" type="body"/>
+            <p:ph type="body" idx="1"/>
           </p:nvPr>
         </p:nvSpPr>
         <p:spPr>
@@ -2062,12 +2059,12 @@
           </a:prstGeom>
         </p:spPr>
         <p:txBody>
-          <a:bodyPr anchorCtr="0" anchor="t" bIns="91425" lIns="91425" spcFirstLastPara="1" rIns="91425" wrap="square" tIns="91425">
+          <a:bodyPr spcFirstLastPara="1" wrap="square" lIns="91425" tIns="91425" rIns="91425" bIns="91425" anchor="t" anchorCtr="0">
             <a:noAutofit/>
           </a:bodyPr>
           <a:lstStyle/>
           <a:p>
-            <a:pPr indent="0" lvl="0" marL="0" rtl="0" algn="l">
+            <a:pPr marL="0" lvl="0" indent="0" algn="l" rtl="0">
               <a:spcBef>
                 <a:spcPts val="0"/>
               </a:spcBef>
@@ -2078,43 +2075,7 @@
             </a:pPr>
             <a:r>
               <a:rPr lang="en"/>
-              <a:t>Our </a:t>
-            </a:r>
-            <a:r>
-              <a:rPr lang="en"/>
-              <a:t>team</a:t>
-            </a:r>
-            <a:r>
-              <a:rPr lang="en"/>
-              <a:t> was </a:t>
-            </a:r>
-            <a:r>
-              <a:rPr lang="en"/>
-              <a:t>assigned</a:t>
-            </a:r>
-            <a:r>
-              <a:rPr lang="en"/>
-              <a:t> challenge one, which </a:t>
-            </a:r>
-            <a:r>
-              <a:rPr lang="en"/>
-              <a:t>focus</a:t>
-            </a:r>
-            <a:r>
-              <a:rPr lang="en"/>
-              <a:t> on the susta</a:t>
-            </a:r>
-            <a:r>
-              <a:rPr lang="en"/>
-              <a:t>inable development goal 4.Currently, more than 617 million young people do not receive minimum proficiency levels (MPLs) education.This figure </a:t>
-            </a:r>
-            <a:r>
-              <a:rPr lang="en"/>
-              <a:t>shows</a:t>
-            </a:r>
-            <a:r>
-              <a:rPr lang="en"/>
-              <a:t> the global number such people are influenced by age group, region and sex</a:t>
+              <a:t>Our team was assigned challenge one, which focus on the sustainable development goal 4.Currently, more than 617 million young people do not receive minimum proficiency levels (MPLs) education.This figure shows the global number such people are influenced by age group, region and sex</a:t>
             </a:r>
             <a:endParaRPr/>
           </a:p>
@@ -2129,11 +2090,11 @@
 </file>
 
 <file path=ppt/notesSlides/notesSlide3.xml><?xml version="1.0" encoding="utf-8"?>
-<p:notes xmlns:a="http://schemas.openxmlformats.org/drawingml/2006/main" xmlns:r="http://schemas.openxmlformats.org/officeDocument/2006/relationships" xmlns:mc="http://schemas.openxmlformats.org/markup-compatibility/2006" xmlns:mv="urn:schemas-microsoft-com:mac:vml" xmlns:p="http://schemas.openxmlformats.org/presentationml/2006/main" xmlns:c="http://schemas.openxmlformats.org/drawingml/2006/chart" xmlns:dgm="http://schemas.openxmlformats.org/drawingml/2006/diagram" xmlns:o="urn:schemas-microsoft-com:office:office" xmlns:v="urn:schemas-microsoft-com:vml" xmlns:pvml="urn:schemas-microsoft-com:office:powerpoint" xmlns:com="http://schemas.openxmlformats.org/drawingml/2006/compatibility" xmlns:p14="http://schemas.microsoft.com/office/powerpoint/2010/main" xmlns:p15="http://schemas.microsoft.com/office/powerpoint/2012/main" xmlns:ahyp="http://schemas.microsoft.com/office/drawing/2018/hyperlinkcolor" showMasterPhAnim="0" showMasterSp="0">
+<p:notes xmlns:a="http://schemas.openxmlformats.org/drawingml/2006/main" xmlns:r="http://schemas.openxmlformats.org/officeDocument/2006/relationships" xmlns:p="http://schemas.openxmlformats.org/presentationml/2006/main" showMasterSp="0" showMasterPhAnim="0">
   <p:cSld>
     <p:spTree>
       <p:nvGrpSpPr>
-        <p:cNvPr id="64" name="Shape 64"/>
+        <p:cNvPr id="1" name="Shape 64"/>
         <p:cNvGrpSpPr/>
         <p:nvPr/>
       </p:nvGrpSpPr>
@@ -2148,9 +2109,11 @@
       <p:sp>
         <p:nvSpPr>
           <p:cNvPr id="65" name="Google Shape;65;gde9038f0ac_1_24:notes"/>
-          <p:cNvSpPr/>
+          <p:cNvSpPr>
+            <a:spLocks noGrp="1" noRot="1" noChangeAspect="1"/>
+          </p:cNvSpPr>
           <p:nvPr>
-            <p:ph idx="2" type="sldImg"/>
+            <p:ph type="sldImg" idx="2"/>
           </p:nvPr>
         </p:nvSpPr>
         <p:spPr>
@@ -2159,9 +2122,13 @@
             <a:ext cx="6096000" cy="3429000"/>
           </a:xfrm>
           <a:custGeom>
-            <a:rect b="b" l="l" r="r" t="t"/>
+            <a:avLst/>
+            <a:gdLst/>
+            <a:ahLst/>
+            <a:cxnLst/>
+            <a:rect l="l" t="t" r="r" b="b"/>
             <a:pathLst>
-              <a:path extrusionOk="0" h="120000" w="120000">
+              <a:path w="120000" h="120000" extrusionOk="0">
                 <a:moveTo>
                   <a:pt x="0" y="0"/>
                 </a:moveTo>
@@ -2183,9 +2150,11 @@
       <p:sp>
         <p:nvSpPr>
           <p:cNvPr id="66" name="Google Shape;66;gde9038f0ac_1_24:notes"/>
-          <p:cNvSpPr txBox="1"/>
+          <p:cNvSpPr txBox="1">
+            <a:spLocks noGrp="1"/>
+          </p:cNvSpPr>
           <p:nvPr>
-            <p:ph idx="1" type="body"/>
+            <p:ph type="body" idx="1"/>
           </p:nvPr>
         </p:nvSpPr>
         <p:spPr>
@@ -2198,12 +2167,12 @@
           </a:prstGeom>
         </p:spPr>
         <p:txBody>
-          <a:bodyPr anchorCtr="0" anchor="t" bIns="91425" lIns="91425" spcFirstLastPara="1" rIns="91425" wrap="square" tIns="91425">
+          <a:bodyPr spcFirstLastPara="1" wrap="square" lIns="91425" tIns="91425" rIns="91425" bIns="91425" anchor="t" anchorCtr="0">
             <a:noAutofit/>
           </a:bodyPr>
           <a:lstStyle/>
           <a:p>
-            <a:pPr indent="0" lvl="0" marL="0" rtl="0" algn="l">
+            <a:pPr marL="0" lvl="0" indent="0" algn="l" rtl="0">
               <a:spcBef>
                 <a:spcPts val="0"/>
               </a:spcBef>
@@ -2218,31 +2187,7 @@
                   <a:schemeClr val="dk1"/>
                 </a:solidFill>
               </a:rPr>
-              <a:t>This figure shows the proportion of young people not </a:t>
-            </a:r>
-            <a:r>
-              <a:rPr lang="en">
-                <a:solidFill>
-                  <a:schemeClr val="dk1"/>
-                </a:solidFill>
-              </a:rPr>
-              <a:t>achieving</a:t>
-            </a:r>
-            <a:r>
-              <a:rPr lang="en">
-                <a:solidFill>
-                  <a:schemeClr val="dk1"/>
-                </a:solidFill>
-              </a:rPr>
-              <a:t> MPLs</a:t>
-            </a:r>
-            <a:r>
-              <a:rPr lang="en">
-                <a:solidFill>
-                  <a:schemeClr val="dk1"/>
-                </a:solidFill>
-              </a:rPr>
-              <a:t> by region and country income. It’s obvious that counties with less income have more children not receiving MPLs. So combining all these information, we realize the demands on promoting inclusive and equitable quality education</a:t>
+              <a:t>This figure shows the proportion of young people not achieving MPLs by region and country income. It’s obvious that counties with less income have more children not receiving MPLs. So combining all these information, we realize the demands on promoting inclusive and equitable quality education</a:t>
             </a:r>
             <a:endParaRPr/>
           </a:p>
@@ -2257,11 +2202,11 @@
 </file>
 
 <file path=ppt/notesSlides/notesSlide4.xml><?xml version="1.0" encoding="utf-8"?>
-<p:notes xmlns:a="http://schemas.openxmlformats.org/drawingml/2006/main" xmlns:r="http://schemas.openxmlformats.org/officeDocument/2006/relationships" xmlns:mc="http://schemas.openxmlformats.org/markup-compatibility/2006" xmlns:mv="urn:schemas-microsoft-com:mac:vml" xmlns:p="http://schemas.openxmlformats.org/presentationml/2006/main" xmlns:c="http://schemas.openxmlformats.org/drawingml/2006/chart" xmlns:dgm="http://schemas.openxmlformats.org/drawingml/2006/diagram" xmlns:o="urn:schemas-microsoft-com:office:office" xmlns:v="urn:schemas-microsoft-com:vml" xmlns:pvml="urn:schemas-microsoft-com:office:powerpoint" xmlns:com="http://schemas.openxmlformats.org/drawingml/2006/compatibility" xmlns:p14="http://schemas.microsoft.com/office/powerpoint/2010/main" xmlns:p15="http://schemas.microsoft.com/office/powerpoint/2012/main" xmlns:ahyp="http://schemas.microsoft.com/office/drawing/2018/hyperlinkcolor" showMasterPhAnim="0" showMasterSp="0">
+<p:notes xmlns:a="http://schemas.openxmlformats.org/drawingml/2006/main" xmlns:r="http://schemas.openxmlformats.org/officeDocument/2006/relationships" xmlns:p="http://schemas.openxmlformats.org/presentationml/2006/main" showMasterSp="0" showMasterPhAnim="0">
   <p:cSld>
     <p:spTree>
       <p:nvGrpSpPr>
-        <p:cNvPr id="71" name="Shape 71"/>
+        <p:cNvPr id="1" name="Shape 71"/>
         <p:cNvGrpSpPr/>
         <p:nvPr/>
       </p:nvGrpSpPr>
@@ -2276,9 +2221,11 @@
       <p:sp>
         <p:nvSpPr>
           <p:cNvPr id="72" name="Google Shape;72;gb6b2c60216_1_322:notes"/>
-          <p:cNvSpPr/>
+          <p:cNvSpPr>
+            <a:spLocks noGrp="1" noRot="1" noChangeAspect="1"/>
+          </p:cNvSpPr>
           <p:nvPr>
-            <p:ph idx="2" type="sldImg"/>
+            <p:ph type="sldImg" idx="2"/>
           </p:nvPr>
         </p:nvSpPr>
         <p:spPr>
@@ -2287,9 +2234,13 @@
             <a:ext cx="6096000" cy="3429000"/>
           </a:xfrm>
           <a:custGeom>
-            <a:rect b="b" l="l" r="r" t="t"/>
+            <a:avLst/>
+            <a:gdLst/>
+            <a:ahLst/>
+            <a:cxnLst/>
+            <a:rect l="l" t="t" r="r" b="b"/>
             <a:pathLst>
-              <a:path extrusionOk="0" h="120000" w="120000">
+              <a:path w="120000" h="120000" extrusionOk="0">
                 <a:moveTo>
                   <a:pt x="0" y="0"/>
                 </a:moveTo>
@@ -2311,9 +2262,11 @@
       <p:sp>
         <p:nvSpPr>
           <p:cNvPr id="73" name="Google Shape;73;gb6b2c60216_1_322:notes"/>
-          <p:cNvSpPr txBox="1"/>
+          <p:cNvSpPr txBox="1">
+            <a:spLocks noGrp="1"/>
+          </p:cNvSpPr>
           <p:nvPr>
-            <p:ph idx="1" type="body"/>
+            <p:ph type="body" idx="1"/>
           </p:nvPr>
         </p:nvSpPr>
         <p:spPr>
@@ -2326,12 +2279,12 @@
           </a:prstGeom>
         </p:spPr>
         <p:txBody>
-          <a:bodyPr anchorCtr="0" anchor="t" bIns="91425" lIns="91425" spcFirstLastPara="1" rIns="91425" wrap="square" tIns="91425">
+          <a:bodyPr spcFirstLastPara="1" wrap="square" lIns="91425" tIns="91425" rIns="91425" bIns="91425" anchor="t" anchorCtr="0">
             <a:noAutofit/>
           </a:bodyPr>
           <a:lstStyle/>
           <a:p>
-            <a:pPr indent="0" lvl="0" marL="0" rtl="0" algn="l">
+            <a:pPr marL="0" lvl="0" indent="0" algn="l" rtl="0">
               <a:spcBef>
                 <a:spcPts val="0"/>
               </a:spcBef>
@@ -2347,43 +2300,7 @@
             </a:pPr>
             <a:r>
               <a:rPr lang="en"/>
-              <a:t>We finish the project in three steps. First we did the data wrangling. We clean our data by dropping the irre</a:t>
-            </a:r>
-            <a:r>
-              <a:rPr lang="en"/>
-              <a:t>levant and duplicate data and fill in the missing data. We then category and format the data structure for next step. Finally we did some data analysis. In step 2, we train and validate the </a:t>
-            </a:r>
-            <a:r>
-              <a:rPr lang="en"/>
-              <a:t>statistical</a:t>
-            </a:r>
-            <a:r>
-              <a:rPr lang="en"/>
-              <a:t> modeling on the data after </a:t>
-            </a:r>
-            <a:r>
-              <a:rPr lang="en"/>
-              <a:t>choosing</a:t>
-            </a:r>
-            <a:r>
-              <a:rPr lang="en"/>
-              <a:t> input and prediction features, proper models. In step 3 we make </a:t>
-            </a:r>
-            <a:r>
-              <a:rPr lang="en"/>
-              <a:t>predictions</a:t>
-            </a:r>
-            <a:r>
-              <a:rPr lang="en"/>
-              <a:t> based on </a:t>
-            </a:r>
-            <a:r>
-              <a:rPr lang="en"/>
-              <a:t>training</a:t>
-            </a:r>
-            <a:r>
-              <a:rPr lang="en"/>
-              <a:t> and validation results.</a:t>
+              <a:t>We finish the project in three steps. First we did the data wrangling. We clean our data by dropping the irrelevant and duplicate data and fill in the missing data. We then category and format the data structure for next step. Finally we did some data analysis. In step 2, we train and validate the statistical modeling on the data after choosing input and prediction features, proper models. In step 3 we make predictions based on training and validation results.</a:t>
             </a:r>
             <a:endParaRPr/>
           </a:p>
@@ -2398,11 +2315,11 @@
 </file>
 
 <file path=ppt/notesSlides/notesSlide5.xml><?xml version="1.0" encoding="utf-8"?>
-<p:notes xmlns:a="http://schemas.openxmlformats.org/drawingml/2006/main" xmlns:r="http://schemas.openxmlformats.org/officeDocument/2006/relationships" xmlns:mc="http://schemas.openxmlformats.org/markup-compatibility/2006" xmlns:mv="urn:schemas-microsoft-com:mac:vml" xmlns:p="http://schemas.openxmlformats.org/presentationml/2006/main" xmlns:c="http://schemas.openxmlformats.org/drawingml/2006/chart" xmlns:dgm="http://schemas.openxmlformats.org/drawingml/2006/diagram" xmlns:o="urn:schemas-microsoft-com:office:office" xmlns:v="urn:schemas-microsoft-com:vml" xmlns:pvml="urn:schemas-microsoft-com:office:powerpoint" xmlns:com="http://schemas.openxmlformats.org/drawingml/2006/compatibility" xmlns:p14="http://schemas.microsoft.com/office/powerpoint/2010/main" xmlns:p15="http://schemas.microsoft.com/office/powerpoint/2012/main" xmlns:ahyp="http://schemas.microsoft.com/office/drawing/2018/hyperlinkcolor" showMasterPhAnim="0" showMasterSp="0">
+<p:notes xmlns:a="http://schemas.openxmlformats.org/drawingml/2006/main" xmlns:r="http://schemas.openxmlformats.org/officeDocument/2006/relationships" xmlns:p="http://schemas.openxmlformats.org/presentationml/2006/main" showMasterSp="0" showMasterPhAnim="0">
   <p:cSld>
     <p:spTree>
       <p:nvGrpSpPr>
-        <p:cNvPr id="88" name="Shape 88"/>
+        <p:cNvPr id="1" name="Shape 88"/>
         <p:cNvGrpSpPr/>
         <p:nvPr/>
       </p:nvGrpSpPr>
@@ -2417,9 +2334,11 @@
       <p:sp>
         <p:nvSpPr>
           <p:cNvPr id="89" name="Google Shape;89;gde9038f0ac_1_57:notes"/>
-          <p:cNvSpPr/>
+          <p:cNvSpPr>
+            <a:spLocks noGrp="1" noRot="1" noChangeAspect="1"/>
+          </p:cNvSpPr>
           <p:nvPr>
-            <p:ph idx="2" type="sldImg"/>
+            <p:ph type="sldImg" idx="2"/>
           </p:nvPr>
         </p:nvSpPr>
         <p:spPr>
@@ -2428,9 +2347,13 @@
             <a:ext cx="6096000" cy="3429000"/>
           </a:xfrm>
           <a:custGeom>
-            <a:rect b="b" l="l" r="r" t="t"/>
+            <a:avLst/>
+            <a:gdLst/>
+            <a:ahLst/>
+            <a:cxnLst/>
+            <a:rect l="l" t="t" r="r" b="b"/>
             <a:pathLst>
-              <a:path extrusionOk="0" h="120000" w="120000">
+              <a:path w="120000" h="120000" extrusionOk="0">
                 <a:moveTo>
                   <a:pt x="0" y="0"/>
                 </a:moveTo>
@@ -2452,9 +2375,11 @@
       <p:sp>
         <p:nvSpPr>
           <p:cNvPr id="90" name="Google Shape;90;gde9038f0ac_1_57:notes"/>
-          <p:cNvSpPr txBox="1"/>
+          <p:cNvSpPr txBox="1">
+            <a:spLocks noGrp="1"/>
+          </p:cNvSpPr>
           <p:nvPr>
-            <p:ph idx="1" type="body"/>
+            <p:ph type="body" idx="1"/>
           </p:nvPr>
         </p:nvSpPr>
         <p:spPr>
@@ -2467,12 +2392,12 @@
           </a:prstGeom>
         </p:spPr>
         <p:txBody>
-          <a:bodyPr anchorCtr="0" anchor="t" bIns="91425" lIns="91425" spcFirstLastPara="1" rIns="91425" wrap="square" tIns="91425">
+          <a:bodyPr spcFirstLastPara="1" wrap="square" lIns="91425" tIns="91425" rIns="91425" bIns="91425" anchor="t" anchorCtr="0">
             <a:noAutofit/>
           </a:bodyPr>
           <a:lstStyle/>
           <a:p>
-            <a:pPr indent="0" lvl="0" marL="0" rtl="0" algn="l">
+            <a:pPr marL="0" lvl="0" indent="0" algn="l" rtl="0">
               <a:spcBef>
                 <a:spcPts val="0"/>
               </a:spcBef>
@@ -2492,87 +2417,7 @@
                   <a:schemeClr val="dk1"/>
                 </a:solidFill>
               </a:rPr>
-              <a:t>So real quick to go </a:t>
-            </a:r>
-            <a:r>
-              <a:rPr lang="en">
-                <a:solidFill>
-                  <a:schemeClr val="dk1"/>
-                </a:solidFill>
-              </a:rPr>
-              <a:t>through</a:t>
-            </a:r>
-            <a:r>
-              <a:rPr lang="en">
-                <a:solidFill>
-                  <a:schemeClr val="dk1"/>
-                </a:solidFill>
-              </a:rPr>
-              <a:t> our data </a:t>
-            </a:r>
-            <a:r>
-              <a:rPr lang="en">
-                <a:solidFill>
-                  <a:schemeClr val="dk1"/>
-                </a:solidFill>
-              </a:rPr>
-              <a:t>wrangling</a:t>
-            </a:r>
-            <a:r>
-              <a:rPr lang="en">
-                <a:solidFill>
-                  <a:schemeClr val="dk1"/>
-                </a:solidFill>
-              </a:rPr>
-              <a:t> process, we find that there are columns </a:t>
-            </a:r>
-            <a:r>
-              <a:rPr lang="en">
-                <a:solidFill>
-                  <a:schemeClr val="dk1"/>
-                </a:solidFill>
-              </a:rPr>
-              <a:t>with</a:t>
-            </a:r>
-            <a:r>
-              <a:rPr lang="en">
-                <a:solidFill>
-                  <a:schemeClr val="dk1"/>
-                </a:solidFill>
-              </a:rPr>
-              <a:t> the name of </a:t>
-            </a:r>
-            <a:r>
-              <a:rPr lang="en">
-                <a:solidFill>
-                  <a:schemeClr val="dk1"/>
-                </a:solidFill>
-              </a:rPr>
-              <a:t>unnamed</a:t>
-            </a:r>
-            <a:r>
-              <a:rPr lang="en">
-                <a:solidFill>
-                  <a:schemeClr val="dk1"/>
-                </a:solidFill>
-              </a:rPr>
-              <a:t> are all NaN values, so we drop these columns. We also drop columns such as Footnote </a:t>
-            </a:r>
-            <a:r>
-              <a:rPr lang="en">
-                <a:solidFill>
-                  <a:schemeClr val="dk1"/>
-                </a:solidFill>
-              </a:rPr>
-              <a:t>since</a:t>
-            </a:r>
-            <a:r>
-              <a:rPr lang="en">
-                <a:solidFill>
-                  <a:schemeClr val="dk1"/>
-                </a:solidFill>
-              </a:rPr>
-              <a:t> they are either all NaN or all the same which is irrelevant to predicition</a:t>
+              <a:t>So real quick to go through our data wrangling process, we find that there are columns with the name of unnamed are all NaN values, so we drop these columns. We also drop columns such as Footnote since they are either all NaN or all the same which is irrelevant to predicition</a:t>
             </a:r>
             <a:endParaRPr/>
           </a:p>
@@ -2587,11 +2432,11 @@
 </file>
 
 <file path=ppt/notesSlides/notesSlide6.xml><?xml version="1.0" encoding="utf-8"?>
-<p:notes xmlns:a="http://schemas.openxmlformats.org/drawingml/2006/main" xmlns:r="http://schemas.openxmlformats.org/officeDocument/2006/relationships" xmlns:mc="http://schemas.openxmlformats.org/markup-compatibility/2006" xmlns:mv="urn:schemas-microsoft-com:mac:vml" xmlns:p="http://schemas.openxmlformats.org/presentationml/2006/main" xmlns:c="http://schemas.openxmlformats.org/drawingml/2006/chart" xmlns:dgm="http://schemas.openxmlformats.org/drawingml/2006/diagram" xmlns:o="urn:schemas-microsoft-com:office:office" xmlns:v="urn:schemas-microsoft-com:vml" xmlns:pvml="urn:schemas-microsoft-com:office:powerpoint" xmlns:com="http://schemas.openxmlformats.org/drawingml/2006/compatibility" xmlns:p14="http://schemas.microsoft.com/office/powerpoint/2010/main" xmlns:p15="http://schemas.microsoft.com/office/powerpoint/2012/main" xmlns:ahyp="http://schemas.microsoft.com/office/drawing/2018/hyperlinkcolor" showMasterPhAnim="0" showMasterSp="0">
+<p:notes xmlns:a="http://schemas.openxmlformats.org/drawingml/2006/main" xmlns:r="http://schemas.openxmlformats.org/officeDocument/2006/relationships" xmlns:p="http://schemas.openxmlformats.org/presentationml/2006/main" showMasterSp="0" showMasterPhAnim="0">
   <p:cSld>
     <p:spTree>
       <p:nvGrpSpPr>
-        <p:cNvPr id="99" name="Shape 99"/>
+        <p:cNvPr id="1" name="Shape 99"/>
         <p:cNvGrpSpPr/>
         <p:nvPr/>
       </p:nvGrpSpPr>
@@ -2606,9 +2451,11 @@
       <p:sp>
         <p:nvSpPr>
           <p:cNvPr id="100" name="Google Shape;100;gde9038f0ac_1_120:notes"/>
-          <p:cNvSpPr/>
+          <p:cNvSpPr>
+            <a:spLocks noGrp="1" noRot="1" noChangeAspect="1"/>
+          </p:cNvSpPr>
           <p:nvPr>
-            <p:ph idx="2" type="sldImg"/>
+            <p:ph type="sldImg" idx="2"/>
           </p:nvPr>
         </p:nvSpPr>
         <p:spPr>
@@ -2617,9 +2464,13 @@
             <a:ext cx="6096000" cy="3429000"/>
           </a:xfrm>
           <a:custGeom>
-            <a:rect b="b" l="l" r="r" t="t"/>
+            <a:avLst/>
+            <a:gdLst/>
+            <a:ahLst/>
+            <a:cxnLst/>
+            <a:rect l="l" t="t" r="r" b="b"/>
             <a:pathLst>
-              <a:path extrusionOk="0" h="120000" w="120000">
+              <a:path w="120000" h="120000" extrusionOk="0">
                 <a:moveTo>
                   <a:pt x="0" y="0"/>
                 </a:moveTo>
@@ -2641,9 +2492,11 @@
       <p:sp>
         <p:nvSpPr>
           <p:cNvPr id="101" name="Google Shape;101;gde9038f0ac_1_120:notes"/>
-          <p:cNvSpPr txBox="1"/>
+          <p:cNvSpPr txBox="1">
+            <a:spLocks noGrp="1"/>
+          </p:cNvSpPr>
           <p:nvPr>
-            <p:ph idx="1" type="body"/>
+            <p:ph type="body" idx="1"/>
           </p:nvPr>
         </p:nvSpPr>
         <p:spPr>
@@ -2656,12 +2509,12 @@
           </a:prstGeom>
         </p:spPr>
         <p:txBody>
-          <a:bodyPr anchorCtr="0" anchor="t" bIns="91425" lIns="91425" spcFirstLastPara="1" rIns="91425" wrap="square" tIns="91425">
+          <a:bodyPr spcFirstLastPara="1" wrap="square" lIns="91425" tIns="91425" rIns="91425" bIns="91425" anchor="t" anchorCtr="0">
             <a:noAutofit/>
           </a:bodyPr>
           <a:lstStyle/>
           <a:p>
-            <a:pPr indent="0" lvl="0" marL="0" rtl="0" algn="l">
+            <a:pPr marL="0" lvl="0" indent="0" algn="l" rtl="0">
               <a:spcBef>
                 <a:spcPts val="0"/>
               </a:spcBef>
@@ -2681,39 +2534,7 @@
                   <a:schemeClr val="dk1"/>
                 </a:solidFill>
               </a:rPr>
-              <a:t>After </a:t>
-            </a:r>
-            <a:r>
-              <a:rPr lang="en">
-                <a:solidFill>
-                  <a:schemeClr val="dk1"/>
-                </a:solidFill>
-              </a:rPr>
-              <a:t>dropping</a:t>
-            </a:r>
-            <a:r>
-              <a:rPr lang="en">
-                <a:solidFill>
-                  <a:schemeClr val="dk1"/>
-                </a:solidFill>
-              </a:rPr>
-              <a:t> the irrelevant data, we are able to select all the columns we need. Michael will go </a:t>
-            </a:r>
-            <a:r>
-              <a:rPr lang="en">
-                <a:solidFill>
-                  <a:schemeClr val="dk1"/>
-                </a:solidFill>
-              </a:rPr>
-              <a:t>through</a:t>
-            </a:r>
-            <a:r>
-              <a:rPr lang="en">
-                <a:solidFill>
-                  <a:schemeClr val="dk1"/>
-                </a:solidFill>
-              </a:rPr>
-              <a:t> the data cleaning part soon</a:t>
+              <a:t>After dropping the irrelevant data, we are able to select all the columns we need. Michael will go through the data cleaning part soon</a:t>
             </a:r>
             <a:endParaRPr/>
           </a:p>
@@ -2728,11 +2549,11 @@
 </file>
 
 <file path=ppt/notesSlides/notesSlide7.xml><?xml version="1.0" encoding="utf-8"?>
-<p:notes xmlns:a="http://schemas.openxmlformats.org/drawingml/2006/main" xmlns:r="http://schemas.openxmlformats.org/officeDocument/2006/relationships" xmlns:mc="http://schemas.openxmlformats.org/markup-compatibility/2006" xmlns:mv="urn:schemas-microsoft-com:mac:vml" xmlns:p="http://schemas.openxmlformats.org/presentationml/2006/main" xmlns:c="http://schemas.openxmlformats.org/drawingml/2006/chart" xmlns:dgm="http://schemas.openxmlformats.org/drawingml/2006/diagram" xmlns:o="urn:schemas-microsoft-com:office:office" xmlns:v="urn:schemas-microsoft-com:vml" xmlns:pvml="urn:schemas-microsoft-com:office:powerpoint" xmlns:com="http://schemas.openxmlformats.org/drawingml/2006/compatibility" xmlns:p14="http://schemas.microsoft.com/office/powerpoint/2010/main" xmlns:p15="http://schemas.microsoft.com/office/powerpoint/2012/main" xmlns:ahyp="http://schemas.microsoft.com/office/drawing/2018/hyperlinkcolor" showMasterPhAnim="0" showMasterSp="0">
+<p:notes xmlns:a="http://schemas.openxmlformats.org/drawingml/2006/main" xmlns:r="http://schemas.openxmlformats.org/officeDocument/2006/relationships" xmlns:p="http://schemas.openxmlformats.org/presentationml/2006/main" showMasterSp="0" showMasterPhAnim="0">
   <p:cSld>
     <p:spTree>
       <p:nvGrpSpPr>
-        <p:cNvPr id="114" name="Shape 114"/>
+        <p:cNvPr id="1" name="Shape 114"/>
         <p:cNvGrpSpPr/>
         <p:nvPr/>
       </p:nvGrpSpPr>
@@ -2747,9 +2568,11 @@
       <p:sp>
         <p:nvSpPr>
           <p:cNvPr id="115" name="Google Shape;115;gb6b2c60216_1_337:notes"/>
-          <p:cNvSpPr/>
+          <p:cNvSpPr>
+            <a:spLocks noGrp="1" noRot="1" noChangeAspect="1"/>
+          </p:cNvSpPr>
           <p:nvPr>
-            <p:ph idx="2" type="sldImg"/>
+            <p:ph type="sldImg" idx="2"/>
           </p:nvPr>
         </p:nvSpPr>
         <p:spPr>
@@ -2758,9 +2581,13 @@
             <a:ext cx="6096000" cy="3429000"/>
           </a:xfrm>
           <a:custGeom>
-            <a:rect b="b" l="l" r="r" t="t"/>
+            <a:avLst/>
+            <a:gdLst/>
+            <a:ahLst/>
+            <a:cxnLst/>
+            <a:rect l="l" t="t" r="r" b="b"/>
             <a:pathLst>
-              <a:path extrusionOk="0" h="120000" w="120000">
+              <a:path w="120000" h="120000" extrusionOk="0">
                 <a:moveTo>
                   <a:pt x="0" y="0"/>
                 </a:moveTo>
@@ -2782,9 +2609,11 @@
       <p:sp>
         <p:nvSpPr>
           <p:cNvPr id="116" name="Google Shape;116;gb6b2c60216_1_337:notes"/>
-          <p:cNvSpPr txBox="1"/>
+          <p:cNvSpPr txBox="1">
+            <a:spLocks noGrp="1"/>
+          </p:cNvSpPr>
           <p:nvPr>
-            <p:ph idx="1" type="body"/>
+            <p:ph type="body" idx="1"/>
           </p:nvPr>
         </p:nvSpPr>
         <p:spPr>
@@ -2797,12 +2626,12 @@
           </a:prstGeom>
         </p:spPr>
         <p:txBody>
-          <a:bodyPr anchorCtr="0" anchor="t" bIns="91425" lIns="91425" spcFirstLastPara="1" rIns="91425" wrap="square" tIns="91425">
+          <a:bodyPr spcFirstLastPara="1" wrap="square" lIns="91425" tIns="91425" rIns="91425" bIns="91425" anchor="t" anchorCtr="0">
             <a:noAutofit/>
           </a:bodyPr>
           <a:lstStyle/>
           <a:p>
-            <a:pPr indent="0" lvl="0" marL="0" rtl="0" algn="l">
+            <a:pPr marL="0" lvl="0" indent="0" algn="l" rtl="0">
               <a:spcBef>
                 <a:spcPts val="0"/>
               </a:spcBef>
@@ -2816,9 +2645,6 @@
               <a:buFont typeface="Arial"/>
               <a:buNone/>
             </a:pPr>
-            <a:r>
-              <a:t/>
-            </a:r>
             <a:endParaRPr>
               <a:solidFill>
                 <a:schemeClr val="dk1"/>
@@ -2826,7 +2652,7 @@
             </a:endParaRPr>
           </a:p>
           <a:p>
-            <a:pPr indent="0" lvl="0" marL="0" rtl="0" algn="l">
+            <a:pPr marL="0" lvl="0" indent="0" algn="l" rtl="0">
               <a:spcBef>
                 <a:spcPts val="0"/>
               </a:spcBef>
@@ -2852,11 +2678,11 @@
 </file>
 
 <file path=ppt/notesSlides/notesSlide8.xml><?xml version="1.0" encoding="utf-8"?>
-<p:notes xmlns:a="http://schemas.openxmlformats.org/drawingml/2006/main" xmlns:r="http://schemas.openxmlformats.org/officeDocument/2006/relationships" xmlns:mc="http://schemas.openxmlformats.org/markup-compatibility/2006" xmlns:mv="urn:schemas-microsoft-com:mac:vml" xmlns:p="http://schemas.openxmlformats.org/presentationml/2006/main" xmlns:c="http://schemas.openxmlformats.org/drawingml/2006/chart" xmlns:dgm="http://schemas.openxmlformats.org/drawingml/2006/diagram" xmlns:o="urn:schemas-microsoft-com:office:office" xmlns:v="urn:schemas-microsoft-com:vml" xmlns:pvml="urn:schemas-microsoft-com:office:powerpoint" xmlns:com="http://schemas.openxmlformats.org/drawingml/2006/compatibility" xmlns:p14="http://schemas.microsoft.com/office/powerpoint/2010/main" xmlns:p15="http://schemas.microsoft.com/office/powerpoint/2012/main" xmlns:ahyp="http://schemas.microsoft.com/office/drawing/2018/hyperlinkcolor" showMasterPhAnim="0" showMasterSp="0">
+<p:notes xmlns:a="http://schemas.openxmlformats.org/drawingml/2006/main" xmlns:r="http://schemas.openxmlformats.org/officeDocument/2006/relationships" xmlns:p="http://schemas.openxmlformats.org/presentationml/2006/main" showMasterSp="0" showMasterPhAnim="0">
   <p:cSld>
     <p:spTree>
       <p:nvGrpSpPr>
-        <p:cNvPr id="127" name="Shape 127"/>
+        <p:cNvPr id="1" name="Shape 127"/>
         <p:cNvGrpSpPr/>
         <p:nvPr/>
       </p:nvGrpSpPr>
@@ -2871,9 +2697,11 @@
       <p:sp>
         <p:nvSpPr>
           <p:cNvPr id="128" name="Google Shape;128;gde9038f0ac_1_134:notes"/>
-          <p:cNvSpPr/>
+          <p:cNvSpPr>
+            <a:spLocks noGrp="1" noRot="1" noChangeAspect="1"/>
+          </p:cNvSpPr>
           <p:nvPr>
-            <p:ph idx="2" type="sldImg"/>
+            <p:ph type="sldImg" idx="2"/>
           </p:nvPr>
         </p:nvSpPr>
         <p:spPr>
@@ -2882,9 +2710,13 @@
             <a:ext cx="6096000" cy="3429000"/>
           </a:xfrm>
           <a:custGeom>
-            <a:rect b="b" l="l" r="r" t="t"/>
+            <a:avLst/>
+            <a:gdLst/>
+            <a:ahLst/>
+            <a:cxnLst/>
+            <a:rect l="l" t="t" r="r" b="b"/>
             <a:pathLst>
-              <a:path extrusionOk="0" h="120000" w="120000">
+              <a:path w="120000" h="120000" extrusionOk="0">
                 <a:moveTo>
                   <a:pt x="0" y="0"/>
                 </a:moveTo>
@@ -2906,9 +2738,11 @@
       <p:sp>
         <p:nvSpPr>
           <p:cNvPr id="129" name="Google Shape;129;gde9038f0ac_1_134:notes"/>
-          <p:cNvSpPr txBox="1"/>
+          <p:cNvSpPr txBox="1">
+            <a:spLocks noGrp="1"/>
+          </p:cNvSpPr>
           <p:nvPr>
-            <p:ph idx="1" type="body"/>
+            <p:ph type="body" idx="1"/>
           </p:nvPr>
         </p:nvSpPr>
         <p:spPr>
@@ -2921,43 +2755,12 @@
           </a:prstGeom>
         </p:spPr>
         <p:txBody>
-          <a:bodyPr anchorCtr="0" anchor="t" bIns="91425" lIns="91425" spcFirstLastPara="1" rIns="91425" wrap="square" tIns="91425">
+          <a:bodyPr spcFirstLastPara="1" wrap="square" lIns="91425" tIns="91425" rIns="91425" bIns="91425" anchor="t" anchorCtr="0">
             <a:noAutofit/>
           </a:bodyPr>
           <a:lstStyle/>
           <a:p>
-            <a:pPr indent="-342900" lvl="0" marL="457200" rtl="0" algn="l">
-              <a:lnSpc>
-                <a:spcPct val="115000"/>
-              </a:lnSpc>
-              <a:spcBef>
-                <a:spcPts val="0"/>
-              </a:spcBef>
-              <a:spcAft>
-                <a:spcPts val="0"/>
-              </a:spcAft>
-              <a:buClr>
-                <a:srgbClr val="595959"/>
-              </a:buClr>
-              <a:buSzPts val="1800"/>
-              <a:buAutoNum type="arabicPeriod"/>
-            </a:pPr>
-            <a:r>
-              <a:rPr lang="en" sz="1800">
-                <a:solidFill>
-                  <a:srgbClr val="595959"/>
-                </a:solidFill>
-              </a:rPr>
-              <a:t>MICHAEL</a:t>
-            </a:r>
-            <a:endParaRPr>
-              <a:solidFill>
-                <a:schemeClr val="dk1"/>
-              </a:solidFill>
-            </a:endParaRPr>
-          </a:p>
-          <a:p>
-            <a:pPr indent="0" lvl="0" marL="0" rtl="0" algn="l">
+            <a:pPr marL="0" lvl="0" indent="0" algn="l" rtl="0">
               <a:spcBef>
                 <a:spcPts val="1200"/>
               </a:spcBef>
@@ -2971,29 +2774,23 @@
               <a:buFont typeface="Arial"/>
               <a:buNone/>
             </a:pPr>
-            <a:r>
-              <a:t/>
-            </a:r>
-            <a:endParaRPr>
+            <a:endParaRPr dirty="0">
               <a:solidFill>
                 <a:schemeClr val="dk1"/>
               </a:solidFill>
             </a:endParaRPr>
           </a:p>
           <a:p>
-            <a:pPr indent="0" lvl="0" marL="0" rtl="0" algn="l">
-              <a:spcBef>
-                <a:spcPts val="0"/>
-              </a:spcBef>
-              <a:spcAft>
-                <a:spcPts val="0"/>
-              </a:spcAft>
-              <a:buNone/>
-            </a:pPr>
-            <a:r>
-              <a:t/>
-            </a:r>
-            <a:endParaRPr/>
+            <a:pPr marL="0" lvl="0" indent="0" algn="l" rtl="0">
+              <a:spcBef>
+                <a:spcPts val="0"/>
+              </a:spcBef>
+              <a:spcAft>
+                <a:spcPts val="0"/>
+              </a:spcAft>
+              <a:buNone/>
+            </a:pPr>
+            <a:endParaRPr dirty="0"/>
           </a:p>
         </p:txBody>
       </p:sp>
@@ -3006,11 +2803,11 @@
 </file>
 
 <file path=ppt/notesSlides/notesSlide9.xml><?xml version="1.0" encoding="utf-8"?>
-<p:notes xmlns:a="http://schemas.openxmlformats.org/drawingml/2006/main" xmlns:r="http://schemas.openxmlformats.org/officeDocument/2006/relationships" xmlns:mc="http://schemas.openxmlformats.org/markup-compatibility/2006" xmlns:mv="urn:schemas-microsoft-com:mac:vml" xmlns:p="http://schemas.openxmlformats.org/presentationml/2006/main" xmlns:c="http://schemas.openxmlformats.org/drawingml/2006/chart" xmlns:dgm="http://schemas.openxmlformats.org/drawingml/2006/diagram" xmlns:o="urn:schemas-microsoft-com:office:office" xmlns:v="urn:schemas-microsoft-com:vml" xmlns:pvml="urn:schemas-microsoft-com:office:powerpoint" xmlns:com="http://schemas.openxmlformats.org/drawingml/2006/compatibility" xmlns:p14="http://schemas.microsoft.com/office/powerpoint/2010/main" xmlns:p15="http://schemas.microsoft.com/office/powerpoint/2012/main" xmlns:ahyp="http://schemas.microsoft.com/office/drawing/2018/hyperlinkcolor" showMasterPhAnim="0" showMasterSp="0">
+<p:notes xmlns:a="http://schemas.openxmlformats.org/drawingml/2006/main" xmlns:r="http://schemas.openxmlformats.org/officeDocument/2006/relationships" xmlns:p="http://schemas.openxmlformats.org/presentationml/2006/main" showMasterSp="0" showMasterPhAnim="0">
   <p:cSld>
     <p:spTree>
       <p:nvGrpSpPr>
-        <p:cNvPr id="140" name="Shape 140"/>
+        <p:cNvPr id="1" name="Shape 140"/>
         <p:cNvGrpSpPr/>
         <p:nvPr/>
       </p:nvGrpSpPr>
@@ -3025,9 +2822,11 @@
       <p:sp>
         <p:nvSpPr>
           <p:cNvPr id="141" name="Google Shape;141;gde9038f0ac_1_169:notes"/>
-          <p:cNvSpPr/>
+          <p:cNvSpPr>
+            <a:spLocks noGrp="1" noRot="1" noChangeAspect="1"/>
+          </p:cNvSpPr>
           <p:nvPr>
-            <p:ph idx="2" type="sldImg"/>
+            <p:ph type="sldImg" idx="2"/>
           </p:nvPr>
         </p:nvSpPr>
         <p:spPr>
@@ -3036,9 +2835,13 @@
             <a:ext cx="6096000" cy="3429000"/>
           </a:xfrm>
           <a:custGeom>
-            <a:rect b="b" l="l" r="r" t="t"/>
+            <a:avLst/>
+            <a:gdLst/>
+            <a:ahLst/>
+            <a:cxnLst/>
+            <a:rect l="l" t="t" r="r" b="b"/>
             <a:pathLst>
-              <a:path extrusionOk="0" h="120000" w="120000">
+              <a:path w="120000" h="120000" extrusionOk="0">
                 <a:moveTo>
                   <a:pt x="0" y="0"/>
                 </a:moveTo>
@@ -3060,9 +2863,11 @@
       <p:sp>
         <p:nvSpPr>
           <p:cNvPr id="142" name="Google Shape;142;gde9038f0ac_1_169:notes"/>
-          <p:cNvSpPr txBox="1"/>
+          <p:cNvSpPr txBox="1">
+            <a:spLocks noGrp="1"/>
+          </p:cNvSpPr>
           <p:nvPr>
-            <p:ph idx="1" type="body"/>
+            <p:ph type="body" idx="1"/>
           </p:nvPr>
         </p:nvSpPr>
         <p:spPr>
@@ -3075,43 +2880,12 @@
           </a:prstGeom>
         </p:spPr>
         <p:txBody>
-          <a:bodyPr anchorCtr="0" anchor="t" bIns="91425" lIns="91425" spcFirstLastPara="1" rIns="91425" wrap="square" tIns="91425">
+          <a:bodyPr spcFirstLastPara="1" wrap="square" lIns="91425" tIns="91425" rIns="91425" bIns="91425" anchor="t" anchorCtr="0">
             <a:noAutofit/>
           </a:bodyPr>
           <a:lstStyle/>
           <a:p>
-            <a:pPr indent="-342900" lvl="0" marL="457200" rtl="0" algn="l">
-              <a:lnSpc>
-                <a:spcPct val="115000"/>
-              </a:lnSpc>
-              <a:spcBef>
-                <a:spcPts val="0"/>
-              </a:spcBef>
-              <a:spcAft>
-                <a:spcPts val="0"/>
-              </a:spcAft>
-              <a:buClr>
-                <a:srgbClr val="595959"/>
-              </a:buClr>
-              <a:buSzPts val="1800"/>
-              <a:buAutoNum type="arabicPeriod"/>
-            </a:pPr>
-            <a:r>
-              <a:rPr lang="en" sz="1800">
-                <a:solidFill>
-                  <a:srgbClr val="595959"/>
-                </a:solidFill>
-              </a:rPr>
-              <a:t>MICHAEL</a:t>
-            </a:r>
-            <a:endParaRPr>
-              <a:solidFill>
-                <a:schemeClr val="dk1"/>
-              </a:solidFill>
-            </a:endParaRPr>
-          </a:p>
-          <a:p>
-            <a:pPr indent="0" lvl="0" marL="0" rtl="0" algn="l">
+            <a:pPr marL="0" lvl="0" indent="0" algn="l" rtl="0">
               <a:spcBef>
                 <a:spcPts val="1200"/>
               </a:spcBef>
@@ -3125,17 +2899,14 @@
               <a:buFont typeface="Arial"/>
               <a:buNone/>
             </a:pPr>
-            <a:r>
-              <a:t/>
-            </a:r>
-            <a:endParaRPr sz="1800">
+            <a:endParaRPr sz="1800" dirty="0">
               <a:solidFill>
                 <a:schemeClr val="dk1"/>
               </a:solidFill>
             </a:endParaRPr>
           </a:p>
           <a:p>
-            <a:pPr indent="0" lvl="0" marL="0" rtl="0" algn="l">
+            <a:pPr marL="0" lvl="0" indent="0" algn="l" rtl="0">
               <a:spcBef>
                 <a:spcPts val="0"/>
               </a:spcBef>
@@ -3150,7 +2921,7 @@
               <a:buNone/>
             </a:pPr>
             <a:r>
-              <a:rPr lang="en" sz="1450">
+              <a:rPr lang="en" sz="1450" dirty="0">
                 <a:solidFill>
                   <a:srgbClr val="212121"/>
                 </a:solidFill>
@@ -3160,7 +2931,7 @@
               </a:rPr>
               <a:t>'BOTHSEX.SKILL_READ.GRAD23', 'BOTHSEX.SKILL_READ.LOWSEC',</a:t>
             </a:r>
-            <a:endParaRPr sz="1450">
+            <a:endParaRPr sz="1450" dirty="0">
               <a:solidFill>
                 <a:srgbClr val="212121"/>
               </a:solidFill>
@@ -3170,7 +2941,7 @@
             </a:endParaRPr>
           </a:p>
           <a:p>
-            <a:pPr indent="0" lvl="0" marL="0" rtl="0" algn="l">
+            <a:pPr marL="0" lvl="0" indent="0" algn="l" rtl="0">
               <a:spcBef>
                 <a:spcPts val="0"/>
               </a:spcBef>
@@ -3185,7 +2956,7 @@
               <a:buNone/>
             </a:pPr>
             <a:r>
-              <a:rPr lang="en" sz="1450">
+              <a:rPr lang="en" sz="1450" dirty="0">
                 <a:solidFill>
                   <a:srgbClr val="212121"/>
                 </a:solidFill>
@@ -3195,7 +2966,7 @@
               </a:rPr>
               <a:t>       'FEMALE.SKILL_MATH.GRAD23', 'FEMALE.SKILL_MATH.LOWSEC',</a:t>
             </a:r>
-            <a:endParaRPr sz="1450">
+            <a:endParaRPr sz="1450" dirty="0">
               <a:solidFill>
                 <a:srgbClr val="212121"/>
               </a:solidFill>
@@ -3205,7 +2976,7 @@
             </a:endParaRPr>
           </a:p>
           <a:p>
-            <a:pPr indent="0" lvl="0" marL="0" rtl="0" algn="l">
+            <a:pPr marL="0" lvl="0" indent="0" algn="l" rtl="0">
               <a:spcBef>
                 <a:spcPts val="0"/>
               </a:spcBef>
@@ -3220,7 +2991,7 @@
               <a:buNone/>
             </a:pPr>
             <a:r>
-              <a:rPr lang="en" sz="1450">
+              <a:rPr lang="en" sz="1450" dirty="0">
                 <a:solidFill>
                   <a:srgbClr val="212121"/>
                 </a:solidFill>
@@ -3230,7 +3001,7 @@
               </a:rPr>
               <a:t>       'MALE.SKILL_MATH.GRAD23', 'BOTHSEX.SKILL_MATH.PRIMAR',</a:t>
             </a:r>
-            <a:endParaRPr sz="1450">
+            <a:endParaRPr sz="1450" dirty="0">
               <a:solidFill>
                 <a:srgbClr val="212121"/>
               </a:solidFill>
@@ -3240,7 +3011,7 @@
             </a:endParaRPr>
           </a:p>
           <a:p>
-            <a:pPr indent="0" lvl="0" marL="0" rtl="0" algn="l">
+            <a:pPr marL="0" lvl="0" indent="0" algn="l" rtl="0">
               <a:spcBef>
                 <a:spcPts val="0"/>
               </a:spcBef>
@@ -3255,7 +3026,7 @@
               <a:buNone/>
             </a:pPr>
             <a:r>
-              <a:rPr lang="en" sz="1450">
+              <a:rPr lang="en" sz="1450" dirty="0">
                 <a:solidFill>
                   <a:srgbClr val="212121"/>
                 </a:solidFill>
@@ -3265,7 +3036,7 @@
               </a:rPr>
               <a:t>       'MALE.SKILL_READ.GRAD23', 'MALE.SKILL_MATH.LOWSEC',</a:t>
             </a:r>
-            <a:endParaRPr sz="1450">
+            <a:endParaRPr sz="1450" dirty="0">
               <a:solidFill>
                 <a:srgbClr val="212121"/>
               </a:solidFill>
@@ -3275,7 +3046,7 @@
             </a:endParaRPr>
           </a:p>
           <a:p>
-            <a:pPr indent="0" lvl="0" marL="0" rtl="0" algn="l">
+            <a:pPr marL="0" lvl="0" indent="0" algn="l" rtl="0">
               <a:spcBef>
                 <a:spcPts val="0"/>
               </a:spcBef>
@@ -3290,7 +3061,7 @@
               <a:buNone/>
             </a:pPr>
             <a:r>
-              <a:rPr lang="en" sz="1450">
+              <a:rPr lang="en" sz="1450" dirty="0">
                 <a:solidFill>
                   <a:srgbClr val="212121"/>
                 </a:solidFill>
@@ -3300,7 +3071,7 @@
               </a:rPr>
               <a:t>       'FEMALE.SKILL_READ.LOWSEC', 'BOTHSEX.SKILL_READ.PRIMAR',</a:t>
             </a:r>
-            <a:endParaRPr sz="1450">
+            <a:endParaRPr sz="1450" dirty="0">
               <a:solidFill>
                 <a:srgbClr val="212121"/>
               </a:solidFill>
@@ -3310,7 +3081,7 @@
             </a:endParaRPr>
           </a:p>
           <a:p>
-            <a:pPr indent="0" lvl="0" marL="0" rtl="0" algn="l">
+            <a:pPr marL="0" lvl="0" indent="0" algn="l" rtl="0">
               <a:spcBef>
                 <a:spcPts val="0"/>
               </a:spcBef>
@@ -3325,7 +3096,7 @@
               <a:buNone/>
             </a:pPr>
             <a:r>
-              <a:rPr lang="en" sz="1450">
+              <a:rPr lang="en" sz="1450" dirty="0">
                 <a:solidFill>
                   <a:srgbClr val="212121"/>
                 </a:solidFill>
@@ -3335,7 +3106,7 @@
               </a:rPr>
               <a:t>       'FEMALE.SKILL_READ.GRAD23', 'BOTHSEX.SKILL_MATH.LOWSEC',</a:t>
             </a:r>
-            <a:endParaRPr sz="1450">
+            <a:endParaRPr sz="1450" dirty="0">
               <a:solidFill>
                 <a:srgbClr val="212121"/>
               </a:solidFill>
@@ -3345,7 +3116,7 @@
             </a:endParaRPr>
           </a:p>
           <a:p>
-            <a:pPr indent="0" lvl="0" marL="0" rtl="0" algn="l">
+            <a:pPr marL="0" lvl="0" indent="0" algn="l" rtl="0">
               <a:spcBef>
                 <a:spcPts val="0"/>
               </a:spcBef>
@@ -3360,7 +3131,7 @@
               <a:buNone/>
             </a:pPr>
             <a:r>
-              <a:rPr lang="en" sz="1450">
+              <a:rPr lang="en" sz="1450" dirty="0">
                 <a:solidFill>
                   <a:srgbClr val="212121"/>
                 </a:solidFill>
@@ -3370,7 +3141,7 @@
               </a:rPr>
               <a:t>       'MALE.SKILL_READ.PRIMAR', 'FEMALE.SKILL_READ.PRIMAR',</a:t>
             </a:r>
-            <a:endParaRPr sz="1450">
+            <a:endParaRPr sz="1450" dirty="0">
               <a:solidFill>
                 <a:srgbClr val="212121"/>
               </a:solidFill>
@@ -3380,7 +3151,7 @@
             </a:endParaRPr>
           </a:p>
           <a:p>
-            <a:pPr indent="0" lvl="0" marL="0" rtl="0" algn="l">
+            <a:pPr marL="0" lvl="0" indent="0" algn="l" rtl="0">
               <a:spcBef>
                 <a:spcPts val="0"/>
               </a:spcBef>
@@ -3395,7 +3166,7 @@
               <a:buNone/>
             </a:pPr>
             <a:r>
-              <a:rPr lang="en" sz="1450">
+              <a:rPr lang="en" sz="1450" dirty="0">
                 <a:solidFill>
                   <a:srgbClr val="212121"/>
                 </a:solidFill>
@@ -3405,7 +3176,7 @@
               </a:rPr>
               <a:t>       'BOTHSEX.SKILL_MATH.GRAD23', 'MALE.SKILL_MATH.PRIMAR',</a:t>
             </a:r>
-            <a:endParaRPr sz="1450">
+            <a:endParaRPr sz="1450" dirty="0">
               <a:solidFill>
                 <a:srgbClr val="212121"/>
               </a:solidFill>
@@ -3415,7 +3186,7 @@
             </a:endParaRPr>
           </a:p>
           <a:p>
-            <a:pPr indent="0" lvl="0" marL="0" rtl="0" algn="l">
+            <a:pPr marL="0" lvl="0" indent="0" algn="l" rtl="0">
               <a:spcBef>
                 <a:spcPts val="0"/>
               </a:spcBef>
@@ -3430,7 +3201,7 @@
               <a:buNone/>
             </a:pPr>
             <a:r>
-              <a:rPr lang="en" sz="1450">
+              <a:rPr lang="en" sz="1450" dirty="0">
                 <a:solidFill>
                   <a:srgbClr val="212121"/>
                 </a:solidFill>
@@ -3440,7 +3211,7 @@
               </a:rPr>
               <a:t>       'MALE.SKILL_READ.LOWSEC', 'FEMALE.SKILL_MATH.PRIMAR'</a:t>
             </a:r>
-            <a:endParaRPr/>
+            <a:endParaRPr dirty="0"/>
           </a:p>
         </p:txBody>
       </p:sp>
@@ -3453,11 +3224,11 @@
 </file>
 
 <file path=ppt/slideLayouts/slideLayout1.xml><?xml version="1.0" encoding="utf-8"?>
-<p:sldLayout xmlns:a="http://schemas.openxmlformats.org/drawingml/2006/main" xmlns:r="http://schemas.openxmlformats.org/officeDocument/2006/relationships" xmlns:mc="http://schemas.openxmlformats.org/markup-compatibility/2006" xmlns:mv="urn:schemas-microsoft-com:mac:vml" xmlns:p="http://schemas.openxmlformats.org/presentationml/2006/main" xmlns:c="http://schemas.openxmlformats.org/drawingml/2006/chart" xmlns:dgm="http://schemas.openxmlformats.org/drawingml/2006/diagram" xmlns:o="urn:schemas-microsoft-com:office:office" xmlns:v="urn:schemas-microsoft-com:vml" xmlns:pvml="urn:schemas-microsoft-com:office:powerpoint" xmlns:com="http://schemas.openxmlformats.org/drawingml/2006/compatibility" xmlns:p14="http://schemas.microsoft.com/office/powerpoint/2010/main" xmlns:p15="http://schemas.microsoft.com/office/powerpoint/2012/main" xmlns:ahyp="http://schemas.microsoft.com/office/drawing/2018/hyperlinkcolor" matchingName="Title slide" type="title">
+<p:sldLayout xmlns:a="http://schemas.openxmlformats.org/drawingml/2006/main" xmlns:r="http://schemas.openxmlformats.org/officeDocument/2006/relationships" xmlns:p="http://schemas.openxmlformats.org/presentationml/2006/main" matchingName="Title slide" type="title">
   <p:cSld name="TITLE">
     <p:spTree>
       <p:nvGrpSpPr>
-        <p:cNvPr id="9" name="Shape 9"/>
+        <p:cNvPr id="1" name="Shape 9"/>
         <p:cNvGrpSpPr/>
         <p:nvPr/>
       </p:nvGrpSpPr>
@@ -3472,7 +3243,9 @@
       <p:sp>
         <p:nvSpPr>
           <p:cNvPr id="10" name="Google Shape;10;p2"/>
-          <p:cNvSpPr txBox="1"/>
+          <p:cNvSpPr txBox="1">
+            <a:spLocks noGrp="1"/>
+          </p:cNvSpPr>
           <p:nvPr>
             <p:ph type="ctrTitle"/>
           </p:nvPr>
@@ -3487,7 +3260,7 @@
           </a:prstGeom>
         </p:spPr>
         <p:txBody>
-          <a:bodyPr anchorCtr="0" anchor="b" bIns="91425" lIns="91425" spcFirstLastPara="1" rIns="91425" wrap="square" tIns="91425">
+          <a:bodyPr spcFirstLastPara="1" wrap="square" lIns="91425" tIns="91425" rIns="91425" bIns="91425" anchor="b" anchorCtr="0">
             <a:normAutofit/>
           </a:bodyPr>
           <a:lstStyle>
@@ -3591,15 +3364,19 @@
               <a:defRPr sz="5200"/>
             </a:lvl9pPr>
           </a:lstStyle>
-          <a:p/>
+          <a:p>
+            <a:endParaRPr/>
+          </a:p>
         </p:txBody>
       </p:sp>
       <p:sp>
         <p:nvSpPr>
           <p:cNvPr id="11" name="Google Shape;11;p2"/>
-          <p:cNvSpPr txBox="1"/>
+          <p:cNvSpPr txBox="1">
+            <a:spLocks noGrp="1"/>
+          </p:cNvSpPr>
           <p:nvPr>
-            <p:ph idx="1" type="subTitle"/>
+            <p:ph type="subTitle" idx="1"/>
           </p:nvPr>
         </p:nvSpPr>
         <p:spPr>
@@ -3612,7 +3389,7 @@
           </a:prstGeom>
         </p:spPr>
         <p:txBody>
-          <a:bodyPr anchorCtr="0" anchor="t" bIns="91425" lIns="91425" spcFirstLastPara="1" rIns="91425" wrap="square" tIns="91425">
+          <a:bodyPr spcFirstLastPara="1" wrap="square" lIns="91425" tIns="91425" rIns="91425" bIns="91425" anchor="t" anchorCtr="0">
             <a:normAutofit/>
           </a:bodyPr>
           <a:lstStyle>
@@ -3743,15 +3520,19 @@
               <a:defRPr sz="2800"/>
             </a:lvl9pPr>
           </a:lstStyle>
-          <a:p/>
+          <a:p>
+            <a:endParaRPr/>
+          </a:p>
         </p:txBody>
       </p:sp>
       <p:sp>
         <p:nvSpPr>
           <p:cNvPr id="12" name="Google Shape;12;p2"/>
-          <p:cNvSpPr txBox="1"/>
+          <p:cNvSpPr txBox="1">
+            <a:spLocks noGrp="1"/>
+          </p:cNvSpPr>
           <p:nvPr>
-            <p:ph idx="12" type="sldNum"/>
+            <p:ph type="sldNum" idx="12"/>
           </p:nvPr>
         </p:nvSpPr>
         <p:spPr>
@@ -3764,7 +3545,7 @@
           </a:prstGeom>
         </p:spPr>
         <p:txBody>
-          <a:bodyPr anchorCtr="0" anchor="ctr" bIns="91425" lIns="91425" spcFirstLastPara="1" rIns="91425" wrap="square" tIns="91425">
+          <a:bodyPr spcFirstLastPara="1" wrap="square" lIns="91425" tIns="91425" rIns="91425" bIns="91425" anchor="ctr" anchorCtr="0">
             <a:normAutofit/>
           </a:bodyPr>
           <a:lstStyle>
@@ -3806,7 +3587,7 @@
             </a:lvl9pPr>
           </a:lstStyle>
           <a:p>
-            <a:pPr indent="0" lvl="0" marL="0" rtl="0" algn="r">
+            <a:pPr marL="0" lvl="0" indent="0" algn="r" rtl="0">
               <a:spcBef>
                 <a:spcPts val="0"/>
               </a:spcBef>
@@ -3832,11 +3613,11 @@
 </file>
 
 <file path=ppt/slideLayouts/slideLayout10.xml><?xml version="1.0" encoding="utf-8"?>
-<p:sldLayout xmlns:a="http://schemas.openxmlformats.org/drawingml/2006/main" xmlns:r="http://schemas.openxmlformats.org/officeDocument/2006/relationships" xmlns:mc="http://schemas.openxmlformats.org/markup-compatibility/2006" xmlns:mv="urn:schemas-microsoft-com:mac:vml" xmlns:p="http://schemas.openxmlformats.org/presentationml/2006/main" xmlns:c="http://schemas.openxmlformats.org/drawingml/2006/chart" xmlns:dgm="http://schemas.openxmlformats.org/drawingml/2006/diagram" xmlns:o="urn:schemas-microsoft-com:office:office" xmlns:v="urn:schemas-microsoft-com:vml" xmlns:pvml="urn:schemas-microsoft-com:office:powerpoint" xmlns:com="http://schemas.openxmlformats.org/drawingml/2006/compatibility" xmlns:p14="http://schemas.microsoft.com/office/powerpoint/2010/main" xmlns:p15="http://schemas.microsoft.com/office/powerpoint/2012/main" xmlns:ahyp="http://schemas.microsoft.com/office/drawing/2018/hyperlinkcolor" matchingName="Big number">
+<p:sldLayout xmlns:a="http://schemas.openxmlformats.org/drawingml/2006/main" xmlns:r="http://schemas.openxmlformats.org/officeDocument/2006/relationships" xmlns:p="http://schemas.openxmlformats.org/presentationml/2006/main" matchingName="Big number">
   <p:cSld name="BIG_NUMBER">
     <p:spTree>
       <p:nvGrpSpPr>
-        <p:cNvPr id="44" name="Shape 44"/>
+        <p:cNvPr id="1" name="Shape 44"/>
         <p:cNvGrpSpPr/>
         <p:nvPr/>
       </p:nvGrpSpPr>
@@ -3851,9 +3632,11 @@
       <p:sp>
         <p:nvSpPr>
           <p:cNvPr id="45" name="Google Shape;45;p11"/>
-          <p:cNvSpPr txBox="1"/>
+          <p:cNvSpPr txBox="1">
+            <a:spLocks noGrp="1"/>
+          </p:cNvSpPr>
           <p:nvPr>
-            <p:ph hasCustomPrompt="1" type="title"/>
+            <p:ph type="title" hasCustomPrompt="1"/>
           </p:nvPr>
         </p:nvSpPr>
         <p:spPr>
@@ -3866,7 +3649,7 @@
           </a:prstGeom>
         </p:spPr>
         <p:txBody>
-          <a:bodyPr anchorCtr="0" anchor="b" bIns="91425" lIns="91425" spcFirstLastPara="1" rIns="91425" wrap="square" tIns="91425">
+          <a:bodyPr spcFirstLastPara="1" wrap="square" lIns="91425" tIns="91425" rIns="91425" bIns="91425" anchor="b" anchorCtr="0">
             <a:normAutofit/>
           </a:bodyPr>
           <a:lstStyle>
@@ -3980,9 +3763,11 @@
       <p:sp>
         <p:nvSpPr>
           <p:cNvPr id="46" name="Google Shape;46;p11"/>
-          <p:cNvSpPr txBox="1"/>
+          <p:cNvSpPr txBox="1">
+            <a:spLocks noGrp="1"/>
+          </p:cNvSpPr>
           <p:nvPr>
-            <p:ph idx="1" type="body"/>
+            <p:ph type="body" idx="1"/>
           </p:nvPr>
         </p:nvSpPr>
         <p:spPr>
@@ -3995,11 +3780,11 @@
           </a:prstGeom>
         </p:spPr>
         <p:txBody>
-          <a:bodyPr anchorCtr="0" anchor="t" bIns="91425" lIns="91425" spcFirstLastPara="1" rIns="91425" wrap="square" tIns="91425">
+          <a:bodyPr spcFirstLastPara="1" wrap="square" lIns="91425" tIns="91425" rIns="91425" bIns="91425" anchor="t" anchorCtr="0">
             <a:normAutofit/>
           </a:bodyPr>
           <a:lstStyle>
-            <a:lvl1pPr indent="-342900" lvl="0" marL="457200" algn="ctr">
+            <a:lvl1pPr marL="457200" lvl="0" indent="-342900" algn="ctr">
               <a:spcBef>
                 <a:spcPts val="0"/>
               </a:spcBef>
@@ -4010,7 +3795,7 @@
               <a:buChar char="●"/>
               <a:defRPr/>
             </a:lvl1pPr>
-            <a:lvl2pPr indent="-317500" lvl="1" marL="914400" algn="ctr">
+            <a:lvl2pPr marL="914400" lvl="1" indent="-317500" algn="ctr">
               <a:spcBef>
                 <a:spcPts val="0"/>
               </a:spcBef>
@@ -4021,7 +3806,7 @@
               <a:buChar char="○"/>
               <a:defRPr/>
             </a:lvl2pPr>
-            <a:lvl3pPr indent="-317500" lvl="2" marL="1371600" algn="ctr">
+            <a:lvl3pPr marL="1371600" lvl="2" indent="-317500" algn="ctr">
               <a:spcBef>
                 <a:spcPts val="0"/>
               </a:spcBef>
@@ -4032,7 +3817,7 @@
               <a:buChar char="■"/>
               <a:defRPr/>
             </a:lvl3pPr>
-            <a:lvl4pPr indent="-317500" lvl="3" marL="1828800" algn="ctr">
+            <a:lvl4pPr marL="1828800" lvl="3" indent="-317500" algn="ctr">
               <a:spcBef>
                 <a:spcPts val="0"/>
               </a:spcBef>
@@ -4043,7 +3828,7 @@
               <a:buChar char="●"/>
               <a:defRPr/>
             </a:lvl4pPr>
-            <a:lvl5pPr indent="-317500" lvl="4" marL="2286000" algn="ctr">
+            <a:lvl5pPr marL="2286000" lvl="4" indent="-317500" algn="ctr">
               <a:spcBef>
                 <a:spcPts val="0"/>
               </a:spcBef>
@@ -4054,7 +3839,7 @@
               <a:buChar char="○"/>
               <a:defRPr/>
             </a:lvl5pPr>
-            <a:lvl6pPr indent="-317500" lvl="5" marL="2743200" algn="ctr">
+            <a:lvl6pPr marL="2743200" lvl="5" indent="-317500" algn="ctr">
               <a:spcBef>
                 <a:spcPts val="0"/>
               </a:spcBef>
@@ -4065,7 +3850,7 @@
               <a:buChar char="■"/>
               <a:defRPr/>
             </a:lvl6pPr>
-            <a:lvl7pPr indent="-317500" lvl="6" marL="3200400" algn="ctr">
+            <a:lvl7pPr marL="3200400" lvl="6" indent="-317500" algn="ctr">
               <a:spcBef>
                 <a:spcPts val="0"/>
               </a:spcBef>
@@ -4076,7 +3861,7 @@
               <a:buChar char="●"/>
               <a:defRPr/>
             </a:lvl7pPr>
-            <a:lvl8pPr indent="-317500" lvl="7" marL="3657600" algn="ctr">
+            <a:lvl8pPr marL="3657600" lvl="7" indent="-317500" algn="ctr">
               <a:spcBef>
                 <a:spcPts val="0"/>
               </a:spcBef>
@@ -4087,7 +3872,7 @@
               <a:buChar char="○"/>
               <a:defRPr/>
             </a:lvl8pPr>
-            <a:lvl9pPr indent="-317500" lvl="8" marL="4114800" algn="ctr">
+            <a:lvl9pPr marL="4114800" lvl="8" indent="-317500" algn="ctr">
               <a:spcBef>
                 <a:spcPts val="0"/>
               </a:spcBef>
@@ -4099,15 +3884,19 @@
               <a:defRPr/>
             </a:lvl9pPr>
           </a:lstStyle>
-          <a:p/>
+          <a:p>
+            <a:endParaRPr/>
+          </a:p>
         </p:txBody>
       </p:sp>
       <p:sp>
         <p:nvSpPr>
           <p:cNvPr id="47" name="Google Shape;47;p11"/>
-          <p:cNvSpPr txBox="1"/>
+          <p:cNvSpPr txBox="1">
+            <a:spLocks noGrp="1"/>
+          </p:cNvSpPr>
           <p:nvPr>
-            <p:ph idx="12" type="sldNum"/>
+            <p:ph type="sldNum" idx="12"/>
           </p:nvPr>
         </p:nvSpPr>
         <p:spPr>
@@ -4120,7 +3909,7 @@
           </a:prstGeom>
         </p:spPr>
         <p:txBody>
-          <a:bodyPr anchorCtr="0" anchor="ctr" bIns="91425" lIns="91425" spcFirstLastPara="1" rIns="91425" wrap="square" tIns="91425">
+          <a:bodyPr spcFirstLastPara="1" wrap="square" lIns="91425" tIns="91425" rIns="91425" bIns="91425" anchor="ctr" anchorCtr="0">
             <a:normAutofit/>
           </a:bodyPr>
           <a:lstStyle>
@@ -4162,7 +3951,7 @@
             </a:lvl9pPr>
           </a:lstStyle>
           <a:p>
-            <a:pPr indent="0" lvl="0" marL="0" rtl="0" algn="r">
+            <a:pPr marL="0" lvl="0" indent="0" algn="r" rtl="0">
               <a:spcBef>
                 <a:spcPts val="0"/>
               </a:spcBef>
@@ -4188,11 +3977,11 @@
 </file>
 
 <file path=ppt/slideLayouts/slideLayout11.xml><?xml version="1.0" encoding="utf-8"?>
-<p:sldLayout xmlns:a="http://schemas.openxmlformats.org/drawingml/2006/main" xmlns:r="http://schemas.openxmlformats.org/officeDocument/2006/relationships" xmlns:mc="http://schemas.openxmlformats.org/markup-compatibility/2006" xmlns:mv="urn:schemas-microsoft-com:mac:vml" xmlns:p="http://schemas.openxmlformats.org/presentationml/2006/main" xmlns:c="http://schemas.openxmlformats.org/drawingml/2006/chart" xmlns:dgm="http://schemas.openxmlformats.org/drawingml/2006/diagram" xmlns:o="urn:schemas-microsoft-com:office:office" xmlns:v="urn:schemas-microsoft-com:vml" xmlns:pvml="urn:schemas-microsoft-com:office:powerpoint" xmlns:com="http://schemas.openxmlformats.org/drawingml/2006/compatibility" xmlns:p14="http://schemas.microsoft.com/office/powerpoint/2010/main" xmlns:p15="http://schemas.microsoft.com/office/powerpoint/2012/main" xmlns:ahyp="http://schemas.microsoft.com/office/drawing/2018/hyperlinkcolor" matchingName="Blank" type="blank">
+<p:sldLayout xmlns:a="http://schemas.openxmlformats.org/drawingml/2006/main" xmlns:r="http://schemas.openxmlformats.org/officeDocument/2006/relationships" xmlns:p="http://schemas.openxmlformats.org/presentationml/2006/main" matchingName="Blank" type="blank">
   <p:cSld name="BLANK">
     <p:spTree>
       <p:nvGrpSpPr>
-        <p:cNvPr id="48" name="Shape 48"/>
+        <p:cNvPr id="1" name="Shape 48"/>
         <p:cNvGrpSpPr/>
         <p:nvPr/>
       </p:nvGrpSpPr>
@@ -4207,9 +3996,11 @@
       <p:sp>
         <p:nvSpPr>
           <p:cNvPr id="49" name="Google Shape;49;p12"/>
-          <p:cNvSpPr txBox="1"/>
+          <p:cNvSpPr txBox="1">
+            <a:spLocks noGrp="1"/>
+          </p:cNvSpPr>
           <p:nvPr>
-            <p:ph idx="12" type="sldNum"/>
+            <p:ph type="sldNum" idx="12"/>
           </p:nvPr>
         </p:nvSpPr>
         <p:spPr>
@@ -4222,7 +4013,7 @@
           </a:prstGeom>
         </p:spPr>
         <p:txBody>
-          <a:bodyPr anchorCtr="0" anchor="ctr" bIns="91425" lIns="91425" spcFirstLastPara="1" rIns="91425" wrap="square" tIns="91425">
+          <a:bodyPr spcFirstLastPara="1" wrap="square" lIns="91425" tIns="91425" rIns="91425" bIns="91425" anchor="ctr" anchorCtr="0">
             <a:normAutofit/>
           </a:bodyPr>
           <a:lstStyle>
@@ -4264,7 +4055,7 @@
             </a:lvl9pPr>
           </a:lstStyle>
           <a:p>
-            <a:pPr indent="0" lvl="0" marL="0" rtl="0" algn="r">
+            <a:pPr marL="0" lvl="0" indent="0" algn="r" rtl="0">
               <a:spcBef>
                 <a:spcPts val="0"/>
               </a:spcBef>
@@ -4290,11 +4081,11 @@
 </file>
 
 <file path=ppt/slideLayouts/slideLayout2.xml><?xml version="1.0" encoding="utf-8"?>
-<p:sldLayout xmlns:a="http://schemas.openxmlformats.org/drawingml/2006/main" xmlns:r="http://schemas.openxmlformats.org/officeDocument/2006/relationships" xmlns:mc="http://schemas.openxmlformats.org/markup-compatibility/2006" xmlns:mv="urn:schemas-microsoft-com:mac:vml" xmlns:p="http://schemas.openxmlformats.org/presentationml/2006/main" xmlns:c="http://schemas.openxmlformats.org/drawingml/2006/chart" xmlns:dgm="http://schemas.openxmlformats.org/drawingml/2006/diagram" xmlns:o="urn:schemas-microsoft-com:office:office" xmlns:v="urn:schemas-microsoft-com:vml" xmlns:pvml="urn:schemas-microsoft-com:office:powerpoint" xmlns:com="http://schemas.openxmlformats.org/drawingml/2006/compatibility" xmlns:p14="http://schemas.microsoft.com/office/powerpoint/2010/main" xmlns:p15="http://schemas.microsoft.com/office/powerpoint/2012/main" xmlns:ahyp="http://schemas.microsoft.com/office/drawing/2018/hyperlinkcolor" matchingName="Section header" type="secHead">
+<p:sldLayout xmlns:a="http://schemas.openxmlformats.org/drawingml/2006/main" xmlns:r="http://schemas.openxmlformats.org/officeDocument/2006/relationships" xmlns:p="http://schemas.openxmlformats.org/presentationml/2006/main" matchingName="Section header" type="secHead">
   <p:cSld name="SECTION_HEADER">
     <p:spTree>
       <p:nvGrpSpPr>
-        <p:cNvPr id="13" name="Shape 13"/>
+        <p:cNvPr id="1" name="Shape 13"/>
         <p:cNvGrpSpPr/>
         <p:nvPr/>
       </p:nvGrpSpPr>
@@ -4309,7 +4100,9 @@
       <p:sp>
         <p:nvSpPr>
           <p:cNvPr id="14" name="Google Shape;14;p3"/>
-          <p:cNvSpPr txBox="1"/>
+          <p:cNvSpPr txBox="1">
+            <a:spLocks noGrp="1"/>
+          </p:cNvSpPr>
           <p:nvPr>
             <p:ph type="title"/>
           </p:nvPr>
@@ -4324,7 +4117,7 @@
           </a:prstGeom>
         </p:spPr>
         <p:txBody>
-          <a:bodyPr anchorCtr="0" anchor="ctr" bIns="91425" lIns="91425" spcFirstLastPara="1" rIns="91425" wrap="square" tIns="91425">
+          <a:bodyPr spcFirstLastPara="1" wrap="square" lIns="91425" tIns="91425" rIns="91425" bIns="91425" anchor="ctr" anchorCtr="0">
             <a:normAutofit/>
           </a:bodyPr>
           <a:lstStyle>
@@ -4428,15 +4221,19 @@
               <a:defRPr sz="3600"/>
             </a:lvl9pPr>
           </a:lstStyle>
-          <a:p/>
+          <a:p>
+            <a:endParaRPr/>
+          </a:p>
         </p:txBody>
       </p:sp>
       <p:sp>
         <p:nvSpPr>
           <p:cNvPr id="15" name="Google Shape;15;p3"/>
-          <p:cNvSpPr txBox="1"/>
+          <p:cNvSpPr txBox="1">
+            <a:spLocks noGrp="1"/>
+          </p:cNvSpPr>
           <p:nvPr>
-            <p:ph idx="12" type="sldNum"/>
+            <p:ph type="sldNum" idx="12"/>
           </p:nvPr>
         </p:nvSpPr>
         <p:spPr>
@@ -4449,7 +4246,7 @@
           </a:prstGeom>
         </p:spPr>
         <p:txBody>
-          <a:bodyPr anchorCtr="0" anchor="ctr" bIns="91425" lIns="91425" spcFirstLastPara="1" rIns="91425" wrap="square" tIns="91425">
+          <a:bodyPr spcFirstLastPara="1" wrap="square" lIns="91425" tIns="91425" rIns="91425" bIns="91425" anchor="ctr" anchorCtr="0">
             <a:normAutofit/>
           </a:bodyPr>
           <a:lstStyle>
@@ -4491,7 +4288,7 @@
             </a:lvl9pPr>
           </a:lstStyle>
           <a:p>
-            <a:pPr indent="0" lvl="0" marL="0" rtl="0" algn="r">
+            <a:pPr marL="0" lvl="0" indent="0" algn="r" rtl="0">
               <a:spcBef>
                 <a:spcPts val="0"/>
               </a:spcBef>
@@ -4517,11 +4314,11 @@
 </file>
 
 <file path=ppt/slideLayouts/slideLayout3.xml><?xml version="1.0" encoding="utf-8"?>
-<p:sldLayout xmlns:a="http://schemas.openxmlformats.org/drawingml/2006/main" xmlns:r="http://schemas.openxmlformats.org/officeDocument/2006/relationships" xmlns:mc="http://schemas.openxmlformats.org/markup-compatibility/2006" xmlns:mv="urn:schemas-microsoft-com:mac:vml" xmlns:p="http://schemas.openxmlformats.org/presentationml/2006/main" xmlns:c="http://schemas.openxmlformats.org/drawingml/2006/chart" xmlns:dgm="http://schemas.openxmlformats.org/drawingml/2006/diagram" xmlns:o="urn:schemas-microsoft-com:office:office" xmlns:v="urn:schemas-microsoft-com:vml" xmlns:pvml="urn:schemas-microsoft-com:office:powerpoint" xmlns:com="http://schemas.openxmlformats.org/drawingml/2006/compatibility" xmlns:p14="http://schemas.microsoft.com/office/powerpoint/2010/main" xmlns:p15="http://schemas.microsoft.com/office/powerpoint/2012/main" xmlns:ahyp="http://schemas.microsoft.com/office/drawing/2018/hyperlinkcolor" matchingName="Title and body" type="tx">
+<p:sldLayout xmlns:a="http://schemas.openxmlformats.org/drawingml/2006/main" xmlns:r="http://schemas.openxmlformats.org/officeDocument/2006/relationships" xmlns:p="http://schemas.openxmlformats.org/presentationml/2006/main" matchingName="Title and body" type="tx">
   <p:cSld name="TITLE_AND_BODY">
     <p:spTree>
       <p:nvGrpSpPr>
-        <p:cNvPr id="16" name="Shape 16"/>
+        <p:cNvPr id="1" name="Shape 16"/>
         <p:cNvGrpSpPr/>
         <p:nvPr/>
       </p:nvGrpSpPr>
@@ -4536,7 +4333,9 @@
       <p:sp>
         <p:nvSpPr>
           <p:cNvPr id="17" name="Google Shape;17;p4"/>
-          <p:cNvSpPr txBox="1"/>
+          <p:cNvSpPr txBox="1">
+            <a:spLocks noGrp="1"/>
+          </p:cNvSpPr>
           <p:nvPr>
             <p:ph type="title"/>
           </p:nvPr>
@@ -4551,7 +4350,7 @@
           </a:prstGeom>
         </p:spPr>
         <p:txBody>
-          <a:bodyPr anchorCtr="0" anchor="t" bIns="91425" lIns="91425" spcFirstLastPara="1" rIns="91425" wrap="square" tIns="91425">
+          <a:bodyPr spcFirstLastPara="1" wrap="square" lIns="91425" tIns="91425" rIns="91425" bIns="91425" anchor="t" anchorCtr="0">
             <a:normAutofit/>
           </a:bodyPr>
           <a:lstStyle>
@@ -4655,15 +4454,19 @@
               <a:defRPr/>
             </a:lvl9pPr>
           </a:lstStyle>
-          <a:p/>
+          <a:p>
+            <a:endParaRPr/>
+          </a:p>
         </p:txBody>
       </p:sp>
       <p:sp>
         <p:nvSpPr>
           <p:cNvPr id="18" name="Google Shape;18;p4"/>
-          <p:cNvSpPr txBox="1"/>
+          <p:cNvSpPr txBox="1">
+            <a:spLocks noGrp="1"/>
+          </p:cNvSpPr>
           <p:nvPr>
-            <p:ph idx="1" type="body"/>
+            <p:ph type="body" idx="1"/>
           </p:nvPr>
         </p:nvSpPr>
         <p:spPr>
@@ -4676,11 +4479,11 @@
           </a:prstGeom>
         </p:spPr>
         <p:txBody>
-          <a:bodyPr anchorCtr="0" anchor="t" bIns="91425" lIns="91425" spcFirstLastPara="1" rIns="91425" wrap="square" tIns="91425">
+          <a:bodyPr spcFirstLastPara="1" wrap="square" lIns="91425" tIns="91425" rIns="91425" bIns="91425" anchor="t" anchorCtr="0">
             <a:normAutofit/>
           </a:bodyPr>
           <a:lstStyle>
-            <a:lvl1pPr indent="-342900" lvl="0" marL="457200">
+            <a:lvl1pPr marL="457200" lvl="0" indent="-342900">
               <a:spcBef>
                 <a:spcPts val="0"/>
               </a:spcBef>
@@ -4691,7 +4494,7 @@
               <a:buChar char="●"/>
               <a:defRPr/>
             </a:lvl1pPr>
-            <a:lvl2pPr indent="-317500" lvl="1" marL="914400">
+            <a:lvl2pPr marL="914400" lvl="1" indent="-317500">
               <a:spcBef>
                 <a:spcPts val="0"/>
               </a:spcBef>
@@ -4702,7 +4505,7 @@
               <a:buChar char="○"/>
               <a:defRPr/>
             </a:lvl2pPr>
-            <a:lvl3pPr indent="-317500" lvl="2" marL="1371600">
+            <a:lvl3pPr marL="1371600" lvl="2" indent="-317500">
               <a:spcBef>
                 <a:spcPts val="0"/>
               </a:spcBef>
@@ -4713,7 +4516,7 @@
               <a:buChar char="■"/>
               <a:defRPr/>
             </a:lvl3pPr>
-            <a:lvl4pPr indent="-317500" lvl="3" marL="1828800">
+            <a:lvl4pPr marL="1828800" lvl="3" indent="-317500">
               <a:spcBef>
                 <a:spcPts val="0"/>
               </a:spcBef>
@@ -4724,7 +4527,7 @@
               <a:buChar char="●"/>
               <a:defRPr/>
             </a:lvl4pPr>
-            <a:lvl5pPr indent="-317500" lvl="4" marL="2286000">
+            <a:lvl5pPr marL="2286000" lvl="4" indent="-317500">
               <a:spcBef>
                 <a:spcPts val="0"/>
               </a:spcBef>
@@ -4735,7 +4538,7 @@
               <a:buChar char="○"/>
               <a:defRPr/>
             </a:lvl5pPr>
-            <a:lvl6pPr indent="-317500" lvl="5" marL="2743200">
+            <a:lvl6pPr marL="2743200" lvl="5" indent="-317500">
               <a:spcBef>
                 <a:spcPts val="0"/>
               </a:spcBef>
@@ -4746,7 +4549,7 @@
               <a:buChar char="■"/>
               <a:defRPr/>
             </a:lvl6pPr>
-            <a:lvl7pPr indent="-317500" lvl="6" marL="3200400">
+            <a:lvl7pPr marL="3200400" lvl="6" indent="-317500">
               <a:spcBef>
                 <a:spcPts val="0"/>
               </a:spcBef>
@@ -4757,7 +4560,7 @@
               <a:buChar char="●"/>
               <a:defRPr/>
             </a:lvl7pPr>
-            <a:lvl8pPr indent="-317500" lvl="7" marL="3657600">
+            <a:lvl8pPr marL="3657600" lvl="7" indent="-317500">
               <a:spcBef>
                 <a:spcPts val="0"/>
               </a:spcBef>
@@ -4768,7 +4571,7 @@
               <a:buChar char="○"/>
               <a:defRPr/>
             </a:lvl8pPr>
-            <a:lvl9pPr indent="-317500" lvl="8" marL="4114800">
+            <a:lvl9pPr marL="4114800" lvl="8" indent="-317500">
               <a:spcBef>
                 <a:spcPts val="0"/>
               </a:spcBef>
@@ -4780,15 +4583,19 @@
               <a:defRPr/>
             </a:lvl9pPr>
           </a:lstStyle>
-          <a:p/>
+          <a:p>
+            <a:endParaRPr/>
+          </a:p>
         </p:txBody>
       </p:sp>
       <p:sp>
         <p:nvSpPr>
           <p:cNvPr id="19" name="Google Shape;19;p4"/>
-          <p:cNvSpPr txBox="1"/>
+          <p:cNvSpPr txBox="1">
+            <a:spLocks noGrp="1"/>
+          </p:cNvSpPr>
           <p:nvPr>
-            <p:ph idx="12" type="sldNum"/>
+            <p:ph type="sldNum" idx="12"/>
           </p:nvPr>
         </p:nvSpPr>
         <p:spPr>
@@ -4801,7 +4608,7 @@
           </a:prstGeom>
         </p:spPr>
         <p:txBody>
-          <a:bodyPr anchorCtr="0" anchor="ctr" bIns="91425" lIns="91425" spcFirstLastPara="1" rIns="91425" wrap="square" tIns="91425">
+          <a:bodyPr spcFirstLastPara="1" wrap="square" lIns="91425" tIns="91425" rIns="91425" bIns="91425" anchor="ctr" anchorCtr="0">
             <a:normAutofit/>
           </a:bodyPr>
           <a:lstStyle>
@@ -4843,7 +4650,7 @@
             </a:lvl9pPr>
           </a:lstStyle>
           <a:p>
-            <a:pPr indent="0" lvl="0" marL="0" rtl="0" algn="r">
+            <a:pPr marL="0" lvl="0" indent="0" algn="r" rtl="0">
               <a:spcBef>
                 <a:spcPts val="0"/>
               </a:spcBef>
@@ -4869,11 +4676,11 @@
 </file>
 
 <file path=ppt/slideLayouts/slideLayout4.xml><?xml version="1.0" encoding="utf-8"?>
-<p:sldLayout xmlns:a="http://schemas.openxmlformats.org/drawingml/2006/main" xmlns:r="http://schemas.openxmlformats.org/officeDocument/2006/relationships" xmlns:mc="http://schemas.openxmlformats.org/markup-compatibility/2006" xmlns:mv="urn:schemas-microsoft-com:mac:vml" xmlns:p="http://schemas.openxmlformats.org/presentationml/2006/main" xmlns:c="http://schemas.openxmlformats.org/drawingml/2006/chart" xmlns:dgm="http://schemas.openxmlformats.org/drawingml/2006/diagram" xmlns:o="urn:schemas-microsoft-com:office:office" xmlns:v="urn:schemas-microsoft-com:vml" xmlns:pvml="urn:schemas-microsoft-com:office:powerpoint" xmlns:com="http://schemas.openxmlformats.org/drawingml/2006/compatibility" xmlns:p14="http://schemas.microsoft.com/office/powerpoint/2010/main" xmlns:p15="http://schemas.microsoft.com/office/powerpoint/2012/main" xmlns:ahyp="http://schemas.microsoft.com/office/drawing/2018/hyperlinkcolor" matchingName="Title and two columns" type="twoColTx">
+<p:sldLayout xmlns:a="http://schemas.openxmlformats.org/drawingml/2006/main" xmlns:r="http://schemas.openxmlformats.org/officeDocument/2006/relationships" xmlns:p="http://schemas.openxmlformats.org/presentationml/2006/main" matchingName="Title and two columns" type="twoColTx">
   <p:cSld name="TITLE_AND_TWO_COLUMNS">
     <p:spTree>
       <p:nvGrpSpPr>
-        <p:cNvPr id="20" name="Shape 20"/>
+        <p:cNvPr id="1" name="Shape 20"/>
         <p:cNvGrpSpPr/>
         <p:nvPr/>
       </p:nvGrpSpPr>
@@ -4888,7 +4695,9 @@
       <p:sp>
         <p:nvSpPr>
           <p:cNvPr id="21" name="Google Shape;21;p5"/>
-          <p:cNvSpPr txBox="1"/>
+          <p:cNvSpPr txBox="1">
+            <a:spLocks noGrp="1"/>
+          </p:cNvSpPr>
           <p:nvPr>
             <p:ph type="title"/>
           </p:nvPr>
@@ -4903,7 +4712,7 @@
           </a:prstGeom>
         </p:spPr>
         <p:txBody>
-          <a:bodyPr anchorCtr="0" anchor="t" bIns="91425" lIns="91425" spcFirstLastPara="1" rIns="91425" wrap="square" tIns="91425">
+          <a:bodyPr spcFirstLastPara="1" wrap="square" lIns="91425" tIns="91425" rIns="91425" bIns="91425" anchor="t" anchorCtr="0">
             <a:normAutofit/>
           </a:bodyPr>
           <a:lstStyle>
@@ -5007,15 +4816,19 @@
               <a:defRPr/>
             </a:lvl9pPr>
           </a:lstStyle>
-          <a:p/>
+          <a:p>
+            <a:endParaRPr/>
+          </a:p>
         </p:txBody>
       </p:sp>
       <p:sp>
         <p:nvSpPr>
           <p:cNvPr id="22" name="Google Shape;22;p5"/>
-          <p:cNvSpPr txBox="1"/>
+          <p:cNvSpPr txBox="1">
+            <a:spLocks noGrp="1"/>
+          </p:cNvSpPr>
           <p:nvPr>
-            <p:ph idx="1" type="body"/>
+            <p:ph type="body" idx="1"/>
           </p:nvPr>
         </p:nvSpPr>
         <p:spPr>
@@ -5028,11 +4841,11 @@
           </a:prstGeom>
         </p:spPr>
         <p:txBody>
-          <a:bodyPr anchorCtr="0" anchor="t" bIns="91425" lIns="91425" spcFirstLastPara="1" rIns="91425" wrap="square" tIns="91425">
+          <a:bodyPr spcFirstLastPara="1" wrap="square" lIns="91425" tIns="91425" rIns="91425" bIns="91425" anchor="t" anchorCtr="0">
             <a:normAutofit/>
           </a:bodyPr>
           <a:lstStyle>
-            <a:lvl1pPr indent="-317500" lvl="0" marL="457200">
+            <a:lvl1pPr marL="457200" lvl="0" indent="-317500">
               <a:spcBef>
                 <a:spcPts val="0"/>
               </a:spcBef>
@@ -5043,7 +4856,7 @@
               <a:buChar char="●"/>
               <a:defRPr sz="1400"/>
             </a:lvl1pPr>
-            <a:lvl2pPr indent="-304800" lvl="1" marL="914400">
+            <a:lvl2pPr marL="914400" lvl="1" indent="-304800">
               <a:spcBef>
                 <a:spcPts val="0"/>
               </a:spcBef>
@@ -5054,7 +4867,7 @@
               <a:buChar char="○"/>
               <a:defRPr sz="1200"/>
             </a:lvl2pPr>
-            <a:lvl3pPr indent="-304800" lvl="2" marL="1371600">
+            <a:lvl3pPr marL="1371600" lvl="2" indent="-304800">
               <a:spcBef>
                 <a:spcPts val="0"/>
               </a:spcBef>
@@ -5065,7 +4878,7 @@
               <a:buChar char="■"/>
               <a:defRPr sz="1200"/>
             </a:lvl3pPr>
-            <a:lvl4pPr indent="-304800" lvl="3" marL="1828800">
+            <a:lvl4pPr marL="1828800" lvl="3" indent="-304800">
               <a:spcBef>
                 <a:spcPts val="0"/>
               </a:spcBef>
@@ -5076,7 +4889,7 @@
               <a:buChar char="●"/>
               <a:defRPr sz="1200"/>
             </a:lvl4pPr>
-            <a:lvl5pPr indent="-304800" lvl="4" marL="2286000">
+            <a:lvl5pPr marL="2286000" lvl="4" indent="-304800">
               <a:spcBef>
                 <a:spcPts val="0"/>
               </a:spcBef>
@@ -5087,7 +4900,7 @@
               <a:buChar char="○"/>
               <a:defRPr sz="1200"/>
             </a:lvl5pPr>
-            <a:lvl6pPr indent="-304800" lvl="5" marL="2743200">
+            <a:lvl6pPr marL="2743200" lvl="5" indent="-304800">
               <a:spcBef>
                 <a:spcPts val="0"/>
               </a:spcBef>
@@ -5098,7 +4911,7 @@
               <a:buChar char="■"/>
               <a:defRPr sz="1200"/>
             </a:lvl6pPr>
-            <a:lvl7pPr indent="-304800" lvl="6" marL="3200400">
+            <a:lvl7pPr marL="3200400" lvl="6" indent="-304800">
               <a:spcBef>
                 <a:spcPts val="0"/>
               </a:spcBef>
@@ -5109,7 +4922,7 @@
               <a:buChar char="●"/>
               <a:defRPr sz="1200"/>
             </a:lvl7pPr>
-            <a:lvl8pPr indent="-304800" lvl="7" marL="3657600">
+            <a:lvl8pPr marL="3657600" lvl="7" indent="-304800">
               <a:spcBef>
                 <a:spcPts val="0"/>
               </a:spcBef>
@@ -5120,7 +4933,7 @@
               <a:buChar char="○"/>
               <a:defRPr sz="1200"/>
             </a:lvl8pPr>
-            <a:lvl9pPr indent="-304800" lvl="8" marL="4114800">
+            <a:lvl9pPr marL="4114800" lvl="8" indent="-304800">
               <a:spcBef>
                 <a:spcPts val="0"/>
               </a:spcBef>
@@ -5132,15 +4945,19 @@
               <a:defRPr sz="1200"/>
             </a:lvl9pPr>
           </a:lstStyle>
-          <a:p/>
+          <a:p>
+            <a:endParaRPr/>
+          </a:p>
         </p:txBody>
       </p:sp>
       <p:sp>
         <p:nvSpPr>
           <p:cNvPr id="23" name="Google Shape;23;p5"/>
-          <p:cNvSpPr txBox="1"/>
+          <p:cNvSpPr txBox="1">
+            <a:spLocks noGrp="1"/>
+          </p:cNvSpPr>
           <p:nvPr>
-            <p:ph idx="2" type="body"/>
+            <p:ph type="body" idx="2"/>
           </p:nvPr>
         </p:nvSpPr>
         <p:spPr>
@@ -5153,11 +4970,11 @@
           </a:prstGeom>
         </p:spPr>
         <p:txBody>
-          <a:bodyPr anchorCtr="0" anchor="t" bIns="91425" lIns="91425" spcFirstLastPara="1" rIns="91425" wrap="square" tIns="91425">
+          <a:bodyPr spcFirstLastPara="1" wrap="square" lIns="91425" tIns="91425" rIns="91425" bIns="91425" anchor="t" anchorCtr="0">
             <a:normAutofit/>
           </a:bodyPr>
           <a:lstStyle>
-            <a:lvl1pPr indent="-317500" lvl="0" marL="457200">
+            <a:lvl1pPr marL="457200" lvl="0" indent="-317500">
               <a:spcBef>
                 <a:spcPts val="0"/>
               </a:spcBef>
@@ -5168,7 +4985,7 @@
               <a:buChar char="●"/>
               <a:defRPr sz="1400"/>
             </a:lvl1pPr>
-            <a:lvl2pPr indent="-304800" lvl="1" marL="914400">
+            <a:lvl2pPr marL="914400" lvl="1" indent="-304800">
               <a:spcBef>
                 <a:spcPts val="0"/>
               </a:spcBef>
@@ -5179,7 +4996,7 @@
               <a:buChar char="○"/>
               <a:defRPr sz="1200"/>
             </a:lvl2pPr>
-            <a:lvl3pPr indent="-304800" lvl="2" marL="1371600">
+            <a:lvl3pPr marL="1371600" lvl="2" indent="-304800">
               <a:spcBef>
                 <a:spcPts val="0"/>
               </a:spcBef>
@@ -5190,7 +5007,7 @@
               <a:buChar char="■"/>
               <a:defRPr sz="1200"/>
             </a:lvl3pPr>
-            <a:lvl4pPr indent="-304800" lvl="3" marL="1828800">
+            <a:lvl4pPr marL="1828800" lvl="3" indent="-304800">
               <a:spcBef>
                 <a:spcPts val="0"/>
               </a:spcBef>
@@ -5201,7 +5018,7 @@
               <a:buChar char="●"/>
               <a:defRPr sz="1200"/>
             </a:lvl4pPr>
-            <a:lvl5pPr indent="-304800" lvl="4" marL="2286000">
+            <a:lvl5pPr marL="2286000" lvl="4" indent="-304800">
               <a:spcBef>
                 <a:spcPts val="0"/>
               </a:spcBef>
@@ -5212,7 +5029,7 @@
               <a:buChar char="○"/>
               <a:defRPr sz="1200"/>
             </a:lvl5pPr>
-            <a:lvl6pPr indent="-304800" lvl="5" marL="2743200">
+            <a:lvl6pPr marL="2743200" lvl="5" indent="-304800">
               <a:spcBef>
                 <a:spcPts val="0"/>
               </a:spcBef>
@@ -5223,7 +5040,7 @@
               <a:buChar char="■"/>
               <a:defRPr sz="1200"/>
             </a:lvl6pPr>
-            <a:lvl7pPr indent="-304800" lvl="6" marL="3200400">
+            <a:lvl7pPr marL="3200400" lvl="6" indent="-304800">
               <a:spcBef>
                 <a:spcPts val="0"/>
               </a:spcBef>
@@ -5234,7 +5051,7 @@
               <a:buChar char="●"/>
               <a:defRPr sz="1200"/>
             </a:lvl7pPr>
-            <a:lvl8pPr indent="-304800" lvl="7" marL="3657600">
+            <a:lvl8pPr marL="3657600" lvl="7" indent="-304800">
               <a:spcBef>
                 <a:spcPts val="0"/>
               </a:spcBef>
@@ -5245,7 +5062,7 @@
               <a:buChar char="○"/>
               <a:defRPr sz="1200"/>
             </a:lvl8pPr>
-            <a:lvl9pPr indent="-304800" lvl="8" marL="4114800">
+            <a:lvl9pPr marL="4114800" lvl="8" indent="-304800">
               <a:spcBef>
                 <a:spcPts val="0"/>
               </a:spcBef>
@@ -5257,15 +5074,19 @@
               <a:defRPr sz="1200"/>
             </a:lvl9pPr>
           </a:lstStyle>
-          <a:p/>
+          <a:p>
+            <a:endParaRPr/>
+          </a:p>
         </p:txBody>
       </p:sp>
       <p:sp>
         <p:nvSpPr>
           <p:cNvPr id="24" name="Google Shape;24;p5"/>
-          <p:cNvSpPr txBox="1"/>
+          <p:cNvSpPr txBox="1">
+            <a:spLocks noGrp="1"/>
+          </p:cNvSpPr>
           <p:nvPr>
-            <p:ph idx="12" type="sldNum"/>
+            <p:ph type="sldNum" idx="12"/>
           </p:nvPr>
         </p:nvSpPr>
         <p:spPr>
@@ -5278,7 +5099,7 @@
           </a:prstGeom>
         </p:spPr>
         <p:txBody>
-          <a:bodyPr anchorCtr="0" anchor="ctr" bIns="91425" lIns="91425" spcFirstLastPara="1" rIns="91425" wrap="square" tIns="91425">
+          <a:bodyPr spcFirstLastPara="1" wrap="square" lIns="91425" tIns="91425" rIns="91425" bIns="91425" anchor="ctr" anchorCtr="0">
             <a:normAutofit/>
           </a:bodyPr>
           <a:lstStyle>
@@ -5320,7 +5141,7 @@
             </a:lvl9pPr>
           </a:lstStyle>
           <a:p>
-            <a:pPr indent="0" lvl="0" marL="0" rtl="0" algn="r">
+            <a:pPr marL="0" lvl="0" indent="0" algn="r" rtl="0">
               <a:spcBef>
                 <a:spcPts val="0"/>
               </a:spcBef>
@@ -5346,11 +5167,11 @@
 </file>
 
 <file path=ppt/slideLayouts/slideLayout5.xml><?xml version="1.0" encoding="utf-8"?>
-<p:sldLayout xmlns:a="http://schemas.openxmlformats.org/drawingml/2006/main" xmlns:r="http://schemas.openxmlformats.org/officeDocument/2006/relationships" xmlns:mc="http://schemas.openxmlformats.org/markup-compatibility/2006" xmlns:mv="urn:schemas-microsoft-com:mac:vml" xmlns:p="http://schemas.openxmlformats.org/presentationml/2006/main" xmlns:c="http://schemas.openxmlformats.org/drawingml/2006/chart" xmlns:dgm="http://schemas.openxmlformats.org/drawingml/2006/diagram" xmlns:o="urn:schemas-microsoft-com:office:office" xmlns:v="urn:schemas-microsoft-com:vml" xmlns:pvml="urn:schemas-microsoft-com:office:powerpoint" xmlns:com="http://schemas.openxmlformats.org/drawingml/2006/compatibility" xmlns:p14="http://schemas.microsoft.com/office/powerpoint/2010/main" xmlns:p15="http://schemas.microsoft.com/office/powerpoint/2012/main" xmlns:ahyp="http://schemas.microsoft.com/office/drawing/2018/hyperlinkcolor" matchingName="Title only" type="titleOnly">
+<p:sldLayout xmlns:a="http://schemas.openxmlformats.org/drawingml/2006/main" xmlns:r="http://schemas.openxmlformats.org/officeDocument/2006/relationships" xmlns:p="http://schemas.openxmlformats.org/presentationml/2006/main" matchingName="Title only" type="titleOnly">
   <p:cSld name="TITLE_ONLY">
     <p:spTree>
       <p:nvGrpSpPr>
-        <p:cNvPr id="25" name="Shape 25"/>
+        <p:cNvPr id="1" name="Shape 25"/>
         <p:cNvGrpSpPr/>
         <p:nvPr/>
       </p:nvGrpSpPr>
@@ -5365,7 +5186,9 @@
       <p:sp>
         <p:nvSpPr>
           <p:cNvPr id="26" name="Google Shape;26;p6"/>
-          <p:cNvSpPr txBox="1"/>
+          <p:cNvSpPr txBox="1">
+            <a:spLocks noGrp="1"/>
+          </p:cNvSpPr>
           <p:nvPr>
             <p:ph type="title"/>
           </p:nvPr>
@@ -5380,7 +5203,7 @@
           </a:prstGeom>
         </p:spPr>
         <p:txBody>
-          <a:bodyPr anchorCtr="0" anchor="t" bIns="91425" lIns="91425" spcFirstLastPara="1" rIns="91425" wrap="square" tIns="91425">
+          <a:bodyPr spcFirstLastPara="1" wrap="square" lIns="91425" tIns="91425" rIns="91425" bIns="91425" anchor="t" anchorCtr="0">
             <a:normAutofit/>
           </a:bodyPr>
           <a:lstStyle>
@@ -5484,15 +5307,19 @@
               <a:defRPr/>
             </a:lvl9pPr>
           </a:lstStyle>
-          <a:p/>
+          <a:p>
+            <a:endParaRPr/>
+          </a:p>
         </p:txBody>
       </p:sp>
       <p:sp>
         <p:nvSpPr>
           <p:cNvPr id="27" name="Google Shape;27;p6"/>
-          <p:cNvSpPr txBox="1"/>
+          <p:cNvSpPr txBox="1">
+            <a:spLocks noGrp="1"/>
+          </p:cNvSpPr>
           <p:nvPr>
-            <p:ph idx="12" type="sldNum"/>
+            <p:ph type="sldNum" idx="12"/>
           </p:nvPr>
         </p:nvSpPr>
         <p:spPr>
@@ -5505,7 +5332,7 @@
           </a:prstGeom>
         </p:spPr>
         <p:txBody>
-          <a:bodyPr anchorCtr="0" anchor="ctr" bIns="91425" lIns="91425" spcFirstLastPara="1" rIns="91425" wrap="square" tIns="91425">
+          <a:bodyPr spcFirstLastPara="1" wrap="square" lIns="91425" tIns="91425" rIns="91425" bIns="91425" anchor="ctr" anchorCtr="0">
             <a:normAutofit/>
           </a:bodyPr>
           <a:lstStyle>
@@ -5547,7 +5374,7 @@
             </a:lvl9pPr>
           </a:lstStyle>
           <a:p>
-            <a:pPr indent="0" lvl="0" marL="0" rtl="0" algn="r">
+            <a:pPr marL="0" lvl="0" indent="0" algn="r" rtl="0">
               <a:spcBef>
                 <a:spcPts val="0"/>
               </a:spcBef>
@@ -5573,11 +5400,11 @@
 </file>
 
 <file path=ppt/slideLayouts/slideLayout6.xml><?xml version="1.0" encoding="utf-8"?>
-<p:sldLayout xmlns:a="http://schemas.openxmlformats.org/drawingml/2006/main" xmlns:r="http://schemas.openxmlformats.org/officeDocument/2006/relationships" xmlns:mc="http://schemas.openxmlformats.org/markup-compatibility/2006" xmlns:mv="urn:schemas-microsoft-com:mac:vml" xmlns:p="http://schemas.openxmlformats.org/presentationml/2006/main" xmlns:c="http://schemas.openxmlformats.org/drawingml/2006/chart" xmlns:dgm="http://schemas.openxmlformats.org/drawingml/2006/diagram" xmlns:o="urn:schemas-microsoft-com:office:office" xmlns:v="urn:schemas-microsoft-com:vml" xmlns:pvml="urn:schemas-microsoft-com:office:powerpoint" xmlns:com="http://schemas.openxmlformats.org/drawingml/2006/compatibility" xmlns:p14="http://schemas.microsoft.com/office/powerpoint/2010/main" xmlns:p15="http://schemas.microsoft.com/office/powerpoint/2012/main" xmlns:ahyp="http://schemas.microsoft.com/office/drawing/2018/hyperlinkcolor" matchingName="One column text">
+<p:sldLayout xmlns:a="http://schemas.openxmlformats.org/drawingml/2006/main" xmlns:r="http://schemas.openxmlformats.org/officeDocument/2006/relationships" xmlns:p="http://schemas.openxmlformats.org/presentationml/2006/main" matchingName="One column text">
   <p:cSld name="ONE_COLUMN_TEXT">
     <p:spTree>
       <p:nvGrpSpPr>
-        <p:cNvPr id="28" name="Shape 28"/>
+        <p:cNvPr id="1" name="Shape 28"/>
         <p:cNvGrpSpPr/>
         <p:nvPr/>
       </p:nvGrpSpPr>
@@ -5592,7 +5419,9 @@
       <p:sp>
         <p:nvSpPr>
           <p:cNvPr id="29" name="Google Shape;29;p7"/>
-          <p:cNvSpPr txBox="1"/>
+          <p:cNvSpPr txBox="1">
+            <a:spLocks noGrp="1"/>
+          </p:cNvSpPr>
           <p:nvPr>
             <p:ph type="title"/>
           </p:nvPr>
@@ -5607,7 +5436,7 @@
           </a:prstGeom>
         </p:spPr>
         <p:txBody>
-          <a:bodyPr anchorCtr="0" anchor="b" bIns="91425" lIns="91425" spcFirstLastPara="1" rIns="91425" wrap="square" tIns="91425">
+          <a:bodyPr spcFirstLastPara="1" wrap="square" lIns="91425" tIns="91425" rIns="91425" bIns="91425" anchor="b" anchorCtr="0">
             <a:normAutofit/>
           </a:bodyPr>
           <a:lstStyle>
@@ -5711,15 +5540,19 @@
               <a:defRPr sz="2400"/>
             </a:lvl9pPr>
           </a:lstStyle>
-          <a:p/>
+          <a:p>
+            <a:endParaRPr/>
+          </a:p>
         </p:txBody>
       </p:sp>
       <p:sp>
         <p:nvSpPr>
           <p:cNvPr id="30" name="Google Shape;30;p7"/>
-          <p:cNvSpPr txBox="1"/>
+          <p:cNvSpPr txBox="1">
+            <a:spLocks noGrp="1"/>
+          </p:cNvSpPr>
           <p:nvPr>
-            <p:ph idx="1" type="body"/>
+            <p:ph type="body" idx="1"/>
           </p:nvPr>
         </p:nvSpPr>
         <p:spPr>
@@ -5732,11 +5565,11 @@
           </a:prstGeom>
         </p:spPr>
         <p:txBody>
-          <a:bodyPr anchorCtr="0" anchor="t" bIns="91425" lIns="91425" spcFirstLastPara="1" rIns="91425" wrap="square" tIns="91425">
+          <a:bodyPr spcFirstLastPara="1" wrap="square" lIns="91425" tIns="91425" rIns="91425" bIns="91425" anchor="t" anchorCtr="0">
             <a:normAutofit/>
           </a:bodyPr>
           <a:lstStyle>
-            <a:lvl1pPr indent="-304800" lvl="0" marL="457200">
+            <a:lvl1pPr marL="457200" lvl="0" indent="-304800">
               <a:spcBef>
                 <a:spcPts val="0"/>
               </a:spcBef>
@@ -5747,7 +5580,7 @@
               <a:buChar char="●"/>
               <a:defRPr sz="1200"/>
             </a:lvl1pPr>
-            <a:lvl2pPr indent="-304800" lvl="1" marL="914400">
+            <a:lvl2pPr marL="914400" lvl="1" indent="-304800">
               <a:spcBef>
                 <a:spcPts val="0"/>
               </a:spcBef>
@@ -5758,7 +5591,7 @@
               <a:buChar char="○"/>
               <a:defRPr sz="1200"/>
             </a:lvl2pPr>
-            <a:lvl3pPr indent="-304800" lvl="2" marL="1371600">
+            <a:lvl3pPr marL="1371600" lvl="2" indent="-304800">
               <a:spcBef>
                 <a:spcPts val="0"/>
               </a:spcBef>
@@ -5769,7 +5602,7 @@
               <a:buChar char="■"/>
               <a:defRPr sz="1200"/>
             </a:lvl3pPr>
-            <a:lvl4pPr indent="-304800" lvl="3" marL="1828800">
+            <a:lvl4pPr marL="1828800" lvl="3" indent="-304800">
               <a:spcBef>
                 <a:spcPts val="0"/>
               </a:spcBef>
@@ -5780,7 +5613,7 @@
               <a:buChar char="●"/>
               <a:defRPr sz="1200"/>
             </a:lvl4pPr>
-            <a:lvl5pPr indent="-304800" lvl="4" marL="2286000">
+            <a:lvl5pPr marL="2286000" lvl="4" indent="-304800">
               <a:spcBef>
                 <a:spcPts val="0"/>
               </a:spcBef>
@@ -5791,7 +5624,7 @@
               <a:buChar char="○"/>
               <a:defRPr sz="1200"/>
             </a:lvl5pPr>
-            <a:lvl6pPr indent="-304800" lvl="5" marL="2743200">
+            <a:lvl6pPr marL="2743200" lvl="5" indent="-304800">
               <a:spcBef>
                 <a:spcPts val="0"/>
               </a:spcBef>
@@ -5802,7 +5635,7 @@
               <a:buChar char="■"/>
               <a:defRPr sz="1200"/>
             </a:lvl6pPr>
-            <a:lvl7pPr indent="-304800" lvl="6" marL="3200400">
+            <a:lvl7pPr marL="3200400" lvl="6" indent="-304800">
               <a:spcBef>
                 <a:spcPts val="0"/>
               </a:spcBef>
@@ -5813,7 +5646,7 @@
               <a:buChar char="●"/>
               <a:defRPr sz="1200"/>
             </a:lvl7pPr>
-            <a:lvl8pPr indent="-304800" lvl="7" marL="3657600">
+            <a:lvl8pPr marL="3657600" lvl="7" indent="-304800">
               <a:spcBef>
                 <a:spcPts val="0"/>
               </a:spcBef>
@@ -5824,7 +5657,7 @@
               <a:buChar char="○"/>
               <a:defRPr sz="1200"/>
             </a:lvl8pPr>
-            <a:lvl9pPr indent="-304800" lvl="8" marL="4114800">
+            <a:lvl9pPr marL="4114800" lvl="8" indent="-304800">
               <a:spcBef>
                 <a:spcPts val="0"/>
               </a:spcBef>
@@ -5836,15 +5669,19 @@
               <a:defRPr sz="1200"/>
             </a:lvl9pPr>
           </a:lstStyle>
-          <a:p/>
+          <a:p>
+            <a:endParaRPr/>
+          </a:p>
         </p:txBody>
       </p:sp>
       <p:sp>
         <p:nvSpPr>
           <p:cNvPr id="31" name="Google Shape;31;p7"/>
-          <p:cNvSpPr txBox="1"/>
+          <p:cNvSpPr txBox="1">
+            <a:spLocks noGrp="1"/>
+          </p:cNvSpPr>
           <p:nvPr>
-            <p:ph idx="12" type="sldNum"/>
+            <p:ph type="sldNum" idx="12"/>
           </p:nvPr>
         </p:nvSpPr>
         <p:spPr>
@@ -5857,7 +5694,7 @@
           </a:prstGeom>
         </p:spPr>
         <p:txBody>
-          <a:bodyPr anchorCtr="0" anchor="ctr" bIns="91425" lIns="91425" spcFirstLastPara="1" rIns="91425" wrap="square" tIns="91425">
+          <a:bodyPr spcFirstLastPara="1" wrap="square" lIns="91425" tIns="91425" rIns="91425" bIns="91425" anchor="ctr" anchorCtr="0">
             <a:normAutofit/>
           </a:bodyPr>
           <a:lstStyle>
@@ -5899,7 +5736,7 @@
             </a:lvl9pPr>
           </a:lstStyle>
           <a:p>
-            <a:pPr indent="0" lvl="0" marL="0" rtl="0" algn="r">
+            <a:pPr marL="0" lvl="0" indent="0" algn="r" rtl="0">
               <a:spcBef>
                 <a:spcPts val="0"/>
               </a:spcBef>
@@ -5925,11 +5762,11 @@
 </file>
 
 <file path=ppt/slideLayouts/slideLayout7.xml><?xml version="1.0" encoding="utf-8"?>
-<p:sldLayout xmlns:a="http://schemas.openxmlformats.org/drawingml/2006/main" xmlns:r="http://schemas.openxmlformats.org/officeDocument/2006/relationships" xmlns:mc="http://schemas.openxmlformats.org/markup-compatibility/2006" xmlns:mv="urn:schemas-microsoft-com:mac:vml" xmlns:p="http://schemas.openxmlformats.org/presentationml/2006/main" xmlns:c="http://schemas.openxmlformats.org/drawingml/2006/chart" xmlns:dgm="http://schemas.openxmlformats.org/drawingml/2006/diagram" xmlns:o="urn:schemas-microsoft-com:office:office" xmlns:v="urn:schemas-microsoft-com:vml" xmlns:pvml="urn:schemas-microsoft-com:office:powerpoint" xmlns:com="http://schemas.openxmlformats.org/drawingml/2006/compatibility" xmlns:p14="http://schemas.microsoft.com/office/powerpoint/2010/main" xmlns:p15="http://schemas.microsoft.com/office/powerpoint/2012/main" xmlns:ahyp="http://schemas.microsoft.com/office/drawing/2018/hyperlinkcolor" matchingName="Main point">
+<p:sldLayout xmlns:a="http://schemas.openxmlformats.org/drawingml/2006/main" xmlns:r="http://schemas.openxmlformats.org/officeDocument/2006/relationships" xmlns:p="http://schemas.openxmlformats.org/presentationml/2006/main" matchingName="Main point">
   <p:cSld name="MAIN_POINT">
     <p:spTree>
       <p:nvGrpSpPr>
-        <p:cNvPr id="32" name="Shape 32"/>
+        <p:cNvPr id="1" name="Shape 32"/>
         <p:cNvGrpSpPr/>
         <p:nvPr/>
       </p:nvGrpSpPr>
@@ -5944,7 +5781,9 @@
       <p:sp>
         <p:nvSpPr>
           <p:cNvPr id="33" name="Google Shape;33;p8"/>
-          <p:cNvSpPr txBox="1"/>
+          <p:cNvSpPr txBox="1">
+            <a:spLocks noGrp="1"/>
+          </p:cNvSpPr>
           <p:nvPr>
             <p:ph type="title"/>
           </p:nvPr>
@@ -5959,7 +5798,7 @@
           </a:prstGeom>
         </p:spPr>
         <p:txBody>
-          <a:bodyPr anchorCtr="0" anchor="ctr" bIns="91425" lIns="91425" spcFirstLastPara="1" rIns="91425" wrap="square" tIns="91425">
+          <a:bodyPr spcFirstLastPara="1" wrap="square" lIns="91425" tIns="91425" rIns="91425" bIns="91425" anchor="ctr" anchorCtr="0">
             <a:normAutofit/>
           </a:bodyPr>
           <a:lstStyle>
@@ -6063,15 +5902,19 @@
               <a:defRPr sz="4800"/>
             </a:lvl9pPr>
           </a:lstStyle>
-          <a:p/>
+          <a:p>
+            <a:endParaRPr/>
+          </a:p>
         </p:txBody>
       </p:sp>
       <p:sp>
         <p:nvSpPr>
           <p:cNvPr id="34" name="Google Shape;34;p8"/>
-          <p:cNvSpPr txBox="1"/>
+          <p:cNvSpPr txBox="1">
+            <a:spLocks noGrp="1"/>
+          </p:cNvSpPr>
           <p:nvPr>
-            <p:ph idx="12" type="sldNum"/>
+            <p:ph type="sldNum" idx="12"/>
           </p:nvPr>
         </p:nvSpPr>
         <p:spPr>
@@ -6084,7 +5927,7 @@
           </a:prstGeom>
         </p:spPr>
         <p:txBody>
-          <a:bodyPr anchorCtr="0" anchor="ctr" bIns="91425" lIns="91425" spcFirstLastPara="1" rIns="91425" wrap="square" tIns="91425">
+          <a:bodyPr spcFirstLastPara="1" wrap="square" lIns="91425" tIns="91425" rIns="91425" bIns="91425" anchor="ctr" anchorCtr="0">
             <a:normAutofit/>
           </a:bodyPr>
           <a:lstStyle>
@@ -6126,7 +5969,7 @@
             </a:lvl9pPr>
           </a:lstStyle>
           <a:p>
-            <a:pPr indent="0" lvl="0" marL="0" rtl="0" algn="r">
+            <a:pPr marL="0" lvl="0" indent="0" algn="r" rtl="0">
               <a:spcBef>
                 <a:spcPts val="0"/>
               </a:spcBef>
@@ -6152,11 +5995,11 @@
 </file>
 
 <file path=ppt/slideLayouts/slideLayout8.xml><?xml version="1.0" encoding="utf-8"?>
-<p:sldLayout xmlns:a="http://schemas.openxmlformats.org/drawingml/2006/main" xmlns:r="http://schemas.openxmlformats.org/officeDocument/2006/relationships" xmlns:mc="http://schemas.openxmlformats.org/markup-compatibility/2006" xmlns:mv="urn:schemas-microsoft-com:mac:vml" xmlns:p="http://schemas.openxmlformats.org/presentationml/2006/main" xmlns:c="http://schemas.openxmlformats.org/drawingml/2006/chart" xmlns:dgm="http://schemas.openxmlformats.org/drawingml/2006/diagram" xmlns:o="urn:schemas-microsoft-com:office:office" xmlns:v="urn:schemas-microsoft-com:vml" xmlns:pvml="urn:schemas-microsoft-com:office:powerpoint" xmlns:com="http://schemas.openxmlformats.org/drawingml/2006/compatibility" xmlns:p14="http://schemas.microsoft.com/office/powerpoint/2010/main" xmlns:p15="http://schemas.microsoft.com/office/powerpoint/2012/main" xmlns:ahyp="http://schemas.microsoft.com/office/drawing/2018/hyperlinkcolor" matchingName="Section title and description">
+<p:sldLayout xmlns:a="http://schemas.openxmlformats.org/drawingml/2006/main" xmlns:r="http://schemas.openxmlformats.org/officeDocument/2006/relationships" xmlns:p="http://schemas.openxmlformats.org/presentationml/2006/main" matchingName="Section title and description">
   <p:cSld name="SECTION_TITLE_AND_DESCRIPTION">
     <p:spTree>
       <p:nvGrpSpPr>
-        <p:cNvPr id="35" name="Shape 35"/>
+        <p:cNvPr id="1" name="Shape 35"/>
         <p:cNvGrpSpPr/>
         <p:nvPr/>
       </p:nvGrpSpPr>
@@ -6190,23 +6033,20 @@
           </a:ln>
         </p:spPr>
         <p:txBody>
-          <a:bodyPr anchorCtr="0" anchor="ctr" bIns="91425" lIns="91425" spcFirstLastPara="1" rIns="91425" wrap="square" tIns="91425">
+          <a:bodyPr spcFirstLastPara="1" wrap="square" lIns="91425" tIns="91425" rIns="91425" bIns="91425" anchor="ctr" anchorCtr="0">
             <a:noAutofit/>
           </a:bodyPr>
           <a:lstStyle/>
           <a:p>
-            <a:pPr indent="0" lvl="0" marL="0" rtl="0" algn="l">
-              <a:spcBef>
-                <a:spcPts val="0"/>
-              </a:spcBef>
-              <a:spcAft>
-                <a:spcPts val="0"/>
-              </a:spcAft>
-              <a:buNone/>
-            </a:pPr>
-            <a:r>
-              <a:t/>
-            </a:r>
+            <a:pPr marL="0" lvl="0" indent="0" algn="l" rtl="0">
+              <a:spcBef>
+                <a:spcPts val="0"/>
+              </a:spcBef>
+              <a:spcAft>
+                <a:spcPts val="0"/>
+              </a:spcAft>
+              <a:buNone/>
+            </a:pPr>
             <a:endParaRPr/>
           </a:p>
         </p:txBody>
@@ -6214,7 +6054,9 @@
       <p:sp>
         <p:nvSpPr>
           <p:cNvPr id="37" name="Google Shape;37;p9"/>
-          <p:cNvSpPr txBox="1"/>
+          <p:cNvSpPr txBox="1">
+            <a:spLocks noGrp="1"/>
+          </p:cNvSpPr>
           <p:nvPr>
             <p:ph type="title"/>
           </p:nvPr>
@@ -6229,7 +6071,7 @@
           </a:prstGeom>
         </p:spPr>
         <p:txBody>
-          <a:bodyPr anchorCtr="0" anchor="b" bIns="91425" lIns="91425" spcFirstLastPara="1" rIns="91425" wrap="square" tIns="91425">
+          <a:bodyPr spcFirstLastPara="1" wrap="square" lIns="91425" tIns="91425" rIns="91425" bIns="91425" anchor="b" anchorCtr="0">
             <a:normAutofit/>
           </a:bodyPr>
           <a:lstStyle>
@@ -6333,15 +6175,19 @@
               <a:defRPr sz="4200"/>
             </a:lvl9pPr>
           </a:lstStyle>
-          <a:p/>
+          <a:p>
+            <a:endParaRPr/>
+          </a:p>
         </p:txBody>
       </p:sp>
       <p:sp>
         <p:nvSpPr>
           <p:cNvPr id="38" name="Google Shape;38;p9"/>
-          <p:cNvSpPr txBox="1"/>
+          <p:cNvSpPr txBox="1">
+            <a:spLocks noGrp="1"/>
+          </p:cNvSpPr>
           <p:nvPr>
-            <p:ph idx="1" type="subTitle"/>
+            <p:ph type="subTitle" idx="1"/>
           </p:nvPr>
         </p:nvSpPr>
         <p:spPr>
@@ -6354,7 +6200,7 @@
           </a:prstGeom>
         </p:spPr>
         <p:txBody>
-          <a:bodyPr anchorCtr="0" anchor="t" bIns="91425" lIns="91425" spcFirstLastPara="1" rIns="91425" wrap="square" tIns="91425">
+          <a:bodyPr spcFirstLastPara="1" wrap="square" lIns="91425" tIns="91425" rIns="91425" bIns="91425" anchor="t" anchorCtr="0">
             <a:normAutofit/>
           </a:bodyPr>
           <a:lstStyle>
@@ -6485,15 +6331,19 @@
               <a:defRPr sz="2100"/>
             </a:lvl9pPr>
           </a:lstStyle>
-          <a:p/>
+          <a:p>
+            <a:endParaRPr/>
+          </a:p>
         </p:txBody>
       </p:sp>
       <p:sp>
         <p:nvSpPr>
           <p:cNvPr id="39" name="Google Shape;39;p9"/>
-          <p:cNvSpPr txBox="1"/>
+          <p:cNvSpPr txBox="1">
+            <a:spLocks noGrp="1"/>
+          </p:cNvSpPr>
           <p:nvPr>
-            <p:ph idx="2" type="body"/>
+            <p:ph type="body" idx="2"/>
           </p:nvPr>
         </p:nvSpPr>
         <p:spPr>
@@ -6506,11 +6356,11 @@
           </a:prstGeom>
         </p:spPr>
         <p:txBody>
-          <a:bodyPr anchorCtr="0" anchor="ctr" bIns="91425" lIns="91425" spcFirstLastPara="1" rIns="91425" wrap="square" tIns="91425">
+          <a:bodyPr spcFirstLastPara="1" wrap="square" lIns="91425" tIns="91425" rIns="91425" bIns="91425" anchor="ctr" anchorCtr="0">
             <a:normAutofit/>
           </a:bodyPr>
           <a:lstStyle>
-            <a:lvl1pPr indent="-342900" lvl="0" marL="457200">
+            <a:lvl1pPr marL="457200" lvl="0" indent="-342900">
               <a:spcBef>
                 <a:spcPts val="0"/>
               </a:spcBef>
@@ -6521,7 +6371,7 @@
               <a:buChar char="●"/>
               <a:defRPr/>
             </a:lvl1pPr>
-            <a:lvl2pPr indent="-317500" lvl="1" marL="914400">
+            <a:lvl2pPr marL="914400" lvl="1" indent="-317500">
               <a:spcBef>
                 <a:spcPts val="0"/>
               </a:spcBef>
@@ -6532,7 +6382,7 @@
               <a:buChar char="○"/>
               <a:defRPr/>
             </a:lvl2pPr>
-            <a:lvl3pPr indent="-317500" lvl="2" marL="1371600">
+            <a:lvl3pPr marL="1371600" lvl="2" indent="-317500">
               <a:spcBef>
                 <a:spcPts val="0"/>
               </a:spcBef>
@@ -6543,7 +6393,7 @@
               <a:buChar char="■"/>
               <a:defRPr/>
             </a:lvl3pPr>
-            <a:lvl4pPr indent="-317500" lvl="3" marL="1828800">
+            <a:lvl4pPr marL="1828800" lvl="3" indent="-317500">
               <a:spcBef>
                 <a:spcPts val="0"/>
               </a:spcBef>
@@ -6554,7 +6404,7 @@
               <a:buChar char="●"/>
               <a:defRPr/>
             </a:lvl4pPr>
-            <a:lvl5pPr indent="-317500" lvl="4" marL="2286000">
+            <a:lvl5pPr marL="2286000" lvl="4" indent="-317500">
               <a:spcBef>
                 <a:spcPts val="0"/>
               </a:spcBef>
@@ -6565,7 +6415,7 @@
               <a:buChar char="○"/>
               <a:defRPr/>
             </a:lvl5pPr>
-            <a:lvl6pPr indent="-317500" lvl="5" marL="2743200">
+            <a:lvl6pPr marL="2743200" lvl="5" indent="-317500">
               <a:spcBef>
                 <a:spcPts val="0"/>
               </a:spcBef>
@@ -6576,7 +6426,7 @@
               <a:buChar char="■"/>
               <a:defRPr/>
             </a:lvl6pPr>
-            <a:lvl7pPr indent="-317500" lvl="6" marL="3200400">
+            <a:lvl7pPr marL="3200400" lvl="6" indent="-317500">
               <a:spcBef>
                 <a:spcPts val="0"/>
               </a:spcBef>
@@ -6587,7 +6437,7 @@
               <a:buChar char="●"/>
               <a:defRPr/>
             </a:lvl7pPr>
-            <a:lvl8pPr indent="-317500" lvl="7" marL="3657600">
+            <a:lvl8pPr marL="3657600" lvl="7" indent="-317500">
               <a:spcBef>
                 <a:spcPts val="0"/>
               </a:spcBef>
@@ -6598,7 +6448,7 @@
               <a:buChar char="○"/>
               <a:defRPr/>
             </a:lvl8pPr>
-            <a:lvl9pPr indent="-317500" lvl="8" marL="4114800">
+            <a:lvl9pPr marL="4114800" lvl="8" indent="-317500">
               <a:spcBef>
                 <a:spcPts val="0"/>
               </a:spcBef>
@@ -6610,15 +6460,19 @@
               <a:defRPr/>
             </a:lvl9pPr>
           </a:lstStyle>
-          <a:p/>
+          <a:p>
+            <a:endParaRPr/>
+          </a:p>
         </p:txBody>
       </p:sp>
       <p:sp>
         <p:nvSpPr>
           <p:cNvPr id="40" name="Google Shape;40;p9"/>
-          <p:cNvSpPr txBox="1"/>
+          <p:cNvSpPr txBox="1">
+            <a:spLocks noGrp="1"/>
+          </p:cNvSpPr>
           <p:nvPr>
-            <p:ph idx="12" type="sldNum"/>
+            <p:ph type="sldNum" idx="12"/>
           </p:nvPr>
         </p:nvSpPr>
         <p:spPr>
@@ -6631,7 +6485,7 @@
           </a:prstGeom>
         </p:spPr>
         <p:txBody>
-          <a:bodyPr anchorCtr="0" anchor="ctr" bIns="91425" lIns="91425" spcFirstLastPara="1" rIns="91425" wrap="square" tIns="91425">
+          <a:bodyPr spcFirstLastPara="1" wrap="square" lIns="91425" tIns="91425" rIns="91425" bIns="91425" anchor="ctr" anchorCtr="0">
             <a:normAutofit/>
           </a:bodyPr>
           <a:lstStyle>
@@ -6673,7 +6527,7 @@
             </a:lvl9pPr>
           </a:lstStyle>
           <a:p>
-            <a:pPr indent="0" lvl="0" marL="0" rtl="0" algn="r">
+            <a:pPr marL="0" lvl="0" indent="0" algn="r" rtl="0">
               <a:spcBef>
                 <a:spcPts val="0"/>
               </a:spcBef>
@@ -6699,11 +6553,11 @@
 </file>
 
 <file path=ppt/slideLayouts/slideLayout9.xml><?xml version="1.0" encoding="utf-8"?>
-<p:sldLayout xmlns:a="http://schemas.openxmlformats.org/drawingml/2006/main" xmlns:r="http://schemas.openxmlformats.org/officeDocument/2006/relationships" xmlns:mc="http://schemas.openxmlformats.org/markup-compatibility/2006" xmlns:mv="urn:schemas-microsoft-com:mac:vml" xmlns:p="http://schemas.openxmlformats.org/presentationml/2006/main" xmlns:c="http://schemas.openxmlformats.org/drawingml/2006/chart" xmlns:dgm="http://schemas.openxmlformats.org/drawingml/2006/diagram" xmlns:o="urn:schemas-microsoft-com:office:office" xmlns:v="urn:schemas-microsoft-com:vml" xmlns:pvml="urn:schemas-microsoft-com:office:powerpoint" xmlns:com="http://schemas.openxmlformats.org/drawingml/2006/compatibility" xmlns:p14="http://schemas.microsoft.com/office/powerpoint/2010/main" xmlns:p15="http://schemas.microsoft.com/office/powerpoint/2012/main" xmlns:ahyp="http://schemas.microsoft.com/office/drawing/2018/hyperlinkcolor" matchingName="Caption">
+<p:sldLayout xmlns:a="http://schemas.openxmlformats.org/drawingml/2006/main" xmlns:r="http://schemas.openxmlformats.org/officeDocument/2006/relationships" xmlns:p="http://schemas.openxmlformats.org/presentationml/2006/main" matchingName="Caption">
   <p:cSld name="CAPTION_ONLY">
     <p:spTree>
       <p:nvGrpSpPr>
-        <p:cNvPr id="41" name="Shape 41"/>
+        <p:cNvPr id="1" name="Shape 41"/>
         <p:cNvGrpSpPr/>
         <p:nvPr/>
       </p:nvGrpSpPr>
@@ -6718,9 +6572,11 @@
       <p:sp>
         <p:nvSpPr>
           <p:cNvPr id="42" name="Google Shape;42;p10"/>
-          <p:cNvSpPr txBox="1"/>
+          <p:cNvSpPr txBox="1">
+            <a:spLocks noGrp="1"/>
+          </p:cNvSpPr>
           <p:nvPr>
-            <p:ph idx="1" type="body"/>
+            <p:ph type="body" idx="1"/>
           </p:nvPr>
         </p:nvSpPr>
         <p:spPr>
@@ -6733,11 +6589,11 @@
           </a:prstGeom>
         </p:spPr>
         <p:txBody>
-          <a:bodyPr anchorCtr="0" anchor="ctr" bIns="91425" lIns="91425" spcFirstLastPara="1" rIns="91425" wrap="square" tIns="91425">
+          <a:bodyPr spcFirstLastPara="1" wrap="square" lIns="91425" tIns="91425" rIns="91425" bIns="91425" anchor="ctr" anchorCtr="0">
             <a:normAutofit/>
           </a:bodyPr>
           <a:lstStyle>
-            <a:lvl1pPr indent="-228600" lvl="0" marL="457200">
+            <a:lvl1pPr marL="457200" lvl="0" indent="-228600">
               <a:lnSpc>
                 <a:spcPct val="100000"/>
               </a:lnSpc>
@@ -6752,15 +6608,19 @@
               <a:defRPr/>
             </a:lvl1pPr>
           </a:lstStyle>
-          <a:p/>
+          <a:p>
+            <a:endParaRPr/>
+          </a:p>
         </p:txBody>
       </p:sp>
       <p:sp>
         <p:nvSpPr>
           <p:cNvPr id="43" name="Google Shape;43;p10"/>
-          <p:cNvSpPr txBox="1"/>
+          <p:cNvSpPr txBox="1">
+            <a:spLocks noGrp="1"/>
+          </p:cNvSpPr>
           <p:nvPr>
-            <p:ph idx="12" type="sldNum"/>
+            <p:ph type="sldNum" idx="12"/>
           </p:nvPr>
         </p:nvSpPr>
         <p:spPr>
@@ -6773,7 +6633,7 @@
           </a:prstGeom>
         </p:spPr>
         <p:txBody>
-          <a:bodyPr anchorCtr="0" anchor="ctr" bIns="91425" lIns="91425" spcFirstLastPara="1" rIns="91425" wrap="square" tIns="91425">
+          <a:bodyPr spcFirstLastPara="1" wrap="square" lIns="91425" tIns="91425" rIns="91425" bIns="91425" anchor="ctr" anchorCtr="0">
             <a:normAutofit/>
           </a:bodyPr>
           <a:lstStyle>
@@ -6815,7 +6675,7 @@
             </a:lvl9pPr>
           </a:lstStyle>
           <a:p>
-            <a:pPr indent="0" lvl="0" marL="0" rtl="0" algn="r">
+            <a:pPr marL="0" lvl="0" indent="0" algn="r" rtl="0">
               <a:spcBef>
                 <a:spcPts val="0"/>
               </a:spcBef>
@@ -6841,18 +6701,19 @@
 </file>
 
 <file path=ppt/slideMasters/slideMaster1.xml><?xml version="1.0" encoding="utf-8"?>
-<p:sldMaster xmlns:a="http://schemas.openxmlformats.org/drawingml/2006/main" xmlns:r="http://schemas.openxmlformats.org/officeDocument/2006/relationships" xmlns:mc="http://schemas.openxmlformats.org/markup-compatibility/2006" xmlns:mv="urn:schemas-microsoft-com:mac:vml" xmlns:p="http://schemas.openxmlformats.org/presentationml/2006/main" xmlns:c="http://schemas.openxmlformats.org/drawingml/2006/chart" xmlns:dgm="http://schemas.openxmlformats.org/drawingml/2006/diagram" xmlns:o="urn:schemas-microsoft-com:office:office" xmlns:v="urn:schemas-microsoft-com:vml" xmlns:pvml="urn:schemas-microsoft-com:office:powerpoint" xmlns:com="http://schemas.openxmlformats.org/drawingml/2006/compatibility" xmlns:p14="http://schemas.microsoft.com/office/powerpoint/2010/main" xmlns:p15="http://schemas.microsoft.com/office/powerpoint/2012/main" xmlns:ahyp="http://schemas.microsoft.com/office/drawing/2018/hyperlinkcolor">
+<p:sldMaster xmlns:a="http://schemas.openxmlformats.org/drawingml/2006/main" xmlns:r="http://schemas.openxmlformats.org/officeDocument/2006/relationships" xmlns:p="http://schemas.openxmlformats.org/presentationml/2006/main">
   <p:cSld name="simple-light-2">
     <p:bg>
       <p:bgPr>
         <a:solidFill>
           <a:schemeClr val="lt1"/>
         </a:solidFill>
+        <a:effectLst/>
       </p:bgPr>
     </p:bg>
     <p:spTree>
       <p:nvGrpSpPr>
-        <p:cNvPr id="5" name="Shape 5"/>
+        <p:cNvPr id="1" name="Shape 5"/>
         <p:cNvGrpSpPr/>
         <p:nvPr/>
       </p:nvGrpSpPr>
@@ -6867,7 +6728,9 @@
       <p:sp>
         <p:nvSpPr>
           <p:cNvPr id="6" name="Google Shape;6;p1"/>
-          <p:cNvSpPr txBox="1"/>
+          <p:cNvSpPr txBox="1">
+            <a:spLocks noGrp="1"/>
+          </p:cNvSpPr>
           <p:nvPr>
             <p:ph type="title"/>
           </p:nvPr>
@@ -6886,7 +6749,7 @@
           </a:ln>
         </p:spPr>
         <p:txBody>
-          <a:bodyPr anchorCtr="0" anchor="t" bIns="91425" lIns="91425" spcFirstLastPara="1" rIns="91425" wrap="square" tIns="91425">
+          <a:bodyPr spcFirstLastPara="1" wrap="square" lIns="91425" tIns="91425" rIns="91425" bIns="91425" anchor="t" anchorCtr="0">
             <a:normAutofit/>
           </a:bodyPr>
           <a:lstStyle>
@@ -7053,15 +6916,19 @@
               </a:defRPr>
             </a:lvl9pPr>
           </a:lstStyle>
-          <a:p/>
+          <a:p>
+            <a:endParaRPr/>
+          </a:p>
         </p:txBody>
       </p:sp>
       <p:sp>
         <p:nvSpPr>
           <p:cNvPr id="7" name="Google Shape;7;p1"/>
-          <p:cNvSpPr txBox="1"/>
+          <p:cNvSpPr txBox="1">
+            <a:spLocks noGrp="1"/>
+          </p:cNvSpPr>
           <p:nvPr>
-            <p:ph idx="1" type="body"/>
+            <p:ph type="body" idx="1"/>
           </p:nvPr>
         </p:nvSpPr>
         <p:spPr>
@@ -7078,11 +6945,11 @@
           </a:ln>
         </p:spPr>
         <p:txBody>
-          <a:bodyPr anchorCtr="0" anchor="t" bIns="91425" lIns="91425" spcFirstLastPara="1" rIns="91425" wrap="square" tIns="91425">
+          <a:bodyPr spcFirstLastPara="1" wrap="square" lIns="91425" tIns="91425" rIns="91425" bIns="91425" anchor="t" anchorCtr="0">
             <a:normAutofit/>
           </a:bodyPr>
           <a:lstStyle>
-            <a:lvl1pPr indent="-342900" lvl="0" marL="457200">
+            <a:lvl1pPr marL="457200" lvl="0" indent="-342900">
               <a:lnSpc>
                 <a:spcPct val="115000"/>
               </a:lnSpc>
@@ -7103,7 +6970,7 @@
                 </a:solidFill>
               </a:defRPr>
             </a:lvl1pPr>
-            <a:lvl2pPr indent="-317500" lvl="1" marL="914400">
+            <a:lvl2pPr marL="914400" lvl="1" indent="-317500">
               <a:lnSpc>
                 <a:spcPct val="115000"/>
               </a:lnSpc>
@@ -7124,7 +6991,7 @@
                 </a:solidFill>
               </a:defRPr>
             </a:lvl2pPr>
-            <a:lvl3pPr indent="-317500" lvl="2" marL="1371600">
+            <a:lvl3pPr marL="1371600" lvl="2" indent="-317500">
               <a:lnSpc>
                 <a:spcPct val="115000"/>
               </a:lnSpc>
@@ -7145,7 +7012,7 @@
                 </a:solidFill>
               </a:defRPr>
             </a:lvl3pPr>
-            <a:lvl4pPr indent="-317500" lvl="3" marL="1828800">
+            <a:lvl4pPr marL="1828800" lvl="3" indent="-317500">
               <a:lnSpc>
                 <a:spcPct val="115000"/>
               </a:lnSpc>
@@ -7166,7 +7033,7 @@
                 </a:solidFill>
               </a:defRPr>
             </a:lvl4pPr>
-            <a:lvl5pPr indent="-317500" lvl="4" marL="2286000">
+            <a:lvl5pPr marL="2286000" lvl="4" indent="-317500">
               <a:lnSpc>
                 <a:spcPct val="115000"/>
               </a:lnSpc>
@@ -7187,7 +7054,7 @@
                 </a:solidFill>
               </a:defRPr>
             </a:lvl5pPr>
-            <a:lvl6pPr indent="-317500" lvl="5" marL="2743200">
+            <a:lvl6pPr marL="2743200" lvl="5" indent="-317500">
               <a:lnSpc>
                 <a:spcPct val="115000"/>
               </a:lnSpc>
@@ -7208,7 +7075,7 @@
                 </a:solidFill>
               </a:defRPr>
             </a:lvl6pPr>
-            <a:lvl7pPr indent="-317500" lvl="6" marL="3200400">
+            <a:lvl7pPr marL="3200400" lvl="6" indent="-317500">
               <a:lnSpc>
                 <a:spcPct val="115000"/>
               </a:lnSpc>
@@ -7229,7 +7096,7 @@
                 </a:solidFill>
               </a:defRPr>
             </a:lvl7pPr>
-            <a:lvl8pPr indent="-317500" lvl="7" marL="3657600">
+            <a:lvl8pPr marL="3657600" lvl="7" indent="-317500">
               <a:lnSpc>
                 <a:spcPct val="115000"/>
               </a:lnSpc>
@@ -7250,7 +7117,7 @@
                 </a:solidFill>
               </a:defRPr>
             </a:lvl8pPr>
-            <a:lvl9pPr indent="-317500" lvl="8" marL="4114800">
+            <a:lvl9pPr marL="4114800" lvl="8" indent="-317500">
               <a:lnSpc>
                 <a:spcPct val="115000"/>
               </a:lnSpc>
@@ -7272,15 +7139,19 @@
               </a:defRPr>
             </a:lvl9pPr>
           </a:lstStyle>
-          <a:p/>
+          <a:p>
+            <a:endParaRPr/>
+          </a:p>
         </p:txBody>
       </p:sp>
       <p:sp>
         <p:nvSpPr>
           <p:cNvPr id="8" name="Google Shape;8;p1"/>
-          <p:cNvSpPr txBox="1"/>
+          <p:cNvSpPr txBox="1">
+            <a:spLocks noGrp="1"/>
+          </p:cNvSpPr>
           <p:nvPr>
-            <p:ph idx="12" type="sldNum"/>
+            <p:ph type="sldNum" idx="12"/>
           </p:nvPr>
         </p:nvSpPr>
         <p:spPr>
@@ -7297,7 +7168,7 @@
           </a:ln>
         </p:spPr>
         <p:txBody>
-          <a:bodyPr anchorCtr="0" anchor="ctr" bIns="91425" lIns="91425" spcFirstLastPara="1" rIns="91425" wrap="square" tIns="91425">
+          <a:bodyPr spcFirstLastPara="1" wrap="square" lIns="91425" tIns="91425" rIns="91425" bIns="91425" anchor="ctr" anchorCtr="0">
             <a:normAutofit/>
           </a:bodyPr>
           <a:lstStyle>
@@ -7375,7 +7246,7 @@
             </a:lvl9pPr>
           </a:lstStyle>
           <a:p>
-            <a:pPr indent="0" lvl="0" marL="0" rtl="0" algn="r">
+            <a:pPr marL="0" lvl="0" indent="0" algn="r" rtl="0">
               <a:spcBef>
                 <a:spcPts val="0"/>
               </a:spcBef>
@@ -7394,7 +7265,7 @@
       </p:sp>
     </p:spTree>
   </p:cSld>
-  <p:clrMap accent1="accent1" accent2="accent2" accent3="accent3" accent4="accent4" accent5="accent5" accent6="accent6" bg1="lt1" bg2="dk2" tx1="dk1" tx2="lt2" folHlink="folHlink" hlink="hlink"/>
+  <p:clrMap bg1="lt1" tx1="dk1" bg2="dk2" tx2="lt2" accent1="accent1" accent2="accent2" accent3="accent3" accent4="accent4" accent5="accent5" accent6="accent6" hlink="hlink" folHlink="folHlink"/>
   <p:sldLayoutIdLst>
     <p:sldLayoutId id="2147483648" r:id="rId1"/>
     <p:sldLayoutId id="2147483649" r:id="rId2"/>
@@ -7408,10 +7279,10 @@
     <p:sldLayoutId id="2147483657" r:id="rId10"/>
     <p:sldLayoutId id="2147483658" r:id="rId11"/>
   </p:sldLayoutIdLst>
-  <p:hf dt="0" ftr="0" hdr="0" sldNum="0"/>
+  <p:hf sldNum="0" hdr="0" ftr="0" dt="0"/>
   <p:txStyles>
     <p:titleStyle>
-      <a:defPPr lvl="0" marR="0" rtl="0" algn="l">
+      <a:defPPr marR="0" lvl="0" algn="l" rtl="0">
         <a:lnSpc>
           <a:spcPct val="100000"/>
         </a:lnSpc>
@@ -7422,7 +7293,7 @@
           <a:spcPts val="0"/>
         </a:spcAft>
       </a:defPPr>
-      <a:lvl1pPr lvl="0" marR="0" rtl="0" algn="l">
+      <a:lvl1pPr marR="0" lvl="0" algn="l" rtl="0">
         <a:lnSpc>
           <a:spcPct val="100000"/>
         </a:lnSpc>
@@ -7436,7 +7307,7 @@
           <a:srgbClr val="000000"/>
         </a:buClr>
         <a:buFont typeface="Arial"/>
-        <a:defRPr b="0" i="0" sz="1400" u="none" cap="none" strike="noStrike">
+        <a:defRPr sz="1400" b="0" i="0" u="none" strike="noStrike" cap="none">
           <a:solidFill>
             <a:srgbClr val="000000"/>
           </a:solidFill>
@@ -7446,7 +7317,7 @@
           <a:sym typeface="Arial"/>
         </a:defRPr>
       </a:lvl1pPr>
-      <a:lvl2pPr lvl="1" marR="0" rtl="0" algn="l">
+      <a:lvl2pPr marR="0" lvl="1" algn="l" rtl="0">
         <a:lnSpc>
           <a:spcPct val="100000"/>
         </a:lnSpc>
@@ -7460,7 +7331,7 @@
           <a:srgbClr val="000000"/>
         </a:buClr>
         <a:buFont typeface="Arial"/>
-        <a:defRPr b="0" i="0" sz="1400" u="none" cap="none" strike="noStrike">
+        <a:defRPr sz="1400" b="0" i="0" u="none" strike="noStrike" cap="none">
           <a:solidFill>
             <a:srgbClr val="000000"/>
           </a:solidFill>
@@ -7470,7 +7341,7 @@
           <a:sym typeface="Arial"/>
         </a:defRPr>
       </a:lvl2pPr>
-      <a:lvl3pPr lvl="2" marR="0" rtl="0" algn="l">
+      <a:lvl3pPr marR="0" lvl="2" algn="l" rtl="0">
         <a:lnSpc>
           <a:spcPct val="100000"/>
         </a:lnSpc>
@@ -7484,7 +7355,7 @@
           <a:srgbClr val="000000"/>
         </a:buClr>
         <a:buFont typeface="Arial"/>
-        <a:defRPr b="0" i="0" sz="1400" u="none" cap="none" strike="noStrike">
+        <a:defRPr sz="1400" b="0" i="0" u="none" strike="noStrike" cap="none">
           <a:solidFill>
             <a:srgbClr val="000000"/>
           </a:solidFill>
@@ -7494,7 +7365,7 @@
           <a:sym typeface="Arial"/>
         </a:defRPr>
       </a:lvl3pPr>
-      <a:lvl4pPr lvl="3" marR="0" rtl="0" algn="l">
+      <a:lvl4pPr marR="0" lvl="3" algn="l" rtl="0">
         <a:lnSpc>
           <a:spcPct val="100000"/>
         </a:lnSpc>
@@ -7508,7 +7379,7 @@
           <a:srgbClr val="000000"/>
         </a:buClr>
         <a:buFont typeface="Arial"/>
-        <a:defRPr b="0" i="0" sz="1400" u="none" cap="none" strike="noStrike">
+        <a:defRPr sz="1400" b="0" i="0" u="none" strike="noStrike" cap="none">
           <a:solidFill>
             <a:srgbClr val="000000"/>
           </a:solidFill>
@@ -7518,7 +7389,7 @@
           <a:sym typeface="Arial"/>
         </a:defRPr>
       </a:lvl4pPr>
-      <a:lvl5pPr lvl="4" marR="0" rtl="0" algn="l">
+      <a:lvl5pPr marR="0" lvl="4" algn="l" rtl="0">
         <a:lnSpc>
           <a:spcPct val="100000"/>
         </a:lnSpc>
@@ -7532,7 +7403,7 @@
           <a:srgbClr val="000000"/>
         </a:buClr>
         <a:buFont typeface="Arial"/>
-        <a:defRPr b="0" i="0" sz="1400" u="none" cap="none" strike="noStrike">
+        <a:defRPr sz="1400" b="0" i="0" u="none" strike="noStrike" cap="none">
           <a:solidFill>
             <a:srgbClr val="000000"/>
           </a:solidFill>
@@ -7542,7 +7413,7 @@
           <a:sym typeface="Arial"/>
         </a:defRPr>
       </a:lvl5pPr>
-      <a:lvl6pPr lvl="5" marR="0" rtl="0" algn="l">
+      <a:lvl6pPr marR="0" lvl="5" algn="l" rtl="0">
         <a:lnSpc>
           <a:spcPct val="100000"/>
         </a:lnSpc>
@@ -7556,7 +7427,7 @@
           <a:srgbClr val="000000"/>
         </a:buClr>
         <a:buFont typeface="Arial"/>
-        <a:defRPr b="0" i="0" sz="1400" u="none" cap="none" strike="noStrike">
+        <a:defRPr sz="1400" b="0" i="0" u="none" strike="noStrike" cap="none">
           <a:solidFill>
             <a:srgbClr val="000000"/>
           </a:solidFill>
@@ -7566,7 +7437,7 @@
           <a:sym typeface="Arial"/>
         </a:defRPr>
       </a:lvl6pPr>
-      <a:lvl7pPr lvl="6" marR="0" rtl="0" algn="l">
+      <a:lvl7pPr marR="0" lvl="6" algn="l" rtl="0">
         <a:lnSpc>
           <a:spcPct val="100000"/>
         </a:lnSpc>
@@ -7580,7 +7451,7 @@
           <a:srgbClr val="000000"/>
         </a:buClr>
         <a:buFont typeface="Arial"/>
-        <a:defRPr b="0" i="0" sz="1400" u="none" cap="none" strike="noStrike">
+        <a:defRPr sz="1400" b="0" i="0" u="none" strike="noStrike" cap="none">
           <a:solidFill>
             <a:srgbClr val="000000"/>
           </a:solidFill>
@@ -7590,7 +7461,7 @@
           <a:sym typeface="Arial"/>
         </a:defRPr>
       </a:lvl7pPr>
-      <a:lvl8pPr lvl="7" marR="0" rtl="0" algn="l">
+      <a:lvl8pPr marR="0" lvl="7" algn="l" rtl="0">
         <a:lnSpc>
           <a:spcPct val="100000"/>
         </a:lnSpc>
@@ -7604,7 +7475,7 @@
           <a:srgbClr val="000000"/>
         </a:buClr>
         <a:buFont typeface="Arial"/>
-        <a:defRPr b="0" i="0" sz="1400" u="none" cap="none" strike="noStrike">
+        <a:defRPr sz="1400" b="0" i="0" u="none" strike="noStrike" cap="none">
           <a:solidFill>
             <a:srgbClr val="000000"/>
           </a:solidFill>
@@ -7614,7 +7485,7 @@
           <a:sym typeface="Arial"/>
         </a:defRPr>
       </a:lvl8pPr>
-      <a:lvl9pPr lvl="8" marR="0" rtl="0" algn="l">
+      <a:lvl9pPr marR="0" lvl="8" algn="l" rtl="0">
         <a:lnSpc>
           <a:spcPct val="100000"/>
         </a:lnSpc>
@@ -7628,7 +7499,7 @@
           <a:srgbClr val="000000"/>
         </a:buClr>
         <a:buFont typeface="Arial"/>
-        <a:defRPr b="0" i="0" sz="1400" u="none" cap="none" strike="noStrike">
+        <a:defRPr sz="1400" b="0" i="0" u="none" strike="noStrike" cap="none">
           <a:solidFill>
             <a:srgbClr val="000000"/>
           </a:solidFill>
@@ -7640,7 +7511,7 @@
       </a:lvl9pPr>
     </p:titleStyle>
     <p:bodyStyle>
-      <a:defPPr lvl="0" marR="0" rtl="0" algn="l">
+      <a:defPPr marR="0" lvl="0" algn="l" rtl="0">
         <a:lnSpc>
           <a:spcPct val="100000"/>
         </a:lnSpc>
@@ -7651,7 +7522,7 @@
           <a:spcPts val="0"/>
         </a:spcAft>
       </a:defPPr>
-      <a:lvl1pPr lvl="0" marR="0" rtl="0" algn="l">
+      <a:lvl1pPr marR="0" lvl="0" algn="l" rtl="0">
         <a:lnSpc>
           <a:spcPct val="100000"/>
         </a:lnSpc>
@@ -7665,7 +7536,7 @@
           <a:srgbClr val="000000"/>
         </a:buClr>
         <a:buFont typeface="Arial"/>
-        <a:defRPr b="0" i="0" sz="1400" u="none" cap="none" strike="noStrike">
+        <a:defRPr sz="1400" b="0" i="0" u="none" strike="noStrike" cap="none">
           <a:solidFill>
             <a:srgbClr val="000000"/>
           </a:solidFill>
@@ -7675,7 +7546,7 @@
           <a:sym typeface="Arial"/>
         </a:defRPr>
       </a:lvl1pPr>
-      <a:lvl2pPr lvl="1" marR="0" rtl="0" algn="l">
+      <a:lvl2pPr marR="0" lvl="1" algn="l" rtl="0">
         <a:lnSpc>
           <a:spcPct val="100000"/>
         </a:lnSpc>
@@ -7689,7 +7560,7 @@
           <a:srgbClr val="000000"/>
         </a:buClr>
         <a:buFont typeface="Arial"/>
-        <a:defRPr b="0" i="0" sz="1400" u="none" cap="none" strike="noStrike">
+        <a:defRPr sz="1400" b="0" i="0" u="none" strike="noStrike" cap="none">
           <a:solidFill>
             <a:srgbClr val="000000"/>
           </a:solidFill>
@@ -7699,7 +7570,7 @@
           <a:sym typeface="Arial"/>
         </a:defRPr>
       </a:lvl2pPr>
-      <a:lvl3pPr lvl="2" marR="0" rtl="0" algn="l">
+      <a:lvl3pPr marR="0" lvl="2" algn="l" rtl="0">
         <a:lnSpc>
           <a:spcPct val="100000"/>
         </a:lnSpc>
@@ -7713,7 +7584,7 @@
           <a:srgbClr val="000000"/>
         </a:buClr>
         <a:buFont typeface="Arial"/>
-        <a:defRPr b="0" i="0" sz="1400" u="none" cap="none" strike="noStrike">
+        <a:defRPr sz="1400" b="0" i="0" u="none" strike="noStrike" cap="none">
           <a:solidFill>
             <a:srgbClr val="000000"/>
           </a:solidFill>
@@ -7723,7 +7594,7 @@
           <a:sym typeface="Arial"/>
         </a:defRPr>
       </a:lvl3pPr>
-      <a:lvl4pPr lvl="3" marR="0" rtl="0" algn="l">
+      <a:lvl4pPr marR="0" lvl="3" algn="l" rtl="0">
         <a:lnSpc>
           <a:spcPct val="100000"/>
         </a:lnSpc>
@@ -7737,7 +7608,7 @@
           <a:srgbClr val="000000"/>
         </a:buClr>
         <a:buFont typeface="Arial"/>
-        <a:defRPr b="0" i="0" sz="1400" u="none" cap="none" strike="noStrike">
+        <a:defRPr sz="1400" b="0" i="0" u="none" strike="noStrike" cap="none">
           <a:solidFill>
             <a:srgbClr val="000000"/>
           </a:solidFill>
@@ -7747,7 +7618,7 @@
           <a:sym typeface="Arial"/>
         </a:defRPr>
       </a:lvl4pPr>
-      <a:lvl5pPr lvl="4" marR="0" rtl="0" algn="l">
+      <a:lvl5pPr marR="0" lvl="4" algn="l" rtl="0">
         <a:lnSpc>
           <a:spcPct val="100000"/>
         </a:lnSpc>
@@ -7761,7 +7632,7 @@
           <a:srgbClr val="000000"/>
         </a:buClr>
         <a:buFont typeface="Arial"/>
-        <a:defRPr b="0" i="0" sz="1400" u="none" cap="none" strike="noStrike">
+        <a:defRPr sz="1400" b="0" i="0" u="none" strike="noStrike" cap="none">
           <a:solidFill>
             <a:srgbClr val="000000"/>
           </a:solidFill>
@@ -7771,7 +7642,7 @@
           <a:sym typeface="Arial"/>
         </a:defRPr>
       </a:lvl5pPr>
-      <a:lvl6pPr lvl="5" marR="0" rtl="0" algn="l">
+      <a:lvl6pPr marR="0" lvl="5" algn="l" rtl="0">
         <a:lnSpc>
           <a:spcPct val="100000"/>
         </a:lnSpc>
@@ -7785,7 +7656,7 @@
           <a:srgbClr val="000000"/>
         </a:buClr>
         <a:buFont typeface="Arial"/>
-        <a:defRPr b="0" i="0" sz="1400" u="none" cap="none" strike="noStrike">
+        <a:defRPr sz="1400" b="0" i="0" u="none" strike="noStrike" cap="none">
           <a:solidFill>
             <a:srgbClr val="000000"/>
           </a:solidFill>
@@ -7795,7 +7666,7 @@
           <a:sym typeface="Arial"/>
         </a:defRPr>
       </a:lvl6pPr>
-      <a:lvl7pPr lvl="6" marR="0" rtl="0" algn="l">
+      <a:lvl7pPr marR="0" lvl="6" algn="l" rtl="0">
         <a:lnSpc>
           <a:spcPct val="100000"/>
         </a:lnSpc>
@@ -7809,7 +7680,7 @@
           <a:srgbClr val="000000"/>
         </a:buClr>
         <a:buFont typeface="Arial"/>
-        <a:defRPr b="0" i="0" sz="1400" u="none" cap="none" strike="noStrike">
+        <a:defRPr sz="1400" b="0" i="0" u="none" strike="noStrike" cap="none">
           <a:solidFill>
             <a:srgbClr val="000000"/>
           </a:solidFill>
@@ -7819,7 +7690,7 @@
           <a:sym typeface="Arial"/>
         </a:defRPr>
       </a:lvl7pPr>
-      <a:lvl8pPr lvl="7" marR="0" rtl="0" algn="l">
+      <a:lvl8pPr marR="0" lvl="7" algn="l" rtl="0">
         <a:lnSpc>
           <a:spcPct val="100000"/>
         </a:lnSpc>
@@ -7833,7 +7704,7 @@
           <a:srgbClr val="000000"/>
         </a:buClr>
         <a:buFont typeface="Arial"/>
-        <a:defRPr b="0" i="0" sz="1400" u="none" cap="none" strike="noStrike">
+        <a:defRPr sz="1400" b="0" i="0" u="none" strike="noStrike" cap="none">
           <a:solidFill>
             <a:srgbClr val="000000"/>
           </a:solidFill>
@@ -7843,7 +7714,7 @@
           <a:sym typeface="Arial"/>
         </a:defRPr>
       </a:lvl8pPr>
-      <a:lvl9pPr lvl="8" marR="0" rtl="0" algn="l">
+      <a:lvl9pPr marR="0" lvl="8" algn="l" rtl="0">
         <a:lnSpc>
           <a:spcPct val="100000"/>
         </a:lnSpc>
@@ -7857,7 +7728,7 @@
           <a:srgbClr val="000000"/>
         </a:buClr>
         <a:buFont typeface="Arial"/>
-        <a:defRPr b="0" i="0" sz="1400" u="none" cap="none" strike="noStrike">
+        <a:defRPr sz="1400" b="0" i="0" u="none" strike="noStrike" cap="none">
           <a:solidFill>
             <a:srgbClr val="000000"/>
           </a:solidFill>
@@ -7869,7 +7740,7 @@
       </a:lvl9pPr>
     </p:bodyStyle>
     <p:otherStyle>
-      <a:defPPr lvl="0" marR="0" rtl="0" algn="l">
+      <a:defPPr marR="0" lvl="0" algn="l" rtl="0">
         <a:lnSpc>
           <a:spcPct val="100000"/>
         </a:lnSpc>
@@ -7880,7 +7751,7 @@
           <a:spcPts val="0"/>
         </a:spcAft>
       </a:defPPr>
-      <a:lvl1pPr lvl="0" marR="0" rtl="0" algn="l">
+      <a:lvl1pPr marR="0" lvl="0" algn="l" rtl="0">
         <a:lnSpc>
           <a:spcPct val="100000"/>
         </a:lnSpc>
@@ -7894,7 +7765,7 @@
           <a:srgbClr val="000000"/>
         </a:buClr>
         <a:buFont typeface="Arial"/>
-        <a:defRPr b="0" i="0" sz="1400" u="none" cap="none" strike="noStrike">
+        <a:defRPr sz="1400" b="0" i="0" u="none" strike="noStrike" cap="none">
           <a:solidFill>
             <a:srgbClr val="000000"/>
           </a:solidFill>
@@ -7904,7 +7775,7 @@
           <a:sym typeface="Arial"/>
         </a:defRPr>
       </a:lvl1pPr>
-      <a:lvl2pPr lvl="1" marR="0" rtl="0" algn="l">
+      <a:lvl2pPr marR="0" lvl="1" algn="l" rtl="0">
         <a:lnSpc>
           <a:spcPct val="100000"/>
         </a:lnSpc>
@@ -7918,7 +7789,7 @@
           <a:srgbClr val="000000"/>
         </a:buClr>
         <a:buFont typeface="Arial"/>
-        <a:defRPr b="0" i="0" sz="1400" u="none" cap="none" strike="noStrike">
+        <a:defRPr sz="1400" b="0" i="0" u="none" strike="noStrike" cap="none">
           <a:solidFill>
             <a:srgbClr val="000000"/>
           </a:solidFill>
@@ -7928,7 +7799,7 @@
           <a:sym typeface="Arial"/>
         </a:defRPr>
       </a:lvl2pPr>
-      <a:lvl3pPr lvl="2" marR="0" rtl="0" algn="l">
+      <a:lvl3pPr marR="0" lvl="2" algn="l" rtl="0">
         <a:lnSpc>
           <a:spcPct val="100000"/>
         </a:lnSpc>
@@ -7942,7 +7813,7 @@
           <a:srgbClr val="000000"/>
         </a:buClr>
         <a:buFont typeface="Arial"/>
-        <a:defRPr b="0" i="0" sz="1400" u="none" cap="none" strike="noStrike">
+        <a:defRPr sz="1400" b="0" i="0" u="none" strike="noStrike" cap="none">
           <a:solidFill>
             <a:srgbClr val="000000"/>
           </a:solidFill>
@@ -7952,7 +7823,7 @@
           <a:sym typeface="Arial"/>
         </a:defRPr>
       </a:lvl3pPr>
-      <a:lvl4pPr lvl="3" marR="0" rtl="0" algn="l">
+      <a:lvl4pPr marR="0" lvl="3" algn="l" rtl="0">
         <a:lnSpc>
           <a:spcPct val="100000"/>
         </a:lnSpc>
@@ -7966,7 +7837,7 @@
           <a:srgbClr val="000000"/>
         </a:buClr>
         <a:buFont typeface="Arial"/>
-        <a:defRPr b="0" i="0" sz="1400" u="none" cap="none" strike="noStrike">
+        <a:defRPr sz="1400" b="0" i="0" u="none" strike="noStrike" cap="none">
           <a:solidFill>
             <a:srgbClr val="000000"/>
           </a:solidFill>
@@ -7976,7 +7847,7 @@
           <a:sym typeface="Arial"/>
         </a:defRPr>
       </a:lvl4pPr>
-      <a:lvl5pPr lvl="4" marR="0" rtl="0" algn="l">
+      <a:lvl5pPr marR="0" lvl="4" algn="l" rtl="0">
         <a:lnSpc>
           <a:spcPct val="100000"/>
         </a:lnSpc>
@@ -7990,7 +7861,7 @@
           <a:srgbClr val="000000"/>
         </a:buClr>
         <a:buFont typeface="Arial"/>
-        <a:defRPr b="0" i="0" sz="1400" u="none" cap="none" strike="noStrike">
+        <a:defRPr sz="1400" b="0" i="0" u="none" strike="noStrike" cap="none">
           <a:solidFill>
             <a:srgbClr val="000000"/>
           </a:solidFill>
@@ -8000,7 +7871,7 @@
           <a:sym typeface="Arial"/>
         </a:defRPr>
       </a:lvl5pPr>
-      <a:lvl6pPr lvl="5" marR="0" rtl="0" algn="l">
+      <a:lvl6pPr marR="0" lvl="5" algn="l" rtl="0">
         <a:lnSpc>
           <a:spcPct val="100000"/>
         </a:lnSpc>
@@ -8014,7 +7885,7 @@
           <a:srgbClr val="000000"/>
         </a:buClr>
         <a:buFont typeface="Arial"/>
-        <a:defRPr b="0" i="0" sz="1400" u="none" cap="none" strike="noStrike">
+        <a:defRPr sz="1400" b="0" i="0" u="none" strike="noStrike" cap="none">
           <a:solidFill>
             <a:srgbClr val="000000"/>
           </a:solidFill>
@@ -8024,7 +7895,7 @@
           <a:sym typeface="Arial"/>
         </a:defRPr>
       </a:lvl6pPr>
-      <a:lvl7pPr lvl="6" marR="0" rtl="0" algn="l">
+      <a:lvl7pPr marR="0" lvl="6" algn="l" rtl="0">
         <a:lnSpc>
           <a:spcPct val="100000"/>
         </a:lnSpc>
@@ -8038,7 +7909,7 @@
           <a:srgbClr val="000000"/>
         </a:buClr>
         <a:buFont typeface="Arial"/>
-        <a:defRPr b="0" i="0" sz="1400" u="none" cap="none" strike="noStrike">
+        <a:defRPr sz="1400" b="0" i="0" u="none" strike="noStrike" cap="none">
           <a:solidFill>
             <a:srgbClr val="000000"/>
           </a:solidFill>
@@ -8048,7 +7919,7 @@
           <a:sym typeface="Arial"/>
         </a:defRPr>
       </a:lvl7pPr>
-      <a:lvl8pPr lvl="7" marR="0" rtl="0" algn="l">
+      <a:lvl8pPr marR="0" lvl="7" algn="l" rtl="0">
         <a:lnSpc>
           <a:spcPct val="100000"/>
         </a:lnSpc>
@@ -8062,7 +7933,7 @@
           <a:srgbClr val="000000"/>
         </a:buClr>
         <a:buFont typeface="Arial"/>
-        <a:defRPr b="0" i="0" sz="1400" u="none" cap="none" strike="noStrike">
+        <a:defRPr sz="1400" b="0" i="0" u="none" strike="noStrike" cap="none">
           <a:solidFill>
             <a:srgbClr val="000000"/>
           </a:solidFill>
@@ -8072,7 +7943,7 @@
           <a:sym typeface="Arial"/>
         </a:defRPr>
       </a:lvl8pPr>
-      <a:lvl9pPr lvl="8" marR="0" rtl="0" algn="l">
+      <a:lvl9pPr marR="0" lvl="8" algn="l" rtl="0">
         <a:lnSpc>
           <a:spcPct val="100000"/>
         </a:lnSpc>
@@ -8086,7 +7957,7 @@
           <a:srgbClr val="000000"/>
         </a:buClr>
         <a:buFont typeface="Arial"/>
-        <a:defRPr b="0" i="0" sz="1400" u="none" cap="none" strike="noStrike">
+        <a:defRPr sz="1400" b="0" i="0" u="none" strike="noStrike" cap="none">
           <a:solidFill>
             <a:srgbClr val="000000"/>
           </a:solidFill>
@@ -8102,11 +7973,11 @@
 </file>
 
 <file path=ppt/slides/slide1.xml><?xml version="1.0" encoding="utf-8"?>
-<p:sld xmlns:a="http://schemas.openxmlformats.org/drawingml/2006/main" xmlns:r="http://schemas.openxmlformats.org/officeDocument/2006/relationships" xmlns:mc="http://schemas.openxmlformats.org/markup-compatibility/2006" xmlns:mv="urn:schemas-microsoft-com:mac:vml" xmlns:p="http://schemas.openxmlformats.org/presentationml/2006/main" xmlns:c="http://schemas.openxmlformats.org/drawingml/2006/chart" xmlns:dgm="http://schemas.openxmlformats.org/drawingml/2006/diagram" xmlns:o="urn:schemas-microsoft-com:office:office" xmlns:v="urn:schemas-microsoft-com:vml" xmlns:pvml="urn:schemas-microsoft-com:office:powerpoint" xmlns:com="http://schemas.openxmlformats.org/drawingml/2006/compatibility" xmlns:p14="http://schemas.microsoft.com/office/powerpoint/2010/main" xmlns:p15="http://schemas.microsoft.com/office/powerpoint/2012/main" xmlns:ahyp="http://schemas.microsoft.com/office/drawing/2018/hyperlinkcolor">
+<p:sld xmlns:a="http://schemas.openxmlformats.org/drawingml/2006/main" xmlns:r="http://schemas.openxmlformats.org/officeDocument/2006/relationships" xmlns:p="http://schemas.openxmlformats.org/presentationml/2006/main">
   <p:cSld>
     <p:spTree>
       <p:nvGrpSpPr>
-        <p:cNvPr id="53" name="Shape 53"/>
+        <p:cNvPr id="1" name="Shape 53"/>
         <p:cNvGrpSpPr/>
         <p:nvPr/>
       </p:nvGrpSpPr>
@@ -8121,7 +7992,9 @@
       <p:sp>
         <p:nvSpPr>
           <p:cNvPr id="54" name="Google Shape;54;p13"/>
-          <p:cNvSpPr txBox="1"/>
+          <p:cNvSpPr txBox="1">
+            <a:spLocks noGrp="1"/>
+          </p:cNvSpPr>
           <p:nvPr>
             <p:ph type="ctrTitle"/>
           </p:nvPr>
@@ -8136,12 +8009,12 @@
           </a:prstGeom>
         </p:spPr>
         <p:txBody>
-          <a:bodyPr anchorCtr="0" anchor="b" bIns="91425" lIns="91425" spcFirstLastPara="1" rIns="91425" wrap="square" tIns="91425">
+          <a:bodyPr spcFirstLastPara="1" wrap="square" lIns="91425" tIns="91425" rIns="91425" bIns="91425" anchor="b" anchorCtr="0">
             <a:normAutofit/>
           </a:bodyPr>
           <a:lstStyle/>
           <a:p>
-            <a:pPr indent="0" lvl="0" marL="0" rtl="0" algn="ctr">
+            <a:pPr marL="0" lvl="0" indent="0" algn="ctr" rtl="0">
               <a:spcBef>
                 <a:spcPts val="0"/>
               </a:spcBef>
@@ -8157,7 +8030,7 @@
             <a:endParaRPr/>
           </a:p>
           <a:p>
-            <a:pPr indent="0" lvl="0" marL="0" rtl="0" algn="ctr">
+            <a:pPr marL="0" lvl="0" indent="0" algn="ctr" rtl="0">
               <a:spcBef>
                 <a:spcPts val="0"/>
               </a:spcBef>
@@ -8177,9 +8050,11 @@
       <p:sp>
         <p:nvSpPr>
           <p:cNvPr id="55" name="Google Shape;55;p13"/>
-          <p:cNvSpPr txBox="1"/>
+          <p:cNvSpPr txBox="1">
+            <a:spLocks noGrp="1"/>
+          </p:cNvSpPr>
           <p:nvPr>
-            <p:ph idx="1" type="subTitle"/>
+            <p:ph type="subTitle" idx="1"/>
           </p:nvPr>
         </p:nvSpPr>
         <p:spPr>
@@ -8192,12 +8067,12 @@
           </a:prstGeom>
         </p:spPr>
         <p:txBody>
-          <a:bodyPr anchorCtr="0" anchor="t" bIns="91425" lIns="91425" spcFirstLastPara="1" rIns="91425" wrap="square" tIns="91425">
+          <a:bodyPr spcFirstLastPara="1" wrap="square" lIns="91425" tIns="91425" rIns="91425" bIns="91425" anchor="t" anchorCtr="0">
             <a:normAutofit/>
           </a:bodyPr>
           <a:lstStyle/>
           <a:p>
-            <a:pPr indent="0" lvl="0" marL="0" rtl="0" algn="ctr">
+            <a:pPr marL="0" lvl="0" indent="0" algn="ctr" rtl="0">
               <a:lnSpc>
                 <a:spcPct val="80000"/>
               </a:lnSpc>
@@ -8227,11 +8102,11 @@
 </file>
 
 <file path=ppt/slides/slide10.xml><?xml version="1.0" encoding="utf-8"?>
-<p:sld xmlns:a="http://schemas.openxmlformats.org/drawingml/2006/main" xmlns:r="http://schemas.openxmlformats.org/officeDocument/2006/relationships" xmlns:mc="http://schemas.openxmlformats.org/markup-compatibility/2006" xmlns:mv="urn:schemas-microsoft-com:mac:vml" xmlns:p="http://schemas.openxmlformats.org/presentationml/2006/main" xmlns:c="http://schemas.openxmlformats.org/drawingml/2006/chart" xmlns:dgm="http://schemas.openxmlformats.org/drawingml/2006/diagram" xmlns:o="urn:schemas-microsoft-com:office:office" xmlns:v="urn:schemas-microsoft-com:vml" xmlns:pvml="urn:schemas-microsoft-com:office:powerpoint" xmlns:com="http://schemas.openxmlformats.org/drawingml/2006/compatibility" xmlns:p14="http://schemas.microsoft.com/office/powerpoint/2010/main" xmlns:p15="http://schemas.microsoft.com/office/powerpoint/2012/main" xmlns:ahyp="http://schemas.microsoft.com/office/drawing/2018/hyperlinkcolor">
+<p:sld xmlns:a="http://schemas.openxmlformats.org/drawingml/2006/main" xmlns:r="http://schemas.openxmlformats.org/officeDocument/2006/relationships" xmlns:p="http://schemas.openxmlformats.org/presentationml/2006/main">
   <p:cSld>
     <p:spTree>
       <p:nvGrpSpPr>
-        <p:cNvPr id="151" name="Shape 151"/>
+        <p:cNvPr id="1" name="Shape 151"/>
         <p:cNvGrpSpPr/>
         <p:nvPr/>
       </p:nvGrpSpPr>
@@ -8246,7 +8121,9 @@
       <p:sp>
         <p:nvSpPr>
           <p:cNvPr id="152" name="Google Shape;152;p22"/>
-          <p:cNvSpPr txBox="1"/>
+          <p:cNvSpPr txBox="1">
+            <a:spLocks noGrp="1"/>
+          </p:cNvSpPr>
           <p:nvPr>
             <p:ph type="title"/>
           </p:nvPr>
@@ -8261,12 +8138,12 @@
           </a:prstGeom>
         </p:spPr>
         <p:txBody>
-          <a:bodyPr anchorCtr="0" anchor="t" bIns="91425" lIns="91425" spcFirstLastPara="1" rIns="91425" wrap="square" tIns="91425">
+          <a:bodyPr spcFirstLastPara="1" wrap="square" lIns="91425" tIns="91425" rIns="91425" bIns="91425" anchor="t" anchorCtr="0">
             <a:normAutofit fontScale="90000"/>
           </a:bodyPr>
           <a:lstStyle/>
           <a:p>
-            <a:pPr indent="0" lvl="0" marL="0" rtl="0" algn="l">
+            <a:pPr marL="0" lvl="0" indent="0" algn="l" rtl="0">
               <a:spcBef>
                 <a:spcPts val="0"/>
               </a:spcBef>
@@ -8303,12 +8180,12 @@
           </a:ln>
         </p:spPr>
         <p:txBody>
-          <a:bodyPr anchorCtr="0" anchor="t" bIns="91425" lIns="91425" spcFirstLastPara="1" rIns="91425" wrap="square" tIns="91425">
+          <a:bodyPr spcFirstLastPara="1" wrap="square" lIns="91425" tIns="91425" rIns="91425" bIns="91425" anchor="t" anchorCtr="0">
             <a:spAutoFit/>
           </a:bodyPr>
           <a:lstStyle/>
           <a:p>
-            <a:pPr indent="0" lvl="0" marL="457200" rtl="0" algn="l">
+            <a:pPr marL="457200" lvl="0" indent="0" algn="l" rtl="0">
               <a:spcBef>
                 <a:spcPts val="0"/>
               </a:spcBef>
@@ -8328,15 +8205,7 @@
                   <a:schemeClr val="dk1"/>
                 </a:solidFill>
               </a:rPr>
-              <a:t>Multivariate </a:t>
-            </a:r>
-            <a:r>
-              <a:rPr lang="en" sz="2900">
-                <a:solidFill>
-                  <a:schemeClr val="dk1"/>
-                </a:solidFill>
-              </a:rPr>
-              <a:t>Imputation</a:t>
+              <a:t>Multivariate Imputation</a:t>
             </a:r>
             <a:endParaRPr sz="2900">
               <a:solidFill>
@@ -8345,7 +8214,7 @@
             </a:endParaRPr>
           </a:p>
           <a:p>
-            <a:pPr indent="-349250" lvl="0" marL="457200" rtl="0" algn="l">
+            <a:pPr marL="457200" lvl="0" indent="-349250" algn="l" rtl="0">
               <a:spcBef>
                 <a:spcPts val="0"/>
               </a:spcBef>
@@ -8373,18 +8242,15 @@
             </a:endParaRPr>
           </a:p>
           <a:p>
-            <a:pPr indent="0" lvl="0" marL="0" rtl="0" algn="l">
-              <a:spcBef>
-                <a:spcPts val="0"/>
-              </a:spcBef>
-              <a:spcAft>
-                <a:spcPts val="0"/>
-              </a:spcAft>
-              <a:buNone/>
-            </a:pPr>
-            <a:r>
-              <a:t/>
-            </a:r>
+            <a:pPr marL="0" lvl="0" indent="0" algn="l" rtl="0">
+              <a:spcBef>
+                <a:spcPts val="0"/>
+              </a:spcBef>
+              <a:spcAft>
+                <a:spcPts val="0"/>
+              </a:spcAft>
+              <a:buNone/>
+            </a:pPr>
             <a:endParaRPr sz="1900">
               <a:solidFill>
                 <a:schemeClr val="dk1"/>
@@ -8392,7 +8258,7 @@
             </a:endParaRPr>
           </a:p>
           <a:p>
-            <a:pPr indent="0" lvl="0" marL="457200" rtl="0" algn="l">
+            <a:pPr marL="457200" lvl="0" indent="0" algn="l" rtl="0">
               <a:spcBef>
                 <a:spcPts val="0"/>
               </a:spcBef>
@@ -8412,7 +8278,7 @@
             <a:endParaRPr sz="2900"/>
           </a:p>
           <a:p>
-            <a:pPr indent="-349250" lvl="0" marL="457200" rtl="0" algn="l">
+            <a:pPr marL="457200" lvl="0" indent="-349250" algn="l" rtl="0">
               <a:spcBef>
                 <a:spcPts val="0"/>
               </a:spcBef>
@@ -8440,7 +8306,7 @@
             </a:endParaRPr>
           </a:p>
           <a:p>
-            <a:pPr indent="-349250" lvl="0" marL="457200" rtl="0" algn="l">
+            <a:pPr marL="457200" lvl="0" indent="-349250" algn="l" rtl="0">
               <a:spcBef>
                 <a:spcPts val="0"/>
               </a:spcBef>
@@ -8464,18 +8330,15 @@
             <a:endParaRPr sz="2300"/>
           </a:p>
           <a:p>
-            <a:pPr indent="0" lvl="0" marL="0" rtl="0" algn="l">
-              <a:spcBef>
-                <a:spcPts val="0"/>
-              </a:spcBef>
-              <a:spcAft>
-                <a:spcPts val="0"/>
-              </a:spcAft>
-              <a:buNone/>
-            </a:pPr>
-            <a:r>
-              <a:t/>
-            </a:r>
+            <a:pPr marL="0" lvl="0" indent="0" algn="l" rtl="0">
+              <a:spcBef>
+                <a:spcPts val="0"/>
+              </a:spcBef>
+              <a:spcAft>
+                <a:spcPts val="0"/>
+              </a:spcAft>
+              <a:buNone/>
+            </a:pPr>
             <a:endParaRPr sz="1800"/>
           </a:p>
         </p:txBody>
@@ -8489,11 +8352,11 @@
 </file>
 
 <file path=ppt/slides/slide11.xml><?xml version="1.0" encoding="utf-8"?>
-<p:sld xmlns:a="http://schemas.openxmlformats.org/drawingml/2006/main" xmlns:r="http://schemas.openxmlformats.org/officeDocument/2006/relationships" xmlns:mc="http://schemas.openxmlformats.org/markup-compatibility/2006" xmlns:mv="urn:schemas-microsoft-com:mac:vml" xmlns:p="http://schemas.openxmlformats.org/presentationml/2006/main" xmlns:c="http://schemas.openxmlformats.org/drawingml/2006/chart" xmlns:dgm="http://schemas.openxmlformats.org/drawingml/2006/diagram" xmlns:o="urn:schemas-microsoft-com:office:office" xmlns:v="urn:schemas-microsoft-com:vml" xmlns:pvml="urn:schemas-microsoft-com:office:powerpoint" xmlns:com="http://schemas.openxmlformats.org/drawingml/2006/compatibility" xmlns:p14="http://schemas.microsoft.com/office/powerpoint/2010/main" xmlns:p15="http://schemas.microsoft.com/office/powerpoint/2012/main" xmlns:ahyp="http://schemas.microsoft.com/office/drawing/2018/hyperlinkcolor">
+<p:sld xmlns:a="http://schemas.openxmlformats.org/drawingml/2006/main" xmlns:r="http://schemas.openxmlformats.org/officeDocument/2006/relationships" xmlns:p="http://schemas.openxmlformats.org/presentationml/2006/main">
   <p:cSld>
     <p:spTree>
       <p:nvGrpSpPr>
-        <p:cNvPr id="157" name="Shape 157"/>
+        <p:cNvPr id="1" name="Shape 157"/>
         <p:cNvGrpSpPr/>
         <p:nvPr/>
       </p:nvGrpSpPr>
@@ -8508,7 +8371,9 @@
       <p:sp>
         <p:nvSpPr>
           <p:cNvPr id="158" name="Google Shape;158;p23"/>
-          <p:cNvSpPr txBox="1"/>
+          <p:cNvSpPr txBox="1">
+            <a:spLocks noGrp="1"/>
+          </p:cNvSpPr>
           <p:nvPr>
             <p:ph type="title"/>
           </p:nvPr>
@@ -8523,12 +8388,12 @@
           </a:prstGeom>
         </p:spPr>
         <p:txBody>
-          <a:bodyPr anchorCtr="0" anchor="t" bIns="91425" lIns="91425" spcFirstLastPara="1" rIns="91425" wrap="square" tIns="91425">
+          <a:bodyPr spcFirstLastPara="1" wrap="square" lIns="91425" tIns="91425" rIns="91425" bIns="91425" anchor="t" anchorCtr="0">
             <a:normAutofit fontScale="90000"/>
           </a:bodyPr>
           <a:lstStyle/>
           <a:p>
-            <a:pPr indent="0" lvl="0" marL="0" rtl="0" algn="l">
+            <a:pPr marL="0" lvl="0" indent="0" algn="l" rtl="0">
               <a:spcBef>
                 <a:spcPts val="0"/>
               </a:spcBef>
@@ -8558,38 +8423,35 @@
           </a:xfrm>
           <a:prstGeom prst="roundRect">
             <a:avLst>
-              <a:gd fmla="val 16667" name="adj"/>
+              <a:gd name="adj" fmla="val 16667"/>
             </a:avLst>
           </a:prstGeom>
           <a:noFill/>
-          <a:ln cap="flat" cmpd="sng" w="28575">
+          <a:ln w="28575" cap="flat" cmpd="sng">
             <a:solidFill>
               <a:schemeClr val="accent1"/>
             </a:solidFill>
             <a:prstDash val="solid"/>
             <a:round/>
-            <a:headEnd len="sm" w="sm" type="none"/>
-            <a:tailEnd len="sm" w="sm" type="none"/>
+            <a:headEnd type="none" w="sm" len="sm"/>
+            <a:tailEnd type="none" w="sm" len="sm"/>
           </a:ln>
         </p:spPr>
         <p:txBody>
-          <a:bodyPr anchorCtr="0" anchor="ctr" bIns="91425" lIns="91425" spcFirstLastPara="1" rIns="91425" wrap="square" tIns="91425">
+          <a:bodyPr spcFirstLastPara="1" wrap="square" lIns="91425" tIns="91425" rIns="91425" bIns="91425" anchor="ctr" anchorCtr="0">
             <a:noAutofit/>
           </a:bodyPr>
           <a:lstStyle/>
           <a:p>
-            <a:pPr indent="0" lvl="0" marL="0" rtl="0" algn="l">
-              <a:spcBef>
-                <a:spcPts val="0"/>
-              </a:spcBef>
-              <a:spcAft>
-                <a:spcPts val="0"/>
-              </a:spcAft>
-              <a:buNone/>
-            </a:pPr>
-            <a:r>
-              <a:t/>
-            </a:r>
+            <a:pPr marL="0" lvl="0" indent="0" algn="l" rtl="0">
+              <a:spcBef>
+                <a:spcPts val="0"/>
+              </a:spcBef>
+              <a:spcAft>
+                <a:spcPts val="0"/>
+              </a:spcAft>
+              <a:buNone/>
+            </a:pPr>
             <a:endParaRPr/>
           </a:p>
         </p:txBody>
@@ -8614,12 +8476,12 @@
           </a:ln>
         </p:spPr>
         <p:txBody>
-          <a:bodyPr anchorCtr="0" anchor="t" bIns="91425" lIns="91425" spcFirstLastPara="1" rIns="91425" wrap="square" tIns="91425">
+          <a:bodyPr spcFirstLastPara="1" wrap="square" lIns="91425" tIns="91425" rIns="91425" bIns="91425" anchor="t" anchorCtr="0">
             <a:spAutoFit/>
           </a:bodyPr>
           <a:lstStyle/>
           <a:p>
-            <a:pPr indent="0" lvl="0" marL="0" rtl="0" algn="l">
+            <a:pPr marL="0" lvl="0" indent="0" algn="l" rtl="0">
               <a:spcBef>
                 <a:spcPts val="0"/>
               </a:spcBef>
@@ -8629,10 +8491,10 @@
               <a:buNone/>
             </a:pPr>
             <a:r>
-              <a:rPr b="1" lang="en" sz="1700"/>
+              <a:rPr lang="en" sz="1700" b="1"/>
               <a:t>Input features</a:t>
             </a:r>
-            <a:endParaRPr b="1" sz="1700"/>
+            <a:endParaRPr sz="1700" b="1"/>
           </a:p>
         </p:txBody>
       </p:sp>
@@ -8656,12 +8518,12 @@
           </a:ln>
         </p:spPr>
         <p:txBody>
-          <a:bodyPr anchorCtr="0" anchor="t" bIns="91425" lIns="91425" spcFirstLastPara="1" rIns="91425" wrap="square" tIns="91425">
+          <a:bodyPr spcFirstLastPara="1" wrap="square" lIns="91425" tIns="91425" rIns="91425" bIns="91425" anchor="t" anchorCtr="0">
             <a:spAutoFit/>
           </a:bodyPr>
           <a:lstStyle/>
           <a:p>
-            <a:pPr indent="0" lvl="0" marL="0" rtl="0" algn="l">
+            <a:pPr marL="0" lvl="0" indent="0" algn="l" rtl="0">
               <a:spcBef>
                 <a:spcPts val="0"/>
               </a:spcBef>
@@ -8671,10 +8533,10 @@
               <a:buNone/>
             </a:pPr>
             <a:r>
-              <a:rPr b="1" lang="en" sz="1700"/>
+              <a:rPr lang="en" sz="1700" b="1"/>
               <a:t>Model selection</a:t>
             </a:r>
-            <a:endParaRPr b="1" sz="1700"/>
+            <a:endParaRPr sz="1700" b="1"/>
           </a:p>
         </p:txBody>
       </p:sp>
@@ -8698,12 +8560,12 @@
           </a:ln>
         </p:spPr>
         <p:txBody>
-          <a:bodyPr anchorCtr="0" anchor="t" bIns="91425" lIns="91425" spcFirstLastPara="1" rIns="91425" wrap="square" tIns="91425">
+          <a:bodyPr spcFirstLastPara="1" wrap="square" lIns="91425" tIns="91425" rIns="91425" bIns="91425" anchor="t" anchorCtr="0">
             <a:spAutoFit/>
           </a:bodyPr>
           <a:lstStyle/>
           <a:p>
-            <a:pPr indent="-317500" lvl="0" marL="457200" rtl="0" algn="l">
+            <a:pPr marL="457200" lvl="0" indent="-317500" algn="l" rtl="0">
               <a:spcBef>
                 <a:spcPts val="0"/>
               </a:spcBef>
@@ -8720,7 +8582,7 @@
             <a:endParaRPr/>
           </a:p>
           <a:p>
-            <a:pPr indent="-317500" lvl="0" marL="457200" rtl="0" algn="l">
+            <a:pPr marL="457200" lvl="0" indent="-317500" algn="l" rtl="0">
               <a:spcBef>
                 <a:spcPts val="0"/>
               </a:spcBef>
@@ -8749,33 +8611,27 @@
             <a:endParaRPr/>
           </a:p>
           <a:p>
-            <a:pPr indent="0" lvl="0" marL="0" rtl="0" algn="l">
-              <a:spcBef>
-                <a:spcPts val="0"/>
-              </a:spcBef>
-              <a:spcAft>
-                <a:spcPts val="0"/>
-              </a:spcAft>
-              <a:buNone/>
-            </a:pPr>
-            <a:r>
-              <a:t/>
-            </a:r>
+            <a:pPr marL="0" lvl="0" indent="0" algn="l" rtl="0">
+              <a:spcBef>
+                <a:spcPts val="0"/>
+              </a:spcBef>
+              <a:spcAft>
+                <a:spcPts val="0"/>
+              </a:spcAft>
+              <a:buNone/>
+            </a:pPr>
             <a:endParaRPr/>
           </a:p>
           <a:p>
-            <a:pPr indent="0" lvl="0" marL="0" rtl="0" algn="l">
-              <a:spcBef>
-                <a:spcPts val="0"/>
-              </a:spcBef>
-              <a:spcAft>
-                <a:spcPts val="0"/>
-              </a:spcAft>
-              <a:buNone/>
-            </a:pPr>
-            <a:r>
-              <a:t/>
-            </a:r>
+            <a:pPr marL="0" lvl="0" indent="0" algn="l" rtl="0">
+              <a:spcBef>
+                <a:spcPts val="0"/>
+              </a:spcBef>
+              <a:spcAft>
+                <a:spcPts val="0"/>
+              </a:spcAft>
+              <a:buNone/>
+            </a:pPr>
             <a:endParaRPr/>
           </a:p>
         </p:txBody>
@@ -8793,38 +8649,35 @@
           </a:xfrm>
           <a:prstGeom prst="roundRect">
             <a:avLst>
-              <a:gd fmla="val 16667" name="adj"/>
+              <a:gd name="adj" fmla="val 16667"/>
             </a:avLst>
           </a:prstGeom>
           <a:noFill/>
-          <a:ln cap="flat" cmpd="sng" w="28575">
+          <a:ln w="28575" cap="flat" cmpd="sng">
             <a:solidFill>
               <a:schemeClr val="accent1"/>
             </a:solidFill>
             <a:prstDash val="solid"/>
             <a:round/>
-            <a:headEnd len="sm" w="sm" type="none"/>
-            <a:tailEnd len="sm" w="sm" type="none"/>
+            <a:headEnd type="none" w="sm" len="sm"/>
+            <a:tailEnd type="none" w="sm" len="sm"/>
           </a:ln>
         </p:spPr>
         <p:txBody>
-          <a:bodyPr anchorCtr="0" anchor="ctr" bIns="91425" lIns="91425" spcFirstLastPara="1" rIns="91425" wrap="square" tIns="91425">
+          <a:bodyPr spcFirstLastPara="1" wrap="square" lIns="91425" tIns="91425" rIns="91425" bIns="91425" anchor="ctr" anchorCtr="0">
             <a:noAutofit/>
           </a:bodyPr>
           <a:lstStyle/>
           <a:p>
-            <a:pPr indent="0" lvl="0" marL="0" rtl="0" algn="l">
-              <a:spcBef>
-                <a:spcPts val="0"/>
-              </a:spcBef>
-              <a:spcAft>
-                <a:spcPts val="0"/>
-              </a:spcAft>
-              <a:buNone/>
-            </a:pPr>
-            <a:r>
-              <a:t/>
-            </a:r>
+            <a:pPr marL="0" lvl="0" indent="0" algn="l" rtl="0">
+              <a:spcBef>
+                <a:spcPts val="0"/>
+              </a:spcBef>
+              <a:spcAft>
+                <a:spcPts val="0"/>
+              </a:spcAft>
+              <a:buNone/>
+            </a:pPr>
             <a:endParaRPr/>
           </a:p>
         </p:txBody>
@@ -8849,12 +8702,12 @@
           </a:ln>
         </p:spPr>
         <p:txBody>
-          <a:bodyPr anchorCtr="0" anchor="t" bIns="91425" lIns="91425" spcFirstLastPara="1" rIns="91425" wrap="square" tIns="91425">
+          <a:bodyPr spcFirstLastPara="1" wrap="square" lIns="91425" tIns="91425" rIns="91425" bIns="91425" anchor="t" anchorCtr="0">
             <a:spAutoFit/>
           </a:bodyPr>
           <a:lstStyle/>
           <a:p>
-            <a:pPr indent="-317500" lvl="0" marL="457200" rtl="0" algn="l">
+            <a:pPr marL="457200" lvl="0" indent="-317500" algn="l" rtl="0">
               <a:spcBef>
                 <a:spcPts val="0"/>
               </a:spcBef>
@@ -8868,7 +8721,7 @@
               <a:rPr lang="en"/>
               <a:t>Vector autoregression VAR(1), “minimized” AIC and BIC for model selection (though not comprehensively because of time limit)</a:t>
             </a:r>
-            <a:endParaRPr b="1" sz="1200">
+            <a:endParaRPr sz="1200" b="1">
               <a:solidFill>
                 <a:srgbClr val="202124"/>
               </a:solidFill>
@@ -8882,7 +8735,7 @@
             </a:endParaRPr>
           </a:p>
           <a:p>
-            <a:pPr indent="-317500" lvl="0" marL="457200" rtl="0" algn="l">
+            <a:pPr marL="457200" lvl="0" indent="-317500" algn="l" rtl="0">
               <a:spcBef>
                 <a:spcPts val="0"/>
               </a:spcBef>
@@ -8916,7 +8769,7 @@
             </a:endParaRPr>
           </a:p>
           <a:p>
-            <a:pPr indent="-317500" lvl="0" marL="457200" rtl="0" algn="l">
+            <a:pPr marL="457200" lvl="0" indent="-317500" algn="l" rtl="0">
               <a:spcBef>
                 <a:spcPts val="0"/>
               </a:spcBef>
@@ -8960,11 +8813,11 @@
 </file>
 
 <file path=ppt/slides/slide12.xml><?xml version="1.0" encoding="utf-8"?>
-<p:sld xmlns:a="http://schemas.openxmlformats.org/drawingml/2006/main" xmlns:r="http://schemas.openxmlformats.org/officeDocument/2006/relationships" xmlns:mc="http://schemas.openxmlformats.org/markup-compatibility/2006" xmlns:mv="urn:schemas-microsoft-com:mac:vml" xmlns:p="http://schemas.openxmlformats.org/presentationml/2006/main" xmlns:c="http://schemas.openxmlformats.org/drawingml/2006/chart" xmlns:dgm="http://schemas.openxmlformats.org/drawingml/2006/diagram" xmlns:o="urn:schemas-microsoft-com:office:office" xmlns:v="urn:schemas-microsoft-com:vml" xmlns:pvml="urn:schemas-microsoft-com:office:powerpoint" xmlns:com="http://schemas.openxmlformats.org/drawingml/2006/compatibility" xmlns:p14="http://schemas.microsoft.com/office/powerpoint/2010/main" xmlns:p15="http://schemas.microsoft.com/office/powerpoint/2012/main" xmlns:ahyp="http://schemas.microsoft.com/office/drawing/2018/hyperlinkcolor">
+<p:sld xmlns:a="http://schemas.openxmlformats.org/drawingml/2006/main" xmlns:r="http://schemas.openxmlformats.org/officeDocument/2006/relationships" xmlns:p="http://schemas.openxmlformats.org/presentationml/2006/main">
   <p:cSld>
     <p:spTree>
       <p:nvGrpSpPr>
-        <p:cNvPr id="168" name="Shape 168"/>
+        <p:cNvPr id="1" name="Shape 168"/>
         <p:cNvGrpSpPr/>
         <p:nvPr/>
       </p:nvGrpSpPr>
@@ -8979,7 +8832,9 @@
       <p:sp>
         <p:nvSpPr>
           <p:cNvPr id="169" name="Google Shape;169;p24"/>
-          <p:cNvSpPr txBox="1"/>
+          <p:cNvSpPr txBox="1">
+            <a:spLocks noGrp="1"/>
+          </p:cNvSpPr>
           <p:nvPr>
             <p:ph type="title"/>
           </p:nvPr>
@@ -8994,12 +8849,12 @@
           </a:prstGeom>
         </p:spPr>
         <p:txBody>
-          <a:bodyPr anchorCtr="0" anchor="t" bIns="91425" lIns="91425" spcFirstLastPara="1" rIns="91425" wrap="square" tIns="91425">
+          <a:bodyPr spcFirstLastPara="1" wrap="square" lIns="91425" tIns="91425" rIns="91425" bIns="91425" anchor="t" anchorCtr="0">
             <a:normAutofit/>
           </a:bodyPr>
           <a:lstStyle/>
           <a:p>
-            <a:pPr indent="0" lvl="0" marL="0" rtl="0" algn="l">
+            <a:pPr marL="0" lvl="0" indent="0" algn="l" rtl="0">
               <a:spcBef>
                 <a:spcPts val="0"/>
               </a:spcBef>
@@ -9025,11 +8880,11 @@
 </file>
 
 <file path=ppt/slides/slide13.xml><?xml version="1.0" encoding="utf-8"?>
-<p:sld xmlns:a="http://schemas.openxmlformats.org/drawingml/2006/main" xmlns:r="http://schemas.openxmlformats.org/officeDocument/2006/relationships" xmlns:mc="http://schemas.openxmlformats.org/markup-compatibility/2006" xmlns:mv="urn:schemas-microsoft-com:mac:vml" xmlns:p="http://schemas.openxmlformats.org/presentationml/2006/main" xmlns:c="http://schemas.openxmlformats.org/drawingml/2006/chart" xmlns:dgm="http://schemas.openxmlformats.org/drawingml/2006/diagram" xmlns:o="urn:schemas-microsoft-com:office:office" xmlns:v="urn:schemas-microsoft-com:vml" xmlns:pvml="urn:schemas-microsoft-com:office:powerpoint" xmlns:com="http://schemas.openxmlformats.org/drawingml/2006/compatibility" xmlns:p14="http://schemas.microsoft.com/office/powerpoint/2010/main" xmlns:p15="http://schemas.microsoft.com/office/powerpoint/2012/main" xmlns:ahyp="http://schemas.microsoft.com/office/drawing/2018/hyperlinkcolor">
+<p:sld xmlns:a="http://schemas.openxmlformats.org/drawingml/2006/main" xmlns:r="http://schemas.openxmlformats.org/officeDocument/2006/relationships" xmlns:p="http://schemas.openxmlformats.org/presentationml/2006/main">
   <p:cSld>
     <p:spTree>
       <p:nvGrpSpPr>
-        <p:cNvPr id="173" name="Shape 173"/>
+        <p:cNvPr id="1" name="Shape 173"/>
         <p:cNvGrpSpPr/>
         <p:nvPr/>
       </p:nvGrpSpPr>
@@ -9044,7 +8899,9 @@
       <p:sp>
         <p:nvSpPr>
           <p:cNvPr id="174" name="Google Shape;174;p25"/>
-          <p:cNvSpPr txBox="1"/>
+          <p:cNvSpPr txBox="1">
+            <a:spLocks noGrp="1"/>
+          </p:cNvSpPr>
           <p:nvPr>
             <p:ph type="title"/>
           </p:nvPr>
@@ -9059,12 +8916,12 @@
           </a:prstGeom>
         </p:spPr>
         <p:txBody>
-          <a:bodyPr anchorCtr="0" anchor="t" bIns="91425" lIns="91425" spcFirstLastPara="1" rIns="91425" wrap="square" tIns="91425">
+          <a:bodyPr spcFirstLastPara="1" wrap="square" lIns="91425" tIns="91425" rIns="91425" bIns="91425" anchor="t" anchorCtr="0">
             <a:normAutofit fontScale="90000"/>
           </a:bodyPr>
           <a:lstStyle/>
           <a:p>
-            <a:pPr indent="0" lvl="0" marL="0" rtl="0" algn="l">
+            <a:pPr marL="0" lvl="0" indent="0" algn="l" rtl="0">
               <a:spcBef>
                 <a:spcPts val="0"/>
               </a:spcBef>
@@ -9075,11 +8932,7 @@
             </a:pPr>
             <a:r>
               <a:rPr lang="en"/>
-              <a:t>VAR(1) </a:t>
-            </a:r>
-            <a:r>
-              <a:rPr lang="en"/>
-              <a:t>Model for Colombia</a:t>
+              <a:t>VAR(1) Model for Colombia</a:t>
             </a:r>
             <a:endParaRPr/>
           </a:p>
@@ -9105,12 +8958,12 @@
           </a:ln>
         </p:spPr>
         <p:txBody>
-          <a:bodyPr anchorCtr="0" anchor="t" bIns="91425" lIns="91425" spcFirstLastPara="1" rIns="91425" wrap="square" tIns="91425">
+          <a:bodyPr spcFirstLastPara="1" wrap="square" lIns="91425" tIns="91425" rIns="91425" bIns="91425" anchor="t" anchorCtr="0">
             <a:spAutoFit/>
           </a:bodyPr>
           <a:lstStyle/>
           <a:p>
-            <a:pPr indent="0" lvl="0" marL="0" rtl="0" algn="l">
+            <a:pPr marL="0" lvl="0" indent="0" algn="l" rtl="0">
               <a:spcBef>
                 <a:spcPts val="0"/>
               </a:spcBef>
@@ -9148,7 +9001,7 @@
             </a:endParaRPr>
           </a:p>
           <a:p>
-            <a:pPr indent="0" lvl="0" marL="0" rtl="0" algn="l">
+            <a:pPr marL="0" lvl="0" indent="0" algn="l" rtl="0">
               <a:spcBef>
                 <a:spcPts val="0"/>
               </a:spcBef>
@@ -9186,7 +9039,7 @@
             </a:endParaRPr>
           </a:p>
           <a:p>
-            <a:pPr indent="0" lvl="0" marL="0" rtl="0" algn="l">
+            <a:pPr marL="0" lvl="0" indent="0" algn="l" rtl="0">
               <a:spcBef>
                 <a:spcPts val="0"/>
               </a:spcBef>
@@ -9234,11 +9087,11 @@
 </file>
 
 <file path=ppt/slides/slide14.xml><?xml version="1.0" encoding="utf-8"?>
-<p:sld xmlns:a="http://schemas.openxmlformats.org/drawingml/2006/main" xmlns:r="http://schemas.openxmlformats.org/officeDocument/2006/relationships" xmlns:mc="http://schemas.openxmlformats.org/markup-compatibility/2006" xmlns:mv="urn:schemas-microsoft-com:mac:vml" xmlns:p="http://schemas.openxmlformats.org/presentationml/2006/main" xmlns:c="http://schemas.openxmlformats.org/drawingml/2006/chart" xmlns:dgm="http://schemas.openxmlformats.org/drawingml/2006/diagram" xmlns:o="urn:schemas-microsoft-com:office:office" xmlns:v="urn:schemas-microsoft-com:vml" xmlns:pvml="urn:schemas-microsoft-com:office:powerpoint" xmlns:com="http://schemas.openxmlformats.org/drawingml/2006/compatibility" xmlns:p14="http://schemas.microsoft.com/office/powerpoint/2010/main" xmlns:p15="http://schemas.microsoft.com/office/powerpoint/2012/main" xmlns:ahyp="http://schemas.microsoft.com/office/drawing/2018/hyperlinkcolor">
+<p:sld xmlns:a="http://schemas.openxmlformats.org/drawingml/2006/main" xmlns:r="http://schemas.openxmlformats.org/officeDocument/2006/relationships" xmlns:p="http://schemas.openxmlformats.org/presentationml/2006/main">
   <p:cSld>
     <p:spTree>
       <p:nvGrpSpPr>
-        <p:cNvPr id="179" name="Shape 179"/>
+        <p:cNvPr id="1" name="Shape 179"/>
         <p:cNvGrpSpPr/>
         <p:nvPr/>
       </p:nvGrpSpPr>
@@ -9253,7 +9106,9 @@
       <p:sp>
         <p:nvSpPr>
           <p:cNvPr id="180" name="Google Shape;180;p26"/>
-          <p:cNvSpPr txBox="1"/>
+          <p:cNvSpPr txBox="1">
+            <a:spLocks noGrp="1"/>
+          </p:cNvSpPr>
           <p:nvPr>
             <p:ph type="title"/>
           </p:nvPr>
@@ -9268,12 +9123,12 @@
           </a:prstGeom>
         </p:spPr>
         <p:txBody>
-          <a:bodyPr anchorCtr="0" anchor="t" bIns="91425" lIns="91425" spcFirstLastPara="1" rIns="91425" wrap="square" tIns="91425">
+          <a:bodyPr spcFirstLastPara="1" wrap="square" lIns="91425" tIns="91425" rIns="91425" bIns="91425" anchor="t" anchorCtr="0">
             <a:normAutofit/>
           </a:bodyPr>
           <a:lstStyle/>
           <a:p>
-            <a:pPr indent="0" lvl="0" marL="0" rtl="0" algn="l">
+            <a:pPr marL="0" lvl="0" indent="0" algn="l" rtl="0">
               <a:spcBef>
                 <a:spcPts val="0"/>
               </a:spcBef>
@@ -9284,19 +9139,7 @@
             </a:pPr>
             <a:r>
               <a:rPr lang="en"/>
-              <a:t>2019 Forecasts</a:t>
-            </a:r>
-            <a:r>
-              <a:rPr lang="en"/>
-              <a:t> for Colombia (features in percentage</a:t>
-            </a:r>
-            <a:r>
-              <a:rPr lang="en"/>
-              <a:t> unit</a:t>
-            </a:r>
-            <a:r>
-              <a:rPr lang="en"/>
-              <a:t>) using data from 2000-2018 </a:t>
+              <a:t>2019 Forecasts for Colombia (features in percentage unit) using data from 2000-2018 </a:t>
             </a:r>
             <a:endParaRPr/>
           </a:p>
@@ -9339,11 +9182,11 @@
 </file>
 
 <file path=ppt/slides/slide15.xml><?xml version="1.0" encoding="utf-8"?>
-<p:sld xmlns:a="http://schemas.openxmlformats.org/drawingml/2006/main" xmlns:r="http://schemas.openxmlformats.org/officeDocument/2006/relationships" xmlns:mc="http://schemas.openxmlformats.org/markup-compatibility/2006" xmlns:mv="urn:schemas-microsoft-com:mac:vml" xmlns:p="http://schemas.openxmlformats.org/presentationml/2006/main" xmlns:c="http://schemas.openxmlformats.org/drawingml/2006/chart" xmlns:dgm="http://schemas.openxmlformats.org/drawingml/2006/diagram" xmlns:o="urn:schemas-microsoft-com:office:office" xmlns:v="urn:schemas-microsoft-com:vml" xmlns:pvml="urn:schemas-microsoft-com:office:powerpoint" xmlns:com="http://schemas.openxmlformats.org/drawingml/2006/compatibility" xmlns:p14="http://schemas.microsoft.com/office/powerpoint/2010/main" xmlns:p15="http://schemas.microsoft.com/office/powerpoint/2012/main" xmlns:ahyp="http://schemas.microsoft.com/office/drawing/2018/hyperlinkcolor">
+<p:sld xmlns:a="http://schemas.openxmlformats.org/drawingml/2006/main" xmlns:r="http://schemas.openxmlformats.org/officeDocument/2006/relationships" xmlns:p="http://schemas.openxmlformats.org/presentationml/2006/main">
   <p:cSld>
     <p:spTree>
       <p:nvGrpSpPr>
-        <p:cNvPr id="185" name="Shape 185"/>
+        <p:cNvPr id="1" name="Shape 185"/>
         <p:cNvGrpSpPr/>
         <p:nvPr/>
       </p:nvGrpSpPr>
@@ -9358,7 +9201,9 @@
       <p:sp>
         <p:nvSpPr>
           <p:cNvPr id="186" name="Google Shape;186;p27"/>
-          <p:cNvSpPr txBox="1"/>
+          <p:cNvSpPr txBox="1">
+            <a:spLocks noGrp="1"/>
+          </p:cNvSpPr>
           <p:nvPr>
             <p:ph type="title"/>
           </p:nvPr>
@@ -9373,12 +9218,12 @@
           </a:prstGeom>
         </p:spPr>
         <p:txBody>
-          <a:bodyPr anchorCtr="0" anchor="t" bIns="91425" lIns="91425" spcFirstLastPara="1" rIns="91425" wrap="square" tIns="91425">
+          <a:bodyPr spcFirstLastPara="1" wrap="square" lIns="91425" tIns="91425" rIns="91425" bIns="91425" anchor="t" anchorCtr="0">
             <a:normAutofit fontScale="90000"/>
           </a:bodyPr>
           <a:lstStyle/>
           <a:p>
-            <a:pPr indent="0" lvl="0" marL="0" rtl="0" algn="l">
+            <a:pPr marL="0" lvl="0" indent="0" algn="l" rtl="0">
               <a:spcBef>
                 <a:spcPts val="0"/>
               </a:spcBef>
@@ -9398,9 +9243,11 @@
       <p:sp>
         <p:nvSpPr>
           <p:cNvPr id="187" name="Google Shape;187;p27"/>
-          <p:cNvSpPr txBox="1"/>
+          <p:cNvSpPr txBox="1">
+            <a:spLocks noGrp="1"/>
+          </p:cNvSpPr>
           <p:nvPr>
-            <p:ph idx="1" type="body"/>
+            <p:ph type="body" idx="1"/>
           </p:nvPr>
         </p:nvSpPr>
         <p:spPr>
@@ -9413,12 +9260,12 @@
           </a:prstGeom>
         </p:spPr>
         <p:txBody>
-          <a:bodyPr anchorCtr="0" anchor="t" bIns="91425" lIns="91425" spcFirstLastPara="1" rIns="91425" wrap="square" tIns="91425">
+          <a:bodyPr spcFirstLastPara="1" wrap="square" lIns="91425" tIns="91425" rIns="91425" bIns="91425" anchor="t" anchorCtr="0">
             <a:normAutofit/>
           </a:bodyPr>
           <a:lstStyle/>
           <a:p>
-            <a:pPr indent="-342900" lvl="0" marL="457200" rtl="0" algn="l">
+            <a:pPr marL="457200" lvl="0" indent="-342900" algn="l" rtl="0">
               <a:spcBef>
                 <a:spcPts val="0"/>
               </a:spcBef>
@@ -9430,45 +9277,29 @@
             </a:pPr>
             <a:r>
               <a:rPr lang="en"/>
-              <a:t>Add external data sets such as the World Factsheet</a:t>
+              <a:t>Add external data sets such as the World Factsheet (socioeconomic data each country/year)</a:t>
             </a:r>
+            <a:endParaRPr/>
+          </a:p>
+          <a:p>
+            <a:pPr marL="457200" lvl="0" indent="-342900" algn="l" rtl="0">
+              <a:spcBef>
+                <a:spcPts val="0"/>
+              </a:spcBef>
+              <a:spcAft>
+                <a:spcPts val="0"/>
+              </a:spcAft>
+              <a:buSzPts val="1800"/>
+              <a:buChar char="●"/>
+            </a:pPr>
             <a:r>
               <a:rPr lang="en"/>
-              <a:t> (socioeconomic data each country/year)</a:t>
+              <a:t>Do more comprehensive imputation </a:t>
             </a:r>
             <a:endParaRPr/>
           </a:p>
           <a:p>
-            <a:pPr indent="-342900" lvl="0" marL="457200" rtl="0" algn="l">
-              <a:spcBef>
-                <a:spcPts val="0"/>
-              </a:spcBef>
-              <a:spcAft>
-                <a:spcPts val="0"/>
-              </a:spcAft>
-              <a:buSzPts val="1800"/>
-              <a:buChar char="●"/>
-            </a:pPr>
-            <a:r>
-              <a:rPr lang="en"/>
-              <a:t>Do more </a:t>
-            </a:r>
-            <a:r>
-              <a:rPr lang="en"/>
-              <a:t>comprehensive</a:t>
-            </a:r>
-            <a:r>
-              <a:rPr lang="en"/>
-              <a:t> imputation</a:t>
-            </a:r>
-            <a:r>
-              <a:rPr lang="en"/>
-              <a:t> </a:t>
-            </a:r>
-            <a:endParaRPr/>
-          </a:p>
-          <a:p>
-            <a:pPr indent="-342900" lvl="0" marL="457200" rtl="0" algn="l">
+            <a:pPr marL="457200" lvl="0" indent="-342900" algn="l" rtl="0">
               <a:spcBef>
                 <a:spcPts val="0"/>
               </a:spcBef>
@@ -9485,7 +9316,7 @@
             <a:endParaRPr/>
           </a:p>
           <a:p>
-            <a:pPr indent="-342900" lvl="0" marL="457200" rtl="0" algn="l">
+            <a:pPr marL="457200" lvl="0" indent="-342900" algn="l" rtl="0">
               <a:spcBef>
                 <a:spcPts val="0"/>
               </a:spcBef>
@@ -9502,7 +9333,7 @@
             <a:endParaRPr/>
           </a:p>
           <a:p>
-            <a:pPr indent="-342900" lvl="0" marL="457200" rtl="0" algn="l">
+            <a:pPr marL="457200" lvl="0" indent="-342900" algn="l" rtl="0">
               <a:spcBef>
                 <a:spcPts val="0"/>
               </a:spcBef>
@@ -9514,16 +9345,12 @@
             </a:pPr>
             <a:r>
               <a:rPr lang="en"/>
-              <a:t>O</a:t>
-            </a:r>
-            <a:r>
-              <a:rPr lang="en"/>
-              <a:t>ptimize parameters with time-series cross-validation instead of just AIC, BIC</a:t>
+              <a:t>Optimize parameters with time-series cross-validation instead of just AIC, BIC</a:t>
             </a:r>
             <a:endParaRPr/>
           </a:p>
           <a:p>
-            <a:pPr indent="-342900" lvl="0" marL="457200" rtl="0" algn="l">
+            <a:pPr marL="457200" lvl="0" indent="-342900" algn="l" rtl="0">
               <a:spcBef>
                 <a:spcPts val="0"/>
               </a:spcBef>
@@ -9550,11 +9377,11 @@
 </file>
 
 <file path=ppt/slides/slide16.xml><?xml version="1.0" encoding="utf-8"?>
-<p:sld xmlns:a="http://schemas.openxmlformats.org/drawingml/2006/main" xmlns:r="http://schemas.openxmlformats.org/officeDocument/2006/relationships" xmlns:mc="http://schemas.openxmlformats.org/markup-compatibility/2006" xmlns:mv="urn:schemas-microsoft-com:mac:vml" xmlns:p="http://schemas.openxmlformats.org/presentationml/2006/main" xmlns:c="http://schemas.openxmlformats.org/drawingml/2006/chart" xmlns:dgm="http://schemas.openxmlformats.org/drawingml/2006/diagram" xmlns:o="urn:schemas-microsoft-com:office:office" xmlns:v="urn:schemas-microsoft-com:vml" xmlns:pvml="urn:schemas-microsoft-com:office:powerpoint" xmlns:com="http://schemas.openxmlformats.org/drawingml/2006/compatibility" xmlns:p14="http://schemas.microsoft.com/office/powerpoint/2010/main" xmlns:p15="http://schemas.microsoft.com/office/powerpoint/2012/main" xmlns:ahyp="http://schemas.microsoft.com/office/drawing/2018/hyperlinkcolor">
+<p:sld xmlns:a="http://schemas.openxmlformats.org/drawingml/2006/main" xmlns:r="http://schemas.openxmlformats.org/officeDocument/2006/relationships" xmlns:p="http://schemas.openxmlformats.org/presentationml/2006/main">
   <p:cSld>
     <p:spTree>
       <p:nvGrpSpPr>
-        <p:cNvPr id="191" name="Shape 191"/>
+        <p:cNvPr id="1" name="Shape 191"/>
         <p:cNvGrpSpPr/>
         <p:nvPr/>
       </p:nvGrpSpPr>
@@ -9569,7 +9396,9 @@
       <p:sp>
         <p:nvSpPr>
           <p:cNvPr id="192" name="Google Shape;192;p28"/>
-          <p:cNvSpPr txBox="1"/>
+          <p:cNvSpPr txBox="1">
+            <a:spLocks noGrp="1"/>
+          </p:cNvSpPr>
           <p:nvPr>
             <p:ph type="title"/>
           </p:nvPr>
@@ -9584,12 +9413,12 @@
           </a:prstGeom>
         </p:spPr>
         <p:txBody>
-          <a:bodyPr anchorCtr="0" anchor="t" bIns="91425" lIns="91425" spcFirstLastPara="1" rIns="91425" wrap="square" tIns="91425">
+          <a:bodyPr spcFirstLastPara="1" wrap="square" lIns="91425" tIns="91425" rIns="91425" bIns="91425" anchor="t" anchorCtr="0">
             <a:normAutofit fontScale="90000"/>
           </a:bodyPr>
           <a:lstStyle/>
           <a:p>
-            <a:pPr indent="0" lvl="0" marL="0" rtl="0" algn="l">
+            <a:pPr marL="0" lvl="0" indent="0" algn="l" rtl="0">
               <a:spcBef>
                 <a:spcPts val="0"/>
               </a:spcBef>
@@ -9626,12 +9455,12 @@
           </a:ln>
         </p:spPr>
         <p:txBody>
-          <a:bodyPr anchorCtr="0" anchor="t" bIns="91425" lIns="91425" spcFirstLastPara="1" rIns="91425" wrap="square" tIns="91425">
+          <a:bodyPr spcFirstLastPara="1" wrap="square" lIns="91425" tIns="91425" rIns="91425" bIns="91425" anchor="t" anchorCtr="0">
             <a:spAutoFit/>
           </a:bodyPr>
           <a:lstStyle/>
           <a:p>
-            <a:pPr indent="-330200" lvl="0" marL="457200" rtl="0" algn="l">
+            <a:pPr marL="457200" lvl="0" indent="-330200" algn="l" rtl="0">
               <a:spcBef>
                 <a:spcPts val="0"/>
               </a:spcBef>
@@ -9648,22 +9477,19 @@
             <a:endParaRPr sz="1600"/>
           </a:p>
           <a:p>
-            <a:pPr indent="0" lvl="0" marL="0" rtl="0" algn="l">
-              <a:spcBef>
-                <a:spcPts val="0"/>
-              </a:spcBef>
-              <a:spcAft>
-                <a:spcPts val="0"/>
-              </a:spcAft>
-              <a:buNone/>
-            </a:pPr>
-            <a:r>
-              <a:t/>
-            </a:r>
+            <a:pPr marL="0" lvl="0" indent="0" algn="l" rtl="0">
+              <a:spcBef>
+                <a:spcPts val="0"/>
+              </a:spcBef>
+              <a:spcAft>
+                <a:spcPts val="0"/>
+              </a:spcAft>
+              <a:buNone/>
+            </a:pPr>
             <a:endParaRPr sz="1600"/>
           </a:p>
           <a:p>
-            <a:pPr indent="-330200" lvl="0" marL="457200" rtl="0" algn="l">
+            <a:pPr marL="457200" lvl="0" indent="-330200" algn="l" rtl="0">
               <a:spcBef>
                 <a:spcPts val="0"/>
               </a:spcBef>
@@ -9680,22 +9506,19 @@
             <a:endParaRPr sz="1600"/>
           </a:p>
           <a:p>
-            <a:pPr indent="0" lvl="0" marL="0" rtl="0" algn="l">
-              <a:spcBef>
-                <a:spcPts val="0"/>
-              </a:spcBef>
-              <a:spcAft>
-                <a:spcPts val="0"/>
-              </a:spcAft>
-              <a:buNone/>
-            </a:pPr>
-            <a:r>
-              <a:t/>
-            </a:r>
+            <a:pPr marL="0" lvl="0" indent="0" algn="l" rtl="0">
+              <a:spcBef>
+                <a:spcPts val="0"/>
+              </a:spcBef>
+              <a:spcAft>
+                <a:spcPts val="0"/>
+              </a:spcAft>
+              <a:buNone/>
+            </a:pPr>
             <a:endParaRPr sz="1600"/>
           </a:p>
           <a:p>
-            <a:pPr indent="-330200" lvl="0" marL="457200" rtl="0" algn="l">
+            <a:pPr marL="457200" lvl="0" indent="-330200" algn="l" rtl="0">
               <a:spcBef>
                 <a:spcPts val="0"/>
               </a:spcBef>
@@ -9712,22 +9535,19 @@
             <a:endParaRPr sz="1600"/>
           </a:p>
           <a:p>
-            <a:pPr indent="0" lvl="0" marL="0" rtl="0" algn="l">
-              <a:spcBef>
-                <a:spcPts val="0"/>
-              </a:spcBef>
-              <a:spcAft>
-                <a:spcPts val="0"/>
-              </a:spcAft>
-              <a:buNone/>
-            </a:pPr>
-            <a:r>
-              <a:t/>
-            </a:r>
+            <a:pPr marL="0" lvl="0" indent="0" algn="l" rtl="0">
+              <a:spcBef>
+                <a:spcPts val="0"/>
+              </a:spcBef>
+              <a:spcAft>
+                <a:spcPts val="0"/>
+              </a:spcAft>
+              <a:buNone/>
+            </a:pPr>
             <a:endParaRPr sz="1600"/>
           </a:p>
           <a:p>
-            <a:pPr indent="-330200" lvl="0" marL="457200" rtl="0" algn="l">
+            <a:pPr marL="457200" lvl="0" indent="-330200" algn="l" rtl="0">
               <a:spcBef>
                 <a:spcPts val="0"/>
               </a:spcBef>
@@ -9756,33 +9576,27 @@
             <a:endParaRPr sz="1600"/>
           </a:p>
           <a:p>
-            <a:pPr indent="0" lvl="0" marL="0" rtl="0" algn="l">
-              <a:spcBef>
-                <a:spcPts val="0"/>
-              </a:spcBef>
-              <a:spcAft>
-                <a:spcPts val="0"/>
-              </a:spcAft>
-              <a:buNone/>
-            </a:pPr>
-            <a:r>
-              <a:t/>
-            </a:r>
+            <a:pPr marL="0" lvl="0" indent="0" algn="l" rtl="0">
+              <a:spcBef>
+                <a:spcPts val="0"/>
+              </a:spcBef>
+              <a:spcAft>
+                <a:spcPts val="0"/>
+              </a:spcAft>
+              <a:buNone/>
+            </a:pPr>
             <a:endParaRPr sz="1600"/>
           </a:p>
           <a:p>
-            <a:pPr indent="0" lvl="0" marL="0" rtl="0" algn="l">
-              <a:spcBef>
-                <a:spcPts val="0"/>
-              </a:spcBef>
-              <a:spcAft>
-                <a:spcPts val="0"/>
-              </a:spcAft>
-              <a:buNone/>
-            </a:pPr>
-            <a:r>
-              <a:t/>
-            </a:r>
+            <a:pPr marL="0" lvl="0" indent="0" algn="l" rtl="0">
+              <a:spcBef>
+                <a:spcPts val="0"/>
+              </a:spcBef>
+              <a:spcAft>
+                <a:spcPts val="0"/>
+              </a:spcAft>
+              <a:buNone/>
+            </a:pPr>
             <a:endParaRPr sz="1600"/>
           </a:p>
         </p:txBody>
@@ -9796,11 +9610,11 @@
 </file>
 
 <file path=ppt/slides/slide2.xml><?xml version="1.0" encoding="utf-8"?>
-<p:sld xmlns:a="http://schemas.openxmlformats.org/drawingml/2006/main" xmlns:r="http://schemas.openxmlformats.org/officeDocument/2006/relationships" xmlns:mc="http://schemas.openxmlformats.org/markup-compatibility/2006" xmlns:mv="urn:schemas-microsoft-com:mac:vml" xmlns:p="http://schemas.openxmlformats.org/presentationml/2006/main" xmlns:c="http://schemas.openxmlformats.org/drawingml/2006/chart" xmlns:dgm="http://schemas.openxmlformats.org/drawingml/2006/diagram" xmlns:o="urn:schemas-microsoft-com:office:office" xmlns:v="urn:schemas-microsoft-com:vml" xmlns:pvml="urn:schemas-microsoft-com:office:powerpoint" xmlns:com="http://schemas.openxmlformats.org/drawingml/2006/compatibility" xmlns:p14="http://schemas.microsoft.com/office/powerpoint/2010/main" xmlns:p15="http://schemas.microsoft.com/office/powerpoint/2012/main" xmlns:ahyp="http://schemas.microsoft.com/office/drawing/2018/hyperlinkcolor">
+<p:sld xmlns:a="http://schemas.openxmlformats.org/drawingml/2006/main" xmlns:r="http://schemas.openxmlformats.org/officeDocument/2006/relationships" xmlns:p="http://schemas.openxmlformats.org/presentationml/2006/main">
   <p:cSld>
     <p:spTree>
       <p:nvGrpSpPr>
-        <p:cNvPr id="59" name="Shape 59"/>
+        <p:cNvPr id="1" name="Shape 59"/>
         <p:cNvGrpSpPr/>
         <p:nvPr/>
       </p:nvGrpSpPr>
@@ -9815,7 +9629,9 @@
       <p:sp>
         <p:nvSpPr>
           <p:cNvPr id="60" name="Google Shape;60;p14"/>
-          <p:cNvSpPr txBox="1"/>
+          <p:cNvSpPr txBox="1">
+            <a:spLocks noGrp="1"/>
+          </p:cNvSpPr>
           <p:nvPr>
             <p:ph type="title"/>
           </p:nvPr>
@@ -9830,12 +9646,12 @@
           </a:prstGeom>
         </p:spPr>
         <p:txBody>
-          <a:bodyPr anchorCtr="0" anchor="t" bIns="91425" lIns="91425" spcFirstLastPara="1" rIns="91425" wrap="square" tIns="91425">
+          <a:bodyPr spcFirstLastPara="1" wrap="square" lIns="91425" tIns="91425" rIns="91425" bIns="91425" anchor="t" anchorCtr="0">
             <a:normAutofit fontScale="90000"/>
           </a:bodyPr>
           <a:lstStyle/>
           <a:p>
-            <a:pPr indent="0" lvl="0" marL="0" rtl="0" algn="l">
+            <a:pPr marL="0" lvl="0" indent="0" algn="l" rtl="0">
               <a:spcBef>
                 <a:spcPts val="0"/>
               </a:spcBef>
@@ -9851,7 +9667,7 @@
             <a:endParaRPr/>
           </a:p>
           <a:p>
-            <a:pPr indent="0" lvl="0" marL="0" rtl="0" algn="l">
+            <a:pPr marL="0" lvl="0" indent="0" algn="l" rtl="0">
               <a:spcBef>
                 <a:spcPts val="0"/>
               </a:spcBef>
@@ -9888,12 +9704,12 @@
           </a:ln>
         </p:spPr>
         <p:txBody>
-          <a:bodyPr anchorCtr="0" anchor="t" bIns="91425" lIns="91425" spcFirstLastPara="1" rIns="91425" wrap="square" tIns="91425">
+          <a:bodyPr spcFirstLastPara="1" wrap="square" lIns="91425" tIns="91425" rIns="91425" bIns="91425" anchor="t" anchorCtr="0">
             <a:spAutoFit/>
           </a:bodyPr>
           <a:lstStyle/>
           <a:p>
-            <a:pPr indent="0" lvl="0" marL="0" rtl="0" algn="l">
+            <a:pPr marL="0" lvl="0" indent="0" algn="l" rtl="0">
               <a:spcBef>
                 <a:spcPts val="0"/>
               </a:spcBef>
@@ -9958,12 +9774,12 @@
           </a:ln>
         </p:spPr>
         <p:txBody>
-          <a:bodyPr anchorCtr="0" anchor="t" bIns="91425" lIns="91425" spcFirstLastPara="1" rIns="91425" wrap="square" tIns="91425">
+          <a:bodyPr spcFirstLastPara="1" wrap="square" lIns="91425" tIns="91425" rIns="91425" bIns="91425" anchor="t" anchorCtr="0">
             <a:spAutoFit/>
           </a:bodyPr>
           <a:lstStyle/>
           <a:p>
-            <a:pPr indent="0" lvl="0" marL="0" rtl="0" algn="l">
+            <a:pPr marL="0" lvl="0" indent="0" algn="l" rtl="0">
               <a:spcBef>
                 <a:spcPts val="0"/>
               </a:spcBef>
@@ -9978,15 +9794,7 @@
                   <a:schemeClr val="dk1"/>
                 </a:solidFill>
               </a:rPr>
-              <a:t>A</a:t>
-            </a:r>
-            <a:r>
-              <a:rPr lang="en" sz="1500">
-                <a:solidFill>
-                  <a:schemeClr val="dk1"/>
-                </a:solidFill>
-              </a:rPr>
-              <a:t>ge group</a:t>
+              <a:t>Age group</a:t>
             </a:r>
             <a:endParaRPr sz="1500">
               <a:solidFill>
@@ -9995,7 +9803,7 @@
             </a:endParaRPr>
           </a:p>
           <a:p>
-            <a:pPr indent="0" lvl="0" marL="0" rtl="0" algn="l">
+            <a:pPr marL="0" lvl="0" indent="0" algn="l" rtl="0">
               <a:spcBef>
                 <a:spcPts val="0"/>
               </a:spcBef>
@@ -10019,7 +9827,7 @@
             </a:endParaRPr>
           </a:p>
           <a:p>
-            <a:pPr indent="0" lvl="0" marL="0" rtl="0" algn="l">
+            <a:pPr marL="0" lvl="0" indent="0" algn="l" rtl="0">
               <a:spcBef>
                 <a:spcPts val="0"/>
               </a:spcBef>
@@ -10049,11 +9857,11 @@
 </file>
 
 <file path=ppt/slides/slide3.xml><?xml version="1.0" encoding="utf-8"?>
-<p:sld xmlns:a="http://schemas.openxmlformats.org/drawingml/2006/main" xmlns:r="http://schemas.openxmlformats.org/officeDocument/2006/relationships" xmlns:mc="http://schemas.openxmlformats.org/markup-compatibility/2006" xmlns:mv="urn:schemas-microsoft-com:mac:vml" xmlns:p="http://schemas.openxmlformats.org/presentationml/2006/main" xmlns:c="http://schemas.openxmlformats.org/drawingml/2006/chart" xmlns:dgm="http://schemas.openxmlformats.org/drawingml/2006/diagram" xmlns:o="urn:schemas-microsoft-com:office:office" xmlns:v="urn:schemas-microsoft-com:vml" xmlns:pvml="urn:schemas-microsoft-com:office:powerpoint" xmlns:com="http://schemas.openxmlformats.org/drawingml/2006/compatibility" xmlns:p14="http://schemas.microsoft.com/office/powerpoint/2010/main" xmlns:p15="http://schemas.microsoft.com/office/powerpoint/2012/main" xmlns:ahyp="http://schemas.microsoft.com/office/drawing/2018/hyperlinkcolor">
+<p:sld xmlns:a="http://schemas.openxmlformats.org/drawingml/2006/main" xmlns:r="http://schemas.openxmlformats.org/officeDocument/2006/relationships" xmlns:p="http://schemas.openxmlformats.org/presentationml/2006/main">
   <p:cSld>
     <p:spTree>
       <p:nvGrpSpPr>
-        <p:cNvPr id="67" name="Shape 67"/>
+        <p:cNvPr id="1" name="Shape 67"/>
         <p:cNvGrpSpPr/>
         <p:nvPr/>
       </p:nvGrpSpPr>
@@ -10068,7 +9876,9 @@
       <p:sp>
         <p:nvSpPr>
           <p:cNvPr id="68" name="Google Shape;68;p15"/>
-          <p:cNvSpPr txBox="1"/>
+          <p:cNvSpPr txBox="1">
+            <a:spLocks noGrp="1"/>
+          </p:cNvSpPr>
           <p:nvPr>
             <p:ph type="title"/>
           </p:nvPr>
@@ -10083,12 +9893,12 @@
           </a:prstGeom>
         </p:spPr>
         <p:txBody>
-          <a:bodyPr anchorCtr="0" anchor="t" bIns="91425" lIns="91425" spcFirstLastPara="1" rIns="91425" wrap="square" tIns="91425">
+          <a:bodyPr spcFirstLastPara="1" wrap="square" lIns="91425" tIns="91425" rIns="91425" bIns="91425" anchor="t" anchorCtr="0">
             <a:normAutofit fontScale="90000"/>
           </a:bodyPr>
           <a:lstStyle/>
           <a:p>
-            <a:pPr indent="0" lvl="0" marL="0" rtl="0" algn="l">
+            <a:pPr marL="0" lvl="0" indent="0" algn="l" rtl="0">
               <a:spcBef>
                 <a:spcPts val="0"/>
               </a:spcBef>
@@ -10099,11 +9909,7 @@
             </a:pPr>
             <a:r>
               <a:rPr lang="en"/>
-              <a:t>W</a:t>
-            </a:r>
-            <a:r>
-              <a:rPr lang="en"/>
-              <a:t>ealth can also influence knowledge levels</a:t>
+              <a:t>Wealth can also influence knowledge levels</a:t>
             </a:r>
             <a:endParaRPr/>
           </a:p>
@@ -10129,12 +9935,12 @@
           </a:ln>
         </p:spPr>
         <p:txBody>
-          <a:bodyPr anchorCtr="0" anchor="t" bIns="91425" lIns="91425" spcFirstLastPara="1" rIns="91425" wrap="square" tIns="91425">
+          <a:bodyPr spcFirstLastPara="1" wrap="square" lIns="91425" tIns="91425" rIns="91425" bIns="91425" anchor="t" anchorCtr="0">
             <a:spAutoFit/>
           </a:bodyPr>
           <a:lstStyle/>
           <a:p>
-            <a:pPr indent="0" lvl="0" marL="0" rtl="0" algn="l">
+            <a:pPr marL="0" lvl="0" indent="0" algn="l" rtl="0">
               <a:spcBef>
                 <a:spcPts val="0"/>
               </a:spcBef>
@@ -10161,7 +9967,7 @@
           <a:blip r:embed="rId3">
             <a:alphaModFix/>
           </a:blip>
-          <a:srcRect b="0" l="0" r="0" t="10976"/>
+          <a:srcRect t="10976"/>
           <a:stretch/>
         </p:blipFill>
         <p:spPr>
@@ -10187,11 +9993,11 @@
 </file>
 
 <file path=ppt/slides/slide4.xml><?xml version="1.0" encoding="utf-8"?>
-<p:sld xmlns:a="http://schemas.openxmlformats.org/drawingml/2006/main" xmlns:r="http://schemas.openxmlformats.org/officeDocument/2006/relationships" xmlns:mc="http://schemas.openxmlformats.org/markup-compatibility/2006" xmlns:mv="urn:schemas-microsoft-com:mac:vml" xmlns:p="http://schemas.openxmlformats.org/presentationml/2006/main" xmlns:c="http://schemas.openxmlformats.org/drawingml/2006/chart" xmlns:dgm="http://schemas.openxmlformats.org/drawingml/2006/diagram" xmlns:o="urn:schemas-microsoft-com:office:office" xmlns:v="urn:schemas-microsoft-com:vml" xmlns:pvml="urn:schemas-microsoft-com:office:powerpoint" xmlns:com="http://schemas.openxmlformats.org/drawingml/2006/compatibility" xmlns:p14="http://schemas.microsoft.com/office/powerpoint/2010/main" xmlns:p15="http://schemas.microsoft.com/office/powerpoint/2012/main" xmlns:ahyp="http://schemas.microsoft.com/office/drawing/2018/hyperlinkcolor">
+<p:sld xmlns:a="http://schemas.openxmlformats.org/drawingml/2006/main" xmlns:r="http://schemas.openxmlformats.org/officeDocument/2006/relationships" xmlns:p="http://schemas.openxmlformats.org/presentationml/2006/main">
   <p:cSld>
     <p:spTree>
       <p:nvGrpSpPr>
-        <p:cNvPr id="74" name="Shape 74"/>
+        <p:cNvPr id="1" name="Shape 74"/>
         <p:cNvGrpSpPr/>
         <p:nvPr/>
       </p:nvGrpSpPr>
@@ -10216,38 +10022,35 @@
           </a:xfrm>
           <a:prstGeom prst="roundRect">
             <a:avLst>
-              <a:gd fmla="val 16667" name="adj"/>
+              <a:gd name="adj" fmla="val 16667"/>
             </a:avLst>
           </a:prstGeom>
           <a:noFill/>
-          <a:ln cap="flat" cmpd="sng" w="28575">
+          <a:ln w="28575" cap="flat" cmpd="sng">
             <a:solidFill>
               <a:schemeClr val="accent4"/>
             </a:solidFill>
             <a:prstDash val="solid"/>
             <a:round/>
-            <a:headEnd len="sm" w="sm" type="none"/>
-            <a:tailEnd len="sm" w="sm" type="none"/>
+            <a:headEnd type="none" w="sm" len="sm"/>
+            <a:tailEnd type="none" w="sm" len="sm"/>
           </a:ln>
         </p:spPr>
         <p:txBody>
-          <a:bodyPr anchorCtr="0" anchor="ctr" bIns="91425" lIns="91425" spcFirstLastPara="1" rIns="91425" wrap="square" tIns="91425">
+          <a:bodyPr spcFirstLastPara="1" wrap="square" lIns="91425" tIns="91425" rIns="91425" bIns="91425" anchor="ctr" anchorCtr="0">
             <a:noAutofit/>
           </a:bodyPr>
           <a:lstStyle/>
           <a:p>
-            <a:pPr indent="0" lvl="0" marL="0" rtl="0" algn="l">
-              <a:spcBef>
-                <a:spcPts val="0"/>
-              </a:spcBef>
-              <a:spcAft>
-                <a:spcPts val="0"/>
-              </a:spcAft>
-              <a:buNone/>
-            </a:pPr>
-            <a:r>
-              <a:t/>
-            </a:r>
+            <a:pPr marL="0" lvl="0" indent="0" algn="l" rtl="0">
+              <a:spcBef>
+                <a:spcPts val="0"/>
+              </a:spcBef>
+              <a:spcAft>
+                <a:spcPts val="0"/>
+              </a:spcAft>
+              <a:buNone/>
+            </a:pPr>
             <a:endParaRPr/>
           </a:p>
         </p:txBody>
@@ -10255,7 +10058,9 @@
       <p:sp>
         <p:nvSpPr>
           <p:cNvPr id="76" name="Google Shape;76;p16"/>
-          <p:cNvSpPr txBox="1"/>
+          <p:cNvSpPr txBox="1">
+            <a:spLocks noGrp="1"/>
+          </p:cNvSpPr>
           <p:nvPr>
             <p:ph type="title"/>
           </p:nvPr>
@@ -10270,12 +10075,12 @@
           </a:prstGeom>
         </p:spPr>
         <p:txBody>
-          <a:bodyPr anchorCtr="0" anchor="t" bIns="91425" lIns="91425" spcFirstLastPara="1" rIns="91425" wrap="square" tIns="91425">
+          <a:bodyPr spcFirstLastPara="1" wrap="square" lIns="91425" tIns="91425" rIns="91425" bIns="91425" anchor="t" anchorCtr="0">
             <a:normAutofit fontScale="90000"/>
           </a:bodyPr>
           <a:lstStyle/>
           <a:p>
-            <a:pPr indent="0" lvl="0" marL="0" rtl="0" algn="l">
+            <a:pPr marL="0" lvl="0" indent="0" algn="l" rtl="0">
               <a:spcBef>
                 <a:spcPts val="0"/>
               </a:spcBef>
@@ -10286,15 +10091,7 @@
             </a:pPr>
             <a:r>
               <a:rPr lang="en"/>
-              <a:t>Goal</a:t>
-            </a:r>
-            <a:r>
-              <a:rPr lang="en"/>
-              <a:t>: To better understand the current status and predict the i</a:t>
-            </a:r>
-            <a:r>
-              <a:rPr lang="en"/>
-              <a:t>nclusive and equitable quality education</a:t>
+              <a:t>Goal: To better understand the current status and predict the inclusive and equitable quality education</a:t>
             </a:r>
             <a:endParaRPr/>
           </a:p>
@@ -10313,41 +10110,38 @@
           </a:xfrm>
           <a:prstGeom prst="stripedRightArrow">
             <a:avLst>
-              <a:gd fmla="val 50000" name="adj1"/>
-              <a:gd fmla="val 50000" name="adj2"/>
+              <a:gd name="adj1" fmla="val 50000"/>
+              <a:gd name="adj2" fmla="val 50000"/>
             </a:avLst>
           </a:prstGeom>
           <a:solidFill>
             <a:schemeClr val="lt2"/>
           </a:solidFill>
-          <a:ln cap="flat" cmpd="sng" w="9525">
+          <a:ln w="9525" cap="flat" cmpd="sng">
             <a:solidFill>
               <a:schemeClr val="dk2"/>
             </a:solidFill>
             <a:prstDash val="solid"/>
             <a:round/>
-            <a:headEnd len="sm" w="sm" type="none"/>
-            <a:tailEnd len="sm" w="sm" type="none"/>
+            <a:headEnd type="none" w="sm" len="sm"/>
+            <a:tailEnd type="none" w="sm" len="sm"/>
           </a:ln>
         </p:spPr>
         <p:txBody>
-          <a:bodyPr anchorCtr="0" anchor="ctr" bIns="91425" lIns="91425" spcFirstLastPara="1" rIns="91425" wrap="square" tIns="91425">
+          <a:bodyPr spcFirstLastPara="1" wrap="square" lIns="91425" tIns="91425" rIns="91425" bIns="91425" anchor="ctr" anchorCtr="0">
             <a:noAutofit/>
           </a:bodyPr>
           <a:lstStyle/>
           <a:p>
-            <a:pPr indent="0" lvl="0" marL="0" rtl="0" algn="l">
-              <a:spcBef>
-                <a:spcPts val="0"/>
-              </a:spcBef>
-              <a:spcAft>
-                <a:spcPts val="0"/>
-              </a:spcAft>
-              <a:buNone/>
-            </a:pPr>
-            <a:r>
-              <a:t/>
-            </a:r>
+            <a:pPr marL="0" lvl="0" indent="0" algn="l" rtl="0">
+              <a:spcBef>
+                <a:spcPts val="0"/>
+              </a:spcBef>
+              <a:spcAft>
+                <a:spcPts val="0"/>
+              </a:spcAft>
+              <a:buNone/>
+            </a:pPr>
             <a:endParaRPr/>
           </a:p>
         </p:txBody>
@@ -10365,38 +10159,35 @@
           </a:xfrm>
           <a:prstGeom prst="roundRect">
             <a:avLst>
-              <a:gd fmla="val 16667" name="adj"/>
+              <a:gd name="adj" fmla="val 16667"/>
             </a:avLst>
           </a:prstGeom>
           <a:noFill/>
-          <a:ln cap="flat" cmpd="sng" w="28575">
+          <a:ln w="28575" cap="flat" cmpd="sng">
             <a:solidFill>
               <a:schemeClr val="accent4"/>
             </a:solidFill>
             <a:prstDash val="solid"/>
             <a:round/>
-            <a:headEnd len="sm" w="sm" type="none"/>
-            <a:tailEnd len="sm" w="sm" type="none"/>
+            <a:headEnd type="none" w="sm" len="sm"/>
+            <a:tailEnd type="none" w="sm" len="sm"/>
           </a:ln>
         </p:spPr>
         <p:txBody>
-          <a:bodyPr anchorCtr="0" anchor="ctr" bIns="91425" lIns="91425" spcFirstLastPara="1" rIns="91425" wrap="square" tIns="91425">
+          <a:bodyPr spcFirstLastPara="1" wrap="square" lIns="91425" tIns="91425" rIns="91425" bIns="91425" anchor="ctr" anchorCtr="0">
             <a:noAutofit/>
           </a:bodyPr>
           <a:lstStyle/>
           <a:p>
-            <a:pPr indent="0" lvl="0" marL="0" rtl="0" algn="l">
-              <a:spcBef>
-                <a:spcPts val="0"/>
-              </a:spcBef>
-              <a:spcAft>
-                <a:spcPts val="0"/>
-              </a:spcAft>
-              <a:buNone/>
-            </a:pPr>
-            <a:r>
-              <a:t/>
-            </a:r>
+            <a:pPr marL="0" lvl="0" indent="0" algn="l" rtl="0">
+              <a:spcBef>
+                <a:spcPts val="0"/>
+              </a:spcBef>
+              <a:spcAft>
+                <a:spcPts val="0"/>
+              </a:spcAft>
+              <a:buNone/>
+            </a:pPr>
             <a:endParaRPr b="1"/>
           </a:p>
         </p:txBody>
@@ -10421,12 +10212,12 @@
           </a:ln>
         </p:spPr>
         <p:txBody>
-          <a:bodyPr anchorCtr="0" anchor="t" bIns="91425" lIns="91425" spcFirstLastPara="1" rIns="91425" wrap="square" tIns="91425">
+          <a:bodyPr spcFirstLastPara="1" wrap="square" lIns="91425" tIns="91425" rIns="91425" bIns="91425" anchor="t" anchorCtr="0">
             <a:spAutoFit/>
           </a:bodyPr>
           <a:lstStyle/>
           <a:p>
-            <a:pPr indent="-317500" lvl="0" marL="457200" rtl="0" algn="l">
+            <a:pPr marL="457200" lvl="0" indent="-317500" algn="l" rtl="0">
               <a:spcBef>
                 <a:spcPts val="0"/>
               </a:spcBef>
@@ -10443,22 +10234,19 @@
             <a:endParaRPr/>
           </a:p>
           <a:p>
-            <a:pPr indent="0" lvl="0" marL="457200" rtl="0" algn="l">
-              <a:spcBef>
-                <a:spcPts val="0"/>
-              </a:spcBef>
-              <a:spcAft>
-                <a:spcPts val="0"/>
-              </a:spcAft>
-              <a:buNone/>
-            </a:pPr>
-            <a:r>
-              <a:t/>
-            </a:r>
+            <a:pPr marL="457200" lvl="0" indent="0" algn="l" rtl="0">
+              <a:spcBef>
+                <a:spcPts val="0"/>
+              </a:spcBef>
+              <a:spcAft>
+                <a:spcPts val="0"/>
+              </a:spcAft>
+              <a:buNone/>
+            </a:pPr>
             <a:endParaRPr/>
           </a:p>
           <a:p>
-            <a:pPr indent="-317500" lvl="0" marL="457200" rtl="0" algn="l">
+            <a:pPr marL="457200" lvl="0" indent="-317500" algn="l" rtl="0">
               <a:spcBef>
                 <a:spcPts val="0"/>
               </a:spcBef>
@@ -10496,12 +10284,12 @@
           </a:ln>
         </p:spPr>
         <p:txBody>
-          <a:bodyPr anchorCtr="0" anchor="t" bIns="91425" lIns="91425" spcFirstLastPara="1" rIns="91425" wrap="square" tIns="91425">
+          <a:bodyPr spcFirstLastPara="1" wrap="square" lIns="91425" tIns="91425" rIns="91425" bIns="91425" anchor="t" anchorCtr="0">
             <a:spAutoFit/>
           </a:bodyPr>
           <a:lstStyle/>
           <a:p>
-            <a:pPr indent="0" lvl="0" marL="0" rtl="0" algn="l">
+            <a:pPr marL="0" lvl="0" indent="0" algn="l" rtl="0">
               <a:spcBef>
                 <a:spcPts val="0"/>
               </a:spcBef>
@@ -10511,14 +10299,10 @@
               <a:buNone/>
             </a:pPr>
             <a:r>
-              <a:rPr b="1" lang="en" sz="1500"/>
-              <a:t>Step 3: </a:t>
+              <a:rPr lang="en" sz="1500" b="1"/>
+              <a:t>Step 3: Prediction</a:t>
             </a:r>
-            <a:r>
-              <a:rPr b="1" lang="en" sz="1500"/>
-              <a:t>Prediction</a:t>
-            </a:r>
-            <a:endParaRPr b="1" sz="1500"/>
+            <a:endParaRPr sz="1500" b="1"/>
           </a:p>
         </p:txBody>
       </p:sp>
@@ -10542,12 +10326,12 @@
           </a:ln>
         </p:spPr>
         <p:txBody>
-          <a:bodyPr anchorCtr="0" anchor="t" bIns="91425" lIns="91425" spcFirstLastPara="1" rIns="91425" wrap="square" tIns="91425">
+          <a:bodyPr spcFirstLastPara="1" wrap="square" lIns="91425" tIns="91425" rIns="91425" bIns="91425" anchor="t" anchorCtr="0">
             <a:spAutoFit/>
           </a:bodyPr>
           <a:lstStyle/>
           <a:p>
-            <a:pPr indent="0" lvl="0" marL="0" rtl="0" algn="l">
+            <a:pPr marL="0" lvl="0" indent="0" algn="l" rtl="0">
               <a:spcBef>
                 <a:spcPts val="0"/>
               </a:spcBef>
@@ -10557,10 +10341,10 @@
               <a:buNone/>
             </a:pPr>
             <a:r>
-              <a:rPr b="1" lang="en" sz="1500"/>
+              <a:rPr lang="en" sz="1500" b="1"/>
               <a:t>Step 2: Statistical Modeling</a:t>
             </a:r>
-            <a:endParaRPr b="1" sz="1500"/>
+            <a:endParaRPr sz="1500" b="1"/>
           </a:p>
         </p:txBody>
       </p:sp>
@@ -10584,12 +10368,12 @@
           </a:ln>
         </p:spPr>
         <p:txBody>
-          <a:bodyPr anchorCtr="0" anchor="t" bIns="91425" lIns="91425" spcFirstLastPara="1" rIns="91425" wrap="square" tIns="91425">
+          <a:bodyPr spcFirstLastPara="1" wrap="square" lIns="91425" tIns="91425" rIns="91425" bIns="91425" anchor="t" anchorCtr="0">
             <a:spAutoFit/>
           </a:bodyPr>
           <a:lstStyle/>
           <a:p>
-            <a:pPr indent="-317500" lvl="0" marL="457200" rtl="0" algn="l">
+            <a:pPr marL="457200" lvl="0" indent="-317500" algn="l" rtl="0">
               <a:spcBef>
                 <a:spcPts val="0"/>
               </a:spcBef>
@@ -10601,31 +10385,24 @@
             </a:pPr>
             <a:r>
               <a:rPr lang="en"/>
-              <a:t>Choose</a:t>
-            </a:r>
-            <a:r>
-              <a:rPr lang="en"/>
-              <a:t> input and prediction features</a:t>
+              <a:t>Choose input and prediction features</a:t>
             </a:r>
             <a:endParaRPr/>
           </a:p>
           <a:p>
-            <a:pPr indent="0" lvl="0" marL="457200" rtl="0" algn="l">
-              <a:spcBef>
-                <a:spcPts val="0"/>
-              </a:spcBef>
-              <a:spcAft>
-                <a:spcPts val="0"/>
-              </a:spcAft>
-              <a:buNone/>
-            </a:pPr>
-            <a:r>
-              <a:t/>
-            </a:r>
+            <a:pPr marL="457200" lvl="0" indent="0" algn="l" rtl="0">
+              <a:spcBef>
+                <a:spcPts val="0"/>
+              </a:spcBef>
+              <a:spcAft>
+                <a:spcPts val="0"/>
+              </a:spcAft>
+              <a:buNone/>
+            </a:pPr>
             <a:endParaRPr/>
           </a:p>
           <a:p>
-            <a:pPr indent="-317500" lvl="0" marL="457200" rtl="0" algn="l">
+            <a:pPr marL="457200" lvl="0" indent="-317500" algn="l" rtl="0">
               <a:spcBef>
                 <a:spcPts val="0"/>
               </a:spcBef>
@@ -10642,22 +10419,19 @@
             <a:endParaRPr/>
           </a:p>
           <a:p>
-            <a:pPr indent="0" lvl="0" marL="457200" rtl="0" algn="l">
-              <a:spcBef>
-                <a:spcPts val="0"/>
-              </a:spcBef>
-              <a:spcAft>
-                <a:spcPts val="0"/>
-              </a:spcAft>
-              <a:buNone/>
-            </a:pPr>
-            <a:r>
-              <a:t/>
-            </a:r>
+            <a:pPr marL="457200" lvl="0" indent="0" algn="l" rtl="0">
+              <a:spcBef>
+                <a:spcPts val="0"/>
+              </a:spcBef>
+              <a:spcAft>
+                <a:spcPts val="0"/>
+              </a:spcAft>
+              <a:buNone/>
+            </a:pPr>
             <a:endParaRPr/>
           </a:p>
           <a:p>
-            <a:pPr indent="-317500" lvl="0" marL="457200" rtl="0" algn="l">
+            <a:pPr marL="457200" lvl="0" indent="-317500" algn="l" rtl="0">
               <a:spcBef>
                 <a:spcPts val="0"/>
               </a:spcBef>
@@ -10695,12 +10469,12 @@
           </a:ln>
         </p:spPr>
         <p:txBody>
-          <a:bodyPr anchorCtr="0" anchor="t" bIns="91425" lIns="91425" spcFirstLastPara="1" rIns="91425" wrap="square" tIns="91425">
+          <a:bodyPr spcFirstLastPara="1" wrap="square" lIns="91425" tIns="91425" rIns="91425" bIns="91425" anchor="t" anchorCtr="0">
             <a:spAutoFit/>
           </a:bodyPr>
           <a:lstStyle/>
           <a:p>
-            <a:pPr indent="0" lvl="0" marL="0" rtl="0" algn="l">
+            <a:pPr marL="0" lvl="0" indent="0" algn="l" rtl="0">
               <a:spcBef>
                 <a:spcPts val="0"/>
               </a:spcBef>
@@ -10710,10 +10484,10 @@
               <a:buNone/>
             </a:pPr>
             <a:r>
-              <a:rPr b="1" lang="en" sz="1500"/>
+              <a:rPr lang="en" sz="1500" b="1"/>
               <a:t>Step 1: Data Wrangling</a:t>
             </a:r>
-            <a:endParaRPr b="1" sz="1500"/>
+            <a:endParaRPr sz="1500" b="1"/>
           </a:p>
         </p:txBody>
       </p:sp>
@@ -10730,38 +10504,35 @@
           </a:xfrm>
           <a:prstGeom prst="roundRect">
             <a:avLst>
-              <a:gd fmla="val 16667" name="adj"/>
+              <a:gd name="adj" fmla="val 16667"/>
             </a:avLst>
           </a:prstGeom>
           <a:noFill/>
-          <a:ln cap="flat" cmpd="sng" w="28575">
+          <a:ln w="28575" cap="flat" cmpd="sng">
             <a:solidFill>
               <a:schemeClr val="accent4"/>
             </a:solidFill>
             <a:prstDash val="solid"/>
             <a:round/>
-            <a:headEnd len="sm" w="sm" type="none"/>
-            <a:tailEnd len="sm" w="sm" type="none"/>
+            <a:headEnd type="none" w="sm" len="sm"/>
+            <a:tailEnd type="none" w="sm" len="sm"/>
           </a:ln>
         </p:spPr>
         <p:txBody>
-          <a:bodyPr anchorCtr="0" anchor="ctr" bIns="91425" lIns="91425" spcFirstLastPara="1" rIns="91425" wrap="square" tIns="91425">
+          <a:bodyPr spcFirstLastPara="1" wrap="square" lIns="91425" tIns="91425" rIns="91425" bIns="91425" anchor="ctr" anchorCtr="0">
             <a:noAutofit/>
           </a:bodyPr>
           <a:lstStyle/>
           <a:p>
-            <a:pPr indent="0" lvl="0" marL="0" rtl="0" algn="l">
-              <a:spcBef>
-                <a:spcPts val="0"/>
-              </a:spcBef>
-              <a:spcAft>
-                <a:spcPts val="0"/>
-              </a:spcAft>
-              <a:buNone/>
-            </a:pPr>
-            <a:r>
-              <a:t/>
-            </a:r>
+            <a:pPr marL="0" lvl="0" indent="0" algn="l" rtl="0">
+              <a:spcBef>
+                <a:spcPts val="0"/>
+              </a:spcBef>
+              <a:spcAft>
+                <a:spcPts val="0"/>
+              </a:spcAft>
+              <a:buNone/>
+            </a:pPr>
             <a:endParaRPr/>
           </a:p>
         </p:txBody>
@@ -10779,41 +10550,38 @@
           </a:xfrm>
           <a:prstGeom prst="stripedRightArrow">
             <a:avLst>
-              <a:gd fmla="val 50000" name="adj1"/>
-              <a:gd fmla="val 50000" name="adj2"/>
+              <a:gd name="adj1" fmla="val 50000"/>
+              <a:gd name="adj2" fmla="val 50000"/>
             </a:avLst>
           </a:prstGeom>
           <a:solidFill>
             <a:schemeClr val="lt2"/>
           </a:solidFill>
-          <a:ln cap="flat" cmpd="sng" w="9525">
+          <a:ln w="9525" cap="flat" cmpd="sng">
             <a:solidFill>
               <a:schemeClr val="dk2"/>
             </a:solidFill>
             <a:prstDash val="solid"/>
             <a:round/>
-            <a:headEnd len="sm" w="sm" type="none"/>
-            <a:tailEnd len="sm" w="sm" type="none"/>
+            <a:headEnd type="none" w="sm" len="sm"/>
+            <a:tailEnd type="none" w="sm" len="sm"/>
           </a:ln>
         </p:spPr>
         <p:txBody>
-          <a:bodyPr anchorCtr="0" anchor="ctr" bIns="91425" lIns="91425" spcFirstLastPara="1" rIns="91425" wrap="square" tIns="91425">
+          <a:bodyPr spcFirstLastPara="1" wrap="square" lIns="91425" tIns="91425" rIns="91425" bIns="91425" anchor="ctr" anchorCtr="0">
             <a:noAutofit/>
           </a:bodyPr>
           <a:lstStyle/>
           <a:p>
-            <a:pPr indent="0" lvl="0" marL="0" rtl="0" algn="l">
-              <a:spcBef>
-                <a:spcPts val="0"/>
-              </a:spcBef>
-              <a:spcAft>
-                <a:spcPts val="0"/>
-              </a:spcAft>
-              <a:buNone/>
-            </a:pPr>
-            <a:r>
-              <a:t/>
-            </a:r>
+            <a:pPr marL="0" lvl="0" indent="0" algn="l" rtl="0">
+              <a:spcBef>
+                <a:spcPts val="0"/>
+              </a:spcBef>
+              <a:spcAft>
+                <a:spcPts val="0"/>
+              </a:spcAft>
+              <a:buNone/>
+            </a:pPr>
             <a:endParaRPr/>
           </a:p>
         </p:txBody>
@@ -10838,12 +10606,12 @@
           </a:ln>
         </p:spPr>
         <p:txBody>
-          <a:bodyPr anchorCtr="0" anchor="t" bIns="91425" lIns="91425" spcFirstLastPara="1" rIns="91425" wrap="square" tIns="91425">
+          <a:bodyPr spcFirstLastPara="1" wrap="square" lIns="91425" tIns="91425" rIns="91425" bIns="91425" anchor="t" anchorCtr="0">
             <a:spAutoFit/>
           </a:bodyPr>
           <a:lstStyle/>
           <a:p>
-            <a:pPr indent="-317500" lvl="0" marL="457200" rtl="0" algn="l">
+            <a:pPr marL="457200" lvl="0" indent="-317500" algn="l" rtl="0">
               <a:spcBef>
                 <a:spcPts val="0"/>
               </a:spcBef>
@@ -10855,20 +10623,12 @@
             </a:pPr>
             <a:r>
               <a:rPr lang="en"/>
-              <a:t>Data cleaning (</a:t>
-            </a:r>
-            <a:r>
-              <a:rPr lang="en"/>
-              <a:t>irrelevant</a:t>
-            </a:r>
-            <a:r>
-              <a:rPr lang="en"/>
-              <a:t>, duplicate,</a:t>
+              <a:t>Data cleaning (irrelevant, duplicate,</a:t>
             </a:r>
             <a:endParaRPr/>
           </a:p>
           <a:p>
-            <a:pPr indent="0" lvl="0" marL="457200" rtl="0" algn="l">
+            <a:pPr marL="457200" lvl="0" indent="0" algn="l" rtl="0">
               <a:spcBef>
                 <a:spcPts val="0"/>
               </a:spcBef>
@@ -10892,58 +10652,48 @@
             <a:endParaRPr/>
           </a:p>
           <a:p>
-            <a:pPr indent="0" lvl="0" marL="457200" rtl="0" algn="l">
-              <a:spcBef>
-                <a:spcPts val="0"/>
-              </a:spcBef>
-              <a:spcAft>
-                <a:spcPts val="0"/>
-              </a:spcAft>
-              <a:buNone/>
+            <a:pPr marL="457200" lvl="0" indent="0" algn="l" rtl="0">
+              <a:spcBef>
+                <a:spcPts val="0"/>
+              </a:spcBef>
+              <a:spcAft>
+                <a:spcPts val="0"/>
+              </a:spcAft>
+              <a:buNone/>
+            </a:pPr>
+            <a:endParaRPr/>
+          </a:p>
+          <a:p>
+            <a:pPr marL="457200" lvl="0" indent="-317500" algn="l" rtl="0">
+              <a:spcBef>
+                <a:spcPts val="0"/>
+              </a:spcBef>
+              <a:spcAft>
+                <a:spcPts val="0"/>
+              </a:spcAft>
+              <a:buSzPts val="1400"/>
+              <a:buChar char="●"/>
             </a:pPr>
             <a:r>
-              <a:t/>
+              <a:rPr lang="en"/>
+              <a:t>Category and format the data structure for next step</a:t>
             </a:r>
             <a:endParaRPr/>
           </a:p>
           <a:p>
-            <a:pPr indent="-317500" lvl="0" marL="457200" rtl="0" algn="l">
-              <a:spcBef>
-                <a:spcPts val="0"/>
-              </a:spcBef>
-              <a:spcAft>
-                <a:spcPts val="0"/>
-              </a:spcAft>
-              <a:buSzPts val="1400"/>
-              <a:buChar char="●"/>
-            </a:pPr>
-            <a:r>
-              <a:rPr lang="en"/>
-              <a:t>Category</a:t>
-            </a:r>
-            <a:r>
-              <a:rPr lang="en"/>
-              <a:t> and format the data structure for next step</a:t>
-            </a:r>
+            <a:pPr marL="457200" lvl="0" indent="0" algn="l" rtl="0">
+              <a:spcBef>
+                <a:spcPts val="0"/>
+              </a:spcBef>
+              <a:spcAft>
+                <a:spcPts val="0"/>
+              </a:spcAft>
+              <a:buNone/>
+            </a:pPr>
             <a:endParaRPr/>
           </a:p>
           <a:p>
-            <a:pPr indent="0" lvl="0" marL="457200" rtl="0" algn="l">
-              <a:spcBef>
-                <a:spcPts val="0"/>
-              </a:spcBef>
-              <a:spcAft>
-                <a:spcPts val="0"/>
-              </a:spcAft>
-              <a:buNone/>
-            </a:pPr>
-            <a:r>
-              <a:t/>
-            </a:r>
-            <a:endParaRPr/>
-          </a:p>
-          <a:p>
-            <a:pPr indent="-317500" lvl="0" marL="457200" rtl="0" algn="l">
+            <a:pPr marL="457200" lvl="0" indent="-317500" algn="l" rtl="0">
               <a:spcBef>
                 <a:spcPts val="0"/>
               </a:spcBef>
@@ -10960,18 +10710,15 @@
             <a:endParaRPr/>
           </a:p>
           <a:p>
-            <a:pPr indent="0" lvl="0" marL="457200" rtl="0" algn="l">
-              <a:spcBef>
-                <a:spcPts val="0"/>
-              </a:spcBef>
-              <a:spcAft>
-                <a:spcPts val="0"/>
-              </a:spcAft>
-              <a:buNone/>
-            </a:pPr>
-            <a:r>
-              <a:t/>
-            </a:r>
+            <a:pPr marL="457200" lvl="0" indent="0" algn="l" rtl="0">
+              <a:spcBef>
+                <a:spcPts val="0"/>
+              </a:spcBef>
+              <a:spcAft>
+                <a:spcPts val="0"/>
+              </a:spcAft>
+              <a:buNone/>
+            </a:pPr>
             <a:endParaRPr/>
           </a:p>
         </p:txBody>
@@ -10996,12 +10743,12 @@
           </a:ln>
         </p:spPr>
         <p:txBody>
-          <a:bodyPr anchorCtr="0" anchor="t" bIns="91425" lIns="91425" spcFirstLastPara="1" rIns="91425" wrap="square" tIns="91425">
+          <a:bodyPr spcFirstLastPara="1" wrap="square" lIns="91425" tIns="91425" rIns="91425" bIns="91425" anchor="t" anchorCtr="0">
             <a:spAutoFit/>
           </a:bodyPr>
           <a:lstStyle/>
           <a:p>
-            <a:pPr indent="0" lvl="0" marL="0" rtl="0" algn="l">
+            <a:pPr marL="0" lvl="0" indent="0" algn="l" rtl="0">
               <a:spcBef>
                 <a:spcPts val="0"/>
               </a:spcBef>
@@ -11027,11 +10774,11 @@
 </file>
 
 <file path=ppt/slides/slide5.xml><?xml version="1.0" encoding="utf-8"?>
-<p:sld xmlns:a="http://schemas.openxmlformats.org/drawingml/2006/main" xmlns:r="http://schemas.openxmlformats.org/officeDocument/2006/relationships" xmlns:mc="http://schemas.openxmlformats.org/markup-compatibility/2006" xmlns:mv="urn:schemas-microsoft-com:mac:vml" xmlns:p="http://schemas.openxmlformats.org/presentationml/2006/main" xmlns:c="http://schemas.openxmlformats.org/drawingml/2006/chart" xmlns:dgm="http://schemas.openxmlformats.org/drawingml/2006/diagram" xmlns:o="urn:schemas-microsoft-com:office:office" xmlns:v="urn:schemas-microsoft-com:vml" xmlns:pvml="urn:schemas-microsoft-com:office:powerpoint" xmlns:com="http://schemas.openxmlformats.org/drawingml/2006/compatibility" xmlns:p14="http://schemas.microsoft.com/office/powerpoint/2010/main" xmlns:p15="http://schemas.microsoft.com/office/powerpoint/2012/main" xmlns:ahyp="http://schemas.microsoft.com/office/drawing/2018/hyperlinkcolor">
+<p:sld xmlns:a="http://schemas.openxmlformats.org/drawingml/2006/main" xmlns:r="http://schemas.openxmlformats.org/officeDocument/2006/relationships" xmlns:p="http://schemas.openxmlformats.org/presentationml/2006/main">
   <p:cSld>
     <p:spTree>
       <p:nvGrpSpPr>
-        <p:cNvPr id="91" name="Shape 91"/>
+        <p:cNvPr id="1" name="Shape 91"/>
         <p:cNvGrpSpPr/>
         <p:nvPr/>
       </p:nvGrpSpPr>
@@ -11046,7 +10793,9 @@
       <p:sp>
         <p:nvSpPr>
           <p:cNvPr id="92" name="Google Shape;92;p17"/>
-          <p:cNvSpPr txBox="1"/>
+          <p:cNvSpPr txBox="1">
+            <a:spLocks noGrp="1"/>
+          </p:cNvSpPr>
           <p:nvPr>
             <p:ph type="title"/>
           </p:nvPr>
@@ -11061,12 +10810,12 @@
           </a:prstGeom>
         </p:spPr>
         <p:txBody>
-          <a:bodyPr anchorCtr="0" anchor="t" bIns="91425" lIns="91425" spcFirstLastPara="1" rIns="91425" wrap="square" tIns="91425">
+          <a:bodyPr spcFirstLastPara="1" wrap="square" lIns="91425" tIns="91425" rIns="91425" bIns="91425" anchor="t" anchorCtr="0">
             <a:normAutofit fontScale="90000"/>
           </a:bodyPr>
           <a:lstStyle/>
           <a:p>
-            <a:pPr indent="0" lvl="0" marL="0" rtl="0" algn="l">
+            <a:pPr marL="0" lvl="0" indent="0" algn="l" rtl="0">
               <a:spcBef>
                 <a:spcPts val="0"/>
               </a:spcBef>
@@ -11093,7 +10842,7 @@
           <a:blip r:embed="rId3">
             <a:alphaModFix/>
           </a:blip>
-          <a:srcRect b="41731" l="0" r="0" t="0"/>
+          <a:srcRect b="41731"/>
           <a:stretch/>
         </p:blipFill>
         <p:spPr>
@@ -11120,7 +10869,7 @@
           <a:blip r:embed="rId4">
             <a:alphaModFix/>
           </a:blip>
-          <a:srcRect b="40479" l="0" r="0" t="0"/>
+          <a:srcRect b="40479"/>
           <a:stretch/>
         </p:blipFill>
         <p:spPr>
@@ -11152,34 +10901,31 @@
             <a:avLst/>
           </a:prstGeom>
           <a:noFill/>
-          <a:ln cap="flat" cmpd="sng" w="28575">
+          <a:ln w="28575" cap="flat" cmpd="sng">
             <a:solidFill>
               <a:schemeClr val="accent4"/>
             </a:solidFill>
             <a:prstDash val="solid"/>
             <a:round/>
-            <a:headEnd len="sm" w="sm" type="none"/>
-            <a:tailEnd len="sm" w="sm" type="none"/>
+            <a:headEnd type="none" w="sm" len="sm"/>
+            <a:tailEnd type="none" w="sm" len="sm"/>
           </a:ln>
         </p:spPr>
         <p:txBody>
-          <a:bodyPr anchorCtr="0" anchor="ctr" bIns="91425" lIns="91425" spcFirstLastPara="1" rIns="91425" wrap="square" tIns="91425">
+          <a:bodyPr spcFirstLastPara="1" wrap="square" lIns="91425" tIns="91425" rIns="91425" bIns="91425" anchor="ctr" anchorCtr="0">
             <a:noAutofit/>
           </a:bodyPr>
           <a:lstStyle/>
           <a:p>
-            <a:pPr indent="0" lvl="0" marL="0" rtl="0" algn="l">
-              <a:spcBef>
-                <a:spcPts val="0"/>
-              </a:spcBef>
-              <a:spcAft>
-                <a:spcPts val="0"/>
-              </a:spcAft>
-              <a:buNone/>
-            </a:pPr>
-            <a:r>
-              <a:t/>
-            </a:r>
+            <a:pPr marL="0" lvl="0" indent="0" algn="l" rtl="0">
+              <a:spcBef>
+                <a:spcPts val="0"/>
+              </a:spcBef>
+              <a:spcAft>
+                <a:spcPts val="0"/>
+              </a:spcAft>
+              <a:buNone/>
+            </a:pPr>
             <a:endParaRPr/>
           </a:p>
         </p:txBody>
@@ -11199,34 +10945,31 @@
             <a:avLst/>
           </a:prstGeom>
           <a:noFill/>
-          <a:ln cap="flat" cmpd="sng" w="28575">
+          <a:ln w="28575" cap="flat" cmpd="sng">
             <a:solidFill>
               <a:schemeClr val="accent4"/>
             </a:solidFill>
             <a:prstDash val="solid"/>
             <a:round/>
-            <a:headEnd len="sm" w="sm" type="none"/>
-            <a:tailEnd len="sm" w="sm" type="none"/>
+            <a:headEnd type="none" w="sm" len="sm"/>
+            <a:tailEnd type="none" w="sm" len="sm"/>
           </a:ln>
         </p:spPr>
         <p:txBody>
-          <a:bodyPr anchorCtr="0" anchor="ctr" bIns="91425" lIns="91425" spcFirstLastPara="1" rIns="91425" wrap="square" tIns="91425">
+          <a:bodyPr spcFirstLastPara="1" wrap="square" lIns="91425" tIns="91425" rIns="91425" bIns="91425" anchor="ctr" anchorCtr="0">
             <a:noAutofit/>
           </a:bodyPr>
           <a:lstStyle/>
           <a:p>
-            <a:pPr indent="0" lvl="0" marL="0" rtl="0" algn="l">
-              <a:spcBef>
-                <a:spcPts val="0"/>
-              </a:spcBef>
-              <a:spcAft>
-                <a:spcPts val="0"/>
-              </a:spcAft>
-              <a:buNone/>
-            </a:pPr>
-            <a:r>
-              <a:t/>
-            </a:r>
+            <a:pPr marL="0" lvl="0" indent="0" algn="l" rtl="0">
+              <a:spcBef>
+                <a:spcPts val="0"/>
+              </a:spcBef>
+              <a:spcAft>
+                <a:spcPts val="0"/>
+              </a:spcAft>
+              <a:buNone/>
+            </a:pPr>
             <a:endParaRPr/>
           </a:p>
         </p:txBody>
@@ -11246,34 +10989,31 @@
             <a:avLst/>
           </a:prstGeom>
           <a:noFill/>
-          <a:ln cap="flat" cmpd="sng" w="28575">
+          <a:ln w="28575" cap="flat" cmpd="sng">
             <a:solidFill>
               <a:schemeClr val="accent4"/>
             </a:solidFill>
             <a:prstDash val="solid"/>
             <a:round/>
-            <a:headEnd len="sm" w="sm" type="none"/>
-            <a:tailEnd len="sm" w="sm" type="none"/>
+            <a:headEnd type="none" w="sm" len="sm"/>
+            <a:tailEnd type="none" w="sm" len="sm"/>
           </a:ln>
         </p:spPr>
         <p:txBody>
-          <a:bodyPr anchorCtr="0" anchor="ctr" bIns="91425" lIns="91425" spcFirstLastPara="1" rIns="91425" wrap="square" tIns="91425">
+          <a:bodyPr spcFirstLastPara="1" wrap="square" lIns="91425" tIns="91425" rIns="91425" bIns="91425" anchor="ctr" anchorCtr="0">
             <a:noAutofit/>
           </a:bodyPr>
           <a:lstStyle/>
           <a:p>
-            <a:pPr indent="0" lvl="0" marL="0" rtl="0" algn="l">
-              <a:spcBef>
-                <a:spcPts val="0"/>
-              </a:spcBef>
-              <a:spcAft>
-                <a:spcPts val="0"/>
-              </a:spcAft>
-              <a:buNone/>
-            </a:pPr>
-            <a:r>
-              <a:t/>
-            </a:r>
+            <a:pPr marL="0" lvl="0" indent="0" algn="l" rtl="0">
+              <a:spcBef>
+                <a:spcPts val="0"/>
+              </a:spcBef>
+              <a:spcAft>
+                <a:spcPts val="0"/>
+              </a:spcAft>
+              <a:buNone/>
+            </a:pPr>
             <a:endParaRPr/>
           </a:p>
         </p:txBody>
@@ -11293,34 +11033,31 @@
             <a:avLst/>
           </a:prstGeom>
           <a:noFill/>
-          <a:ln cap="flat" cmpd="sng" w="28575">
+          <a:ln w="28575" cap="flat" cmpd="sng">
             <a:solidFill>
               <a:schemeClr val="accent4"/>
             </a:solidFill>
             <a:prstDash val="solid"/>
             <a:round/>
-            <a:headEnd len="sm" w="sm" type="none"/>
-            <a:tailEnd len="sm" w="sm" type="none"/>
+            <a:headEnd type="none" w="sm" len="sm"/>
+            <a:tailEnd type="none" w="sm" len="sm"/>
           </a:ln>
         </p:spPr>
         <p:txBody>
-          <a:bodyPr anchorCtr="0" anchor="ctr" bIns="91425" lIns="91425" spcFirstLastPara="1" rIns="91425" wrap="square" tIns="91425">
+          <a:bodyPr spcFirstLastPara="1" wrap="square" lIns="91425" tIns="91425" rIns="91425" bIns="91425" anchor="ctr" anchorCtr="0">
             <a:noAutofit/>
           </a:bodyPr>
           <a:lstStyle/>
           <a:p>
-            <a:pPr indent="0" lvl="0" marL="0" rtl="0" algn="l">
-              <a:spcBef>
-                <a:spcPts val="0"/>
-              </a:spcBef>
-              <a:spcAft>
-                <a:spcPts val="0"/>
-              </a:spcAft>
-              <a:buNone/>
-            </a:pPr>
-            <a:r>
-              <a:t/>
-            </a:r>
+            <a:pPr marL="0" lvl="0" indent="0" algn="l" rtl="0">
+              <a:spcBef>
+                <a:spcPts val="0"/>
+              </a:spcBef>
+              <a:spcAft>
+                <a:spcPts val="0"/>
+              </a:spcAft>
+              <a:buNone/>
+            </a:pPr>
             <a:endParaRPr/>
           </a:p>
         </p:txBody>
@@ -11334,11 +11071,11 @@
 </file>
 
 <file path=ppt/slides/slide6.xml><?xml version="1.0" encoding="utf-8"?>
-<p:sld xmlns:a="http://schemas.openxmlformats.org/drawingml/2006/main" xmlns:r="http://schemas.openxmlformats.org/officeDocument/2006/relationships" xmlns:mc="http://schemas.openxmlformats.org/markup-compatibility/2006" xmlns:mv="urn:schemas-microsoft-com:mac:vml" xmlns:p="http://schemas.openxmlformats.org/presentationml/2006/main" xmlns:c="http://schemas.openxmlformats.org/drawingml/2006/chart" xmlns:dgm="http://schemas.openxmlformats.org/drawingml/2006/diagram" xmlns:o="urn:schemas-microsoft-com:office:office" xmlns:v="urn:schemas-microsoft-com:vml" xmlns:pvml="urn:schemas-microsoft-com:office:powerpoint" xmlns:com="http://schemas.openxmlformats.org/drawingml/2006/compatibility" xmlns:p14="http://schemas.microsoft.com/office/powerpoint/2010/main" xmlns:p15="http://schemas.microsoft.com/office/powerpoint/2012/main" xmlns:ahyp="http://schemas.microsoft.com/office/drawing/2018/hyperlinkcolor">
+<p:sld xmlns:a="http://schemas.openxmlformats.org/drawingml/2006/main" xmlns:r="http://schemas.openxmlformats.org/officeDocument/2006/relationships" xmlns:p="http://schemas.openxmlformats.org/presentationml/2006/main">
   <p:cSld>
     <p:spTree>
       <p:nvGrpSpPr>
-        <p:cNvPr id="102" name="Shape 102"/>
+        <p:cNvPr id="1" name="Shape 102"/>
         <p:cNvGrpSpPr/>
         <p:nvPr/>
       </p:nvGrpSpPr>
@@ -11353,7 +11090,9 @@
       <p:sp>
         <p:nvSpPr>
           <p:cNvPr id="103" name="Google Shape;103;p18"/>
-          <p:cNvSpPr txBox="1"/>
+          <p:cNvSpPr txBox="1">
+            <a:spLocks noGrp="1"/>
+          </p:cNvSpPr>
           <p:nvPr>
             <p:ph type="title"/>
           </p:nvPr>
@@ -11368,12 +11107,12 @@
           </a:prstGeom>
         </p:spPr>
         <p:txBody>
-          <a:bodyPr anchorCtr="0" anchor="t" bIns="91425" lIns="91425" spcFirstLastPara="1" rIns="91425" wrap="square" tIns="91425">
+          <a:bodyPr spcFirstLastPara="1" wrap="square" lIns="91425" tIns="91425" rIns="91425" bIns="91425" anchor="t" anchorCtr="0">
             <a:normAutofit fontScale="90000"/>
           </a:bodyPr>
           <a:lstStyle/>
           <a:p>
-            <a:pPr indent="0" lvl="0" marL="0" rtl="0" algn="l">
+            <a:pPr marL="0" lvl="0" indent="0" algn="l" rtl="0">
               <a:spcBef>
                 <a:spcPts val="0"/>
               </a:spcBef>
@@ -11400,7 +11139,7 @@
           <a:blip r:embed="rId3">
             <a:alphaModFix/>
           </a:blip>
-          <a:srcRect b="41731" l="0" r="0" t="0"/>
+          <a:srcRect b="41731"/>
           <a:stretch/>
         </p:blipFill>
         <p:spPr>
@@ -11427,7 +11166,7 @@
           <a:blip r:embed="rId4">
             <a:alphaModFix/>
           </a:blip>
-          <a:srcRect b="40479" l="0" r="0" t="0"/>
+          <a:srcRect b="40479"/>
           <a:stretch/>
         </p:blipFill>
         <p:spPr>
@@ -11468,23 +11207,20 @@
           </a:ln>
         </p:spPr>
         <p:txBody>
-          <a:bodyPr anchorCtr="0" anchor="ctr" bIns="91425" lIns="91425" spcFirstLastPara="1" rIns="91425" wrap="square" tIns="91425">
+          <a:bodyPr spcFirstLastPara="1" wrap="square" lIns="91425" tIns="91425" rIns="91425" bIns="91425" anchor="ctr" anchorCtr="0">
             <a:noAutofit/>
           </a:bodyPr>
           <a:lstStyle/>
           <a:p>
-            <a:pPr indent="0" lvl="0" marL="0" rtl="0" algn="l">
-              <a:spcBef>
-                <a:spcPts val="0"/>
-              </a:spcBef>
-              <a:spcAft>
-                <a:spcPts val="0"/>
-              </a:spcAft>
-              <a:buNone/>
-            </a:pPr>
-            <a:r>
-              <a:t/>
-            </a:r>
+            <a:pPr marL="0" lvl="0" indent="0" algn="l" rtl="0">
+              <a:spcBef>
+                <a:spcPts val="0"/>
+              </a:spcBef>
+              <a:spcAft>
+                <a:spcPts val="0"/>
+              </a:spcAft>
+              <a:buNone/>
+            </a:pPr>
             <a:endParaRPr/>
           </a:p>
         </p:txBody>
@@ -11504,34 +11240,31 @@
             <a:avLst/>
           </a:prstGeom>
           <a:noFill/>
-          <a:ln cap="flat" cmpd="sng" w="28575">
+          <a:ln w="28575" cap="flat" cmpd="sng">
             <a:solidFill>
               <a:schemeClr val="accent4"/>
             </a:solidFill>
             <a:prstDash val="solid"/>
             <a:round/>
-            <a:headEnd len="sm" w="sm" type="none"/>
-            <a:tailEnd len="sm" w="sm" type="none"/>
+            <a:headEnd type="none" w="sm" len="sm"/>
+            <a:tailEnd type="none" w="sm" len="sm"/>
           </a:ln>
         </p:spPr>
         <p:txBody>
-          <a:bodyPr anchorCtr="0" anchor="ctr" bIns="91425" lIns="91425" spcFirstLastPara="1" rIns="91425" wrap="square" tIns="91425">
+          <a:bodyPr spcFirstLastPara="1" wrap="square" lIns="91425" tIns="91425" rIns="91425" bIns="91425" anchor="ctr" anchorCtr="0">
             <a:noAutofit/>
           </a:bodyPr>
           <a:lstStyle/>
           <a:p>
-            <a:pPr indent="0" lvl="0" marL="0" rtl="0" algn="l">
-              <a:spcBef>
-                <a:spcPts val="0"/>
-              </a:spcBef>
-              <a:spcAft>
-                <a:spcPts val="0"/>
-              </a:spcAft>
-              <a:buNone/>
-            </a:pPr>
-            <a:r>
-              <a:t/>
-            </a:r>
+            <a:pPr marL="0" lvl="0" indent="0" algn="l" rtl="0">
+              <a:spcBef>
+                <a:spcPts val="0"/>
+              </a:spcBef>
+              <a:spcAft>
+                <a:spcPts val="0"/>
+              </a:spcAft>
+              <a:buNone/>
+            </a:pPr>
             <a:endParaRPr/>
           </a:p>
         </p:txBody>
@@ -11560,23 +11293,20 @@
           </a:ln>
         </p:spPr>
         <p:txBody>
-          <a:bodyPr anchorCtr="0" anchor="ctr" bIns="91425" lIns="91425" spcFirstLastPara="1" rIns="91425" wrap="square" tIns="91425">
+          <a:bodyPr spcFirstLastPara="1" wrap="square" lIns="91425" tIns="91425" rIns="91425" bIns="91425" anchor="ctr" anchorCtr="0">
             <a:noAutofit/>
           </a:bodyPr>
           <a:lstStyle/>
           <a:p>
-            <a:pPr indent="0" lvl="0" marL="0" rtl="0" algn="l">
-              <a:spcBef>
-                <a:spcPts val="0"/>
-              </a:spcBef>
-              <a:spcAft>
-                <a:spcPts val="0"/>
-              </a:spcAft>
-              <a:buNone/>
-            </a:pPr>
-            <a:r>
-              <a:t/>
-            </a:r>
+            <a:pPr marL="0" lvl="0" indent="0" algn="l" rtl="0">
+              <a:spcBef>
+                <a:spcPts val="0"/>
+              </a:spcBef>
+              <a:spcAft>
+                <a:spcPts val="0"/>
+              </a:spcAft>
+              <a:buNone/>
+            </a:pPr>
             <a:endParaRPr/>
           </a:p>
         </p:txBody>
@@ -11605,23 +11335,20 @@
           </a:ln>
         </p:spPr>
         <p:txBody>
-          <a:bodyPr anchorCtr="0" anchor="ctr" bIns="91425" lIns="91425" spcFirstLastPara="1" rIns="91425" wrap="square" tIns="91425">
+          <a:bodyPr spcFirstLastPara="1" wrap="square" lIns="91425" tIns="91425" rIns="91425" bIns="91425" anchor="ctr" anchorCtr="0">
             <a:noAutofit/>
           </a:bodyPr>
           <a:lstStyle/>
           <a:p>
-            <a:pPr indent="0" lvl="0" marL="0" rtl="0" algn="l">
-              <a:spcBef>
-                <a:spcPts val="0"/>
-              </a:spcBef>
-              <a:spcAft>
-                <a:spcPts val="0"/>
-              </a:spcAft>
-              <a:buNone/>
-            </a:pPr>
-            <a:r>
-              <a:t/>
-            </a:r>
+            <a:pPr marL="0" lvl="0" indent="0" algn="l" rtl="0">
+              <a:spcBef>
+                <a:spcPts val="0"/>
+              </a:spcBef>
+              <a:spcAft>
+                <a:spcPts val="0"/>
+              </a:spcAft>
+              <a:buNone/>
+            </a:pPr>
             <a:endParaRPr/>
           </a:p>
         </p:txBody>
@@ -11641,34 +11368,31 @@
             <a:avLst/>
           </a:prstGeom>
           <a:noFill/>
-          <a:ln cap="flat" cmpd="sng" w="28575">
+          <a:ln w="28575" cap="flat" cmpd="sng">
             <a:solidFill>
               <a:schemeClr val="accent4"/>
             </a:solidFill>
             <a:prstDash val="solid"/>
             <a:round/>
-            <a:headEnd len="sm" w="sm" type="none"/>
-            <a:tailEnd len="sm" w="sm" type="none"/>
+            <a:headEnd type="none" w="sm" len="sm"/>
+            <a:tailEnd type="none" w="sm" len="sm"/>
           </a:ln>
         </p:spPr>
         <p:txBody>
-          <a:bodyPr anchorCtr="0" anchor="ctr" bIns="91425" lIns="91425" spcFirstLastPara="1" rIns="91425" wrap="square" tIns="91425">
+          <a:bodyPr spcFirstLastPara="1" wrap="square" lIns="91425" tIns="91425" rIns="91425" bIns="91425" anchor="ctr" anchorCtr="0">
             <a:noAutofit/>
           </a:bodyPr>
           <a:lstStyle/>
           <a:p>
-            <a:pPr indent="0" lvl="0" marL="0" rtl="0" algn="l">
-              <a:spcBef>
-                <a:spcPts val="0"/>
-              </a:spcBef>
-              <a:spcAft>
-                <a:spcPts val="0"/>
-              </a:spcAft>
-              <a:buNone/>
-            </a:pPr>
-            <a:r>
-              <a:t/>
-            </a:r>
+            <a:pPr marL="0" lvl="0" indent="0" algn="l" rtl="0">
+              <a:spcBef>
+                <a:spcPts val="0"/>
+              </a:spcBef>
+              <a:spcAft>
+                <a:spcPts val="0"/>
+              </a:spcAft>
+              <a:buNone/>
+            </a:pPr>
             <a:endParaRPr/>
           </a:p>
         </p:txBody>
@@ -11686,38 +11410,35 @@
           </a:xfrm>
           <a:prstGeom prst="roundRect">
             <a:avLst>
-              <a:gd fmla="val 16667" name="adj"/>
+              <a:gd name="adj" fmla="val 16667"/>
             </a:avLst>
           </a:prstGeom>
           <a:noFill/>
-          <a:ln cap="flat" cmpd="sng" w="28575">
+          <a:ln w="28575" cap="flat" cmpd="sng">
             <a:solidFill>
               <a:srgbClr val="FF0000"/>
             </a:solidFill>
             <a:prstDash val="solid"/>
             <a:round/>
-            <a:headEnd len="sm" w="sm" type="none"/>
-            <a:tailEnd len="sm" w="sm" type="none"/>
+            <a:headEnd type="none" w="sm" len="sm"/>
+            <a:tailEnd type="none" w="sm" len="sm"/>
           </a:ln>
         </p:spPr>
         <p:txBody>
-          <a:bodyPr anchorCtr="0" anchor="ctr" bIns="91425" lIns="91425" spcFirstLastPara="1" rIns="91425" wrap="square" tIns="91425">
+          <a:bodyPr spcFirstLastPara="1" wrap="square" lIns="91425" tIns="91425" rIns="91425" bIns="91425" anchor="ctr" anchorCtr="0">
             <a:noAutofit/>
           </a:bodyPr>
           <a:lstStyle/>
           <a:p>
-            <a:pPr indent="0" lvl="0" marL="0" rtl="0" algn="l">
-              <a:spcBef>
-                <a:spcPts val="0"/>
-              </a:spcBef>
-              <a:spcAft>
-                <a:spcPts val="0"/>
-              </a:spcAft>
-              <a:buNone/>
-            </a:pPr>
-            <a:r>
-              <a:t/>
-            </a:r>
+            <a:pPr marL="0" lvl="0" indent="0" algn="l" rtl="0">
+              <a:spcBef>
+                <a:spcPts val="0"/>
+              </a:spcBef>
+              <a:spcAft>
+                <a:spcPts val="0"/>
+              </a:spcAft>
+              <a:buNone/>
+            </a:pPr>
             <a:endParaRPr/>
           </a:p>
         </p:txBody>
@@ -11735,38 +11456,35 @@
           </a:xfrm>
           <a:prstGeom prst="roundRect">
             <a:avLst>
-              <a:gd fmla="val 16667" name="adj"/>
+              <a:gd name="adj" fmla="val 16667"/>
             </a:avLst>
           </a:prstGeom>
           <a:noFill/>
-          <a:ln cap="flat" cmpd="sng" w="28575">
+          <a:ln w="28575" cap="flat" cmpd="sng">
             <a:solidFill>
               <a:srgbClr val="FF0000"/>
             </a:solidFill>
             <a:prstDash val="solid"/>
             <a:round/>
-            <a:headEnd len="sm" w="sm" type="none"/>
-            <a:tailEnd len="sm" w="sm" type="none"/>
+            <a:headEnd type="none" w="sm" len="sm"/>
+            <a:tailEnd type="none" w="sm" len="sm"/>
           </a:ln>
         </p:spPr>
         <p:txBody>
-          <a:bodyPr anchorCtr="0" anchor="ctr" bIns="91425" lIns="91425" spcFirstLastPara="1" rIns="91425" wrap="square" tIns="91425">
+          <a:bodyPr spcFirstLastPara="1" wrap="square" lIns="91425" tIns="91425" rIns="91425" bIns="91425" anchor="ctr" anchorCtr="0">
             <a:noAutofit/>
           </a:bodyPr>
           <a:lstStyle/>
           <a:p>
-            <a:pPr indent="0" lvl="0" marL="0" rtl="0" algn="l">
-              <a:spcBef>
-                <a:spcPts val="0"/>
-              </a:spcBef>
-              <a:spcAft>
-                <a:spcPts val="0"/>
-              </a:spcAft>
-              <a:buNone/>
-            </a:pPr>
-            <a:r>
-              <a:t/>
-            </a:r>
+            <a:pPr marL="0" lvl="0" indent="0" algn="l" rtl="0">
+              <a:spcBef>
+                <a:spcPts val="0"/>
+              </a:spcBef>
+              <a:spcAft>
+                <a:spcPts val="0"/>
+              </a:spcAft>
+              <a:buNone/>
+            </a:pPr>
             <a:endParaRPr/>
           </a:p>
         </p:txBody>
@@ -11795,23 +11513,20 @@
           </a:ln>
         </p:spPr>
         <p:txBody>
-          <a:bodyPr anchorCtr="0" anchor="ctr" bIns="91425" lIns="91425" spcFirstLastPara="1" rIns="91425" wrap="square" tIns="91425">
+          <a:bodyPr spcFirstLastPara="1" wrap="square" lIns="91425" tIns="91425" rIns="91425" bIns="91425" anchor="ctr" anchorCtr="0">
             <a:noAutofit/>
           </a:bodyPr>
           <a:lstStyle/>
           <a:p>
-            <a:pPr indent="0" lvl="0" marL="0" rtl="0" algn="l">
-              <a:spcBef>
-                <a:spcPts val="0"/>
-              </a:spcBef>
-              <a:spcAft>
-                <a:spcPts val="0"/>
-              </a:spcAft>
-              <a:buNone/>
-            </a:pPr>
-            <a:r>
-              <a:t/>
-            </a:r>
+            <a:pPr marL="0" lvl="0" indent="0" algn="l" rtl="0">
+              <a:spcBef>
+                <a:spcPts val="0"/>
+              </a:spcBef>
+              <a:spcAft>
+                <a:spcPts val="0"/>
+              </a:spcAft>
+              <a:buNone/>
+            </a:pPr>
             <a:endParaRPr/>
           </a:p>
         </p:txBody>
@@ -11825,11 +11540,11 @@
 </file>
 
 <file path=ppt/slides/slide7.xml><?xml version="1.0" encoding="utf-8"?>
-<p:sld xmlns:a="http://schemas.openxmlformats.org/drawingml/2006/main" xmlns:r="http://schemas.openxmlformats.org/officeDocument/2006/relationships" xmlns:mc="http://schemas.openxmlformats.org/markup-compatibility/2006" xmlns:mv="urn:schemas-microsoft-com:mac:vml" xmlns:p="http://schemas.openxmlformats.org/presentationml/2006/main" xmlns:c="http://schemas.openxmlformats.org/drawingml/2006/chart" xmlns:dgm="http://schemas.openxmlformats.org/drawingml/2006/diagram" xmlns:o="urn:schemas-microsoft-com:office:office" xmlns:v="urn:schemas-microsoft-com:vml" xmlns:pvml="urn:schemas-microsoft-com:office:powerpoint" xmlns:com="http://schemas.openxmlformats.org/drawingml/2006/compatibility" xmlns:p14="http://schemas.microsoft.com/office/powerpoint/2010/main" xmlns:p15="http://schemas.microsoft.com/office/powerpoint/2012/main" xmlns:ahyp="http://schemas.microsoft.com/office/drawing/2018/hyperlinkcolor">
+<p:sld xmlns:a="http://schemas.openxmlformats.org/drawingml/2006/main" xmlns:r="http://schemas.openxmlformats.org/officeDocument/2006/relationships" xmlns:p="http://schemas.openxmlformats.org/presentationml/2006/main">
   <p:cSld>
     <p:spTree>
       <p:nvGrpSpPr>
-        <p:cNvPr id="117" name="Shape 117"/>
+        <p:cNvPr id="1" name="Shape 117"/>
         <p:cNvGrpSpPr/>
         <p:nvPr/>
       </p:nvGrpSpPr>
@@ -11844,7 +11559,9 @@
       <p:sp>
         <p:nvSpPr>
           <p:cNvPr id="118" name="Google Shape;118;p19"/>
-          <p:cNvSpPr txBox="1"/>
+          <p:cNvSpPr txBox="1">
+            <a:spLocks noGrp="1"/>
+          </p:cNvSpPr>
           <p:nvPr>
             <p:ph type="title"/>
           </p:nvPr>
@@ -11859,12 +11576,12 @@
           </a:prstGeom>
         </p:spPr>
         <p:txBody>
-          <a:bodyPr anchorCtr="0" anchor="t" bIns="91425" lIns="91425" spcFirstLastPara="1" rIns="91425" wrap="square" tIns="91425">
+          <a:bodyPr spcFirstLastPara="1" wrap="square" lIns="91425" tIns="91425" rIns="91425" bIns="91425" anchor="t" anchorCtr="0">
             <a:normAutofit fontScale="90000"/>
           </a:bodyPr>
           <a:lstStyle/>
           <a:p>
-            <a:pPr indent="0" lvl="0" marL="0" rtl="0" algn="l">
+            <a:pPr marL="0" lvl="0" indent="0" algn="l" rtl="0">
               <a:spcBef>
                 <a:spcPts val="0"/>
               </a:spcBef>
@@ -11875,11 +11592,7 @@
             </a:pPr>
             <a:r>
               <a:rPr lang="en"/>
-              <a:t>Step 1: Exploratory Data Analysis </a:t>
-            </a:r>
-            <a:r>
-              <a:rPr lang="en"/>
-              <a:t>about Wealth &amp; Location</a:t>
+              <a:t>Step 1: Exploratory Data Analysis about Wealth &amp; Location</a:t>
             </a:r>
             <a:endParaRPr/>
           </a:p>
@@ -11895,7 +11608,7 @@
           <a:blip r:embed="rId3">
             <a:alphaModFix/>
           </a:blip>
-          <a:srcRect b="3660" l="675" r="0" t="0"/>
+          <a:srcRect l="675" b="3660"/>
           <a:stretch/>
         </p:blipFill>
         <p:spPr>
@@ -11922,7 +11635,7 @@
           <a:blip r:embed="rId4">
             <a:alphaModFix/>
           </a:blip>
-          <a:srcRect b="3660" l="1166" r="0" t="0"/>
+          <a:srcRect l="1166" b="3660"/>
           <a:stretch/>
         </p:blipFill>
         <p:spPr>
@@ -11959,12 +11672,12 @@
           </a:ln>
         </p:spPr>
         <p:txBody>
-          <a:bodyPr anchorCtr="0" anchor="t" bIns="91425" lIns="91425" spcFirstLastPara="1" rIns="91425" wrap="square" tIns="91425">
+          <a:bodyPr spcFirstLastPara="1" wrap="square" lIns="91425" tIns="91425" rIns="91425" bIns="91425" anchor="t" anchorCtr="0">
             <a:spAutoFit/>
           </a:bodyPr>
           <a:lstStyle/>
           <a:p>
-            <a:pPr indent="0" lvl="0" marL="0" rtl="0" algn="l">
+            <a:pPr marL="0" lvl="0" indent="0" algn="l" rtl="0">
               <a:spcBef>
                 <a:spcPts val="0"/>
               </a:spcBef>
@@ -12009,12 +11722,12 @@
           </a:ln>
         </p:spPr>
         <p:txBody>
-          <a:bodyPr anchorCtr="0" anchor="t" bIns="91425" lIns="91425" spcFirstLastPara="1" rIns="91425" wrap="square" tIns="91425">
+          <a:bodyPr spcFirstLastPara="1" wrap="square" lIns="91425" tIns="91425" rIns="91425" bIns="91425" anchor="t" anchorCtr="0">
             <a:spAutoFit/>
           </a:bodyPr>
           <a:lstStyle/>
           <a:p>
-            <a:pPr indent="0" lvl="0" marL="0" rtl="0" algn="l">
+            <a:pPr marL="0" lvl="0" indent="0" algn="l" rtl="0">
               <a:spcBef>
                 <a:spcPts val="0"/>
               </a:spcBef>
@@ -12059,12 +11772,12 @@
           </a:ln>
         </p:spPr>
         <p:txBody>
-          <a:bodyPr anchorCtr="0" anchor="t" bIns="91425" lIns="91425" spcFirstLastPara="1" rIns="91425" wrap="square" tIns="91425">
+          <a:bodyPr spcFirstLastPara="1" wrap="square" lIns="91425" tIns="91425" rIns="91425" bIns="91425" anchor="t" anchorCtr="0">
             <a:spAutoFit/>
           </a:bodyPr>
           <a:lstStyle/>
           <a:p>
-            <a:pPr indent="0" lvl="0" marL="0" rtl="0" algn="l">
+            <a:pPr marL="0" lvl="0" indent="0" algn="l" rtl="0">
               <a:spcBef>
                 <a:spcPts val="0"/>
               </a:spcBef>
@@ -12091,7 +11804,7 @@
           <a:blip r:embed="rId4">
             <a:alphaModFix/>
           </a:blip>
-          <a:srcRect b="82183" l="94487" r="378" t="1856"/>
+          <a:srcRect l="94487" t="1856" r="378" b="82183"/>
           <a:stretch/>
         </p:blipFill>
         <p:spPr>
@@ -12156,12 +11869,12 @@
           </a:ln>
         </p:spPr>
         <p:txBody>
-          <a:bodyPr anchorCtr="0" anchor="t" bIns="91425" lIns="91425" spcFirstLastPara="1" rIns="91425" wrap="square" tIns="91425">
+          <a:bodyPr spcFirstLastPara="1" wrap="square" lIns="91425" tIns="91425" rIns="91425" bIns="91425" anchor="t" anchorCtr="0">
             <a:spAutoFit/>
           </a:bodyPr>
           <a:lstStyle/>
           <a:p>
-            <a:pPr indent="0" lvl="0" marL="0" rtl="0" algn="l">
+            <a:pPr marL="0" lvl="0" indent="0" algn="l" rtl="0">
               <a:spcBef>
                 <a:spcPts val="0"/>
               </a:spcBef>
@@ -12187,11 +11900,11 @@
 </file>
 
 <file path=ppt/slides/slide8.xml><?xml version="1.0" encoding="utf-8"?>
-<p:sld xmlns:a="http://schemas.openxmlformats.org/drawingml/2006/main" xmlns:r="http://schemas.openxmlformats.org/officeDocument/2006/relationships" xmlns:mc="http://schemas.openxmlformats.org/markup-compatibility/2006" xmlns:mv="urn:schemas-microsoft-com:mac:vml" xmlns:p="http://schemas.openxmlformats.org/presentationml/2006/main" xmlns:c="http://schemas.openxmlformats.org/drawingml/2006/chart" xmlns:dgm="http://schemas.openxmlformats.org/drawingml/2006/diagram" xmlns:o="urn:schemas-microsoft-com:office:office" xmlns:v="urn:schemas-microsoft-com:vml" xmlns:pvml="urn:schemas-microsoft-com:office:powerpoint" xmlns:com="http://schemas.openxmlformats.org/drawingml/2006/compatibility" xmlns:p14="http://schemas.microsoft.com/office/powerpoint/2010/main" xmlns:p15="http://schemas.microsoft.com/office/powerpoint/2012/main" xmlns:ahyp="http://schemas.microsoft.com/office/drawing/2018/hyperlinkcolor">
+<p:sld xmlns:a="http://schemas.openxmlformats.org/drawingml/2006/main" xmlns:r="http://schemas.openxmlformats.org/officeDocument/2006/relationships" xmlns:p="http://schemas.openxmlformats.org/presentationml/2006/main">
   <p:cSld>
     <p:spTree>
       <p:nvGrpSpPr>
-        <p:cNvPr id="130" name="Shape 130"/>
+        <p:cNvPr id="1" name="Shape 130"/>
         <p:cNvGrpSpPr/>
         <p:nvPr/>
       </p:nvGrpSpPr>
@@ -12206,7 +11919,9 @@
       <p:sp>
         <p:nvSpPr>
           <p:cNvPr id="131" name="Google Shape;131;p20"/>
-          <p:cNvSpPr txBox="1"/>
+          <p:cNvSpPr txBox="1">
+            <a:spLocks noGrp="1"/>
+          </p:cNvSpPr>
           <p:nvPr>
             <p:ph type="title"/>
           </p:nvPr>
@@ -12221,12 +11936,12 @@
           </a:prstGeom>
         </p:spPr>
         <p:txBody>
-          <a:bodyPr anchorCtr="0" anchor="t" bIns="91425" lIns="91425" spcFirstLastPara="1" rIns="91425" wrap="square" tIns="91425">
+          <a:bodyPr spcFirstLastPara="1" wrap="square" lIns="91425" tIns="91425" rIns="91425" bIns="91425" anchor="t" anchorCtr="0">
             <a:normAutofit fontScale="90000"/>
           </a:bodyPr>
           <a:lstStyle/>
           <a:p>
-            <a:pPr indent="0" lvl="0" marL="0" rtl="0" algn="l">
+            <a:pPr marL="0" lvl="0" indent="0" algn="l" rtl="0">
               <a:spcBef>
                 <a:spcPts val="0"/>
               </a:spcBef>
@@ -12253,7 +11968,7 @@
           <a:blip r:embed="rId3">
             <a:alphaModFix/>
           </a:blip>
-          <a:srcRect b="41731" l="9918" r="22791" t="0"/>
+          <a:srcRect l="9918" r="22791" b="41731"/>
           <a:stretch/>
         </p:blipFill>
         <p:spPr>
@@ -12280,7 +11995,7 @@
           <a:blip r:embed="rId4">
             <a:alphaModFix/>
           </a:blip>
-          <a:srcRect b="40479" l="27326" r="24672" t="0"/>
+          <a:srcRect l="27326" r="24672" b="40479"/>
           <a:stretch/>
         </p:blipFill>
         <p:spPr>
@@ -12317,27 +12032,24 @@
           </a:ln>
         </p:spPr>
         <p:txBody>
-          <a:bodyPr anchorCtr="0" anchor="t" bIns="91425" lIns="91425" spcFirstLastPara="1" rIns="91425" wrap="square" tIns="91425">
+          <a:bodyPr spcFirstLastPara="1" wrap="square" lIns="91425" tIns="91425" rIns="91425" bIns="91425" anchor="t" anchorCtr="0">
             <a:spAutoFit/>
           </a:bodyPr>
           <a:lstStyle/>
           <a:p>
-            <a:pPr indent="0" lvl="0" marL="0" rtl="0" algn="l">
-              <a:spcBef>
-                <a:spcPts val="0"/>
-              </a:spcBef>
-              <a:spcAft>
-                <a:spcPts val="0"/>
-              </a:spcAft>
-              <a:buNone/>
-            </a:pPr>
-            <a:r>
-              <a:t/>
-            </a:r>
+            <a:pPr marL="0" lvl="0" indent="0" algn="l" rtl="0">
+              <a:spcBef>
+                <a:spcPts val="0"/>
+              </a:spcBef>
+              <a:spcAft>
+                <a:spcPts val="0"/>
+              </a:spcAft>
+              <a:buNone/>
+            </a:pPr>
             <a:endParaRPr/>
           </a:p>
           <a:p>
-            <a:pPr indent="-317500" lvl="0" marL="457200" rtl="0" algn="l">
+            <a:pPr marL="457200" lvl="0" indent="-317500" algn="l" rtl="0">
               <a:spcBef>
                 <a:spcPts val="0"/>
               </a:spcBef>
@@ -12354,22 +12066,19 @@
             <a:endParaRPr/>
           </a:p>
           <a:p>
-            <a:pPr indent="0" lvl="0" marL="0" rtl="0" algn="l">
-              <a:spcBef>
-                <a:spcPts val="0"/>
-              </a:spcBef>
-              <a:spcAft>
-                <a:spcPts val="0"/>
-              </a:spcAft>
-              <a:buNone/>
-            </a:pPr>
-            <a:r>
-              <a:t/>
-            </a:r>
+            <a:pPr marL="0" lvl="0" indent="0" algn="l" rtl="0">
+              <a:spcBef>
+                <a:spcPts val="0"/>
+              </a:spcBef>
+              <a:spcAft>
+                <a:spcPts val="0"/>
+              </a:spcAft>
+              <a:buNone/>
+            </a:pPr>
             <a:endParaRPr/>
           </a:p>
           <a:p>
-            <a:pPr indent="-317500" lvl="0" marL="457200" rtl="0" algn="l">
+            <a:pPr marL="457200" lvl="0" indent="-317500" algn="l" rtl="0">
               <a:spcBef>
                 <a:spcPts val="0"/>
               </a:spcBef>
@@ -12391,7 +12100,7 @@
               <a:t>For countries with </a:t>
             </a:r>
             <a:r>
-              <a:rPr b="1" lang="en">
+              <a:rPr lang="en" b="1">
                 <a:solidFill>
                   <a:schemeClr val="dk1"/>
                 </a:solidFill>
@@ -12413,7 +12122,7 @@
             </a:endParaRPr>
           </a:p>
           <a:p>
-            <a:pPr indent="-317500" lvl="1" marL="914400" rtl="0" algn="l">
+            <a:pPr marL="914400" lvl="1" indent="-317500" algn="l" rtl="0">
               <a:spcBef>
                 <a:spcPts val="0"/>
               </a:spcBef>
@@ -12427,28 +12136,12 @@
               <a:buChar char="○"/>
             </a:pPr>
             <a:r>
-              <a:rPr b="1" lang="en">
+              <a:rPr lang="en" b="1">
                 <a:solidFill>
                   <a:schemeClr val="dk1"/>
                 </a:solidFill>
               </a:rPr>
-              <a:t>This assumption may not hold without knowing more about the data </a:t>
-            </a:r>
-            <a:r>
-              <a:rPr b="1" lang="en">
-                <a:solidFill>
-                  <a:schemeClr val="dk1"/>
-                </a:solidFill>
-              </a:rPr>
-              <a:t>collection</a:t>
-            </a:r>
-            <a:r>
-              <a:rPr b="1" lang="en">
-                <a:solidFill>
-                  <a:schemeClr val="dk1"/>
-                </a:solidFill>
-              </a:rPr>
-              <a:t> process</a:t>
+              <a:t>This assumption may not hold without knowing more about the data collection process</a:t>
             </a:r>
             <a:r>
               <a:rPr lang="en">
@@ -12465,18 +12158,15 @@
             </a:endParaRPr>
           </a:p>
           <a:p>
-            <a:pPr indent="0" lvl="0" marL="0" rtl="0" algn="l">
-              <a:spcBef>
-                <a:spcPts val="0"/>
-              </a:spcBef>
-              <a:spcAft>
-                <a:spcPts val="0"/>
-              </a:spcAft>
-              <a:buNone/>
-            </a:pPr>
-            <a:r>
-              <a:t/>
-            </a:r>
+            <a:pPr marL="0" lvl="0" indent="0" algn="l" rtl="0">
+              <a:spcBef>
+                <a:spcPts val="0"/>
+              </a:spcBef>
+              <a:spcAft>
+                <a:spcPts val="0"/>
+              </a:spcAft>
+              <a:buNone/>
+            </a:pPr>
             <a:endParaRPr>
               <a:solidFill>
                 <a:schemeClr val="dk1"/>
@@ -12498,38 +12188,35 @@
           </a:xfrm>
           <a:prstGeom prst="roundRect">
             <a:avLst>
-              <a:gd fmla="val 16667" name="adj"/>
+              <a:gd name="adj" fmla="val 16667"/>
             </a:avLst>
           </a:prstGeom>
           <a:noFill/>
-          <a:ln cap="flat" cmpd="sng" w="28575">
+          <a:ln w="28575" cap="flat" cmpd="sng">
             <a:solidFill>
               <a:srgbClr val="FF0000"/>
             </a:solidFill>
             <a:prstDash val="solid"/>
             <a:round/>
-            <a:headEnd len="sm" w="sm" type="none"/>
-            <a:tailEnd len="sm" w="sm" type="none"/>
+            <a:headEnd type="none" w="sm" len="sm"/>
+            <a:tailEnd type="none" w="sm" len="sm"/>
           </a:ln>
         </p:spPr>
         <p:txBody>
-          <a:bodyPr anchorCtr="0" anchor="ctr" bIns="91425" lIns="91425" spcFirstLastPara="1" rIns="91425" wrap="square" tIns="91425">
+          <a:bodyPr spcFirstLastPara="1" wrap="square" lIns="91425" tIns="91425" rIns="91425" bIns="91425" anchor="ctr" anchorCtr="0">
             <a:noAutofit/>
           </a:bodyPr>
           <a:lstStyle/>
           <a:p>
-            <a:pPr indent="0" lvl="0" marL="0" rtl="0" algn="l">
-              <a:spcBef>
-                <a:spcPts val="0"/>
-              </a:spcBef>
-              <a:spcAft>
-                <a:spcPts val="0"/>
-              </a:spcAft>
-              <a:buNone/>
-            </a:pPr>
-            <a:r>
-              <a:t/>
-            </a:r>
+            <a:pPr marL="0" lvl="0" indent="0" algn="l" rtl="0">
+              <a:spcBef>
+                <a:spcPts val="0"/>
+              </a:spcBef>
+              <a:spcAft>
+                <a:spcPts val="0"/>
+              </a:spcAft>
+              <a:buNone/>
+            </a:pPr>
             <a:endParaRPr/>
           </a:p>
         </p:txBody>
@@ -12547,38 +12234,35 @@
           </a:xfrm>
           <a:prstGeom prst="roundRect">
             <a:avLst>
-              <a:gd fmla="val 16667" name="adj"/>
+              <a:gd name="adj" fmla="val 16667"/>
             </a:avLst>
           </a:prstGeom>
           <a:noFill/>
-          <a:ln cap="flat" cmpd="sng" w="28575">
+          <a:ln w="28575" cap="flat" cmpd="sng">
             <a:solidFill>
               <a:srgbClr val="FF0000"/>
             </a:solidFill>
             <a:prstDash val="solid"/>
             <a:round/>
-            <a:headEnd len="sm" w="sm" type="none"/>
-            <a:tailEnd len="sm" w="sm" type="none"/>
+            <a:headEnd type="none" w="sm" len="sm"/>
+            <a:tailEnd type="none" w="sm" len="sm"/>
           </a:ln>
         </p:spPr>
         <p:txBody>
-          <a:bodyPr anchorCtr="0" anchor="ctr" bIns="91425" lIns="91425" spcFirstLastPara="1" rIns="91425" wrap="square" tIns="91425">
+          <a:bodyPr spcFirstLastPara="1" wrap="square" lIns="91425" tIns="91425" rIns="91425" bIns="91425" anchor="ctr" anchorCtr="0">
             <a:noAutofit/>
           </a:bodyPr>
           <a:lstStyle/>
           <a:p>
-            <a:pPr indent="0" lvl="0" marL="0" rtl="0" algn="l">
-              <a:spcBef>
-                <a:spcPts val="0"/>
-              </a:spcBef>
-              <a:spcAft>
-                <a:spcPts val="0"/>
-              </a:spcAft>
-              <a:buNone/>
-            </a:pPr>
-            <a:r>
-              <a:t/>
-            </a:r>
+            <a:pPr marL="0" lvl="0" indent="0" algn="l" rtl="0">
+              <a:spcBef>
+                <a:spcPts val="0"/>
+              </a:spcBef>
+              <a:spcAft>
+                <a:spcPts val="0"/>
+              </a:spcAft>
+              <a:buNone/>
+            </a:pPr>
             <a:endParaRPr/>
           </a:p>
         </p:txBody>
@@ -12596,38 +12280,35 @@
           </a:xfrm>
           <a:prstGeom prst="roundRect">
             <a:avLst>
-              <a:gd fmla="val 16667" name="adj"/>
+              <a:gd name="adj" fmla="val 16667"/>
             </a:avLst>
           </a:prstGeom>
           <a:noFill/>
-          <a:ln cap="flat" cmpd="sng" w="28575">
+          <a:ln w="28575" cap="flat" cmpd="sng">
             <a:solidFill>
               <a:srgbClr val="FF0000"/>
             </a:solidFill>
             <a:prstDash val="solid"/>
             <a:round/>
-            <a:headEnd len="sm" w="sm" type="none"/>
-            <a:tailEnd len="sm" w="sm" type="none"/>
+            <a:headEnd type="none" w="sm" len="sm"/>
+            <a:tailEnd type="none" w="sm" len="sm"/>
           </a:ln>
         </p:spPr>
         <p:txBody>
-          <a:bodyPr anchorCtr="0" anchor="ctr" bIns="91425" lIns="91425" spcFirstLastPara="1" rIns="91425" wrap="square" tIns="91425">
+          <a:bodyPr spcFirstLastPara="1" wrap="square" lIns="91425" tIns="91425" rIns="91425" bIns="91425" anchor="ctr" anchorCtr="0">
             <a:noAutofit/>
           </a:bodyPr>
           <a:lstStyle/>
           <a:p>
-            <a:pPr indent="0" lvl="0" marL="0" rtl="0" algn="l">
-              <a:spcBef>
-                <a:spcPts val="0"/>
-              </a:spcBef>
-              <a:spcAft>
-                <a:spcPts val="0"/>
-              </a:spcAft>
-              <a:buNone/>
-            </a:pPr>
-            <a:r>
-              <a:t/>
-            </a:r>
+            <a:pPr marL="0" lvl="0" indent="0" algn="l" rtl="0">
+              <a:spcBef>
+                <a:spcPts val="0"/>
+              </a:spcBef>
+              <a:spcAft>
+                <a:spcPts val="0"/>
+              </a:spcAft>
+              <a:buNone/>
+            </a:pPr>
             <a:endParaRPr/>
           </a:p>
         </p:txBody>
@@ -12645,38 +12326,35 @@
           </a:xfrm>
           <a:prstGeom prst="roundRect">
             <a:avLst>
-              <a:gd fmla="val 16667" name="adj"/>
+              <a:gd name="adj" fmla="val 16667"/>
             </a:avLst>
           </a:prstGeom>
           <a:noFill/>
-          <a:ln cap="flat" cmpd="sng" w="28575">
+          <a:ln w="28575" cap="flat" cmpd="sng">
             <a:solidFill>
               <a:srgbClr val="FF0000"/>
             </a:solidFill>
             <a:prstDash val="solid"/>
             <a:round/>
-            <a:headEnd len="sm" w="sm" type="none"/>
-            <a:tailEnd len="sm" w="sm" type="none"/>
+            <a:headEnd type="none" w="sm" len="sm"/>
+            <a:tailEnd type="none" w="sm" len="sm"/>
           </a:ln>
         </p:spPr>
         <p:txBody>
-          <a:bodyPr anchorCtr="0" anchor="ctr" bIns="91425" lIns="91425" spcFirstLastPara="1" rIns="91425" wrap="square" tIns="91425">
+          <a:bodyPr spcFirstLastPara="1" wrap="square" lIns="91425" tIns="91425" rIns="91425" bIns="91425" anchor="ctr" anchorCtr="0">
             <a:noAutofit/>
           </a:bodyPr>
           <a:lstStyle/>
           <a:p>
-            <a:pPr indent="0" lvl="0" marL="0" rtl="0" algn="l">
-              <a:spcBef>
-                <a:spcPts val="0"/>
-              </a:spcBef>
-              <a:spcAft>
-                <a:spcPts val="0"/>
-              </a:spcAft>
-              <a:buNone/>
-            </a:pPr>
-            <a:r>
-              <a:t/>
-            </a:r>
+            <a:pPr marL="0" lvl="0" indent="0" algn="l" rtl="0">
+              <a:spcBef>
+                <a:spcPts val="0"/>
+              </a:spcBef>
+              <a:spcAft>
+                <a:spcPts val="0"/>
+              </a:spcAft>
+              <a:buNone/>
+            </a:pPr>
             <a:endParaRPr/>
           </a:p>
         </p:txBody>
@@ -12694,38 +12372,35 @@
           </a:xfrm>
           <a:prstGeom prst="roundRect">
             <a:avLst>
-              <a:gd fmla="val 16667" name="adj"/>
+              <a:gd name="adj" fmla="val 16667"/>
             </a:avLst>
           </a:prstGeom>
           <a:noFill/>
-          <a:ln cap="flat" cmpd="sng" w="28575">
+          <a:ln w="28575" cap="flat" cmpd="sng">
             <a:solidFill>
               <a:srgbClr val="FF0000"/>
             </a:solidFill>
             <a:prstDash val="solid"/>
             <a:round/>
-            <a:headEnd len="sm" w="sm" type="none"/>
-            <a:tailEnd len="sm" w="sm" type="none"/>
+            <a:headEnd type="none" w="sm" len="sm"/>
+            <a:tailEnd type="none" w="sm" len="sm"/>
           </a:ln>
         </p:spPr>
         <p:txBody>
-          <a:bodyPr anchorCtr="0" anchor="ctr" bIns="91425" lIns="91425" spcFirstLastPara="1" rIns="91425" wrap="square" tIns="91425">
+          <a:bodyPr spcFirstLastPara="1" wrap="square" lIns="91425" tIns="91425" rIns="91425" bIns="91425" anchor="ctr" anchorCtr="0">
             <a:noAutofit/>
           </a:bodyPr>
           <a:lstStyle/>
           <a:p>
-            <a:pPr indent="0" lvl="0" marL="0" rtl="0" algn="l">
-              <a:spcBef>
-                <a:spcPts val="0"/>
-              </a:spcBef>
-              <a:spcAft>
-                <a:spcPts val="0"/>
-              </a:spcAft>
-              <a:buNone/>
-            </a:pPr>
-            <a:r>
-              <a:t/>
-            </a:r>
+            <a:pPr marL="0" lvl="0" indent="0" algn="l" rtl="0">
+              <a:spcBef>
+                <a:spcPts val="0"/>
+              </a:spcBef>
+              <a:spcAft>
+                <a:spcPts val="0"/>
+              </a:spcAft>
+              <a:buNone/>
+            </a:pPr>
             <a:endParaRPr/>
           </a:p>
         </p:txBody>
@@ -12739,11 +12414,11 @@
 </file>
 
 <file path=ppt/slides/slide9.xml><?xml version="1.0" encoding="utf-8"?>
-<p:sld xmlns:a="http://schemas.openxmlformats.org/drawingml/2006/main" xmlns:r="http://schemas.openxmlformats.org/officeDocument/2006/relationships" xmlns:mc="http://schemas.openxmlformats.org/markup-compatibility/2006" xmlns:mv="urn:schemas-microsoft-com:mac:vml" xmlns:p="http://schemas.openxmlformats.org/presentationml/2006/main" xmlns:c="http://schemas.openxmlformats.org/drawingml/2006/chart" xmlns:dgm="http://schemas.openxmlformats.org/drawingml/2006/diagram" xmlns:o="urn:schemas-microsoft-com:office:office" xmlns:v="urn:schemas-microsoft-com:vml" xmlns:pvml="urn:schemas-microsoft-com:office:powerpoint" xmlns:com="http://schemas.openxmlformats.org/drawingml/2006/compatibility" xmlns:p14="http://schemas.microsoft.com/office/powerpoint/2010/main" xmlns:p15="http://schemas.microsoft.com/office/powerpoint/2012/main" xmlns:ahyp="http://schemas.microsoft.com/office/drawing/2018/hyperlinkcolor">
+<p:sld xmlns:a="http://schemas.openxmlformats.org/drawingml/2006/main" xmlns:r="http://schemas.openxmlformats.org/officeDocument/2006/relationships" xmlns:p="http://schemas.openxmlformats.org/presentationml/2006/main">
   <p:cSld>
     <p:spTree>
       <p:nvGrpSpPr>
-        <p:cNvPr id="143" name="Shape 143"/>
+        <p:cNvPr id="1" name="Shape 143"/>
         <p:cNvGrpSpPr/>
         <p:nvPr/>
       </p:nvGrpSpPr>
@@ -12758,7 +12433,9 @@
       <p:sp>
         <p:nvSpPr>
           <p:cNvPr id="144" name="Google Shape;144;p21"/>
-          <p:cNvSpPr txBox="1"/>
+          <p:cNvSpPr txBox="1">
+            <a:spLocks noGrp="1"/>
+          </p:cNvSpPr>
           <p:nvPr>
             <p:ph type="title"/>
           </p:nvPr>
@@ -12773,12 +12450,12 @@
           </a:prstGeom>
         </p:spPr>
         <p:txBody>
-          <a:bodyPr anchorCtr="0" anchor="t" bIns="91425" lIns="91425" spcFirstLastPara="1" rIns="91425" wrap="square" tIns="91425">
+          <a:bodyPr spcFirstLastPara="1" wrap="square" lIns="91425" tIns="91425" rIns="91425" bIns="91425" anchor="t" anchorCtr="0">
             <a:normAutofit fontScale="90000"/>
           </a:bodyPr>
           <a:lstStyle/>
           <a:p>
-            <a:pPr indent="0" lvl="0" marL="0" rtl="0" algn="l">
+            <a:pPr marL="0" lvl="0" indent="0" algn="l" rtl="0">
               <a:spcBef>
                 <a:spcPts val="0"/>
               </a:spcBef>
@@ -12815,12 +12492,12 @@
           </a:ln>
         </p:spPr>
         <p:txBody>
-          <a:bodyPr anchorCtr="0" anchor="t" bIns="91425" lIns="91425" spcFirstLastPara="1" rIns="91425" wrap="square" tIns="91425">
+          <a:bodyPr spcFirstLastPara="1" wrap="square" lIns="91425" tIns="91425" rIns="91425" bIns="91425" anchor="t" anchorCtr="0">
             <a:spAutoFit/>
           </a:bodyPr>
           <a:lstStyle/>
           <a:p>
-            <a:pPr indent="-336550" lvl="0" marL="457200" rtl="0" algn="l">
+            <a:pPr marL="457200" lvl="0" indent="-336550" algn="l" rtl="0">
               <a:spcBef>
                 <a:spcPts val="0"/>
               </a:spcBef>
@@ -12842,7 +12519,7 @@
               <a:t>Tricky thing about this dataset, different rows of “value” column mean different things (</a:t>
             </a:r>
             <a:r>
-              <a:rPr b="1" lang="en" sz="1700">
+              <a:rPr lang="en" sz="1700" b="1">
                 <a:solidFill>
                   <a:schemeClr val="dk1"/>
                 </a:solidFill>
@@ -12858,7 +12535,7 @@
               <a:t>) and have different units (</a:t>
             </a:r>
             <a:r>
-              <a:rPr b="1" lang="en" sz="1700">
+              <a:rPr lang="en" sz="1700" b="1">
                 <a:solidFill>
                   <a:schemeClr val="dk1"/>
                 </a:solidFill>
@@ -12880,7 +12557,7 @@
             </a:endParaRPr>
           </a:p>
           <a:p>
-            <a:pPr indent="-336550" lvl="0" marL="457200" rtl="0" algn="l">
+            <a:pPr marL="457200" lvl="0" indent="-336550" algn="l" rtl="0">
               <a:spcBef>
                 <a:spcPts val="0"/>
               </a:spcBef>
@@ -12906,7 +12583,7 @@
               <a:t>onstructed 20 features with combinations of sex, type of skill, and education level  (if we had more time, use external data so </a:t>
             </a:r>
             <a:r>
-              <a:rPr b="1" lang="en" sz="1700"/>
+              <a:rPr lang="en" sz="1700" b="1"/>
               <a:t>not to violate OLS assumption of no perfect multi-collinearity </a:t>
             </a:r>
             <a:r>
@@ -12916,18 +12593,15 @@
             <a:endParaRPr sz="1700"/>
           </a:p>
           <a:p>
-            <a:pPr indent="0" lvl="0" marL="457200" rtl="0" algn="l">
-              <a:spcBef>
-                <a:spcPts val="0"/>
-              </a:spcBef>
-              <a:spcAft>
-                <a:spcPts val="0"/>
-              </a:spcAft>
-              <a:buNone/>
-            </a:pPr>
-            <a:r>
-              <a:t/>
-            </a:r>
+            <a:pPr marL="457200" lvl="0" indent="0" algn="l" rtl="0">
+              <a:spcBef>
+                <a:spcPts val="0"/>
+              </a:spcBef>
+              <a:spcAft>
+                <a:spcPts val="0"/>
+              </a:spcAft>
+              <a:buNone/>
+            </a:pPr>
             <a:endParaRPr sz="1700"/>
           </a:p>
         </p:txBody>
@@ -12980,12 +12654,12 @@
           </a:ln>
         </p:spPr>
         <p:txBody>
-          <a:bodyPr anchorCtr="0" anchor="t" bIns="91425" lIns="91425" spcFirstLastPara="1" rIns="91425" wrap="square" tIns="91425">
+          <a:bodyPr spcFirstLastPara="1" wrap="square" lIns="91425" tIns="91425" rIns="91425" bIns="91425" anchor="t" anchorCtr="0">
             <a:spAutoFit/>
           </a:bodyPr>
           <a:lstStyle/>
           <a:p>
-            <a:pPr indent="0" lvl="0" marL="0" rtl="0" algn="l">
+            <a:pPr marL="0" lvl="0" indent="0" algn="l" rtl="0">
               <a:spcBef>
                 <a:spcPts val="0"/>
               </a:spcBef>
@@ -13011,7 +12685,288 @@
 </file>
 
 <file path=ppt/theme/theme1.xml><?xml version="1.0" encoding="utf-8"?>
-<a:theme xmlns:a="http://schemas.openxmlformats.org/drawingml/2006/main" xmlns:r="http://schemas.openxmlformats.org/officeDocument/2006/relationships">
+<a:theme xmlns:a="http://schemas.openxmlformats.org/drawingml/2006/main" name="Simple Light">
+  <a:themeElements>
+    <a:clrScheme name="Simple Light">
+      <a:dk1>
+        <a:srgbClr val="000000"/>
+      </a:dk1>
+      <a:lt1>
+        <a:srgbClr val="FFFFFF"/>
+      </a:lt1>
+      <a:dk2>
+        <a:srgbClr val="595959"/>
+      </a:dk2>
+      <a:lt2>
+        <a:srgbClr val="EEEEEE"/>
+      </a:lt2>
+      <a:accent1>
+        <a:srgbClr val="4285F4"/>
+      </a:accent1>
+      <a:accent2>
+        <a:srgbClr val="212121"/>
+      </a:accent2>
+      <a:accent3>
+        <a:srgbClr val="78909C"/>
+      </a:accent3>
+      <a:accent4>
+        <a:srgbClr val="FFAB40"/>
+      </a:accent4>
+      <a:accent5>
+        <a:srgbClr val="0097A7"/>
+      </a:accent5>
+      <a:accent6>
+        <a:srgbClr val="EEFF41"/>
+      </a:accent6>
+      <a:hlink>
+        <a:srgbClr val="0097A7"/>
+      </a:hlink>
+      <a:folHlink>
+        <a:srgbClr val="0097A7"/>
+      </a:folHlink>
+    </a:clrScheme>
+    <a:fontScheme name="Office">
+      <a:majorFont>
+        <a:latin typeface="Arial"/>
+        <a:ea typeface=""/>
+        <a:cs typeface=""/>
+        <a:font script="Jpan" typeface="ＭＳ Ｐゴシック"/>
+        <a:font script="Hang" typeface="맑은 고딕"/>
+        <a:font script="Hans" typeface="宋体"/>
+        <a:font script="Hant" typeface="新細明體"/>
+        <a:font script="Arab" typeface="Times New Roman"/>
+        <a:font script="Hebr" typeface="Times New Roman"/>
+        <a:font script="Thai" typeface="Angsana New"/>
+        <a:font script="Ethi" typeface="Nyala"/>
+        <a:font script="Beng" typeface="Vrinda"/>
+        <a:font script="Gujr" typeface="Shruti"/>
+        <a:font script="Khmr" typeface="MoolBoran"/>
+        <a:font script="Knda" typeface="Tunga"/>
+        <a:font script="Guru" typeface="Raavi"/>
+        <a:font script="Cans" typeface="Euphemia"/>
+        <a:font script="Cher" typeface="Plantagenet Cherokee"/>
+        <a:font script="Yiii" typeface="Microsoft Yi Baiti"/>
+        <a:font script="Tibt" typeface="Microsoft Himalaya"/>
+        <a:font script="Thaa" typeface="MV Boli"/>
+        <a:font script="Deva" typeface="Mangal"/>
+        <a:font script="Telu" typeface="Gautami"/>
+        <a:font script="Taml" typeface="Latha"/>
+        <a:font script="Syrc" typeface="Estrangelo Edessa"/>
+        <a:font script="Orya" typeface="Kalinga"/>
+        <a:font script="Mlym" typeface="Kartika"/>
+        <a:font script="Laoo" typeface="DokChampa"/>
+        <a:font script="Sinh" typeface="Iskoola Pota"/>
+        <a:font script="Mong" typeface="Mongolian Baiti"/>
+        <a:font script="Viet" typeface="Times New Roman"/>
+        <a:font script="Uigh" typeface="Microsoft Uighur"/>
+        <a:font script="Geor" typeface="Sylfaen"/>
+      </a:majorFont>
+      <a:minorFont>
+        <a:latin typeface="Arial"/>
+        <a:ea typeface=""/>
+        <a:cs typeface=""/>
+        <a:font script="Jpan" typeface="ＭＳ Ｐゴシック"/>
+        <a:font script="Hang" typeface="맑은 고딕"/>
+        <a:font script="Hans" typeface="宋体"/>
+        <a:font script="Hant" typeface="新細明體"/>
+        <a:font script="Arab" typeface="Arial"/>
+        <a:font script="Hebr" typeface="Arial"/>
+        <a:font script="Thai" typeface="Cordia New"/>
+        <a:font script="Ethi" typeface="Nyala"/>
+        <a:font script="Beng" typeface="Vrinda"/>
+        <a:font script="Gujr" typeface="Shruti"/>
+        <a:font script="Khmr" typeface="DaunPenh"/>
+        <a:font script="Knda" typeface="Tunga"/>
+        <a:font script="Guru" typeface="Raavi"/>
+        <a:font script="Cans" typeface="Euphemia"/>
+        <a:font script="Cher" typeface="Plantagenet Cherokee"/>
+        <a:font script="Yiii" typeface="Microsoft Yi Baiti"/>
+        <a:font script="Tibt" typeface="Microsoft Himalaya"/>
+        <a:font script="Thaa" typeface="MV Boli"/>
+        <a:font script="Deva" typeface="Mangal"/>
+        <a:font script="Telu" typeface="Gautami"/>
+        <a:font script="Taml" typeface="Latha"/>
+        <a:font script="Syrc" typeface="Estrangelo Edessa"/>
+        <a:font script="Orya" typeface="Kalinga"/>
+        <a:font script="Mlym" typeface="Kartika"/>
+        <a:font script="Laoo" typeface="DokChampa"/>
+        <a:font script="Sinh" typeface="Iskoola Pota"/>
+        <a:font script="Mong" typeface="Mongolian Baiti"/>
+        <a:font script="Viet" typeface="Arial"/>
+        <a:font script="Uigh" typeface="Microsoft Uighur"/>
+        <a:font script="Geor" typeface="Sylfaen"/>
+      </a:minorFont>
+    </a:fontScheme>
+    <a:fmtScheme name="Office">
+      <a:fillStyleLst>
+        <a:solidFill>
+          <a:schemeClr val="phClr"/>
+        </a:solidFill>
+        <a:gradFill rotWithShape="1">
+          <a:gsLst>
+            <a:gs pos="0">
+              <a:schemeClr val="phClr">
+                <a:tint val="50000"/>
+                <a:satMod val="300000"/>
+              </a:schemeClr>
+            </a:gs>
+            <a:gs pos="35000">
+              <a:schemeClr val="phClr">
+                <a:tint val="37000"/>
+                <a:satMod val="300000"/>
+              </a:schemeClr>
+            </a:gs>
+            <a:gs pos="100000">
+              <a:schemeClr val="phClr">
+                <a:tint val="15000"/>
+                <a:satMod val="350000"/>
+              </a:schemeClr>
+            </a:gs>
+          </a:gsLst>
+          <a:lin ang="16200000" scaled="1"/>
+        </a:gradFill>
+        <a:gradFill rotWithShape="1">
+          <a:gsLst>
+            <a:gs pos="0">
+              <a:schemeClr val="phClr">
+                <a:tint val="100000"/>
+                <a:shade val="100000"/>
+                <a:satMod val="130000"/>
+              </a:schemeClr>
+            </a:gs>
+            <a:gs pos="100000">
+              <a:schemeClr val="phClr">
+                <a:tint val="50000"/>
+                <a:shade val="100000"/>
+                <a:satMod val="350000"/>
+              </a:schemeClr>
+            </a:gs>
+          </a:gsLst>
+          <a:lin ang="16200000" scaled="0"/>
+        </a:gradFill>
+      </a:fillStyleLst>
+      <a:lnStyleLst>
+        <a:ln w="9525" cap="flat" cmpd="sng" algn="ctr">
+          <a:solidFill>
+            <a:schemeClr val="phClr">
+              <a:shade val="95000"/>
+              <a:satMod val="105000"/>
+            </a:schemeClr>
+          </a:solidFill>
+          <a:prstDash val="solid"/>
+        </a:ln>
+        <a:ln w="25400" cap="flat" cmpd="sng" algn="ctr">
+          <a:solidFill>
+            <a:schemeClr val="phClr"/>
+          </a:solidFill>
+          <a:prstDash val="solid"/>
+        </a:ln>
+        <a:ln w="38100" cap="flat" cmpd="sng" algn="ctr">
+          <a:solidFill>
+            <a:schemeClr val="phClr"/>
+          </a:solidFill>
+          <a:prstDash val="solid"/>
+        </a:ln>
+      </a:lnStyleLst>
+      <a:effectStyleLst>
+        <a:effectStyle>
+          <a:effectLst>
+            <a:outerShdw blurRad="40000" dist="20000" dir="5400000" rotWithShape="0">
+              <a:srgbClr val="000000">
+                <a:alpha val="38000"/>
+              </a:srgbClr>
+            </a:outerShdw>
+          </a:effectLst>
+        </a:effectStyle>
+        <a:effectStyle>
+          <a:effectLst>
+            <a:outerShdw blurRad="40000" dist="23000" dir="5400000" rotWithShape="0">
+              <a:srgbClr val="000000">
+                <a:alpha val="35000"/>
+              </a:srgbClr>
+            </a:outerShdw>
+          </a:effectLst>
+        </a:effectStyle>
+        <a:effectStyle>
+          <a:effectLst>
+            <a:outerShdw blurRad="40000" dist="23000" dir="5400000" rotWithShape="0">
+              <a:srgbClr val="000000">
+                <a:alpha val="35000"/>
+              </a:srgbClr>
+            </a:outerShdw>
+          </a:effectLst>
+          <a:scene3d>
+            <a:camera prst="orthographicFront">
+              <a:rot lat="0" lon="0" rev="0"/>
+            </a:camera>
+            <a:lightRig rig="threePt" dir="t">
+              <a:rot lat="0" lon="0" rev="1200000"/>
+            </a:lightRig>
+          </a:scene3d>
+          <a:sp3d>
+            <a:bevelT w="63500" h="25400"/>
+          </a:sp3d>
+        </a:effectStyle>
+      </a:effectStyleLst>
+      <a:bgFillStyleLst>
+        <a:solidFill>
+          <a:schemeClr val="phClr"/>
+        </a:solidFill>
+        <a:gradFill rotWithShape="1">
+          <a:gsLst>
+            <a:gs pos="0">
+              <a:schemeClr val="phClr">
+                <a:tint val="40000"/>
+                <a:satMod val="350000"/>
+              </a:schemeClr>
+            </a:gs>
+            <a:gs pos="40000">
+              <a:schemeClr val="phClr">
+                <a:tint val="45000"/>
+                <a:shade val="99000"/>
+                <a:satMod val="350000"/>
+              </a:schemeClr>
+            </a:gs>
+            <a:gs pos="100000">
+              <a:schemeClr val="phClr">
+                <a:shade val="20000"/>
+                <a:satMod val="255000"/>
+              </a:schemeClr>
+            </a:gs>
+          </a:gsLst>
+          <a:path path="circle">
+            <a:fillToRect l="50000" t="-80000" r="50000" b="180000"/>
+          </a:path>
+        </a:gradFill>
+        <a:gradFill rotWithShape="1">
+          <a:gsLst>
+            <a:gs pos="0">
+              <a:schemeClr val="phClr">
+                <a:tint val="80000"/>
+                <a:satMod val="300000"/>
+              </a:schemeClr>
+            </a:gs>
+            <a:gs pos="100000">
+              <a:schemeClr val="phClr">
+                <a:shade val="30000"/>
+                <a:satMod val="200000"/>
+              </a:schemeClr>
+            </a:gs>
+          </a:gsLst>
+          <a:path path="circle">
+            <a:fillToRect l="50000" t="50000" r="50000" b="50000"/>
+          </a:path>
+        </a:gradFill>
+      </a:bgFillStyleLst>
+    </a:fmtScheme>
+  </a:themeElements>
+  <a:objectDefaults/>
+  <a:extraClrSchemeLst/>
+</a:theme>
+</file>
+
+<file path=ppt/theme/theme2.xml><?xml version="1.0" encoding="utf-8"?>
+<a:theme xmlns:a="http://schemas.openxmlformats.org/drawingml/2006/main">
   <a:themeElements>
     <a:clrScheme name="Default">
       <a:dk1>
@@ -13286,284 +13241,7 @@
       </a:bgFillStyleLst>
     </a:fmtScheme>
   </a:themeElements>
-</a:theme>
-</file>
-
-<file path=ppt/theme/theme2.xml><?xml version="1.0" encoding="utf-8"?>
-<a:theme xmlns:a="http://schemas.openxmlformats.org/drawingml/2006/main" xmlns:r="http://schemas.openxmlformats.org/officeDocument/2006/relationships" name="Simple Light">
-  <a:themeElements>
-    <a:clrScheme name="Simple Light">
-      <a:dk1>
-        <a:srgbClr val="000000"/>
-      </a:dk1>
-      <a:lt1>
-        <a:srgbClr val="FFFFFF"/>
-      </a:lt1>
-      <a:dk2>
-        <a:srgbClr val="595959"/>
-      </a:dk2>
-      <a:lt2>
-        <a:srgbClr val="EEEEEE"/>
-      </a:lt2>
-      <a:accent1>
-        <a:srgbClr val="4285F4"/>
-      </a:accent1>
-      <a:accent2>
-        <a:srgbClr val="212121"/>
-      </a:accent2>
-      <a:accent3>
-        <a:srgbClr val="78909C"/>
-      </a:accent3>
-      <a:accent4>
-        <a:srgbClr val="FFAB40"/>
-      </a:accent4>
-      <a:accent5>
-        <a:srgbClr val="0097A7"/>
-      </a:accent5>
-      <a:accent6>
-        <a:srgbClr val="EEFF41"/>
-      </a:accent6>
-      <a:hlink>
-        <a:srgbClr val="0097A7"/>
-      </a:hlink>
-      <a:folHlink>
-        <a:srgbClr val="0097A7"/>
-      </a:folHlink>
-    </a:clrScheme>
-    <a:fontScheme name="Office">
-      <a:majorFont>
-        <a:latin typeface="Arial"/>
-        <a:ea typeface=""/>
-        <a:cs typeface=""/>
-        <a:font script="Jpan" typeface="ＭＳ Ｐゴシック"/>
-        <a:font script="Hang" typeface="맑은 고딕"/>
-        <a:font script="Hans" typeface="宋体"/>
-        <a:font script="Hant" typeface="新細明體"/>
-        <a:font script="Arab" typeface="Times New Roman"/>
-        <a:font script="Hebr" typeface="Times New Roman"/>
-        <a:font script="Thai" typeface="Angsana New"/>
-        <a:font script="Ethi" typeface="Nyala"/>
-        <a:font script="Beng" typeface="Vrinda"/>
-        <a:font script="Gujr" typeface="Shruti"/>
-        <a:font script="Khmr" typeface="MoolBoran"/>
-        <a:font script="Knda" typeface="Tunga"/>
-        <a:font script="Guru" typeface="Raavi"/>
-        <a:font script="Cans" typeface="Euphemia"/>
-        <a:font script="Cher" typeface="Plantagenet Cherokee"/>
-        <a:font script="Yiii" typeface="Microsoft Yi Baiti"/>
-        <a:font script="Tibt" typeface="Microsoft Himalaya"/>
-        <a:font script="Thaa" typeface="MV Boli"/>
-        <a:font script="Deva" typeface="Mangal"/>
-        <a:font script="Telu" typeface="Gautami"/>
-        <a:font script="Taml" typeface="Latha"/>
-        <a:font script="Syrc" typeface="Estrangelo Edessa"/>
-        <a:font script="Orya" typeface="Kalinga"/>
-        <a:font script="Mlym" typeface="Kartika"/>
-        <a:font script="Laoo" typeface="DokChampa"/>
-        <a:font script="Sinh" typeface="Iskoola Pota"/>
-        <a:font script="Mong" typeface="Mongolian Baiti"/>
-        <a:font script="Viet" typeface="Times New Roman"/>
-        <a:font script="Uigh" typeface="Microsoft Uighur"/>
-        <a:font script="Geor" typeface="Sylfaen"/>
-      </a:majorFont>
-      <a:minorFont>
-        <a:latin typeface="Arial"/>
-        <a:ea typeface=""/>
-        <a:cs typeface=""/>
-        <a:font script="Jpan" typeface="ＭＳ Ｐゴシック"/>
-        <a:font script="Hang" typeface="맑은 고딕"/>
-        <a:font script="Hans" typeface="宋体"/>
-        <a:font script="Hant" typeface="新細明體"/>
-        <a:font script="Arab" typeface="Arial"/>
-        <a:font script="Hebr" typeface="Arial"/>
-        <a:font script="Thai" typeface="Cordia New"/>
-        <a:font script="Ethi" typeface="Nyala"/>
-        <a:font script="Beng" typeface="Vrinda"/>
-        <a:font script="Gujr" typeface="Shruti"/>
-        <a:font script="Khmr" typeface="DaunPenh"/>
-        <a:font script="Knda" typeface="Tunga"/>
-        <a:font script="Guru" typeface="Raavi"/>
-        <a:font script="Cans" typeface="Euphemia"/>
-        <a:font script="Cher" typeface="Plantagenet Cherokee"/>
-        <a:font script="Yiii" typeface="Microsoft Yi Baiti"/>
-        <a:font script="Tibt" typeface="Microsoft Himalaya"/>
-        <a:font script="Thaa" typeface="MV Boli"/>
-        <a:font script="Deva" typeface="Mangal"/>
-        <a:font script="Telu" typeface="Gautami"/>
-        <a:font script="Taml" typeface="Latha"/>
-        <a:font script="Syrc" typeface="Estrangelo Edessa"/>
-        <a:font script="Orya" typeface="Kalinga"/>
-        <a:font script="Mlym" typeface="Kartika"/>
-        <a:font script="Laoo" typeface="DokChampa"/>
-        <a:font script="Sinh" typeface="Iskoola Pota"/>
-        <a:font script="Mong" typeface="Mongolian Baiti"/>
-        <a:font script="Viet" typeface="Arial"/>
-        <a:font script="Uigh" typeface="Microsoft Uighur"/>
-        <a:font script="Geor" typeface="Sylfaen"/>
-      </a:minorFont>
-    </a:fontScheme>
-    <a:fmtScheme name="Office">
-      <a:fillStyleLst>
-        <a:solidFill>
-          <a:schemeClr val="phClr"/>
-        </a:solidFill>
-        <a:gradFill rotWithShape="1">
-          <a:gsLst>
-            <a:gs pos="0">
-              <a:schemeClr val="phClr">
-                <a:tint val="50000"/>
-                <a:satMod val="300000"/>
-              </a:schemeClr>
-            </a:gs>
-            <a:gs pos="35000">
-              <a:schemeClr val="phClr">
-                <a:tint val="37000"/>
-                <a:satMod val="300000"/>
-              </a:schemeClr>
-            </a:gs>
-            <a:gs pos="100000">
-              <a:schemeClr val="phClr">
-                <a:tint val="15000"/>
-                <a:satMod val="350000"/>
-              </a:schemeClr>
-            </a:gs>
-          </a:gsLst>
-          <a:lin ang="16200000" scaled="1"/>
-        </a:gradFill>
-        <a:gradFill rotWithShape="1">
-          <a:gsLst>
-            <a:gs pos="0">
-              <a:schemeClr val="phClr">
-                <a:tint val="100000"/>
-                <a:shade val="100000"/>
-                <a:satMod val="130000"/>
-              </a:schemeClr>
-            </a:gs>
-            <a:gs pos="100000">
-              <a:schemeClr val="phClr">
-                <a:tint val="50000"/>
-                <a:shade val="100000"/>
-                <a:satMod val="350000"/>
-              </a:schemeClr>
-            </a:gs>
-          </a:gsLst>
-          <a:lin ang="16200000" scaled="0"/>
-        </a:gradFill>
-      </a:fillStyleLst>
-      <a:lnStyleLst>
-        <a:ln w="9525" cap="flat" cmpd="sng" algn="ctr">
-          <a:solidFill>
-            <a:schemeClr val="phClr">
-              <a:shade val="95000"/>
-              <a:satMod val="105000"/>
-            </a:schemeClr>
-          </a:solidFill>
-          <a:prstDash val="solid"/>
-        </a:ln>
-        <a:ln w="25400" cap="flat" cmpd="sng" algn="ctr">
-          <a:solidFill>
-            <a:schemeClr val="phClr"/>
-          </a:solidFill>
-          <a:prstDash val="solid"/>
-        </a:ln>
-        <a:ln w="38100" cap="flat" cmpd="sng" algn="ctr">
-          <a:solidFill>
-            <a:schemeClr val="phClr"/>
-          </a:solidFill>
-          <a:prstDash val="solid"/>
-        </a:ln>
-      </a:lnStyleLst>
-      <a:effectStyleLst>
-        <a:effectStyle>
-          <a:effectLst>
-            <a:outerShdw blurRad="40000" dist="20000" dir="5400000" rotWithShape="0">
-              <a:srgbClr val="000000">
-                <a:alpha val="38000"/>
-              </a:srgbClr>
-            </a:outerShdw>
-          </a:effectLst>
-        </a:effectStyle>
-        <a:effectStyle>
-          <a:effectLst>
-            <a:outerShdw blurRad="40000" dist="23000" dir="5400000" rotWithShape="0">
-              <a:srgbClr val="000000">
-                <a:alpha val="35000"/>
-              </a:srgbClr>
-            </a:outerShdw>
-          </a:effectLst>
-        </a:effectStyle>
-        <a:effectStyle>
-          <a:effectLst>
-            <a:outerShdw blurRad="40000" dist="23000" dir="5400000" rotWithShape="0">
-              <a:srgbClr val="000000">
-                <a:alpha val="35000"/>
-              </a:srgbClr>
-            </a:outerShdw>
-          </a:effectLst>
-          <a:scene3d>
-            <a:camera prst="orthographicFront">
-              <a:rot lat="0" lon="0" rev="0"/>
-            </a:camera>
-            <a:lightRig rig="threePt" dir="t">
-              <a:rot lat="0" lon="0" rev="1200000"/>
-            </a:lightRig>
-          </a:scene3d>
-          <a:sp3d>
-            <a:bevelT w="63500" h="25400"/>
-          </a:sp3d>
-        </a:effectStyle>
-      </a:effectStyleLst>
-      <a:bgFillStyleLst>
-        <a:solidFill>
-          <a:schemeClr val="phClr"/>
-        </a:solidFill>
-        <a:gradFill rotWithShape="1">
-          <a:gsLst>
-            <a:gs pos="0">
-              <a:schemeClr val="phClr">
-                <a:tint val="40000"/>
-                <a:satMod val="350000"/>
-              </a:schemeClr>
-            </a:gs>
-            <a:gs pos="40000">
-              <a:schemeClr val="phClr">
-                <a:tint val="45000"/>
-                <a:shade val="99000"/>
-                <a:satMod val="350000"/>
-              </a:schemeClr>
-            </a:gs>
-            <a:gs pos="100000">
-              <a:schemeClr val="phClr">
-                <a:shade val="20000"/>
-                <a:satMod val="255000"/>
-              </a:schemeClr>
-            </a:gs>
-          </a:gsLst>
-          <a:path path="circle">
-            <a:fillToRect l="50000" t="-80000" r="50000" b="180000"/>
-          </a:path>
-        </a:gradFill>
-        <a:gradFill rotWithShape="1">
-          <a:gsLst>
-            <a:gs pos="0">
-              <a:schemeClr val="phClr">
-                <a:tint val="80000"/>
-                <a:satMod val="300000"/>
-              </a:schemeClr>
-            </a:gs>
-            <a:gs pos="100000">
-              <a:schemeClr val="phClr">
-                <a:shade val="30000"/>
-                <a:satMod val="200000"/>
-              </a:schemeClr>
-            </a:gs>
-          </a:gsLst>
-          <a:path path="circle">
-            <a:fillToRect l="50000" t="50000" r="50000" b="50000"/>
-          </a:path>
-        </a:gradFill>
-      </a:bgFillStyleLst>
-    </a:fmtScheme>
-  </a:themeElements>
+  <a:objectDefaults/>
+  <a:extraClrSchemeLst/>
 </a:theme>
 </file>